--- a/spring13/slides13/tree-defs.pptx
+++ b/spring13/slides13/tree-defs.pptx
@@ -5,17 +5,17 @@
     <p:sldMasterId id="2147483650" r:id="rId1"/>
   </p:sldMasterIdLst>
   <p:notesMasterIdLst>
-    <p:notesMasterId r:id="rId21"/>
+    <p:notesMasterId r:id="rId25"/>
   </p:notesMasterIdLst>
   <p:handoutMasterIdLst>
-    <p:handoutMasterId r:id="rId22"/>
+    <p:handoutMasterId r:id="rId26"/>
   </p:handoutMasterIdLst>
   <p:sldIdLst>
     <p:sldId id="990" r:id="rId2"/>
-    <p:sldId id="776" r:id="rId3"/>
-    <p:sldId id="777" r:id="rId4"/>
-    <p:sldId id="1045" r:id="rId5"/>
-    <p:sldId id="1046" r:id="rId6"/>
+    <p:sldId id="1045" r:id="rId3"/>
+    <p:sldId id="1046" r:id="rId4"/>
+    <p:sldId id="776" r:id="rId5"/>
+    <p:sldId id="777" r:id="rId6"/>
     <p:sldId id="1041" r:id="rId7"/>
     <p:sldId id="1043" r:id="rId8"/>
     <p:sldId id="1023" r:id="rId9"/>
@@ -29,12 +29,16 @@
     <p:sldId id="1022" r:id="rId17"/>
     <p:sldId id="1025" r:id="rId18"/>
     <p:sldId id="986" r:id="rId19"/>
-    <p:sldId id="778" r:id="rId20"/>
+    <p:sldId id="1050" r:id="rId20"/>
+    <p:sldId id="778" r:id="rId21"/>
+    <p:sldId id="1047" r:id="rId22"/>
+    <p:sldId id="1049" r:id="rId23"/>
+    <p:sldId id="1048" r:id="rId24"/>
   </p:sldIdLst>
   <p:sldSz cx="9144000" cy="6858000" type="screen4x3"/>
   <p:notesSz cx="9601200" cy="7315200"/>
   <p:custDataLst>
-    <p:tags r:id="rId24"/>
+    <p:tags r:id="rId28"/>
   </p:custDataLst>
   <p:defaultTextStyle>
     <a:defPPr>
@@ -1731,6 +1735,104 @@
       </p:grpSpPr>
       <p:sp>
         <p:nvSpPr>
+          <p:cNvPr id="117762" name="Rectangle 7"/>
+          <p:cNvSpPr>
+            <a:spLocks noGrp="1" noChangeArrowheads="1"/>
+          </p:cNvSpPr>
+          <p:nvPr>
+            <p:ph type="sldNum" sz="quarter" idx="5"/>
+          </p:nvPr>
+        </p:nvSpPr>
+        <p:spPr>
+          <a:noFill/>
+        </p:spPr>
+        <p:txBody>
+          <a:bodyPr/>
+          <a:lstStyle/>
+          <a:p>
+            <a:fld id="{FD6D4B5C-EB4D-4066-86E8-454D9D26200A}" type="slidenum">
+              <a:rPr lang="zh-CN" altLang="en-US" smtClean="0">
+                <a:latin typeface="Times New Roman" pitchFamily="8" charset="0"/>
+              </a:rPr>
+              <a:pPr/>
+              <a:t>19</a:t>
+            </a:fld>
+            <a:endParaRPr lang="en-US" altLang="zh-CN" smtClean="0">
+              <a:latin typeface="Times New Roman" pitchFamily="8" charset="0"/>
+            </a:endParaRPr>
+          </a:p>
+        </p:txBody>
+      </p:sp>
+      <p:sp>
+        <p:nvSpPr>
+          <p:cNvPr id="117763" name="Rectangle 2"/>
+          <p:cNvSpPr>
+            <a:spLocks noGrp="1" noRot="1" noChangeAspect="1" noChangeArrowheads="1" noTextEdit="1"/>
+          </p:cNvSpPr>
+          <p:nvPr>
+            <p:ph type="sldImg"/>
+          </p:nvPr>
+        </p:nvSpPr>
+        <p:spPr>
+          <a:xfrm>
+            <a:off x="2974975" y="549275"/>
+            <a:ext cx="3657600" cy="2743200"/>
+          </a:xfrm>
+          <a:ln/>
+        </p:spPr>
+      </p:sp>
+      <p:sp>
+        <p:nvSpPr>
+          <p:cNvPr id="117764" name="Rectangle 3"/>
+          <p:cNvSpPr>
+            <a:spLocks noGrp="1" noChangeArrowheads="1"/>
+          </p:cNvSpPr>
+          <p:nvPr>
+            <p:ph type="body" idx="1"/>
+          </p:nvPr>
+        </p:nvSpPr>
+        <p:spPr>
+          <a:noFill/>
+          <a:ln/>
+        </p:spPr>
+        <p:txBody>
+          <a:bodyPr/>
+          <a:lstStyle/>
+          <a:p>
+            <a:pPr eaLnBrk="1" hangingPunct="1"/>
+            <a:endParaRPr lang="zh-CN" altLang="en-US" smtClean="0">
+              <a:latin typeface="Times New Roman" pitchFamily="8" charset="0"/>
+            </a:endParaRPr>
+          </a:p>
+        </p:txBody>
+      </p:sp>
+    </p:spTree>
+  </p:cSld>
+  <p:clrMapOvr>
+    <a:masterClrMapping/>
+  </p:clrMapOvr>
+</p:notes>
+</file>
+
+<file path=ppt/notesSlides/notesSlide19.xml><?xml version="1.0" encoding="utf-8"?>
+<p:notes xmlns:a="http://schemas.openxmlformats.org/drawingml/2006/main" xmlns:r="http://schemas.openxmlformats.org/officeDocument/2006/relationships" xmlns:p="http://schemas.openxmlformats.org/presentationml/2006/main">
+  <p:cSld>
+    <p:spTree>
+      <p:nvGrpSpPr>
+        <p:cNvPr id="1" name=""/>
+        <p:cNvGrpSpPr/>
+        <p:nvPr/>
+      </p:nvGrpSpPr>
+      <p:grpSpPr>
+        <a:xfrm>
+          <a:off x="0" y="0"/>
+          <a:ext cx="0" cy="0"/>
+          <a:chOff x="0" y="0"/>
+          <a:chExt cx="0" cy="0"/>
+        </a:xfrm>
+      </p:grpSpPr>
+      <p:sp>
+        <p:nvSpPr>
           <p:cNvPr id="119810" name="Rectangle 7"/>
           <p:cNvSpPr>
             <a:spLocks noGrp="1" noChangeArrowheads="1"/>
@@ -1751,7 +1853,7 @@
                 <a:latin typeface="Times New Roman" pitchFamily="8" charset="0"/>
               </a:rPr>
               <a:pPr/>
-              <a:t>19</a:t>
+              <a:t>20</a:t>
             </a:fld>
             <a:endParaRPr lang="en-US" altLang="zh-CN" smtClean="0">
               <a:latin typeface="Times New Roman" pitchFamily="8" charset="0"/>
@@ -1829,7 +1931,7 @@
       </p:grpSpPr>
       <p:sp>
         <p:nvSpPr>
-          <p:cNvPr id="117762" name="Rectangle 7"/>
+          <p:cNvPr id="116738" name="Rectangle 7"/>
           <p:cNvSpPr>
             <a:spLocks noGrp="1" noChangeArrowheads="1"/>
           </p:cNvSpPr>
@@ -1844,7 +1946,7 @@
           <a:bodyPr/>
           <a:lstStyle/>
           <a:p>
-            <a:fld id="{FD6D4B5C-EB4D-4066-86E8-454D9D26200A}" type="slidenum">
+            <a:fld id="{BED71AAD-DA34-46EF-AAAF-B4C0B8BDC4E7}" type="slidenum">
               <a:rPr lang="zh-CN" altLang="en-US" smtClean="0">
                 <a:latin typeface="Times New Roman" pitchFamily="8" charset="0"/>
               </a:rPr>
@@ -1859,7 +1961,7 @@
       </p:sp>
       <p:sp>
         <p:nvSpPr>
-          <p:cNvPr id="117763" name="Rectangle 2"/>
+          <p:cNvPr id="116739" name="Rectangle 2"/>
           <p:cNvSpPr>
             <a:spLocks noGrp="1" noRot="1" noChangeAspect="1" noChangeArrowheads="1" noTextEdit="1"/>
           </p:cNvSpPr>
@@ -1877,7 +1979,301 @@
       </p:sp>
       <p:sp>
         <p:nvSpPr>
-          <p:cNvPr id="117764" name="Rectangle 3"/>
+          <p:cNvPr id="116740" name="Rectangle 3"/>
+          <p:cNvSpPr>
+            <a:spLocks noGrp="1" noChangeArrowheads="1"/>
+          </p:cNvSpPr>
+          <p:nvPr>
+            <p:ph type="body" idx="1"/>
+          </p:nvPr>
+        </p:nvSpPr>
+        <p:spPr>
+          <a:noFill/>
+          <a:ln/>
+        </p:spPr>
+        <p:txBody>
+          <a:bodyPr/>
+          <a:lstStyle/>
+          <a:p>
+            <a:pPr eaLnBrk="1" hangingPunct="1"/>
+            <a:endParaRPr lang="zh-CN" altLang="en-US" smtClean="0">
+              <a:latin typeface="Times New Roman" pitchFamily="8" charset="0"/>
+            </a:endParaRPr>
+          </a:p>
+        </p:txBody>
+      </p:sp>
+    </p:spTree>
+  </p:cSld>
+  <p:clrMapOvr>
+    <a:masterClrMapping/>
+  </p:clrMapOvr>
+</p:notes>
+</file>
+
+<file path=ppt/notesSlides/notesSlide20.xml><?xml version="1.0" encoding="utf-8"?>
+<p:notes xmlns:a="http://schemas.openxmlformats.org/drawingml/2006/main" xmlns:r="http://schemas.openxmlformats.org/officeDocument/2006/relationships" xmlns:p="http://schemas.openxmlformats.org/presentationml/2006/main">
+  <p:cSld>
+    <p:spTree>
+      <p:nvGrpSpPr>
+        <p:cNvPr id="1" name=""/>
+        <p:cNvGrpSpPr/>
+        <p:nvPr/>
+      </p:nvGrpSpPr>
+      <p:grpSpPr>
+        <a:xfrm>
+          <a:off x="0" y="0"/>
+          <a:ext cx="0" cy="0"/>
+          <a:chOff x="0" y="0"/>
+          <a:chExt cx="0" cy="0"/>
+        </a:xfrm>
+      </p:grpSpPr>
+      <p:sp>
+        <p:nvSpPr>
+          <p:cNvPr id="119810" name="Rectangle 7"/>
+          <p:cNvSpPr>
+            <a:spLocks noGrp="1" noChangeArrowheads="1"/>
+          </p:cNvSpPr>
+          <p:nvPr>
+            <p:ph type="sldNum" sz="quarter" idx="5"/>
+          </p:nvPr>
+        </p:nvSpPr>
+        <p:spPr>
+          <a:noFill/>
+        </p:spPr>
+        <p:txBody>
+          <a:bodyPr/>
+          <a:lstStyle/>
+          <a:p>
+            <a:fld id="{B5F5B48D-612D-413F-95AF-D6651EB2E19B}" type="slidenum">
+              <a:rPr lang="zh-CN" altLang="en-US" smtClean="0">
+                <a:latin typeface="Times New Roman" pitchFamily="8" charset="0"/>
+              </a:rPr>
+              <a:pPr/>
+              <a:t>21</a:t>
+            </a:fld>
+            <a:endParaRPr lang="en-US" altLang="zh-CN" smtClean="0">
+              <a:latin typeface="Times New Roman" pitchFamily="8" charset="0"/>
+            </a:endParaRPr>
+          </a:p>
+        </p:txBody>
+      </p:sp>
+      <p:sp>
+        <p:nvSpPr>
+          <p:cNvPr id="119811" name="Rectangle 2"/>
+          <p:cNvSpPr>
+            <a:spLocks noGrp="1" noRot="1" noChangeAspect="1" noChangeArrowheads="1" noTextEdit="1"/>
+          </p:cNvSpPr>
+          <p:nvPr>
+            <p:ph type="sldImg"/>
+          </p:nvPr>
+        </p:nvSpPr>
+        <p:spPr>
+          <a:xfrm>
+            <a:off x="2974975" y="549275"/>
+            <a:ext cx="3657600" cy="2743200"/>
+          </a:xfrm>
+          <a:ln/>
+        </p:spPr>
+      </p:sp>
+      <p:sp>
+        <p:nvSpPr>
+          <p:cNvPr id="119812" name="Rectangle 3"/>
+          <p:cNvSpPr>
+            <a:spLocks noGrp="1" noChangeArrowheads="1"/>
+          </p:cNvSpPr>
+          <p:nvPr>
+            <p:ph type="body" idx="1"/>
+          </p:nvPr>
+        </p:nvSpPr>
+        <p:spPr>
+          <a:noFill/>
+          <a:ln/>
+        </p:spPr>
+        <p:txBody>
+          <a:bodyPr/>
+          <a:lstStyle/>
+          <a:p>
+            <a:pPr eaLnBrk="1" hangingPunct="1"/>
+            <a:endParaRPr lang="zh-CN" altLang="en-US" smtClean="0">
+              <a:latin typeface="Times New Roman" pitchFamily="8" charset="0"/>
+            </a:endParaRPr>
+          </a:p>
+        </p:txBody>
+      </p:sp>
+    </p:spTree>
+  </p:cSld>
+  <p:clrMapOvr>
+    <a:masterClrMapping/>
+  </p:clrMapOvr>
+</p:notes>
+</file>
+
+<file path=ppt/notesSlides/notesSlide21.xml><?xml version="1.0" encoding="utf-8"?>
+<p:notes xmlns:a="http://schemas.openxmlformats.org/drawingml/2006/main" xmlns:r="http://schemas.openxmlformats.org/officeDocument/2006/relationships" xmlns:p="http://schemas.openxmlformats.org/presentationml/2006/main">
+  <p:cSld>
+    <p:spTree>
+      <p:nvGrpSpPr>
+        <p:cNvPr id="1" name=""/>
+        <p:cNvGrpSpPr/>
+        <p:nvPr/>
+      </p:nvGrpSpPr>
+      <p:grpSpPr>
+        <a:xfrm>
+          <a:off x="0" y="0"/>
+          <a:ext cx="0" cy="0"/>
+          <a:chOff x="0" y="0"/>
+          <a:chExt cx="0" cy="0"/>
+        </a:xfrm>
+      </p:grpSpPr>
+      <p:sp>
+        <p:nvSpPr>
+          <p:cNvPr id="119810" name="Rectangle 7"/>
+          <p:cNvSpPr>
+            <a:spLocks noGrp="1" noChangeArrowheads="1"/>
+          </p:cNvSpPr>
+          <p:nvPr>
+            <p:ph type="sldNum" sz="quarter" idx="5"/>
+          </p:nvPr>
+        </p:nvSpPr>
+        <p:spPr>
+          <a:noFill/>
+        </p:spPr>
+        <p:txBody>
+          <a:bodyPr/>
+          <a:lstStyle/>
+          <a:p>
+            <a:fld id="{B5F5B48D-612D-413F-95AF-D6651EB2E19B}" type="slidenum">
+              <a:rPr lang="zh-CN" altLang="en-US" smtClean="0">
+                <a:latin typeface="Times New Roman" pitchFamily="8" charset="0"/>
+              </a:rPr>
+              <a:pPr/>
+              <a:t>22</a:t>
+            </a:fld>
+            <a:endParaRPr lang="en-US" altLang="zh-CN" smtClean="0">
+              <a:latin typeface="Times New Roman" pitchFamily="8" charset="0"/>
+            </a:endParaRPr>
+          </a:p>
+        </p:txBody>
+      </p:sp>
+      <p:sp>
+        <p:nvSpPr>
+          <p:cNvPr id="119811" name="Rectangle 2"/>
+          <p:cNvSpPr>
+            <a:spLocks noGrp="1" noRot="1" noChangeAspect="1" noChangeArrowheads="1" noTextEdit="1"/>
+          </p:cNvSpPr>
+          <p:nvPr>
+            <p:ph type="sldImg"/>
+          </p:nvPr>
+        </p:nvSpPr>
+        <p:spPr>
+          <a:xfrm>
+            <a:off x="2974975" y="549275"/>
+            <a:ext cx="3657600" cy="2743200"/>
+          </a:xfrm>
+          <a:ln/>
+        </p:spPr>
+      </p:sp>
+      <p:sp>
+        <p:nvSpPr>
+          <p:cNvPr id="119812" name="Rectangle 3"/>
+          <p:cNvSpPr>
+            <a:spLocks noGrp="1" noChangeArrowheads="1"/>
+          </p:cNvSpPr>
+          <p:nvPr>
+            <p:ph type="body" idx="1"/>
+          </p:nvPr>
+        </p:nvSpPr>
+        <p:spPr>
+          <a:noFill/>
+          <a:ln/>
+        </p:spPr>
+        <p:txBody>
+          <a:bodyPr/>
+          <a:lstStyle/>
+          <a:p>
+            <a:pPr eaLnBrk="1" hangingPunct="1"/>
+            <a:endParaRPr lang="zh-CN" altLang="en-US" smtClean="0">
+              <a:latin typeface="Times New Roman" pitchFamily="8" charset="0"/>
+            </a:endParaRPr>
+          </a:p>
+        </p:txBody>
+      </p:sp>
+    </p:spTree>
+  </p:cSld>
+  <p:clrMapOvr>
+    <a:masterClrMapping/>
+  </p:clrMapOvr>
+</p:notes>
+</file>
+
+<file path=ppt/notesSlides/notesSlide22.xml><?xml version="1.0" encoding="utf-8"?>
+<p:notes xmlns:a="http://schemas.openxmlformats.org/drawingml/2006/main" xmlns:r="http://schemas.openxmlformats.org/officeDocument/2006/relationships" xmlns:p="http://schemas.openxmlformats.org/presentationml/2006/main">
+  <p:cSld>
+    <p:spTree>
+      <p:nvGrpSpPr>
+        <p:cNvPr id="1" name=""/>
+        <p:cNvGrpSpPr/>
+        <p:nvPr/>
+      </p:nvGrpSpPr>
+      <p:grpSpPr>
+        <a:xfrm>
+          <a:off x="0" y="0"/>
+          <a:ext cx="0" cy="0"/>
+          <a:chOff x="0" y="0"/>
+          <a:chExt cx="0" cy="0"/>
+        </a:xfrm>
+      </p:grpSpPr>
+      <p:sp>
+        <p:nvSpPr>
+          <p:cNvPr id="119810" name="Rectangle 7"/>
+          <p:cNvSpPr>
+            <a:spLocks noGrp="1" noChangeArrowheads="1"/>
+          </p:cNvSpPr>
+          <p:nvPr>
+            <p:ph type="sldNum" sz="quarter" idx="5"/>
+          </p:nvPr>
+        </p:nvSpPr>
+        <p:spPr>
+          <a:noFill/>
+        </p:spPr>
+        <p:txBody>
+          <a:bodyPr/>
+          <a:lstStyle/>
+          <a:p>
+            <a:fld id="{B5F5B48D-612D-413F-95AF-D6651EB2E19B}" type="slidenum">
+              <a:rPr lang="zh-CN" altLang="en-US" smtClean="0">
+                <a:latin typeface="Times New Roman" pitchFamily="8" charset="0"/>
+              </a:rPr>
+              <a:pPr/>
+              <a:t>23</a:t>
+            </a:fld>
+            <a:endParaRPr lang="en-US" altLang="zh-CN" smtClean="0">
+              <a:latin typeface="Times New Roman" pitchFamily="8" charset="0"/>
+            </a:endParaRPr>
+          </a:p>
+        </p:txBody>
+      </p:sp>
+      <p:sp>
+        <p:nvSpPr>
+          <p:cNvPr id="119811" name="Rectangle 2"/>
+          <p:cNvSpPr>
+            <a:spLocks noGrp="1" noRot="1" noChangeAspect="1" noChangeArrowheads="1" noTextEdit="1"/>
+          </p:cNvSpPr>
+          <p:nvPr>
+            <p:ph type="sldImg"/>
+          </p:nvPr>
+        </p:nvSpPr>
+        <p:spPr>
+          <a:xfrm>
+            <a:off x="2974975" y="549275"/>
+            <a:ext cx="3657600" cy="2743200"/>
+          </a:xfrm>
+          <a:ln/>
+        </p:spPr>
+      </p:sp>
+      <p:sp>
+        <p:nvSpPr>
+          <p:cNvPr id="119812" name="Rectangle 3"/>
           <p:cNvSpPr>
             <a:spLocks noGrp="1" noChangeArrowheads="1"/>
           </p:cNvSpPr>
@@ -1927,7 +2323,7 @@
       </p:grpSpPr>
       <p:sp>
         <p:nvSpPr>
-          <p:cNvPr id="118786" name="Rectangle 7"/>
+          <p:cNvPr id="116738" name="Rectangle 7"/>
           <p:cNvSpPr>
             <a:spLocks noGrp="1" noChangeArrowheads="1"/>
           </p:cNvSpPr>
@@ -1942,7 +2338,7 @@
           <a:bodyPr/>
           <a:lstStyle/>
           <a:p>
-            <a:fld id="{055FEB13-A173-478C-BF44-EE7B23503F6B}" type="slidenum">
+            <a:fld id="{BED71AAD-DA34-46EF-AAAF-B4C0B8BDC4E7}" type="slidenum">
               <a:rPr lang="zh-CN" altLang="en-US" smtClean="0">
                 <a:latin typeface="Times New Roman" pitchFamily="8" charset="0"/>
               </a:rPr>
@@ -1957,7 +2353,7 @@
       </p:sp>
       <p:sp>
         <p:nvSpPr>
-          <p:cNvPr id="118787" name="Rectangle 2"/>
+          <p:cNvPr id="116739" name="Rectangle 2"/>
           <p:cNvSpPr>
             <a:spLocks noGrp="1" noRot="1" noChangeAspect="1" noChangeArrowheads="1" noTextEdit="1"/>
           </p:cNvSpPr>
@@ -1975,7 +2371,7 @@
       </p:sp>
       <p:sp>
         <p:nvSpPr>
-          <p:cNvPr id="118788" name="Rectangle 3"/>
+          <p:cNvPr id="116740" name="Rectangle 3"/>
           <p:cNvSpPr>
             <a:spLocks noGrp="1" noChangeArrowheads="1"/>
           </p:cNvSpPr>
@@ -2025,7 +2421,7 @@
       </p:grpSpPr>
       <p:sp>
         <p:nvSpPr>
-          <p:cNvPr id="116738" name="Rectangle 7"/>
+          <p:cNvPr id="117762" name="Rectangle 7"/>
           <p:cNvSpPr>
             <a:spLocks noGrp="1" noChangeArrowheads="1"/>
           </p:cNvSpPr>
@@ -2040,7 +2436,7 @@
           <a:bodyPr/>
           <a:lstStyle/>
           <a:p>
-            <a:fld id="{BED71AAD-DA34-46EF-AAAF-B4C0B8BDC4E7}" type="slidenum">
+            <a:fld id="{FD6D4B5C-EB4D-4066-86E8-454D9D26200A}" type="slidenum">
               <a:rPr lang="zh-CN" altLang="en-US" smtClean="0">
                 <a:latin typeface="Times New Roman" pitchFamily="8" charset="0"/>
               </a:rPr>
@@ -2055,7 +2451,7 @@
       </p:sp>
       <p:sp>
         <p:nvSpPr>
-          <p:cNvPr id="116739" name="Rectangle 2"/>
+          <p:cNvPr id="117763" name="Rectangle 2"/>
           <p:cNvSpPr>
             <a:spLocks noGrp="1" noRot="1" noChangeAspect="1" noChangeArrowheads="1" noTextEdit="1"/>
           </p:cNvSpPr>
@@ -2073,7 +2469,7 @@
       </p:sp>
       <p:sp>
         <p:nvSpPr>
-          <p:cNvPr id="116740" name="Rectangle 3"/>
+          <p:cNvPr id="117764" name="Rectangle 3"/>
           <p:cNvSpPr>
             <a:spLocks noGrp="1" noChangeArrowheads="1"/>
           </p:cNvSpPr>
@@ -2123,7 +2519,7 @@
       </p:grpSpPr>
       <p:sp>
         <p:nvSpPr>
-          <p:cNvPr id="116738" name="Rectangle 7"/>
+          <p:cNvPr id="118786" name="Rectangle 7"/>
           <p:cNvSpPr>
             <a:spLocks noGrp="1" noChangeArrowheads="1"/>
           </p:cNvSpPr>
@@ -2138,7 +2534,7 @@
           <a:bodyPr/>
           <a:lstStyle/>
           <a:p>
-            <a:fld id="{BED71AAD-DA34-46EF-AAAF-B4C0B8BDC4E7}" type="slidenum">
+            <a:fld id="{055FEB13-A173-478C-BF44-EE7B23503F6B}" type="slidenum">
               <a:rPr lang="zh-CN" altLang="en-US" smtClean="0">
                 <a:latin typeface="Times New Roman" pitchFamily="8" charset="0"/>
               </a:rPr>
@@ -2153,7 +2549,7 @@
       </p:sp>
       <p:sp>
         <p:nvSpPr>
-          <p:cNvPr id="116739" name="Rectangle 2"/>
+          <p:cNvPr id="118787" name="Rectangle 2"/>
           <p:cNvSpPr>
             <a:spLocks noGrp="1" noRot="1" noChangeAspect="1" noChangeArrowheads="1" noTextEdit="1"/>
           </p:cNvSpPr>
@@ -2171,7 +2567,7 @@
       </p:sp>
       <p:sp>
         <p:nvSpPr>
-          <p:cNvPr id="116740" name="Rectangle 3"/>
+          <p:cNvPr id="118788" name="Rectangle 3"/>
           <p:cNvSpPr>
             <a:spLocks noGrp="1" noChangeArrowheads="1"/>
           </p:cNvSpPr>
@@ -4451,11 +4847,11 @@
   <p:clrMapOvr>
     <a:masterClrMapping/>
   </p:clrMapOvr>
-  <mc:AlternateContent xmlns:mc="http://schemas.openxmlformats.org/markup-compatibility/2006">
-    <mc:Choice xmlns:p14="http://schemas.microsoft.com/office/powerpoint/2010/main" Requires="p14">
+  <mc:AlternateContent xmlns:mc="http://schemas.openxmlformats.org/markup-compatibility/2006" xmlns:p14="http://schemas.microsoft.com/office/powerpoint/2010/main">
+    <mc:Choice Requires="p14">
       <p:transition p14:dur="0" advClick="0"/>
     </mc:Choice>
-    <mc:Fallback>
+    <mc:Fallback xmlns="">
       <p:transition xmlns:p14="http://schemas.microsoft.com/office/powerpoint/2010/main" advClick="0"/>
     </mc:Fallback>
   </mc:AlternateContent>
@@ -9797,83 +10193,9 @@
   <p:timing>
     <p:tnLst>
       <p:par>
-        <p:cTn xmlns:p14="http://schemas.microsoft.com/office/powerpoint/2010/main" id="1" dur="indefinite" restart="never" nodeType="tmRoot">
-          <p:childTnLst>
-            <p:seq concurrent="1" nextAc="seek">
-              <p:cTn id="2" dur="indefinite" nodeType="mainSeq">
-                <p:childTnLst>
-                  <p:par>
-                    <p:cTn id="3" fill="hold">
-                      <p:stCondLst>
-                        <p:cond delay="indefinite"/>
-                        <p:cond evt="onBegin" delay="0">
-                          <p:tn val="2"/>
-                        </p:cond>
-                      </p:stCondLst>
-                      <p:childTnLst>
-                        <p:par>
-                          <p:cTn id="4" fill="hold">
-                            <p:stCondLst>
-                              <p:cond delay="0"/>
-                            </p:stCondLst>
-                            <p:childTnLst>
-                              <p:par>
-                                <p:cTn id="5" presetID="1" presetClass="entr" presetSubtype="0" fill="hold" grpId="0" nodeType="withEffect">
-                                  <p:stCondLst>
-                                    <p:cond delay="0"/>
-                                  </p:stCondLst>
-                                  <p:childTnLst>
-                                    <p:set>
-                                      <p:cBhvr>
-                                        <p:cTn id="6" dur="1" fill="hold">
-                                          <p:stCondLst>
-                                            <p:cond delay="0"/>
-                                          </p:stCondLst>
-                                        </p:cTn>
-                                        <p:tgtEl>
-                                          <p:spTgt spid="19"/>
-                                        </p:tgtEl>
-                                        <p:attrNameLst>
-                                          <p:attrName>style.visibility</p:attrName>
-                                        </p:attrNameLst>
-                                      </p:cBhvr>
-                                      <p:to>
-                                        <p:strVal val="visible"/>
-                                      </p:to>
-                                    </p:set>
-                                  </p:childTnLst>
-                                </p:cTn>
-                              </p:par>
-                            </p:childTnLst>
-                          </p:cTn>
-                        </p:par>
-                      </p:childTnLst>
-                    </p:cTn>
-                  </p:par>
-                </p:childTnLst>
-              </p:cTn>
-              <p:prevCondLst>
-                <p:cond evt="onPrev" delay="0">
-                  <p:tgtEl>
-                    <p:sldTgt/>
-                  </p:tgtEl>
-                </p:cond>
-              </p:prevCondLst>
-              <p:nextCondLst>
-                <p:cond evt="onNext" delay="0">
-                  <p:tgtEl>
-                    <p:sldTgt/>
-                  </p:tgtEl>
-                </p:cond>
-              </p:nextCondLst>
-            </p:seq>
-          </p:childTnLst>
-        </p:cTn>
+        <p:cTn xmlns:p14="http://schemas.microsoft.com/office/powerpoint/2010/main" id="1" dur="indefinite" restart="never" nodeType="tmRoot"/>
       </p:par>
     </p:tnLst>
-    <p:bldLst>
-      <p:bldP spid="19" grpId="0" animBg="1"/>
-    </p:bldLst>
   </p:timing>
 </p:sld>
 </file>
@@ -9897,7 +10219,38 @@
       </p:grpSpPr>
       <p:sp>
         <p:nvSpPr>
-          <p:cNvPr id="61442" name="Rectangle 2"/>
+          <p:cNvPr id="17" name="TextBox 16"/>
+          <p:cNvSpPr txBox="1"/>
+          <p:nvPr/>
+        </p:nvSpPr>
+        <p:spPr>
+          <a:xfrm>
+            <a:off x="5254388" y="2969667"/>
+            <a:ext cx="3273653" cy="769441"/>
+          </a:xfrm>
+          <a:prstGeom prst="rect">
+            <a:avLst/>
+          </a:prstGeom>
+          <a:noFill/>
+        </p:spPr>
+        <p:txBody>
+          <a:bodyPr wrap="none" rtlCol="0">
+            <a:spAutoFit/>
+          </a:bodyPr>
+          <a:lstStyle/>
+          <a:p>
+            <a:r>
+              <a:rPr lang="en-US" sz="4400" dirty="0" smtClean="0">
+                <a:latin typeface="+mj-lt"/>
+              </a:rPr>
+              <a:t>equivalently</a:t>
+            </a:r>
+          </a:p>
+        </p:txBody>
+      </p:sp>
+      <p:sp>
+        <p:nvSpPr>
+          <p:cNvPr id="59394" name="Rectangle 2"/>
           <p:cNvSpPr>
             <a:spLocks noGrp="1" noChangeArrowheads="1"/>
           </p:cNvSpPr>
@@ -9905,601 +10258,22 @@
             <p:ph type="title"/>
           </p:nvPr>
         </p:nvSpPr>
-        <p:spPr/>
+        <p:spPr>
+          <a:xfrm>
+            <a:off x="1254893" y="0"/>
+            <a:ext cx="7645092" cy="1238560"/>
+          </a:xfrm>
+        </p:spPr>
         <p:txBody>
           <a:bodyPr/>
           <a:lstStyle/>
           <a:p>
             <a:pPr eaLnBrk="1" hangingPunct="1"/>
             <a:r>
-              <a:rPr lang="en-US" altLang="zh-CN" dirty="0" smtClean="0">
+              <a:rPr lang="en-US" altLang="zh-CN" sz="4400" dirty="0" smtClean="0">
                 <a:ea typeface="宋体" pitchFamily="2" charset="-122"/>
               </a:rPr>
-              <a:t>more equivalent </a:t>
-            </a:r>
-            <a:r>
-              <a:rPr lang="en-US" altLang="zh-CN" dirty="0">
-                <a:ea typeface="宋体" pitchFamily="2" charset="-122"/>
-              </a:rPr>
-              <a:t>d</a:t>
-            </a:r>
-            <a:r>
-              <a:rPr lang="en-US" altLang="zh-CN" dirty="0" smtClean="0">
-                <a:ea typeface="宋体" pitchFamily="2" charset="-122"/>
-              </a:rPr>
-              <a:t>efinitions</a:t>
-            </a:r>
-          </a:p>
-        </p:txBody>
-      </p:sp>
-      <p:sp>
-        <p:nvSpPr>
-          <p:cNvPr id="744451" name="Rectangle 3"/>
-          <p:cNvSpPr>
-            <a:spLocks noGrp="1" noChangeArrowheads="1"/>
-          </p:cNvSpPr>
-          <p:nvPr>
-            <p:ph type="body" idx="1"/>
-          </p:nvPr>
-        </p:nvSpPr>
-        <p:spPr>
-          <a:xfrm>
-            <a:off x="310442" y="807754"/>
-            <a:ext cx="8676321" cy="5118919"/>
-          </a:xfrm>
-        </p:spPr>
-        <p:txBody>
-          <a:bodyPr/>
-          <a:lstStyle/>
-          <a:p>
-            <a:pPr eaLnBrk="1" hangingPunct="1">
-              <a:buFont typeface="Arial" pitchFamily="34" charset="0"/>
-              <a:buChar char="•"/>
-            </a:pPr>
-            <a:r>
-              <a:rPr lang="en-US" altLang="zh-CN" sz="4800" dirty="0" smtClean="0">
-                <a:solidFill>
-                  <a:schemeClr val="tx2"/>
-                </a:solidFill>
-                <a:ea typeface="宋体" pitchFamily="2" charset="-122"/>
-              </a:rPr>
-              <a:t>graph with a </a:t>
-            </a:r>
-            <a:r>
-              <a:rPr lang="en-US" altLang="zh-CN" sz="4800" dirty="0" smtClean="0">
-                <a:solidFill>
-                  <a:srgbClr val="0033CC"/>
-                </a:solidFill>
-                <a:ea typeface="宋体" pitchFamily="2" charset="-122"/>
-              </a:rPr>
-              <a:t>unique</a:t>
-            </a:r>
-            <a:r>
-              <a:rPr lang="en-US" altLang="zh-CN" sz="4800" dirty="0" smtClean="0">
-                <a:solidFill>
-                  <a:schemeClr val="tx2"/>
-                </a:solidFill>
-                <a:ea typeface="宋体" pitchFamily="2" charset="-122"/>
-              </a:rPr>
-              <a:t> path between </a:t>
-            </a:r>
-            <a:r>
-              <a:rPr lang="en-US" altLang="zh-CN" sz="4800" dirty="0" smtClean="0">
-                <a:solidFill>
-                  <a:schemeClr val="accent1">
-                    <a:lumMod val="50000"/>
-                  </a:schemeClr>
-                </a:solidFill>
-                <a:ea typeface="宋体" pitchFamily="2" charset="-122"/>
-              </a:rPr>
-              <a:t>any 2</a:t>
-            </a:r>
-            <a:r>
-              <a:rPr lang="en-US" altLang="zh-CN" sz="4800" dirty="0" smtClean="0">
-                <a:solidFill>
-                  <a:schemeClr val="tx2"/>
-                </a:solidFill>
-                <a:ea typeface="宋体" pitchFamily="2" charset="-122"/>
-              </a:rPr>
-              <a:t> vertices</a:t>
-            </a:r>
-          </a:p>
-          <a:p>
-            <a:pPr eaLnBrk="1" hangingPunct="1">
-              <a:buFont typeface="Arial" pitchFamily="34" charset="0"/>
-              <a:buChar char="•"/>
-            </a:pPr>
-            <a:r>
-              <a:rPr lang="en-US" altLang="zh-CN" sz="4800" dirty="0" smtClean="0">
-                <a:ea typeface="宋体" pitchFamily="2" charset="-122"/>
-              </a:rPr>
-              <a:t>connected graph with </a:t>
-            </a:r>
-            <a:r>
-              <a:rPr lang="en-US" altLang="zh-CN" sz="4800" dirty="0" smtClean="0">
-                <a:solidFill>
-                  <a:srgbClr val="0033CC"/>
-                </a:solidFill>
-                <a:ea typeface="宋体" pitchFamily="2" charset="-122"/>
-              </a:rPr>
-              <a:t>n</a:t>
-            </a:r>
-            <a:r>
-              <a:rPr lang="en-US" altLang="zh-CN" sz="4800" dirty="0" smtClean="0">
-                <a:ea typeface="宋体" pitchFamily="2" charset="-122"/>
-              </a:rPr>
-              <a:t> </a:t>
-            </a:r>
-          </a:p>
-          <a:p>
-            <a:pPr eaLnBrk="1" hangingPunct="1"/>
-            <a:r>
-              <a:rPr lang="en-US" altLang="zh-CN" sz="4800" dirty="0" smtClean="0">
-                <a:ea typeface="宋体" pitchFamily="2" charset="-122"/>
-              </a:rPr>
-              <a:t>  vertices and </a:t>
-            </a:r>
-            <a:r>
-              <a:rPr lang="en-US" altLang="zh-CN" sz="4800" dirty="0" smtClean="0">
-                <a:solidFill>
-                  <a:srgbClr val="0033CC"/>
-                </a:solidFill>
-                <a:ea typeface="宋体" pitchFamily="2" charset="-122"/>
-              </a:rPr>
-              <a:t>n–1</a:t>
-            </a:r>
-            <a:r>
-              <a:rPr lang="en-US" altLang="zh-CN" sz="4800" dirty="0" smtClean="0">
-                <a:ea typeface="宋体" pitchFamily="2" charset="-122"/>
-              </a:rPr>
-              <a:t> edges</a:t>
-            </a:r>
-          </a:p>
-          <a:p>
-            <a:pPr eaLnBrk="1" hangingPunct="1">
-              <a:buFont typeface="Arial" pitchFamily="34" charset="0"/>
-              <a:buChar char="•"/>
-            </a:pPr>
-            <a:r>
-              <a:rPr lang="en-US" altLang="zh-CN" sz="4800" dirty="0" smtClean="0">
-                <a:solidFill>
-                  <a:schemeClr val="tx2"/>
-                </a:solidFill>
-                <a:ea typeface="宋体" pitchFamily="2" charset="-122"/>
-              </a:rPr>
-              <a:t>an </a:t>
-            </a:r>
-            <a:r>
-              <a:rPr lang="en-US" altLang="zh-CN" sz="4800" dirty="0" smtClean="0">
-                <a:solidFill>
-                  <a:srgbClr val="0033CC"/>
-                </a:solidFill>
-                <a:ea typeface="宋体" pitchFamily="2" charset="-122"/>
-              </a:rPr>
-              <a:t>edge-maximal </a:t>
-            </a:r>
-            <a:r>
-              <a:rPr lang="en-US" altLang="zh-CN" sz="4800" dirty="0" smtClean="0">
-                <a:solidFill>
-                  <a:schemeClr val="tx2"/>
-                </a:solidFill>
-                <a:ea typeface="宋体" pitchFamily="2" charset="-122"/>
-              </a:rPr>
-              <a:t>acyclic graph</a:t>
-            </a:r>
-          </a:p>
-        </p:txBody>
-      </p:sp>
-      <p:sp>
-        <p:nvSpPr>
-          <p:cNvPr id="61444" name="Rectangle 11"/>
-          <p:cNvSpPr>
-            <a:spLocks noGrp="1" noChangeArrowheads="1"/>
-          </p:cNvSpPr>
-          <p:nvPr>
-            <p:ph type="sldNum" sz="quarter" idx="10"/>
-          </p:nvPr>
-        </p:nvSpPr>
-        <p:spPr>
-          <a:noFill/>
-        </p:spPr>
-        <p:txBody>
-          <a:bodyPr/>
-          <a:lstStyle/>
-          <a:p>
-            <a:r>
-              <a:rPr lang="en-US" dirty="0" smtClean="0"/>
-              <a:t>tree-def.</a:t>
-            </a:r>
-            <a:fld id="{C7424A53-C80F-4B5F-8DC5-4503ED6667F4}" type="slidenum">
-              <a:rPr lang="en-US" smtClean="0"/>
-              <a:pPr/>
-              <a:t>19</a:t>
-            </a:fld>
-            <a:endParaRPr lang="en-US" dirty="0"/>
-          </a:p>
-        </p:txBody>
-      </p:sp>
-    </p:spTree>
-  </p:cSld>
-  <p:clrMapOvr>
-    <a:masterClrMapping/>
-  </p:clrMapOvr>
-  <p:transition xmlns:p14="http://schemas.microsoft.com/office/powerpoint/2010/main" spd="slow" advClick="0">
-    <p:fade thruBlk="1"/>
-  </p:transition>
-  <p:timing>
-    <p:tnLst>
-      <p:par>
-        <p:cTn xmlns:p14="http://schemas.microsoft.com/office/powerpoint/2010/main" id="1" dur="indefinite" restart="never" nodeType="tmRoot">
-          <p:childTnLst>
-            <p:seq concurrent="1" nextAc="seek">
-              <p:cTn id="2" dur="indefinite" nodeType="mainSeq">
-                <p:childTnLst>
-                  <p:par>
-                    <p:cTn id="3" fill="hold">
-                      <p:stCondLst>
-                        <p:cond delay="indefinite"/>
-                      </p:stCondLst>
-                      <p:childTnLst>
-                        <p:par>
-                          <p:cTn id="4" fill="hold">
-                            <p:stCondLst>
-                              <p:cond delay="0"/>
-                            </p:stCondLst>
-                            <p:childTnLst>
-                              <p:par>
-                                <p:cTn id="5" presetID="10" presetClass="entr" presetSubtype="0" fill="hold" nodeType="clickEffect">
-                                  <p:stCondLst>
-                                    <p:cond delay="0"/>
-                                  </p:stCondLst>
-                                  <p:childTnLst>
-                                    <p:set>
-                                      <p:cBhvr>
-                                        <p:cTn id="6" dur="1" fill="hold">
-                                          <p:stCondLst>
-                                            <p:cond delay="0"/>
-                                          </p:stCondLst>
-                                        </p:cTn>
-                                        <p:tgtEl>
-                                          <p:spTgt spid="744451">
-                                            <p:txEl>
-                                              <p:pRg st="0" end="0"/>
-                                            </p:txEl>
-                                          </p:spTgt>
-                                        </p:tgtEl>
-                                        <p:attrNameLst>
-                                          <p:attrName>style.visibility</p:attrName>
-                                        </p:attrNameLst>
-                                      </p:cBhvr>
-                                      <p:to>
-                                        <p:strVal val="visible"/>
-                                      </p:to>
-                                    </p:set>
-                                    <p:animEffect transition="in" filter="fade">
-                                      <p:cBhvr>
-                                        <p:cTn id="7" dur="500"/>
-                                        <p:tgtEl>
-                                          <p:spTgt spid="744451">
-                                            <p:txEl>
-                                              <p:pRg st="0" end="0"/>
-                                            </p:txEl>
-                                          </p:spTgt>
-                                        </p:tgtEl>
-                                      </p:cBhvr>
-                                    </p:animEffect>
-                                  </p:childTnLst>
-                                </p:cTn>
-                              </p:par>
-                            </p:childTnLst>
-                          </p:cTn>
-                        </p:par>
-                      </p:childTnLst>
-                    </p:cTn>
-                  </p:par>
-                  <p:par>
-                    <p:cTn id="8" fill="hold">
-                      <p:stCondLst>
-                        <p:cond delay="indefinite"/>
-                      </p:stCondLst>
-                      <p:childTnLst>
-                        <p:par>
-                          <p:cTn id="9" fill="hold">
-                            <p:stCondLst>
-                              <p:cond delay="0"/>
-                            </p:stCondLst>
-                            <p:childTnLst>
-                              <p:par>
-                                <p:cTn id="10" presetID="10" presetClass="entr" presetSubtype="0" fill="hold" nodeType="clickEffect">
-                                  <p:stCondLst>
-                                    <p:cond delay="0"/>
-                                  </p:stCondLst>
-                                  <p:childTnLst>
-                                    <p:set>
-                                      <p:cBhvr>
-                                        <p:cTn id="11" dur="1" fill="hold">
-                                          <p:stCondLst>
-                                            <p:cond delay="0"/>
-                                          </p:stCondLst>
-                                        </p:cTn>
-                                        <p:tgtEl>
-                                          <p:spTgt spid="744451">
-                                            <p:txEl>
-                                              <p:pRg st="1" end="1"/>
-                                            </p:txEl>
-                                          </p:spTgt>
-                                        </p:tgtEl>
-                                        <p:attrNameLst>
-                                          <p:attrName>style.visibility</p:attrName>
-                                        </p:attrNameLst>
-                                      </p:cBhvr>
-                                      <p:to>
-                                        <p:strVal val="visible"/>
-                                      </p:to>
-                                    </p:set>
-                                    <p:animEffect transition="in" filter="fade">
-                                      <p:cBhvr>
-                                        <p:cTn id="12" dur="500"/>
-                                        <p:tgtEl>
-                                          <p:spTgt spid="744451">
-                                            <p:txEl>
-                                              <p:pRg st="1" end="1"/>
-                                            </p:txEl>
-                                          </p:spTgt>
-                                        </p:tgtEl>
-                                      </p:cBhvr>
-                                    </p:animEffect>
-                                  </p:childTnLst>
-                                </p:cTn>
-                              </p:par>
-                              <p:par>
-                                <p:cTn id="13" presetID="10" presetClass="entr" presetSubtype="0" fill="hold" nodeType="withEffect">
-                                  <p:stCondLst>
-                                    <p:cond delay="0"/>
-                                  </p:stCondLst>
-                                  <p:childTnLst>
-                                    <p:set>
-                                      <p:cBhvr>
-                                        <p:cTn id="14" dur="1" fill="hold">
-                                          <p:stCondLst>
-                                            <p:cond delay="0"/>
-                                          </p:stCondLst>
-                                        </p:cTn>
-                                        <p:tgtEl>
-                                          <p:spTgt spid="744451">
-                                            <p:txEl>
-                                              <p:pRg st="2" end="2"/>
-                                            </p:txEl>
-                                          </p:spTgt>
-                                        </p:tgtEl>
-                                        <p:attrNameLst>
-                                          <p:attrName>style.visibility</p:attrName>
-                                        </p:attrNameLst>
-                                      </p:cBhvr>
-                                      <p:to>
-                                        <p:strVal val="visible"/>
-                                      </p:to>
-                                    </p:set>
-                                    <p:animEffect transition="in" filter="fade">
-                                      <p:cBhvr>
-                                        <p:cTn id="15" dur="500"/>
-                                        <p:tgtEl>
-                                          <p:spTgt spid="744451">
-                                            <p:txEl>
-                                              <p:pRg st="2" end="2"/>
-                                            </p:txEl>
-                                          </p:spTgt>
-                                        </p:tgtEl>
-                                      </p:cBhvr>
-                                    </p:animEffect>
-                                  </p:childTnLst>
-                                </p:cTn>
-                              </p:par>
-                            </p:childTnLst>
-                          </p:cTn>
-                        </p:par>
-                      </p:childTnLst>
-                    </p:cTn>
-                  </p:par>
-                  <p:par>
-                    <p:cTn id="16" fill="hold">
-                      <p:stCondLst>
-                        <p:cond delay="indefinite"/>
-                      </p:stCondLst>
-                      <p:childTnLst>
-                        <p:par>
-                          <p:cTn id="17" fill="hold">
-                            <p:stCondLst>
-                              <p:cond delay="0"/>
-                            </p:stCondLst>
-                            <p:childTnLst>
-                              <p:par>
-                                <p:cTn id="18" presetID="10" presetClass="entr" presetSubtype="0" fill="hold" nodeType="clickEffect">
-                                  <p:stCondLst>
-                                    <p:cond delay="0"/>
-                                  </p:stCondLst>
-                                  <p:childTnLst>
-                                    <p:set>
-                                      <p:cBhvr>
-                                        <p:cTn id="19" dur="1" fill="hold">
-                                          <p:stCondLst>
-                                            <p:cond delay="0"/>
-                                          </p:stCondLst>
-                                        </p:cTn>
-                                        <p:tgtEl>
-                                          <p:spTgt spid="744451">
-                                            <p:txEl>
-                                              <p:pRg st="3" end="3"/>
-                                            </p:txEl>
-                                          </p:spTgt>
-                                        </p:tgtEl>
-                                        <p:attrNameLst>
-                                          <p:attrName>style.visibility</p:attrName>
-                                        </p:attrNameLst>
-                                      </p:cBhvr>
-                                      <p:to>
-                                        <p:strVal val="visible"/>
-                                      </p:to>
-                                    </p:set>
-                                    <p:animEffect transition="in" filter="fade">
-                                      <p:cBhvr>
-                                        <p:cTn id="20" dur="500"/>
-                                        <p:tgtEl>
-                                          <p:spTgt spid="744451">
-                                            <p:txEl>
-                                              <p:pRg st="3" end="3"/>
-                                            </p:txEl>
-                                          </p:spTgt>
-                                        </p:tgtEl>
-                                      </p:cBhvr>
-                                    </p:animEffect>
-                                  </p:childTnLst>
-                                </p:cTn>
-                              </p:par>
-                            </p:childTnLst>
-                          </p:cTn>
-                        </p:par>
-                      </p:childTnLst>
-                    </p:cTn>
-                  </p:par>
-                </p:childTnLst>
-              </p:cTn>
-              <p:prevCondLst>
-                <p:cond evt="onPrev" delay="0">
-                  <p:tgtEl>
-                    <p:sldTgt/>
-                  </p:tgtEl>
-                </p:cond>
-              </p:prevCondLst>
-              <p:nextCondLst>
-                <p:cond evt="onNext" delay="0">
-                  <p:tgtEl>
-                    <p:sldTgt/>
-                  </p:tgtEl>
-                </p:cond>
-              </p:nextCondLst>
-            </p:seq>
-          </p:childTnLst>
-        </p:cTn>
-      </p:par>
-    </p:tnLst>
-  </p:timing>
-</p:sld>
-</file>
-
-<file path=ppt/slides/slide2.xml><?xml version="1.0" encoding="utf-8"?>
-<p:sld xmlns:a="http://schemas.openxmlformats.org/drawingml/2006/main" xmlns:r="http://schemas.openxmlformats.org/officeDocument/2006/relationships" xmlns:p="http://schemas.openxmlformats.org/presentationml/2006/main">
-  <p:cSld>
-    <p:spTree>
-      <p:nvGrpSpPr>
-        <p:cNvPr id="1" name=""/>
-        <p:cNvGrpSpPr/>
-        <p:nvPr/>
-      </p:nvGrpSpPr>
-      <p:grpSpPr>
-        <a:xfrm>
-          <a:off x="0" y="0"/>
-          <a:ext cx="0" cy="0"/>
-          <a:chOff x="0" y="0"/>
-          <a:chExt cx="0" cy="0"/>
-        </a:xfrm>
-      </p:grpSpPr>
-      <p:sp>
-        <p:nvSpPr>
-          <p:cNvPr id="59394" name="Rectangle 2"/>
-          <p:cNvSpPr>
-            <a:spLocks noGrp="1" noChangeArrowheads="1"/>
-          </p:cNvSpPr>
-          <p:nvPr>
-            <p:ph type="title"/>
-          </p:nvPr>
-        </p:nvSpPr>
-        <p:spPr/>
-        <p:txBody>
-          <a:bodyPr/>
-          <a:lstStyle/>
-          <a:p>
-            <a:pPr eaLnBrk="1" hangingPunct="1"/>
-            <a:r>
-              <a:rPr lang="en-US" altLang="zh-CN" dirty="0" smtClean="0">
-                <a:ea typeface="宋体" pitchFamily="2" charset="-122"/>
-              </a:rPr>
-              <a:t>Trees</a:t>
-            </a:r>
-          </a:p>
-        </p:txBody>
-      </p:sp>
-      <p:sp>
-        <p:nvSpPr>
-          <p:cNvPr id="59395" name="Rectangle 3"/>
-          <p:cNvSpPr>
-            <a:spLocks noGrp="1" noChangeArrowheads="1"/>
-          </p:cNvSpPr>
-          <p:nvPr>
-            <p:ph type="body" idx="1"/>
-          </p:nvPr>
-        </p:nvSpPr>
-        <p:spPr>
-          <a:xfrm>
-            <a:off x="171743" y="1155237"/>
-            <a:ext cx="8876714" cy="1756782"/>
-          </a:xfrm>
-        </p:spPr>
-        <p:txBody>
-          <a:bodyPr/>
-          <a:lstStyle/>
-          <a:p>
-            <a:pPr eaLnBrk="1" hangingPunct="1">
-              <a:buFontTx/>
-              <a:buNone/>
-            </a:pPr>
-            <a:r>
-              <a:rPr lang="en-US" altLang="zh-CN" sz="4800" dirty="0" smtClean="0">
-                <a:ea typeface="宋体" pitchFamily="2" charset="-122"/>
-              </a:rPr>
-              <a:t>A </a:t>
-            </a:r>
-            <a:r>
-              <a:rPr lang="en-US" altLang="zh-CN" sz="4800" dirty="0" smtClean="0">
-                <a:solidFill>
-                  <a:srgbClr val="0033CC"/>
-                </a:solidFill>
-                <a:ea typeface="宋体" pitchFamily="2" charset="-122"/>
-              </a:rPr>
-              <a:t>tree</a:t>
-            </a:r>
-            <a:r>
-              <a:rPr lang="en-US" altLang="zh-CN" sz="4800" dirty="0" smtClean="0">
-                <a:ea typeface="宋体" pitchFamily="2" charset="-122"/>
-              </a:rPr>
-              <a:t> is a connected graph </a:t>
-            </a:r>
-          </a:p>
-          <a:p>
-            <a:pPr eaLnBrk="1" hangingPunct="1">
-              <a:buFontTx/>
-              <a:buNone/>
-            </a:pPr>
-            <a:r>
-              <a:rPr lang="en-US" altLang="zh-CN" sz="4800" dirty="0" smtClean="0">
-                <a:ea typeface="宋体" pitchFamily="2" charset="-122"/>
-              </a:rPr>
-              <a:t>with </a:t>
-            </a:r>
-            <a:r>
-              <a:rPr lang="en-US" altLang="zh-CN" sz="4800" dirty="0" smtClean="0">
-                <a:solidFill>
-                  <a:srgbClr val="008000"/>
-                </a:solidFill>
-                <a:ea typeface="宋体" pitchFamily="2" charset="-122"/>
-              </a:rPr>
-              <a:t>no cycles</a:t>
-            </a:r>
-            <a:r>
-              <a:rPr lang="en-US" altLang="zh-CN" sz="4800" dirty="0" smtClean="0">
-                <a:ea typeface="宋体" pitchFamily="2" charset="-122"/>
-              </a:rPr>
-              <a:t>.</a:t>
+              <a:t>alternative tree definition</a:t>
             </a:r>
           </a:p>
         </p:txBody>
@@ -10918,7 +10692,4434 @@
             <a:fld id="{94284E41-544E-443B-BF20-3F3016A53813}" type="slidenum">
               <a:rPr lang="en-US" smtClean="0"/>
               <a:pPr/>
+              <a:t>19</a:t>
+            </a:fld>
+            <a:endParaRPr lang="en-US" dirty="0"/>
+          </a:p>
+        </p:txBody>
+      </p:sp>
+      <p:sp>
+        <p:nvSpPr>
+          <p:cNvPr id="18" name="TextBox 17"/>
+          <p:cNvSpPr txBox="1"/>
+          <p:nvPr/>
+        </p:nvSpPr>
+        <p:spPr>
+          <a:xfrm>
+            <a:off x="5172291" y="2969667"/>
+            <a:ext cx="2877711" cy="769441"/>
+          </a:xfrm>
+          <a:prstGeom prst="rect">
+            <a:avLst/>
+          </a:prstGeom>
+          <a:noFill/>
+        </p:spPr>
+        <p:txBody>
+          <a:bodyPr wrap="none" rtlCol="0">
+            <a:spAutoFit/>
+          </a:bodyPr>
+          <a:lstStyle/>
+          <a:p>
+            <a:r>
+              <a:rPr lang="en-US" sz="4400" dirty="0" smtClean="0">
+                <a:latin typeface="+mj-lt"/>
+              </a:rPr>
+              <a:t>                </a:t>
+            </a:r>
+          </a:p>
+        </p:txBody>
+      </p:sp>
+      <p:sp useBgFill="1">
+        <p:nvSpPr>
+          <p:cNvPr id="19" name="TextBox 18"/>
+          <p:cNvSpPr txBox="1"/>
+          <p:nvPr/>
+        </p:nvSpPr>
+        <p:spPr>
+          <a:xfrm>
+            <a:off x="5103843" y="2955830"/>
+            <a:ext cx="3716423" cy="797115"/>
+          </a:xfrm>
+          <a:prstGeom prst="rect">
+            <a:avLst/>
+          </a:prstGeom>
+        </p:spPr>
+        <p:txBody>
+          <a:bodyPr wrap="square" rtlCol="0">
+            <a:spAutoFit/>
+          </a:bodyPr>
+          <a:lstStyle/>
+          <a:p>
+            <a:r>
+              <a:rPr lang="en-US" sz="4400" dirty="0" smtClean="0">
+                <a:latin typeface="+mj-lt"/>
+              </a:rPr>
+              <a:t>                        </a:t>
+            </a:r>
+          </a:p>
+        </p:txBody>
+      </p:sp>
+      <p:sp>
+        <p:nvSpPr>
+          <p:cNvPr id="21" name="Rectangle 3"/>
+          <p:cNvSpPr txBox="1">
+            <a:spLocks noChangeArrowheads="1"/>
+          </p:cNvSpPr>
+          <p:nvPr/>
+        </p:nvSpPr>
+        <p:spPr bwMode="auto">
+          <a:xfrm>
+            <a:off x="171743" y="1155237"/>
+            <a:ext cx="8876714" cy="1756782"/>
+          </a:xfrm>
+          <a:prstGeom prst="rect">
+            <a:avLst/>
+          </a:prstGeom>
+          <a:noFill/>
+          <a:ln w="9525">
+            <a:noFill/>
+            <a:miter lim="800000"/>
+            <a:headEnd/>
+            <a:tailEnd/>
+          </a:ln>
+        </p:spPr>
+        <p:txBody>
+          <a:bodyPr vert="horz" wrap="square" lIns="91440" tIns="45720" rIns="91440" bIns="45720" numCol="1" anchor="t" anchorCtr="0" compatLnSpc="1">
+            <a:prstTxWarp prst="textNoShape">
+              <a:avLst/>
+            </a:prstTxWarp>
+          </a:bodyPr>
+          <a:lstStyle/>
+          <a:p>
+            <a:pPr marL="342900" marR="0" lvl="0" indent="-342900" algn="l" defTabSz="914400" rtl="0" eaLnBrk="1" fontAlgn="base" latinLnBrk="0" hangingPunct="1">
+              <a:lnSpc>
+                <a:spcPct val="100000"/>
+              </a:lnSpc>
+              <a:spcBef>
+                <a:spcPct val="20000"/>
+              </a:spcBef>
+              <a:spcAft>
+                <a:spcPct val="0"/>
+              </a:spcAft>
+              <a:buClrTx/>
+              <a:buSzTx/>
+              <a:buFontTx/>
+              <a:buNone/>
+              <a:tabLst/>
+              <a:defRPr/>
+            </a:pPr>
+            <a:r>
+              <a:rPr kumimoji="0" lang="en-US" altLang="zh-CN" sz="4800" b="0" i="0" u="none" strike="noStrike" kern="0" cap="none" spc="0" normalizeH="0" baseline="0" noProof="0" dirty="0" smtClean="0">
+                <a:ln>
+                  <a:noFill/>
+                </a:ln>
+                <a:solidFill>
+                  <a:schemeClr val="tx1"/>
+                </a:solidFill>
+                <a:effectLst/>
+                <a:uLnTx/>
+                <a:uFillTx/>
+                <a:latin typeface="+mn-lt"/>
+                <a:ea typeface="宋体" pitchFamily="2" charset="-122"/>
+                <a:cs typeface="+mn-cs"/>
+              </a:rPr>
+              <a:t>A </a:t>
+            </a:r>
+            <a:r>
+              <a:rPr kumimoji="0" lang="en-US" altLang="zh-CN" sz="4800" b="0" i="0" u="none" strike="noStrike" kern="0" cap="none" spc="0" normalizeH="0" baseline="0" noProof="0" dirty="0" smtClean="0">
+                <a:ln>
+                  <a:noFill/>
+                </a:ln>
+                <a:solidFill>
+                  <a:srgbClr val="0033CC"/>
+                </a:solidFill>
+                <a:effectLst/>
+                <a:uLnTx/>
+                <a:uFillTx/>
+                <a:latin typeface="+mn-lt"/>
+                <a:ea typeface="宋体" pitchFamily="2" charset="-122"/>
+                <a:cs typeface="+mn-cs"/>
+              </a:rPr>
+              <a:t>tree</a:t>
+            </a:r>
+            <a:r>
+              <a:rPr kumimoji="0" lang="en-US" altLang="zh-CN" sz="4800" b="0" i="0" u="none" strike="noStrike" kern="0" cap="none" spc="0" normalizeH="0" baseline="0" noProof="0" dirty="0" smtClean="0">
+                <a:ln>
+                  <a:noFill/>
+                </a:ln>
+                <a:solidFill>
+                  <a:schemeClr val="tx1"/>
+                </a:solidFill>
+                <a:effectLst/>
+                <a:uLnTx/>
+                <a:uFillTx/>
+                <a:latin typeface="+mn-lt"/>
+                <a:ea typeface="宋体" pitchFamily="2" charset="-122"/>
+                <a:cs typeface="+mn-cs"/>
+              </a:rPr>
+              <a:t> is a connected graph </a:t>
+            </a:r>
+          </a:p>
+          <a:p>
+            <a:pPr marL="342900" indent="-342900">
+              <a:spcBef>
+                <a:spcPct val="20000"/>
+              </a:spcBef>
+            </a:pPr>
+            <a:r>
+              <a:rPr kumimoji="0" lang="en-US" altLang="zh-CN" sz="4800" b="0" i="0" u="none" strike="noStrike" kern="0" cap="none" spc="0" normalizeH="0" baseline="0" noProof="0" dirty="0" smtClean="0">
+                <a:ln>
+                  <a:noFill/>
+                </a:ln>
+                <a:solidFill>
+                  <a:schemeClr val="tx1"/>
+                </a:solidFill>
+                <a:effectLst/>
+                <a:uLnTx/>
+                <a:uFillTx/>
+                <a:latin typeface="+mn-lt"/>
+                <a:ea typeface="宋体" pitchFamily="2" charset="-122"/>
+                <a:cs typeface="+mn-cs"/>
+              </a:rPr>
+              <a:t>that is </a:t>
+            </a:r>
+            <a:r>
+              <a:rPr kumimoji="0" lang="en-US" altLang="zh-CN" sz="4800" b="0" i="0" u="none" strike="noStrike" kern="0" cap="none" spc="0" normalizeH="0" baseline="0" noProof="0" dirty="0" smtClean="0">
+                <a:ln>
+                  <a:noFill/>
+                </a:ln>
+                <a:solidFill>
+                  <a:srgbClr val="0000FF"/>
+                </a:solidFill>
+                <a:effectLst/>
+                <a:uLnTx/>
+                <a:uFillTx/>
+                <a:latin typeface="+mn-lt"/>
+                <a:ea typeface="宋体" pitchFamily="2" charset="-122"/>
+                <a:cs typeface="+mn-cs"/>
+              </a:rPr>
+              <a:t>edge-minimal</a:t>
+            </a:r>
+            <a:r>
+              <a:rPr lang="en-US" altLang="zh-CN" sz="4800" dirty="0" smtClean="0">
+                <a:latin typeface="+mj-lt"/>
+                <a:ea typeface="宋体" pitchFamily="2" charset="-122"/>
+              </a:rPr>
+              <a:t>.</a:t>
+            </a:r>
+            <a:endParaRPr lang="en-US" altLang="zh-CN" sz="4800" dirty="0" smtClean="0">
+              <a:latin typeface="+mj-lt"/>
+              <a:ea typeface="宋体" pitchFamily="2" charset="-122"/>
+            </a:endParaRPr>
+          </a:p>
+          <a:p>
+            <a:pPr marL="342900" marR="0" lvl="0" indent="-342900" algn="l" defTabSz="914400" rtl="0" eaLnBrk="1" fontAlgn="base" latinLnBrk="0" hangingPunct="1">
+              <a:lnSpc>
+                <a:spcPct val="100000"/>
+              </a:lnSpc>
+              <a:spcBef>
+                <a:spcPct val="20000"/>
+              </a:spcBef>
+              <a:spcAft>
+                <a:spcPct val="0"/>
+              </a:spcAft>
+              <a:buClrTx/>
+              <a:buSzTx/>
+              <a:buFontTx/>
+              <a:buNone/>
+              <a:tabLst/>
+              <a:defRPr/>
+            </a:pPr>
+            <a:endParaRPr kumimoji="0" lang="en-US" altLang="zh-CN" sz="4800" b="0" i="0" u="none" strike="noStrike" kern="0" cap="none" spc="0" normalizeH="0" baseline="0" noProof="0" dirty="0" smtClean="0">
+              <a:ln>
+                <a:noFill/>
+              </a:ln>
+              <a:solidFill>
+                <a:schemeClr val="tx1"/>
+              </a:solidFill>
+              <a:effectLst/>
+              <a:uLnTx/>
+              <a:uFillTx/>
+              <a:latin typeface="+mn-lt"/>
+              <a:ea typeface="宋体" pitchFamily="2" charset="-122"/>
+              <a:cs typeface="+mn-cs"/>
+            </a:endParaRPr>
+          </a:p>
+        </p:txBody>
+      </p:sp>
+    </p:spTree>
+    <p:extLst>
+      <p:ext uri="{BB962C8B-B14F-4D97-AF65-F5344CB8AC3E}">
+        <p14:creationId xmlns:p14="http://schemas.microsoft.com/office/powerpoint/2010/main" val="1814136548"/>
+      </p:ext>
+    </p:extLst>
+  </p:cSld>
+  <p:clrMapOvr>
+    <a:masterClrMapping/>
+  </p:clrMapOvr>
+  <mc:AlternateContent xmlns:mc="http://schemas.openxmlformats.org/markup-compatibility/2006">
+    <mc:Choice xmlns:p14="http://schemas.microsoft.com/office/powerpoint/2010/main" Requires="p14">
+      <p:transition spd="med" p14:dur="700" advClick="0">
+        <p:fade/>
+      </p:transition>
+    </mc:Choice>
+    <mc:Fallback>
+      <p:transition xmlns:p14="http://schemas.microsoft.com/office/powerpoint/2010/main" spd="med" advClick="0">
+        <p:fade/>
+      </p:transition>
+    </mc:Fallback>
+  </mc:AlternateContent>
+  <p:timing>
+    <p:tnLst>
+      <p:par>
+        <p:cTn xmlns:p14="http://schemas.microsoft.com/office/powerpoint/2010/main" id="1" dur="indefinite" restart="never" nodeType="tmRoot"/>
+      </p:par>
+    </p:tnLst>
+  </p:timing>
+</p:sld>
+</file>
+
+<file path=ppt/slides/slide2.xml><?xml version="1.0" encoding="utf-8"?>
+<p:sld xmlns:a="http://schemas.openxmlformats.org/drawingml/2006/main" xmlns:r="http://schemas.openxmlformats.org/officeDocument/2006/relationships" xmlns:p="http://schemas.openxmlformats.org/presentationml/2006/main">
+  <p:cSld>
+    <p:spTree>
+      <p:nvGrpSpPr>
+        <p:cNvPr id="1" name=""/>
+        <p:cNvGrpSpPr/>
+        <p:nvPr/>
+      </p:nvGrpSpPr>
+      <p:grpSpPr>
+        <a:xfrm>
+          <a:off x="0" y="0"/>
+          <a:ext cx="0" cy="0"/>
+          <a:chOff x="0" y="0"/>
+          <a:chExt cx="0" cy="0"/>
+        </a:xfrm>
+      </p:grpSpPr>
+      <p:sp>
+        <p:nvSpPr>
+          <p:cNvPr id="58370" name="Rectangle 2"/>
+          <p:cNvSpPr>
+            <a:spLocks noGrp="1" noChangeArrowheads="1"/>
+          </p:cNvSpPr>
+          <p:nvPr>
+            <p:ph type="title"/>
+          </p:nvPr>
+        </p:nvSpPr>
+        <p:spPr/>
+        <p:txBody>
+          <a:bodyPr/>
+          <a:lstStyle/>
+          <a:p>
+            <a:pPr eaLnBrk="1" hangingPunct="1"/>
+            <a:r>
+              <a:rPr lang="en-US" altLang="zh-CN" sz="4800" dirty="0" smtClean="0">
+                <a:ea typeface="宋体" pitchFamily="2" charset="-122"/>
+              </a:rPr>
+              <a:t>Cycles in simple graphs</a:t>
+            </a:r>
+          </a:p>
+        </p:txBody>
+      </p:sp>
+      <p:sp>
+        <p:nvSpPr>
+          <p:cNvPr id="58371" name="Text Box 3"/>
+          <p:cNvSpPr txBox="1">
+            <a:spLocks noChangeArrowheads="1"/>
+          </p:cNvSpPr>
+          <p:nvPr/>
+        </p:nvSpPr>
+        <p:spPr bwMode="auto">
+          <a:xfrm>
+            <a:off x="1007190" y="932894"/>
+            <a:ext cx="7205819" cy="2123658"/>
+          </a:xfrm>
+          <a:prstGeom prst="rect">
+            <a:avLst/>
+          </a:prstGeom>
+          <a:noFill/>
+          <a:ln w="31750">
+            <a:noFill/>
+            <a:miter lim="800000"/>
+            <a:headEnd/>
+            <a:tailEnd type="none" w="lg" len="lg"/>
+          </a:ln>
+        </p:spPr>
+        <p:txBody>
+          <a:bodyPr wrap="none">
+            <a:spAutoFit/>
+          </a:bodyPr>
+          <a:lstStyle/>
+          <a:p>
+            <a:r>
+              <a:rPr lang="en-US" altLang="zh-CN" sz="4400" dirty="0">
+                <a:latin typeface="Comic Sans MS" pitchFamily="8" charset="0"/>
+                <a:ea typeface="宋体" pitchFamily="2" charset="-122"/>
+              </a:rPr>
+              <a:t>A</a:t>
+            </a:r>
+            <a:r>
+              <a:rPr lang="en-US" altLang="zh-CN" sz="4400" dirty="0" smtClean="0">
+                <a:latin typeface="Comic Sans MS" pitchFamily="8" charset="0"/>
+                <a:ea typeface="宋体" pitchFamily="2" charset="-122"/>
+              </a:rPr>
+              <a:t> </a:t>
+            </a:r>
+            <a:r>
+              <a:rPr lang="en-US" altLang="zh-CN" sz="4400" dirty="0" smtClean="0">
+                <a:solidFill>
+                  <a:srgbClr val="0033CC"/>
+                </a:solidFill>
+                <a:latin typeface="Comic Sans MS" pitchFamily="8" charset="0"/>
+                <a:ea typeface="宋体" pitchFamily="2" charset="-122"/>
+              </a:rPr>
+              <a:t>cycle</a:t>
+            </a:r>
+            <a:r>
+              <a:rPr lang="en-US" altLang="zh-CN" sz="4400" dirty="0" smtClean="0">
+                <a:latin typeface="Comic Sans MS" pitchFamily="8" charset="0"/>
+                <a:ea typeface="宋体" pitchFamily="2" charset="-122"/>
+              </a:rPr>
+              <a:t> </a:t>
+            </a:r>
+            <a:r>
+              <a:rPr lang="en-US" altLang="zh-CN" sz="4400" dirty="0">
+                <a:latin typeface="Comic Sans MS" pitchFamily="8" charset="0"/>
+                <a:ea typeface="宋体" pitchFamily="2" charset="-122"/>
+              </a:rPr>
+              <a:t>is a</a:t>
+            </a:r>
+            <a:r>
+              <a:rPr lang="en-US" altLang="zh-CN" sz="4400" dirty="0" smtClean="0">
+                <a:latin typeface="Comic Sans MS" pitchFamily="8" charset="0"/>
+                <a:ea typeface="宋体" pitchFamily="2" charset="-122"/>
+              </a:rPr>
+              <a:t> closed walk</a:t>
+            </a:r>
+          </a:p>
+          <a:p>
+            <a:r>
+              <a:rPr lang="en-US" altLang="zh-CN" sz="4400" dirty="0" smtClean="0">
+                <a:latin typeface="Comic Sans MS" pitchFamily="8" charset="0"/>
+                <a:ea typeface="宋体" pitchFamily="2" charset="-122"/>
+              </a:rPr>
+              <a:t>of </a:t>
+            </a:r>
+            <a:r>
+              <a:rPr lang="en-US" altLang="zh-CN" sz="4400" dirty="0" smtClean="0">
+                <a:solidFill>
+                  <a:srgbClr val="7030A0"/>
+                </a:solidFill>
+                <a:latin typeface="Comic Sans MS" pitchFamily="8" charset="0"/>
+                <a:ea typeface="宋体" pitchFamily="2" charset="-122"/>
+              </a:rPr>
+              <a:t>length</a:t>
+            </a:r>
+            <a:r>
+              <a:rPr lang="en-US" altLang="zh-CN" sz="4400" b="1" dirty="0" smtClean="0">
+                <a:solidFill>
+                  <a:srgbClr val="7030A0"/>
+                </a:solidFill>
+                <a:latin typeface="Comic Sans MS" pitchFamily="8" charset="0"/>
+                <a:ea typeface="宋体" pitchFamily="2" charset="-122"/>
+              </a:rPr>
+              <a:t> </a:t>
+            </a:r>
+            <a:r>
+              <a:rPr lang="en-US" altLang="zh-CN" sz="4400" b="1" dirty="0" smtClean="0">
+                <a:solidFill>
+                  <a:srgbClr val="7030A0"/>
+                </a:solidFill>
+                <a:latin typeface="Euclid Symbol" charset="2"/>
+                <a:ea typeface="宋体" pitchFamily="2" charset="-122"/>
+                <a:cs typeface="Euclid Symbol" charset="2"/>
+                <a:sym typeface="Euclid Symbol"/>
+              </a:rPr>
+              <a:t>&gt;</a:t>
+            </a:r>
+            <a:r>
+              <a:rPr lang="en-US" altLang="zh-CN" sz="4400" dirty="0" smtClean="0">
+                <a:solidFill>
+                  <a:srgbClr val="7030A0"/>
+                </a:solidFill>
+                <a:latin typeface="Comic Sans MS" pitchFamily="8" charset="0"/>
+                <a:ea typeface="宋体" pitchFamily="2" charset="-122"/>
+                <a:sym typeface="Euclid Symbol"/>
+              </a:rPr>
+              <a:t> </a:t>
+            </a:r>
+            <a:r>
+              <a:rPr lang="en-US" altLang="zh-CN" sz="4400" dirty="0" smtClean="0">
+                <a:solidFill>
+                  <a:srgbClr val="7030A0"/>
+                </a:solidFill>
+                <a:latin typeface="Comic Sans MS" pitchFamily="8" charset="0"/>
+                <a:ea typeface="宋体" pitchFamily="2" charset="-122"/>
+              </a:rPr>
+              <a:t>2 </a:t>
+            </a:r>
+            <a:r>
+              <a:rPr lang="en-US" altLang="zh-CN" sz="4400" dirty="0" smtClean="0">
+                <a:latin typeface="Comic Sans MS" pitchFamily="8" charset="0"/>
+                <a:ea typeface="宋体" pitchFamily="2" charset="-122"/>
+              </a:rPr>
+              <a:t>that doesn’t</a:t>
+            </a:r>
+          </a:p>
+          <a:p>
+            <a:r>
+              <a:rPr lang="en-US" altLang="zh-CN" sz="4400" dirty="0" smtClean="0">
+                <a:latin typeface="Comic Sans MS" pitchFamily="8" charset="0"/>
+                <a:ea typeface="宋体" pitchFamily="2" charset="-122"/>
+              </a:rPr>
+              <a:t>cross itself:</a:t>
+            </a:r>
+            <a:endParaRPr lang="en-US" altLang="zh-CN" sz="4400" dirty="0">
+              <a:latin typeface="Comic Sans MS" pitchFamily="8" charset="0"/>
+              <a:ea typeface="宋体" pitchFamily="2" charset="-122"/>
+            </a:endParaRPr>
+          </a:p>
+        </p:txBody>
+      </p:sp>
+      <p:sp>
+        <p:nvSpPr>
+          <p:cNvPr id="58378" name="Freeform 15"/>
+          <p:cNvSpPr>
+            <a:spLocks/>
+          </p:cNvSpPr>
+          <p:nvPr/>
+        </p:nvSpPr>
+        <p:spPr bwMode="auto">
+          <a:xfrm>
+            <a:off x="1753898" y="4422846"/>
+            <a:ext cx="3003550" cy="1430338"/>
+          </a:xfrm>
+          <a:custGeom>
+            <a:avLst/>
+            <a:gdLst>
+              <a:gd name="T0" fmla="*/ 207963 w 1892"/>
+              <a:gd name="T1" fmla="*/ 0 h 901"/>
+              <a:gd name="T2" fmla="*/ 233363 w 1892"/>
+              <a:gd name="T3" fmla="*/ 876300 h 901"/>
+              <a:gd name="T4" fmla="*/ 1604962 w 1892"/>
+              <a:gd name="T5" fmla="*/ 1409700 h 901"/>
+              <a:gd name="T6" fmla="*/ 2786063 w 1892"/>
+              <a:gd name="T7" fmla="*/ 1003300 h 901"/>
+              <a:gd name="T8" fmla="*/ 2913063 w 1892"/>
+              <a:gd name="T9" fmla="*/ 533400 h 901"/>
+              <a:gd name="T10" fmla="*/ 0 60000 65536"/>
+              <a:gd name="T11" fmla="*/ 0 60000 65536"/>
+              <a:gd name="T12" fmla="*/ 0 60000 65536"/>
+              <a:gd name="T13" fmla="*/ 0 60000 65536"/>
+              <a:gd name="T14" fmla="*/ 0 60000 65536"/>
+              <a:gd name="T15" fmla="*/ 0 w 1892"/>
+              <a:gd name="T16" fmla="*/ 0 h 901"/>
+              <a:gd name="T17" fmla="*/ 1892 w 1892"/>
+              <a:gd name="T18" fmla="*/ 901 h 901"/>
+            </a:gdLst>
+            <a:ahLst/>
+            <a:cxnLst>
+              <a:cxn ang="T10">
+                <a:pos x="T0" y="T1"/>
+              </a:cxn>
+              <a:cxn ang="T11">
+                <a:pos x="T2" y="T3"/>
+              </a:cxn>
+              <a:cxn ang="T12">
+                <a:pos x="T4" y="T5"/>
+              </a:cxn>
+              <a:cxn ang="T13">
+                <a:pos x="T6" y="T7"/>
+              </a:cxn>
+              <a:cxn ang="T14">
+                <a:pos x="T8" y="T9"/>
+              </a:cxn>
+            </a:cxnLst>
+            <a:rect l="T15" t="T16" r="T17" b="T18"/>
+            <a:pathLst>
+              <a:path w="1892" h="901">
+                <a:moveTo>
+                  <a:pt x="131" y="0"/>
+                </a:moveTo>
+                <a:cubicBezTo>
+                  <a:pt x="65" y="202"/>
+                  <a:pt x="0" y="404"/>
+                  <a:pt x="147" y="552"/>
+                </a:cubicBezTo>
+                <a:cubicBezTo>
+                  <a:pt x="294" y="700"/>
+                  <a:pt x="743" y="875"/>
+                  <a:pt x="1011" y="888"/>
+                </a:cubicBezTo>
+                <a:cubicBezTo>
+                  <a:pt x="1279" y="901"/>
+                  <a:pt x="1618" y="724"/>
+                  <a:pt x="1755" y="632"/>
+                </a:cubicBezTo>
+                <a:cubicBezTo>
+                  <a:pt x="1892" y="540"/>
+                  <a:pt x="1822" y="385"/>
+                  <a:pt x="1835" y="336"/>
+                </a:cubicBezTo>
+              </a:path>
+            </a:pathLst>
+          </a:custGeom>
+          <a:noFill/>
+          <a:ln w="38100" cap="rnd">
+            <a:solidFill>
+              <a:schemeClr val="accent1">
+                <a:lumMod val="50000"/>
+              </a:schemeClr>
+            </a:solidFill>
+            <a:prstDash val="dash"/>
+            <a:round/>
+            <a:headEnd/>
+            <a:tailEnd type="none" w="lg" len="lg"/>
+          </a:ln>
+        </p:spPr>
+        <p:txBody>
+          <a:bodyPr wrap="none" anchor="ctr"/>
+          <a:lstStyle/>
+          <a:p>
+            <a:endParaRPr lang="zh-CN" altLang="en-US">
+              <a:ea typeface="宋体" pitchFamily="2" charset="-122"/>
+            </a:endParaRPr>
+          </a:p>
+        </p:txBody>
+      </p:sp>
+      <p:sp>
+        <p:nvSpPr>
+          <p:cNvPr id="58379" name="Rectangle 11"/>
+          <p:cNvSpPr>
+            <a:spLocks noGrp="1" noChangeArrowheads="1"/>
+          </p:cNvSpPr>
+          <p:nvPr>
+            <p:ph type="sldNum" sz="quarter" idx="10"/>
+          </p:nvPr>
+        </p:nvSpPr>
+        <p:spPr>
+          <a:noFill/>
+        </p:spPr>
+        <p:txBody>
+          <a:bodyPr/>
+          <a:lstStyle/>
+          <a:p>
+            <a:r>
+              <a:rPr lang="en-US" dirty="0" smtClean="0"/>
+              <a:t>tree-def.</a:t>
+            </a:r>
+            <a:fld id="{B8D01330-1CCD-420A-86D1-6B5E88908576}" type="slidenum">
+              <a:rPr lang="en-US" smtClean="0"/>
+              <a:pPr/>
               <a:t>2</a:t>
+            </a:fld>
+            <a:endParaRPr lang="en-US" dirty="0" smtClean="0"/>
+          </a:p>
+        </p:txBody>
+      </p:sp>
+      <p:sp>
+        <p:nvSpPr>
+          <p:cNvPr id="15" name="Freeform 14"/>
+          <p:cNvSpPr/>
+          <p:nvPr/>
+        </p:nvSpPr>
+        <p:spPr bwMode="auto">
+          <a:xfrm>
+            <a:off x="2289520" y="3202122"/>
+            <a:ext cx="2304288" cy="975360"/>
+          </a:xfrm>
+          <a:custGeom>
+            <a:avLst/>
+            <a:gdLst>
+              <a:gd name="connsiteX0" fmla="*/ 2304288 w 2304288"/>
+              <a:gd name="connsiteY0" fmla="*/ 975360 h 975360"/>
+              <a:gd name="connsiteX1" fmla="*/ 2218944 w 2304288"/>
+              <a:gd name="connsiteY1" fmla="*/ 768096 h 975360"/>
+              <a:gd name="connsiteX2" fmla="*/ 2084832 w 2304288"/>
+              <a:gd name="connsiteY2" fmla="*/ 536448 h 975360"/>
+              <a:gd name="connsiteX3" fmla="*/ 1901952 w 2304288"/>
+              <a:gd name="connsiteY3" fmla="*/ 329184 h 975360"/>
+              <a:gd name="connsiteX4" fmla="*/ 1731264 w 2304288"/>
+              <a:gd name="connsiteY4" fmla="*/ 182880 h 975360"/>
+              <a:gd name="connsiteX5" fmla="*/ 1548384 w 2304288"/>
+              <a:gd name="connsiteY5" fmla="*/ 73152 h 975360"/>
+              <a:gd name="connsiteX6" fmla="*/ 1267968 w 2304288"/>
+              <a:gd name="connsiteY6" fmla="*/ 36576 h 975360"/>
+              <a:gd name="connsiteX7" fmla="*/ 975360 w 2304288"/>
+              <a:gd name="connsiteY7" fmla="*/ 0 h 975360"/>
+              <a:gd name="connsiteX8" fmla="*/ 646176 w 2304288"/>
+              <a:gd name="connsiteY8" fmla="*/ 48768 h 975360"/>
+              <a:gd name="connsiteX9" fmla="*/ 524256 w 2304288"/>
+              <a:gd name="connsiteY9" fmla="*/ 109728 h 975360"/>
+              <a:gd name="connsiteX10" fmla="*/ 329184 w 2304288"/>
+              <a:gd name="connsiteY10" fmla="*/ 231648 h 975360"/>
+              <a:gd name="connsiteX11" fmla="*/ 219456 w 2304288"/>
+              <a:gd name="connsiteY11" fmla="*/ 365760 h 975360"/>
+              <a:gd name="connsiteX12" fmla="*/ 85344 w 2304288"/>
+              <a:gd name="connsiteY12" fmla="*/ 573024 h 975360"/>
+              <a:gd name="connsiteX13" fmla="*/ 0 w 2304288"/>
+              <a:gd name="connsiteY13" fmla="*/ 682752 h 975360"/>
+            </a:gdLst>
+            <a:ahLst/>
+            <a:cxnLst>
+              <a:cxn ang="0">
+                <a:pos x="connsiteX0" y="connsiteY0"/>
+              </a:cxn>
+              <a:cxn ang="0">
+                <a:pos x="connsiteX1" y="connsiteY1"/>
+              </a:cxn>
+              <a:cxn ang="0">
+                <a:pos x="connsiteX2" y="connsiteY2"/>
+              </a:cxn>
+              <a:cxn ang="0">
+                <a:pos x="connsiteX3" y="connsiteY3"/>
+              </a:cxn>
+              <a:cxn ang="0">
+                <a:pos x="connsiteX4" y="connsiteY4"/>
+              </a:cxn>
+              <a:cxn ang="0">
+                <a:pos x="connsiteX5" y="connsiteY5"/>
+              </a:cxn>
+              <a:cxn ang="0">
+                <a:pos x="connsiteX6" y="connsiteY6"/>
+              </a:cxn>
+              <a:cxn ang="0">
+                <a:pos x="connsiteX7" y="connsiteY7"/>
+              </a:cxn>
+              <a:cxn ang="0">
+                <a:pos x="connsiteX8" y="connsiteY8"/>
+              </a:cxn>
+              <a:cxn ang="0">
+                <a:pos x="connsiteX9" y="connsiteY9"/>
+              </a:cxn>
+              <a:cxn ang="0">
+                <a:pos x="connsiteX10" y="connsiteY10"/>
+              </a:cxn>
+              <a:cxn ang="0">
+                <a:pos x="connsiteX11" y="connsiteY11"/>
+              </a:cxn>
+              <a:cxn ang="0">
+                <a:pos x="connsiteX12" y="connsiteY12"/>
+              </a:cxn>
+              <a:cxn ang="0">
+                <a:pos x="connsiteX13" y="connsiteY13"/>
+              </a:cxn>
+            </a:cxnLst>
+            <a:rect l="l" t="t" r="r" b="b"/>
+            <a:pathLst>
+              <a:path w="2304288" h="975360">
+                <a:moveTo>
+                  <a:pt x="2304288" y="975360"/>
+                </a:moveTo>
+                <a:cubicBezTo>
+                  <a:pt x="2217315" y="776565"/>
+                  <a:pt x="2218944" y="851263"/>
+                  <a:pt x="2218944" y="768096"/>
+                </a:cubicBezTo>
+                <a:cubicBezTo>
+                  <a:pt x="2103838" y="550673"/>
+                  <a:pt x="2164492" y="616108"/>
+                  <a:pt x="2084832" y="536448"/>
+                </a:cubicBezTo>
+                <a:lnTo>
+                  <a:pt x="1901952" y="329184"/>
+                </a:lnTo>
+                <a:lnTo>
+                  <a:pt x="1731264" y="182880"/>
+                </a:lnTo>
+                <a:lnTo>
+                  <a:pt x="1548384" y="73152"/>
+                </a:lnTo>
+                <a:lnTo>
+                  <a:pt x="1267968" y="36576"/>
+                </a:lnTo>
+                <a:lnTo>
+                  <a:pt x="975360" y="0"/>
+                </a:lnTo>
+                <a:lnTo>
+                  <a:pt x="646176" y="48768"/>
+                </a:lnTo>
+                <a:cubicBezTo>
+                  <a:pt x="520771" y="124011"/>
+                  <a:pt x="524256" y="169314"/>
+                  <a:pt x="524256" y="109728"/>
+                </a:cubicBezTo>
+                <a:lnTo>
+                  <a:pt x="329184" y="231648"/>
+                </a:lnTo>
+                <a:lnTo>
+                  <a:pt x="219456" y="365760"/>
+                </a:lnTo>
+                <a:lnTo>
+                  <a:pt x="85344" y="573024"/>
+                </a:lnTo>
+                <a:lnTo>
+                  <a:pt x="0" y="682752"/>
+                </a:lnTo>
+              </a:path>
+            </a:pathLst>
+          </a:custGeom>
+          <a:noFill/>
+          <a:ln w="38100" cap="flat" cmpd="sng" algn="ctr">
+            <a:solidFill>
+              <a:schemeClr val="accent1">
+                <a:lumMod val="50000"/>
+              </a:schemeClr>
+            </a:solidFill>
+            <a:prstDash val="dash"/>
+            <a:round/>
+            <a:headEnd type="none" w="med" len="med"/>
+            <a:tailEnd type="none" w="lg" len="lg"/>
+          </a:ln>
+          <a:effectLst/>
+        </p:spPr>
+        <p:txBody>
+          <a:bodyPr rtlCol="0" anchor="ctr"/>
+          <a:lstStyle/>
+          <a:p>
+            <a:pPr algn="ctr"/>
+            <a:endParaRPr lang="en-US"/>
+          </a:p>
+        </p:txBody>
+      </p:sp>
+      <p:grpSp>
+        <p:nvGrpSpPr>
+          <p:cNvPr id="20" name="Group 19"/>
+          <p:cNvGrpSpPr/>
+          <p:nvPr/>
+        </p:nvGrpSpPr>
+        <p:grpSpPr>
+          <a:xfrm>
+            <a:off x="1974560" y="3397321"/>
+            <a:ext cx="3141663" cy="2623808"/>
+            <a:chOff x="2794000" y="3182239"/>
+            <a:chExt cx="3141663" cy="2623808"/>
+          </a:xfrm>
+        </p:grpSpPr>
+        <p:sp>
+          <p:nvSpPr>
+            <p:cNvPr id="58373" name="Freeform 6"/>
+            <p:cNvSpPr>
+              <a:spLocks/>
+            </p:cNvSpPr>
+            <p:nvPr/>
+          </p:nvSpPr>
+          <p:spPr bwMode="auto">
+            <a:xfrm rot="-812617">
+              <a:off x="3035300" y="3182239"/>
+              <a:ext cx="2306638" cy="2052638"/>
+            </a:xfrm>
+            <a:custGeom>
+              <a:avLst/>
+              <a:gdLst>
+                <a:gd name="T0" fmla="*/ 133569109 w 1453"/>
+                <a:gd name="T1" fmla="*/ 1612900181 h 1293"/>
+                <a:gd name="T2" fmla="*/ 1444050550 w 1453"/>
+                <a:gd name="T3" fmla="*/ 161290028 h 1293"/>
+                <a:gd name="T4" fmla="*/ 2147483647 w 1453"/>
+                <a:gd name="T5" fmla="*/ 652721373 h 1293"/>
+                <a:gd name="T6" fmla="*/ 2147483647 w 1453"/>
+                <a:gd name="T7" fmla="*/ 2147483647 h 1293"/>
+                <a:gd name="T8" fmla="*/ 2018646503 w 1453"/>
+                <a:gd name="T9" fmla="*/ 2147483647 h 1293"/>
+                <a:gd name="T10" fmla="*/ 637600447 w 1453"/>
+                <a:gd name="T11" fmla="*/ 2147483647 h 1293"/>
+                <a:gd name="T12" fmla="*/ 133569109 w 1453"/>
+                <a:gd name="T13" fmla="*/ 1612900181 h 1293"/>
+                <a:gd name="T14" fmla="*/ 0 60000 65536"/>
+                <a:gd name="T15" fmla="*/ 0 60000 65536"/>
+                <a:gd name="T16" fmla="*/ 0 60000 65536"/>
+                <a:gd name="T17" fmla="*/ 0 60000 65536"/>
+                <a:gd name="T18" fmla="*/ 0 60000 65536"/>
+                <a:gd name="T19" fmla="*/ 0 60000 65536"/>
+                <a:gd name="T20" fmla="*/ 0 60000 65536"/>
+                <a:gd name="T21" fmla="*/ 0 w 1453"/>
+                <a:gd name="T22" fmla="*/ 0 h 1293"/>
+                <a:gd name="T23" fmla="*/ 1453 w 1453"/>
+                <a:gd name="T24" fmla="*/ 1293 h 1293"/>
+              </a:gdLst>
+              <a:ahLst/>
+              <a:cxnLst>
+                <a:cxn ang="T14">
+                  <a:pos x="T0" y="T1"/>
+                </a:cxn>
+                <a:cxn ang="T15">
+                  <a:pos x="T2" y="T3"/>
+                </a:cxn>
+                <a:cxn ang="T16">
+                  <a:pos x="T4" y="T5"/>
+                </a:cxn>
+                <a:cxn ang="T17">
+                  <a:pos x="T6" y="T7"/>
+                </a:cxn>
+                <a:cxn ang="T18">
+                  <a:pos x="T8" y="T9"/>
+                </a:cxn>
+                <a:cxn ang="T19">
+                  <a:pos x="T10" y="T11"/>
+                </a:cxn>
+                <a:cxn ang="T20">
+                  <a:pos x="T12" y="T13"/>
+                </a:cxn>
+              </a:cxnLst>
+              <a:rect l="T21" t="T22" r="T23" b="T24"/>
+              <a:pathLst>
+                <a:path w="1453" h="1293">
+                  <a:moveTo>
+                    <a:pt x="53" y="640"/>
+                  </a:moveTo>
+                  <a:cubicBezTo>
+                    <a:pt x="106" y="453"/>
+                    <a:pt x="391" y="128"/>
+                    <a:pt x="573" y="64"/>
+                  </a:cubicBezTo>
+                  <a:cubicBezTo>
+                    <a:pt x="755" y="0"/>
+                    <a:pt x="1008" y="113"/>
+                    <a:pt x="1145" y="259"/>
+                  </a:cubicBezTo>
+                  <a:cubicBezTo>
+                    <a:pt x="1282" y="405"/>
+                    <a:pt x="1453" y="776"/>
+                    <a:pt x="1396" y="942"/>
+                  </a:cubicBezTo>
+                  <a:cubicBezTo>
+                    <a:pt x="1339" y="1108"/>
+                    <a:pt x="991" y="1213"/>
+                    <a:pt x="801" y="1253"/>
+                  </a:cubicBezTo>
+                  <a:cubicBezTo>
+                    <a:pt x="611" y="1293"/>
+                    <a:pt x="379" y="1286"/>
+                    <a:pt x="253" y="1183"/>
+                  </a:cubicBezTo>
+                  <a:cubicBezTo>
+                    <a:pt x="127" y="1080"/>
+                    <a:pt x="0" y="827"/>
+                    <a:pt x="53" y="640"/>
+                  </a:cubicBezTo>
+                  <a:close/>
+                </a:path>
+              </a:pathLst>
+            </a:custGeom>
+            <a:noFill/>
+            <a:ln w="31750">
+              <a:solidFill>
+                <a:schemeClr val="tx1"/>
+              </a:solidFill>
+              <a:round/>
+              <a:headEnd/>
+              <a:tailEnd type="none" w="lg" len="lg"/>
+            </a:ln>
+          </p:spPr>
+          <p:txBody>
+            <a:bodyPr/>
+            <a:lstStyle/>
+            <a:p>
+              <a:endParaRPr lang="zh-CN" altLang="en-US">
+                <a:ea typeface="宋体" pitchFamily="2" charset="-122"/>
+              </a:endParaRPr>
+            </a:p>
+          </p:txBody>
+        </p:sp>
+        <p:grpSp>
+          <p:nvGrpSpPr>
+            <p:cNvPr id="19" name="Group 18"/>
+            <p:cNvGrpSpPr/>
+            <p:nvPr/>
+          </p:nvGrpSpPr>
+          <p:grpSpPr>
+            <a:xfrm>
+              <a:off x="2794000" y="3315589"/>
+              <a:ext cx="3141663" cy="2490458"/>
+              <a:chOff x="2794000" y="3315589"/>
+              <a:chExt cx="3141663" cy="2490458"/>
+            </a:xfrm>
+          </p:grpSpPr>
+          <p:grpSp>
+            <p:nvGrpSpPr>
+              <p:cNvPr id="18" name="Group 17"/>
+              <p:cNvGrpSpPr/>
+              <p:nvPr/>
+            </p:nvGrpSpPr>
+            <p:grpSpPr>
+              <a:xfrm>
+                <a:off x="2794000" y="3315589"/>
+                <a:ext cx="3141663" cy="2490458"/>
+                <a:chOff x="2794000" y="3315589"/>
+                <a:chExt cx="3141663" cy="2490458"/>
+              </a:xfrm>
+            </p:grpSpPr>
+            <p:grpSp>
+              <p:nvGrpSpPr>
+                <p:cNvPr id="2" name="Group 9"/>
+                <p:cNvGrpSpPr>
+                  <a:grpSpLocks/>
+                </p:cNvGrpSpPr>
+                <p:nvPr/>
+              </p:nvGrpSpPr>
+              <p:grpSpPr bwMode="auto">
+                <a:xfrm rot="-812617">
+                  <a:off x="2794000" y="3315589"/>
+                  <a:ext cx="2527300" cy="1306513"/>
+                  <a:chOff x="1955" y="2338"/>
+                  <a:chExt cx="1592" cy="823"/>
+                </a:xfrm>
+              </p:grpSpPr>
+              <p:sp>
+                <p:nvSpPr>
+                  <p:cNvPr id="58380" name="Text Box 10"/>
+                  <p:cNvSpPr txBox="1">
+                    <a:spLocks noChangeArrowheads="1"/>
+                  </p:cNvSpPr>
+                  <p:nvPr/>
+                </p:nvSpPr>
+                <p:spPr bwMode="auto">
+                  <a:xfrm rot="812617">
+                    <a:off x="1955" y="2338"/>
+                    <a:ext cx="272" cy="442"/>
+                  </a:xfrm>
+                  <a:prstGeom prst="rect">
+                    <a:avLst/>
+                  </a:prstGeom>
+                  <a:noFill/>
+                  <a:ln w="31750">
+                    <a:noFill/>
+                    <a:miter lim="800000"/>
+                    <a:headEnd/>
+                    <a:tailEnd type="none" w="lg" len="lg"/>
+                  </a:ln>
+                </p:spPr>
+                <p:txBody>
+                  <a:bodyPr wrap="none">
+                    <a:spAutoFit/>
+                  </a:bodyPr>
+                  <a:lstStyle/>
+                  <a:p>
+                    <a:r>
+                      <a:rPr lang="en-US" altLang="zh-CN" dirty="0">
+                        <a:latin typeface="Comic Sans MS" pitchFamily="8" charset="0"/>
+                        <a:ea typeface="宋体" pitchFamily="2" charset="-122"/>
+                      </a:rPr>
+                      <a:t>v</a:t>
+                    </a:r>
+                  </a:p>
+                </p:txBody>
+              </p:sp>
+              <p:sp>
+                <p:nvSpPr>
+                  <p:cNvPr id="58381" name="Oval 11"/>
+                  <p:cNvSpPr>
+                    <a:spLocks noChangeArrowheads="1"/>
+                  </p:cNvSpPr>
+                  <p:nvPr/>
+                </p:nvSpPr>
+                <p:spPr bwMode="auto">
+                  <a:xfrm>
+                    <a:off x="3440" y="3049"/>
+                    <a:ext cx="107" cy="112"/>
+                  </a:xfrm>
+                  <a:prstGeom prst="ellipse">
+                    <a:avLst/>
+                  </a:prstGeom>
+                  <a:solidFill>
+                    <a:schemeClr val="tx1"/>
+                  </a:solidFill>
+                  <a:ln w="19050">
+                    <a:noFill/>
+                    <a:round/>
+                    <a:headEnd/>
+                    <a:tailEnd type="none" w="lg" len="lg"/>
+                  </a:ln>
+                </p:spPr>
+                <p:txBody>
+                  <a:bodyPr wrap="none" anchor="ctr"/>
+                  <a:lstStyle/>
+                  <a:p>
+                    <a:endParaRPr lang="zh-CN" altLang="en-US">
+                      <a:ea typeface="宋体" pitchFamily="2" charset="-122"/>
+                    </a:endParaRPr>
+                  </a:p>
+                </p:txBody>
+              </p:sp>
+              <p:sp>
+                <p:nvSpPr>
+                  <p:cNvPr id="58382" name="Oval 12"/>
+                  <p:cNvSpPr>
+                    <a:spLocks noChangeArrowheads="1"/>
+                  </p:cNvSpPr>
+                  <p:nvPr/>
+                </p:nvSpPr>
+                <p:spPr bwMode="auto">
+                  <a:xfrm>
+                    <a:off x="2170" y="2634"/>
+                    <a:ext cx="107" cy="112"/>
+                  </a:xfrm>
+                  <a:prstGeom prst="ellipse">
+                    <a:avLst/>
+                  </a:prstGeom>
+                  <a:solidFill>
+                    <a:schemeClr val="tx1"/>
+                  </a:solidFill>
+                  <a:ln w="19050">
+                    <a:noFill/>
+                    <a:round/>
+                    <a:headEnd/>
+                    <a:tailEnd type="none" w="lg" len="lg"/>
+                  </a:ln>
+                </p:spPr>
+                <p:txBody>
+                  <a:bodyPr wrap="none" anchor="ctr"/>
+                  <a:lstStyle/>
+                  <a:p>
+                    <a:endParaRPr lang="zh-CN" altLang="en-US">
+                      <a:ea typeface="宋体" pitchFamily="2" charset="-122"/>
+                    </a:endParaRPr>
+                  </a:p>
+                </p:txBody>
+              </p:sp>
+            </p:grpSp>
+            <p:sp>
+              <p:nvSpPr>
+                <p:cNvPr id="58376" name="Text Box 19"/>
+                <p:cNvSpPr txBox="1">
+                  <a:spLocks noChangeArrowheads="1"/>
+                </p:cNvSpPr>
+                <p:nvPr/>
+              </p:nvSpPr>
+              <p:spPr bwMode="auto">
+                <a:xfrm>
+                  <a:off x="5403850" y="3836289"/>
+                  <a:ext cx="531813" cy="701675"/>
+                </a:xfrm>
+                <a:prstGeom prst="rect">
+                  <a:avLst/>
+                </a:prstGeom>
+                <a:noFill/>
+                <a:ln w="31750">
+                  <a:noFill/>
+                  <a:miter lim="800000"/>
+                  <a:headEnd/>
+                  <a:tailEnd type="none" w="lg" len="lg"/>
+                </a:ln>
+              </p:spPr>
+              <p:txBody>
+                <a:bodyPr wrap="none">
+                  <a:spAutoFit/>
+                </a:bodyPr>
+                <a:lstStyle/>
+                <a:p>
+                  <a:r>
+                    <a:rPr lang="en-US" altLang="zh-CN" dirty="0">
+                      <a:latin typeface="Comic Sans MS" pitchFamily="8" charset="0"/>
+                      <a:ea typeface="宋体" pitchFamily="2" charset="-122"/>
+                    </a:rPr>
+                    <a:t>w</a:t>
+                  </a:r>
+                </a:p>
+              </p:txBody>
+            </p:sp>
+            <p:sp>
+              <p:nvSpPr>
+                <p:cNvPr id="17" name="Text Box 19"/>
+                <p:cNvSpPr txBox="1">
+                  <a:spLocks noChangeArrowheads="1"/>
+                </p:cNvSpPr>
+                <p:nvPr/>
+              </p:nvSpPr>
+              <p:spPr bwMode="auto">
+                <a:xfrm>
+                  <a:off x="3629914" y="5098161"/>
+                  <a:ext cx="447558" cy="707886"/>
+                </a:xfrm>
+                <a:prstGeom prst="rect">
+                  <a:avLst/>
+                </a:prstGeom>
+                <a:noFill/>
+                <a:ln w="31750">
+                  <a:noFill/>
+                  <a:miter lim="800000"/>
+                  <a:headEnd/>
+                  <a:tailEnd type="none" w="lg" len="lg"/>
+                </a:ln>
+              </p:spPr>
+              <p:txBody>
+                <a:bodyPr wrap="none">
+                  <a:spAutoFit/>
+                </a:bodyPr>
+                <a:lstStyle/>
+                <a:p>
+                  <a:r>
+                    <a:rPr lang="en-US" altLang="zh-CN" dirty="0" smtClean="0">
+                      <a:latin typeface="Comic Sans MS" pitchFamily="8" charset="0"/>
+                      <a:ea typeface="宋体" pitchFamily="2" charset="-122"/>
+                    </a:rPr>
+                    <a:t>a</a:t>
+                  </a:r>
+                  <a:endParaRPr lang="en-US" altLang="zh-CN" dirty="0">
+                    <a:latin typeface="Comic Sans MS" pitchFamily="8" charset="0"/>
+                    <a:ea typeface="宋体" pitchFamily="2" charset="-122"/>
+                  </a:endParaRPr>
+                </a:p>
+              </p:txBody>
+            </p:sp>
+          </p:grpSp>
+          <p:sp>
+            <p:nvSpPr>
+              <p:cNvPr id="16" name="Oval 12"/>
+              <p:cNvSpPr>
+                <a:spLocks noChangeArrowheads="1"/>
+              </p:cNvSpPr>
+              <p:nvPr/>
+            </p:nvSpPr>
+            <p:spPr bwMode="auto">
+              <a:xfrm>
+                <a:off x="3745611" y="5126800"/>
+                <a:ext cx="169863" cy="177800"/>
+              </a:xfrm>
+              <a:prstGeom prst="ellipse">
+                <a:avLst/>
+              </a:prstGeom>
+              <a:solidFill>
+                <a:schemeClr val="tx1"/>
+              </a:solidFill>
+              <a:ln w="19050">
+                <a:noFill/>
+                <a:round/>
+                <a:headEnd/>
+                <a:tailEnd type="none" w="lg" len="lg"/>
+              </a:ln>
+            </p:spPr>
+            <p:txBody>
+              <a:bodyPr wrap="none" anchor="ctr"/>
+              <a:lstStyle/>
+              <a:p>
+                <a:endParaRPr lang="zh-CN" altLang="en-US">
+                  <a:ea typeface="宋体" pitchFamily="2" charset="-122"/>
+                </a:endParaRPr>
+              </a:p>
+            </p:txBody>
+          </p:sp>
+        </p:grpSp>
+      </p:grpSp>
+    </p:spTree>
+    <p:extLst>
+      <p:ext uri="{BB962C8B-B14F-4D97-AF65-F5344CB8AC3E}">
+        <p14:creationId xmlns:p14="http://schemas.microsoft.com/office/powerpoint/2010/main" val="1141591820"/>
+      </p:ext>
+    </p:extLst>
+  </p:cSld>
+  <p:clrMapOvr>
+    <a:masterClrMapping/>
+  </p:clrMapOvr>
+  <p:transition xmlns:p14="http://schemas.microsoft.com/office/powerpoint/2010/main" spd="slow" advClick="0">
+    <p:fade thruBlk="1"/>
+  </p:transition>
+  <p:timing>
+    <p:tnLst>
+      <p:par>
+        <p:cTn xmlns:p14="http://schemas.microsoft.com/office/powerpoint/2010/main" id="1" dur="indefinite" restart="never" nodeType="tmRoot">
+          <p:childTnLst>
+            <p:seq concurrent="1" nextAc="seek">
+              <p:cTn id="2" dur="indefinite" nodeType="mainSeq">
+                <p:childTnLst>
+                  <p:par>
+                    <p:cTn id="3" fill="hold">
+                      <p:stCondLst>
+                        <p:cond delay="indefinite"/>
+                      </p:stCondLst>
+                      <p:childTnLst>
+                        <p:par>
+                          <p:cTn id="4" fill="hold">
+                            <p:stCondLst>
+                              <p:cond delay="0"/>
+                            </p:stCondLst>
+                            <p:childTnLst>
+                              <p:par>
+                                <p:cTn id="5" presetID="10" presetClass="entr" presetSubtype="0" fill="hold" grpId="0" nodeType="clickEffect">
+                                  <p:stCondLst>
+                                    <p:cond delay="0"/>
+                                  </p:stCondLst>
+                                  <p:childTnLst>
+                                    <p:set>
+                                      <p:cBhvr>
+                                        <p:cTn id="6" dur="1" fill="hold">
+                                          <p:stCondLst>
+                                            <p:cond delay="0"/>
+                                          </p:stCondLst>
+                                        </p:cTn>
+                                        <p:tgtEl>
+                                          <p:spTgt spid="58371"/>
+                                        </p:tgtEl>
+                                        <p:attrNameLst>
+                                          <p:attrName>style.visibility</p:attrName>
+                                        </p:attrNameLst>
+                                      </p:cBhvr>
+                                      <p:to>
+                                        <p:strVal val="visible"/>
+                                      </p:to>
+                                    </p:set>
+                                    <p:animEffect transition="in" filter="fade">
+                                      <p:cBhvr>
+                                        <p:cTn id="7" dur="500"/>
+                                        <p:tgtEl>
+                                          <p:spTgt spid="58371"/>
+                                        </p:tgtEl>
+                                      </p:cBhvr>
+                                    </p:animEffect>
+                                  </p:childTnLst>
+                                </p:cTn>
+                              </p:par>
+                            </p:childTnLst>
+                          </p:cTn>
+                        </p:par>
+                      </p:childTnLst>
+                    </p:cTn>
+                  </p:par>
+                  <p:par>
+                    <p:cTn id="8" fill="hold">
+                      <p:stCondLst>
+                        <p:cond delay="indefinite"/>
+                      </p:stCondLst>
+                      <p:childTnLst>
+                        <p:par>
+                          <p:cTn id="9" fill="hold">
+                            <p:stCondLst>
+                              <p:cond delay="0"/>
+                            </p:stCondLst>
+                            <p:childTnLst>
+                              <p:par>
+                                <p:cTn id="10" presetID="10" presetClass="entr" presetSubtype="0" fill="hold" nodeType="clickEffect">
+                                  <p:stCondLst>
+                                    <p:cond delay="0"/>
+                                  </p:stCondLst>
+                                  <p:childTnLst>
+                                    <p:set>
+                                      <p:cBhvr>
+                                        <p:cTn id="11" dur="1" fill="hold">
+                                          <p:stCondLst>
+                                            <p:cond delay="0"/>
+                                          </p:stCondLst>
+                                        </p:cTn>
+                                        <p:tgtEl>
+                                          <p:spTgt spid="20"/>
+                                        </p:tgtEl>
+                                        <p:attrNameLst>
+                                          <p:attrName>style.visibility</p:attrName>
+                                        </p:attrNameLst>
+                                      </p:cBhvr>
+                                      <p:to>
+                                        <p:strVal val="visible"/>
+                                      </p:to>
+                                    </p:set>
+                                    <p:animEffect transition="in" filter="fade">
+                                      <p:cBhvr>
+                                        <p:cTn id="12" dur="500"/>
+                                        <p:tgtEl>
+                                          <p:spTgt spid="20"/>
+                                        </p:tgtEl>
+                                      </p:cBhvr>
+                                    </p:animEffect>
+                                  </p:childTnLst>
+                                </p:cTn>
+                              </p:par>
+                            </p:childTnLst>
+                          </p:cTn>
+                        </p:par>
+                      </p:childTnLst>
+                    </p:cTn>
+                  </p:par>
+                  <p:par>
+                    <p:cTn id="13" fill="hold">
+                      <p:stCondLst>
+                        <p:cond delay="indefinite"/>
+                      </p:stCondLst>
+                      <p:childTnLst>
+                        <p:par>
+                          <p:cTn id="14" fill="hold">
+                            <p:stCondLst>
+                              <p:cond delay="0"/>
+                            </p:stCondLst>
+                            <p:childTnLst>
+                              <p:par>
+                                <p:cTn id="15" presetID="22" presetClass="entr" presetSubtype="8" fill="hold" grpId="0" nodeType="clickEffect">
+                                  <p:stCondLst>
+                                    <p:cond delay="0"/>
+                                  </p:stCondLst>
+                                  <p:childTnLst>
+                                    <p:set>
+                                      <p:cBhvr>
+                                        <p:cTn id="16" dur="1" fill="hold">
+                                          <p:stCondLst>
+                                            <p:cond delay="0"/>
+                                          </p:stCondLst>
+                                        </p:cTn>
+                                        <p:tgtEl>
+                                          <p:spTgt spid="58378"/>
+                                        </p:tgtEl>
+                                        <p:attrNameLst>
+                                          <p:attrName>style.visibility</p:attrName>
+                                        </p:attrNameLst>
+                                      </p:cBhvr>
+                                      <p:to>
+                                        <p:strVal val="visible"/>
+                                      </p:to>
+                                    </p:set>
+                                    <p:animEffect transition="in" filter="wipe(left)">
+                                      <p:cBhvr>
+                                        <p:cTn id="17" dur="500"/>
+                                        <p:tgtEl>
+                                          <p:spTgt spid="58378"/>
+                                        </p:tgtEl>
+                                      </p:cBhvr>
+                                    </p:animEffect>
+                                  </p:childTnLst>
+                                </p:cTn>
+                              </p:par>
+                            </p:childTnLst>
+                          </p:cTn>
+                        </p:par>
+                        <p:par>
+                          <p:cTn id="18" fill="hold">
+                            <p:stCondLst>
+                              <p:cond delay="500"/>
+                            </p:stCondLst>
+                            <p:childTnLst>
+                              <p:par>
+                                <p:cTn id="19" presetID="22" presetClass="entr" presetSubtype="2" fill="hold" grpId="0" nodeType="afterEffect">
+                                  <p:stCondLst>
+                                    <p:cond delay="0"/>
+                                  </p:stCondLst>
+                                  <p:childTnLst>
+                                    <p:set>
+                                      <p:cBhvr>
+                                        <p:cTn id="20" dur="1" fill="hold">
+                                          <p:stCondLst>
+                                            <p:cond delay="0"/>
+                                          </p:stCondLst>
+                                        </p:cTn>
+                                        <p:tgtEl>
+                                          <p:spTgt spid="15"/>
+                                        </p:tgtEl>
+                                        <p:attrNameLst>
+                                          <p:attrName>style.visibility</p:attrName>
+                                        </p:attrNameLst>
+                                      </p:cBhvr>
+                                      <p:to>
+                                        <p:strVal val="visible"/>
+                                      </p:to>
+                                    </p:set>
+                                    <p:animEffect transition="in" filter="wipe(right)">
+                                      <p:cBhvr>
+                                        <p:cTn id="21" dur="500"/>
+                                        <p:tgtEl>
+                                          <p:spTgt spid="15"/>
+                                        </p:tgtEl>
+                                      </p:cBhvr>
+                                    </p:animEffect>
+                                  </p:childTnLst>
+                                </p:cTn>
+                              </p:par>
+                            </p:childTnLst>
+                          </p:cTn>
+                        </p:par>
+                      </p:childTnLst>
+                    </p:cTn>
+                  </p:par>
+                </p:childTnLst>
+              </p:cTn>
+              <p:prevCondLst>
+                <p:cond evt="onPrev" delay="0">
+                  <p:tgtEl>
+                    <p:sldTgt/>
+                  </p:tgtEl>
+                </p:cond>
+              </p:prevCondLst>
+              <p:nextCondLst>
+                <p:cond evt="onNext" delay="0">
+                  <p:tgtEl>
+                    <p:sldTgt/>
+                  </p:tgtEl>
+                </p:cond>
+              </p:nextCondLst>
+            </p:seq>
+          </p:childTnLst>
+        </p:cTn>
+      </p:par>
+    </p:tnLst>
+    <p:bldLst>
+      <p:bldP spid="58371" grpId="0"/>
+      <p:bldP spid="58378" grpId="0" animBg="1"/>
+      <p:bldP spid="15" grpId="0" animBg="1"/>
+    </p:bldLst>
+  </p:timing>
+</p:sld>
+</file>
+
+<file path=ppt/slides/slide20.xml><?xml version="1.0" encoding="utf-8"?>
+<p:sld xmlns:a="http://schemas.openxmlformats.org/drawingml/2006/main" xmlns:r="http://schemas.openxmlformats.org/officeDocument/2006/relationships" xmlns:p="http://schemas.openxmlformats.org/presentationml/2006/main" show="0">
+  <p:cSld>
+    <p:spTree>
+      <p:nvGrpSpPr>
+        <p:cNvPr id="1" name=""/>
+        <p:cNvGrpSpPr/>
+        <p:nvPr/>
+      </p:nvGrpSpPr>
+      <p:grpSpPr>
+        <a:xfrm>
+          <a:off x="0" y="0"/>
+          <a:ext cx="0" cy="0"/>
+          <a:chOff x="0" y="0"/>
+          <a:chExt cx="0" cy="0"/>
+        </a:xfrm>
+      </p:grpSpPr>
+      <p:sp>
+        <p:nvSpPr>
+          <p:cNvPr id="61442" name="Rectangle 2"/>
+          <p:cNvSpPr>
+            <a:spLocks noGrp="1" noChangeArrowheads="1"/>
+          </p:cNvSpPr>
+          <p:nvPr>
+            <p:ph type="title"/>
+          </p:nvPr>
+        </p:nvSpPr>
+        <p:spPr/>
+        <p:txBody>
+          <a:bodyPr/>
+          <a:lstStyle/>
+          <a:p>
+            <a:pPr eaLnBrk="1" hangingPunct="1"/>
+            <a:r>
+              <a:rPr lang="en-US" altLang="zh-CN" dirty="0" smtClean="0">
+                <a:ea typeface="宋体" pitchFamily="2" charset="-122"/>
+              </a:rPr>
+              <a:t>more equivalent </a:t>
+            </a:r>
+            <a:r>
+              <a:rPr lang="en-US" altLang="zh-CN" dirty="0">
+                <a:ea typeface="宋体" pitchFamily="2" charset="-122"/>
+              </a:rPr>
+              <a:t>d</a:t>
+            </a:r>
+            <a:r>
+              <a:rPr lang="en-US" altLang="zh-CN" dirty="0" smtClean="0">
+                <a:ea typeface="宋体" pitchFamily="2" charset="-122"/>
+              </a:rPr>
+              <a:t>efinitions</a:t>
+            </a:r>
+          </a:p>
+        </p:txBody>
+      </p:sp>
+      <p:sp>
+        <p:nvSpPr>
+          <p:cNvPr id="744451" name="Rectangle 3"/>
+          <p:cNvSpPr>
+            <a:spLocks noGrp="1" noChangeArrowheads="1"/>
+          </p:cNvSpPr>
+          <p:nvPr>
+            <p:ph type="body" idx="1"/>
+          </p:nvPr>
+        </p:nvSpPr>
+        <p:spPr>
+          <a:xfrm>
+            <a:off x="310442" y="807754"/>
+            <a:ext cx="8676321" cy="5118919"/>
+          </a:xfrm>
+        </p:spPr>
+        <p:txBody>
+          <a:bodyPr/>
+          <a:lstStyle/>
+          <a:p>
+            <a:pPr eaLnBrk="1" hangingPunct="1">
+              <a:buFont typeface="Arial" pitchFamily="34" charset="0"/>
+              <a:buChar char="•"/>
+            </a:pPr>
+            <a:r>
+              <a:rPr lang="en-US" altLang="zh-CN" sz="4800" dirty="0" smtClean="0">
+                <a:ea typeface="宋体" pitchFamily="2" charset="-122"/>
+              </a:rPr>
+              <a:t>an </a:t>
+            </a:r>
+            <a:r>
+              <a:rPr lang="en-US" altLang="zh-CN" sz="4800" dirty="0" smtClean="0">
+                <a:solidFill>
+                  <a:srgbClr val="0000FF"/>
+                </a:solidFill>
+                <a:ea typeface="宋体" pitchFamily="2" charset="-122"/>
+              </a:rPr>
+              <a:t>edge-minimal</a:t>
+            </a:r>
+            <a:r>
+              <a:rPr lang="en-US" altLang="zh-CN" sz="4800" dirty="0" smtClean="0">
+                <a:ea typeface="宋体" pitchFamily="2" charset="-122"/>
+              </a:rPr>
+              <a:t> connected graph</a:t>
+            </a:r>
+            <a:endParaRPr lang="en-US" altLang="zh-CN" sz="4800" dirty="0" smtClean="0">
+              <a:ea typeface="宋体" pitchFamily="2" charset="-122"/>
+            </a:endParaRPr>
+          </a:p>
+        </p:txBody>
+      </p:sp>
+      <p:sp>
+        <p:nvSpPr>
+          <p:cNvPr id="61444" name="Rectangle 11"/>
+          <p:cNvSpPr>
+            <a:spLocks noGrp="1" noChangeArrowheads="1"/>
+          </p:cNvSpPr>
+          <p:nvPr>
+            <p:ph type="sldNum" sz="quarter" idx="10"/>
+          </p:nvPr>
+        </p:nvSpPr>
+        <p:spPr>
+          <a:noFill/>
+        </p:spPr>
+        <p:txBody>
+          <a:bodyPr/>
+          <a:lstStyle/>
+          <a:p>
+            <a:r>
+              <a:rPr lang="en-US" dirty="0" smtClean="0"/>
+              <a:t>tree-def.</a:t>
+            </a:r>
+            <a:fld id="{C7424A53-C80F-4B5F-8DC5-4503ED6667F4}" type="slidenum">
+              <a:rPr lang="en-US" smtClean="0"/>
+              <a:pPr/>
+              <a:t>20</a:t>
+            </a:fld>
+            <a:endParaRPr lang="en-US" dirty="0"/>
+          </a:p>
+        </p:txBody>
+      </p:sp>
+    </p:spTree>
+  </p:cSld>
+  <p:clrMapOvr>
+    <a:masterClrMapping/>
+  </p:clrMapOvr>
+  <p:transition xmlns:p14="http://schemas.microsoft.com/office/powerpoint/2010/main" spd="slow" advClick="0">
+    <p:fade thruBlk="1"/>
+  </p:transition>
+  <p:timing>
+    <p:tnLst>
+      <p:par>
+        <p:cTn xmlns:p14="http://schemas.microsoft.com/office/powerpoint/2010/main" id="1" dur="indefinite" restart="never" nodeType="tmRoot">
+          <p:childTnLst>
+            <p:seq concurrent="1" nextAc="seek">
+              <p:cTn id="2" dur="indefinite" nodeType="mainSeq">
+                <p:childTnLst>
+                  <p:par>
+                    <p:cTn id="3" fill="hold">
+                      <p:stCondLst>
+                        <p:cond delay="indefinite"/>
+                      </p:stCondLst>
+                      <p:childTnLst>
+                        <p:par>
+                          <p:cTn id="4" fill="hold">
+                            <p:stCondLst>
+                              <p:cond delay="0"/>
+                            </p:stCondLst>
+                            <p:childTnLst>
+                              <p:par>
+                                <p:cTn id="5" presetID="10" presetClass="entr" presetSubtype="0" fill="hold" nodeType="clickEffect">
+                                  <p:stCondLst>
+                                    <p:cond delay="0"/>
+                                  </p:stCondLst>
+                                  <p:childTnLst>
+                                    <p:set>
+                                      <p:cBhvr>
+                                        <p:cTn id="6" dur="1" fill="hold">
+                                          <p:stCondLst>
+                                            <p:cond delay="0"/>
+                                          </p:stCondLst>
+                                        </p:cTn>
+                                        <p:tgtEl>
+                                          <p:spTgt spid="744451">
+                                            <p:txEl>
+                                              <p:pRg st="0" end="0"/>
+                                            </p:txEl>
+                                          </p:spTgt>
+                                        </p:tgtEl>
+                                        <p:attrNameLst>
+                                          <p:attrName>style.visibility</p:attrName>
+                                        </p:attrNameLst>
+                                      </p:cBhvr>
+                                      <p:to>
+                                        <p:strVal val="visible"/>
+                                      </p:to>
+                                    </p:set>
+                                    <p:animEffect transition="in" filter="fade">
+                                      <p:cBhvr>
+                                        <p:cTn id="7" dur="500"/>
+                                        <p:tgtEl>
+                                          <p:spTgt spid="744451">
+                                            <p:txEl>
+                                              <p:pRg st="0" end="0"/>
+                                            </p:txEl>
+                                          </p:spTgt>
+                                        </p:tgtEl>
+                                      </p:cBhvr>
+                                    </p:animEffect>
+                                  </p:childTnLst>
+                                </p:cTn>
+                              </p:par>
+                            </p:childTnLst>
+                          </p:cTn>
+                        </p:par>
+                      </p:childTnLst>
+                    </p:cTn>
+                  </p:par>
+                </p:childTnLst>
+              </p:cTn>
+              <p:prevCondLst>
+                <p:cond evt="onPrev" delay="0">
+                  <p:tgtEl>
+                    <p:sldTgt/>
+                  </p:tgtEl>
+                </p:cond>
+              </p:prevCondLst>
+              <p:nextCondLst>
+                <p:cond evt="onNext" delay="0">
+                  <p:tgtEl>
+                    <p:sldTgt/>
+                  </p:tgtEl>
+                </p:cond>
+              </p:nextCondLst>
+            </p:seq>
+          </p:childTnLst>
+        </p:cTn>
+      </p:par>
+    </p:tnLst>
+  </p:timing>
+</p:sld>
+</file>
+
+<file path=ppt/slides/slide21.xml><?xml version="1.0" encoding="utf-8"?>
+<p:sld xmlns:a="http://schemas.openxmlformats.org/drawingml/2006/main" xmlns:r="http://schemas.openxmlformats.org/officeDocument/2006/relationships" xmlns:p="http://schemas.openxmlformats.org/presentationml/2006/main" show="0">
+  <p:cSld>
+    <p:spTree>
+      <p:nvGrpSpPr>
+        <p:cNvPr id="1" name=""/>
+        <p:cNvGrpSpPr/>
+        <p:nvPr/>
+      </p:nvGrpSpPr>
+      <p:grpSpPr>
+        <a:xfrm>
+          <a:off x="0" y="0"/>
+          <a:ext cx="0" cy="0"/>
+          <a:chOff x="0" y="0"/>
+          <a:chExt cx="0" cy="0"/>
+        </a:xfrm>
+      </p:grpSpPr>
+      <p:sp>
+        <p:nvSpPr>
+          <p:cNvPr id="61442" name="Rectangle 2"/>
+          <p:cNvSpPr>
+            <a:spLocks noGrp="1" noChangeArrowheads="1"/>
+          </p:cNvSpPr>
+          <p:nvPr>
+            <p:ph type="title"/>
+          </p:nvPr>
+        </p:nvSpPr>
+        <p:spPr/>
+        <p:txBody>
+          <a:bodyPr/>
+          <a:lstStyle/>
+          <a:p>
+            <a:pPr eaLnBrk="1" hangingPunct="1"/>
+            <a:r>
+              <a:rPr lang="en-US" altLang="zh-CN" dirty="0" smtClean="0">
+                <a:ea typeface="宋体" pitchFamily="2" charset="-122"/>
+              </a:rPr>
+              <a:t>more equivalent </a:t>
+            </a:r>
+            <a:r>
+              <a:rPr lang="en-US" altLang="zh-CN" dirty="0">
+                <a:ea typeface="宋体" pitchFamily="2" charset="-122"/>
+              </a:rPr>
+              <a:t>d</a:t>
+            </a:r>
+            <a:r>
+              <a:rPr lang="en-US" altLang="zh-CN" dirty="0" smtClean="0">
+                <a:ea typeface="宋体" pitchFamily="2" charset="-122"/>
+              </a:rPr>
+              <a:t>efinitions</a:t>
+            </a:r>
+          </a:p>
+        </p:txBody>
+      </p:sp>
+      <p:sp>
+        <p:nvSpPr>
+          <p:cNvPr id="744451" name="Rectangle 3"/>
+          <p:cNvSpPr>
+            <a:spLocks noGrp="1" noChangeArrowheads="1"/>
+          </p:cNvSpPr>
+          <p:nvPr>
+            <p:ph type="body" idx="1"/>
+          </p:nvPr>
+        </p:nvSpPr>
+        <p:spPr>
+          <a:xfrm>
+            <a:off x="310442" y="807754"/>
+            <a:ext cx="8676321" cy="5118919"/>
+          </a:xfrm>
+        </p:spPr>
+        <p:txBody>
+          <a:bodyPr/>
+          <a:lstStyle/>
+          <a:p>
+            <a:pPr eaLnBrk="1" hangingPunct="1">
+              <a:buFont typeface="Arial" pitchFamily="34" charset="0"/>
+              <a:buChar char="•"/>
+            </a:pPr>
+            <a:r>
+              <a:rPr lang="en-US" altLang="zh-CN" sz="4800" dirty="0" smtClean="0">
+                <a:solidFill>
+                  <a:schemeClr val="tx2"/>
+                </a:solidFill>
+                <a:ea typeface="宋体" pitchFamily="2" charset="-122"/>
+              </a:rPr>
+              <a:t>graph with a </a:t>
+            </a:r>
+            <a:r>
+              <a:rPr lang="en-US" altLang="zh-CN" sz="4800" dirty="0" smtClean="0">
+                <a:solidFill>
+                  <a:srgbClr val="0033CC"/>
+                </a:solidFill>
+                <a:ea typeface="宋体" pitchFamily="2" charset="-122"/>
+              </a:rPr>
+              <a:t>unique</a:t>
+            </a:r>
+            <a:r>
+              <a:rPr lang="en-US" altLang="zh-CN" sz="4800" dirty="0" smtClean="0">
+                <a:solidFill>
+                  <a:schemeClr val="tx2"/>
+                </a:solidFill>
+                <a:ea typeface="宋体" pitchFamily="2" charset="-122"/>
+              </a:rPr>
+              <a:t> path between </a:t>
+            </a:r>
+            <a:r>
+              <a:rPr lang="en-US" altLang="zh-CN" sz="4800" dirty="0" smtClean="0">
+                <a:solidFill>
+                  <a:schemeClr val="accent1">
+                    <a:lumMod val="50000"/>
+                  </a:schemeClr>
+                </a:solidFill>
+                <a:ea typeface="宋体" pitchFamily="2" charset="-122"/>
+              </a:rPr>
+              <a:t>any 2</a:t>
+            </a:r>
+            <a:r>
+              <a:rPr lang="en-US" altLang="zh-CN" sz="4800" dirty="0" smtClean="0">
+                <a:solidFill>
+                  <a:schemeClr val="tx2"/>
+                </a:solidFill>
+                <a:ea typeface="宋体" pitchFamily="2" charset="-122"/>
+              </a:rPr>
+              <a:t> vertices</a:t>
+            </a:r>
+          </a:p>
+          <a:p>
+            <a:pPr eaLnBrk="1" hangingPunct="1">
+              <a:buFont typeface="Arial" pitchFamily="34" charset="0"/>
+              <a:buChar char="•"/>
+            </a:pPr>
+            <a:r>
+              <a:rPr lang="en-US" altLang="zh-CN" sz="4800" dirty="0" smtClean="0">
+                <a:ea typeface="宋体" pitchFamily="2" charset="-122"/>
+              </a:rPr>
+              <a:t>connected graph with </a:t>
+            </a:r>
+            <a:r>
+              <a:rPr lang="en-US" altLang="zh-CN" sz="4800" dirty="0" smtClean="0">
+                <a:solidFill>
+                  <a:srgbClr val="0033CC"/>
+                </a:solidFill>
+                <a:ea typeface="宋体" pitchFamily="2" charset="-122"/>
+              </a:rPr>
+              <a:t>n</a:t>
+            </a:r>
+            <a:r>
+              <a:rPr lang="en-US" altLang="zh-CN" sz="4800" dirty="0" smtClean="0">
+                <a:ea typeface="宋体" pitchFamily="2" charset="-122"/>
+              </a:rPr>
+              <a:t> </a:t>
+            </a:r>
+          </a:p>
+          <a:p>
+            <a:pPr eaLnBrk="1" hangingPunct="1"/>
+            <a:r>
+              <a:rPr lang="en-US" altLang="zh-CN" sz="4800" dirty="0" smtClean="0">
+                <a:ea typeface="宋体" pitchFamily="2" charset="-122"/>
+              </a:rPr>
+              <a:t>  vertices and </a:t>
+            </a:r>
+            <a:r>
+              <a:rPr lang="en-US" altLang="zh-CN" sz="4800" dirty="0" smtClean="0">
+                <a:solidFill>
+                  <a:srgbClr val="0033CC"/>
+                </a:solidFill>
+                <a:ea typeface="宋体" pitchFamily="2" charset="-122"/>
+              </a:rPr>
+              <a:t>n–1</a:t>
+            </a:r>
+            <a:r>
+              <a:rPr lang="en-US" altLang="zh-CN" sz="4800" dirty="0" smtClean="0">
+                <a:ea typeface="宋体" pitchFamily="2" charset="-122"/>
+              </a:rPr>
+              <a:t> edges</a:t>
+            </a:r>
+          </a:p>
+          <a:p>
+            <a:pPr eaLnBrk="1" hangingPunct="1">
+              <a:buFont typeface="Arial" pitchFamily="34" charset="0"/>
+              <a:buChar char="•"/>
+            </a:pPr>
+            <a:r>
+              <a:rPr lang="en-US" altLang="zh-CN" sz="4800" dirty="0" smtClean="0">
+                <a:solidFill>
+                  <a:schemeClr val="tx2"/>
+                </a:solidFill>
+                <a:ea typeface="宋体" pitchFamily="2" charset="-122"/>
+              </a:rPr>
+              <a:t>an </a:t>
+            </a:r>
+            <a:r>
+              <a:rPr lang="en-US" altLang="zh-CN" sz="4800" dirty="0" smtClean="0">
+                <a:solidFill>
+                  <a:srgbClr val="0033CC"/>
+                </a:solidFill>
+                <a:ea typeface="宋体" pitchFamily="2" charset="-122"/>
+              </a:rPr>
+              <a:t>edge-maximal </a:t>
+            </a:r>
+            <a:r>
+              <a:rPr lang="en-US" altLang="zh-CN" sz="4800" dirty="0" smtClean="0">
+                <a:solidFill>
+                  <a:schemeClr val="tx2"/>
+                </a:solidFill>
+                <a:ea typeface="宋体" pitchFamily="2" charset="-122"/>
+              </a:rPr>
+              <a:t>acyclic graph</a:t>
+            </a:r>
+          </a:p>
+        </p:txBody>
+      </p:sp>
+      <p:sp>
+        <p:nvSpPr>
+          <p:cNvPr id="61444" name="Rectangle 11"/>
+          <p:cNvSpPr>
+            <a:spLocks noGrp="1" noChangeArrowheads="1"/>
+          </p:cNvSpPr>
+          <p:nvPr>
+            <p:ph type="sldNum" sz="quarter" idx="10"/>
+          </p:nvPr>
+        </p:nvSpPr>
+        <p:spPr>
+          <a:noFill/>
+        </p:spPr>
+        <p:txBody>
+          <a:bodyPr/>
+          <a:lstStyle/>
+          <a:p>
+            <a:r>
+              <a:rPr lang="en-US" dirty="0" smtClean="0"/>
+              <a:t>tree-def.</a:t>
+            </a:r>
+            <a:fld id="{C7424A53-C80F-4B5F-8DC5-4503ED6667F4}" type="slidenum">
+              <a:rPr lang="en-US" smtClean="0"/>
+              <a:pPr/>
+              <a:t>21</a:t>
+            </a:fld>
+            <a:endParaRPr lang="en-US" dirty="0"/>
+          </a:p>
+        </p:txBody>
+      </p:sp>
+    </p:spTree>
+    <p:extLst>
+      <p:ext uri="{BB962C8B-B14F-4D97-AF65-F5344CB8AC3E}">
+        <p14:creationId xmlns:p14="http://schemas.microsoft.com/office/powerpoint/2010/main" val="2268370176"/>
+      </p:ext>
+    </p:extLst>
+  </p:cSld>
+  <p:clrMapOvr>
+    <a:masterClrMapping/>
+  </p:clrMapOvr>
+  <mc:AlternateContent xmlns:mc="http://schemas.openxmlformats.org/markup-compatibility/2006">
+    <mc:Choice xmlns:p14="http://schemas.microsoft.com/office/powerpoint/2010/main" Requires="p14">
+      <p:transition spd="slow" p14:dur="800" advClick="0">
+        <p:fade/>
+      </p:transition>
+    </mc:Choice>
+    <mc:Fallback>
+      <p:transition xmlns:p14="http://schemas.microsoft.com/office/powerpoint/2010/main" spd="slow" advClick="0">
+        <p:fade/>
+      </p:transition>
+    </mc:Fallback>
+  </mc:AlternateContent>
+  <p:timing>
+    <p:tnLst>
+      <p:par>
+        <p:cTn xmlns:p14="http://schemas.microsoft.com/office/powerpoint/2010/main" id="1" dur="indefinite" restart="never" nodeType="tmRoot">
+          <p:childTnLst>
+            <p:seq concurrent="1" nextAc="seek">
+              <p:cTn id="2" dur="indefinite" nodeType="mainSeq">
+                <p:childTnLst>
+                  <p:par>
+                    <p:cTn id="3" fill="hold">
+                      <p:stCondLst>
+                        <p:cond delay="indefinite"/>
+                      </p:stCondLst>
+                      <p:childTnLst>
+                        <p:par>
+                          <p:cTn id="4" fill="hold">
+                            <p:stCondLst>
+                              <p:cond delay="0"/>
+                            </p:stCondLst>
+                            <p:childTnLst>
+                              <p:par>
+                                <p:cTn id="5" presetID="10" presetClass="entr" presetSubtype="0" fill="hold" nodeType="clickEffect">
+                                  <p:stCondLst>
+                                    <p:cond delay="0"/>
+                                  </p:stCondLst>
+                                  <p:childTnLst>
+                                    <p:set>
+                                      <p:cBhvr>
+                                        <p:cTn id="6" dur="1" fill="hold">
+                                          <p:stCondLst>
+                                            <p:cond delay="0"/>
+                                          </p:stCondLst>
+                                        </p:cTn>
+                                        <p:tgtEl>
+                                          <p:spTgt spid="744451">
+                                            <p:txEl>
+                                              <p:pRg st="3" end="3"/>
+                                            </p:txEl>
+                                          </p:spTgt>
+                                        </p:tgtEl>
+                                        <p:attrNameLst>
+                                          <p:attrName>style.visibility</p:attrName>
+                                        </p:attrNameLst>
+                                      </p:cBhvr>
+                                      <p:to>
+                                        <p:strVal val="visible"/>
+                                      </p:to>
+                                    </p:set>
+                                    <p:animEffect transition="in" filter="fade">
+                                      <p:cBhvr>
+                                        <p:cTn id="7" dur="500"/>
+                                        <p:tgtEl>
+                                          <p:spTgt spid="744451">
+                                            <p:txEl>
+                                              <p:pRg st="3" end="3"/>
+                                            </p:txEl>
+                                          </p:spTgt>
+                                        </p:tgtEl>
+                                      </p:cBhvr>
+                                    </p:animEffect>
+                                  </p:childTnLst>
+                                </p:cTn>
+                              </p:par>
+                            </p:childTnLst>
+                          </p:cTn>
+                        </p:par>
+                      </p:childTnLst>
+                    </p:cTn>
+                  </p:par>
+                </p:childTnLst>
+              </p:cTn>
+              <p:prevCondLst>
+                <p:cond evt="onPrev" delay="0">
+                  <p:tgtEl>
+                    <p:sldTgt/>
+                  </p:tgtEl>
+                </p:cond>
+              </p:prevCondLst>
+              <p:nextCondLst>
+                <p:cond evt="onNext" delay="0">
+                  <p:tgtEl>
+                    <p:sldTgt/>
+                  </p:tgtEl>
+                </p:cond>
+              </p:nextCondLst>
+            </p:seq>
+          </p:childTnLst>
+        </p:cTn>
+      </p:par>
+    </p:tnLst>
+  </p:timing>
+</p:sld>
+</file>
+
+<file path=ppt/slides/slide22.xml><?xml version="1.0" encoding="utf-8"?>
+<p:sld xmlns:a="http://schemas.openxmlformats.org/drawingml/2006/main" xmlns:r="http://schemas.openxmlformats.org/officeDocument/2006/relationships" xmlns:p="http://schemas.openxmlformats.org/presentationml/2006/main">
+  <p:cSld>
+    <p:spTree>
+      <p:nvGrpSpPr>
+        <p:cNvPr id="1" name=""/>
+        <p:cNvGrpSpPr/>
+        <p:nvPr/>
+      </p:nvGrpSpPr>
+      <p:grpSpPr>
+        <a:xfrm>
+          <a:off x="0" y="0"/>
+          <a:ext cx="0" cy="0"/>
+          <a:chOff x="0" y="0"/>
+          <a:chExt cx="0" cy="0"/>
+        </a:xfrm>
+      </p:grpSpPr>
+      <p:sp>
+        <p:nvSpPr>
+          <p:cNvPr id="61442" name="Rectangle 2"/>
+          <p:cNvSpPr>
+            <a:spLocks noGrp="1" noChangeArrowheads="1"/>
+          </p:cNvSpPr>
+          <p:nvPr>
+            <p:ph type="title"/>
+          </p:nvPr>
+        </p:nvSpPr>
+        <p:spPr/>
+        <p:txBody>
+          <a:bodyPr/>
+          <a:lstStyle/>
+          <a:p>
+            <a:pPr eaLnBrk="1" hangingPunct="1"/>
+            <a:r>
+              <a:rPr lang="en-US" altLang="zh-CN" dirty="0" smtClean="0">
+                <a:ea typeface="宋体" pitchFamily="2" charset="-122"/>
+              </a:rPr>
+              <a:t>more equivalent </a:t>
+            </a:r>
+            <a:r>
+              <a:rPr lang="en-US" altLang="zh-CN" dirty="0">
+                <a:ea typeface="宋体" pitchFamily="2" charset="-122"/>
+              </a:rPr>
+              <a:t>d</a:t>
+            </a:r>
+            <a:r>
+              <a:rPr lang="en-US" altLang="zh-CN" dirty="0" smtClean="0">
+                <a:ea typeface="宋体" pitchFamily="2" charset="-122"/>
+              </a:rPr>
+              <a:t>efinitions</a:t>
+            </a:r>
+          </a:p>
+        </p:txBody>
+      </p:sp>
+      <p:sp>
+        <p:nvSpPr>
+          <p:cNvPr id="744451" name="Rectangle 3"/>
+          <p:cNvSpPr>
+            <a:spLocks noGrp="1" noChangeArrowheads="1"/>
+          </p:cNvSpPr>
+          <p:nvPr>
+            <p:ph type="body" idx="1"/>
+          </p:nvPr>
+        </p:nvSpPr>
+        <p:spPr>
+          <a:xfrm>
+            <a:off x="310442" y="807754"/>
+            <a:ext cx="8676321" cy="5118919"/>
+          </a:xfrm>
+        </p:spPr>
+        <p:txBody>
+          <a:bodyPr/>
+          <a:lstStyle/>
+          <a:p>
+            <a:pPr eaLnBrk="1" hangingPunct="1">
+              <a:buFont typeface="Arial" pitchFamily="34" charset="0"/>
+              <a:buChar char="•"/>
+            </a:pPr>
+            <a:r>
+              <a:rPr lang="en-US" altLang="zh-CN" sz="4800" dirty="0" smtClean="0">
+                <a:ea typeface="宋体" pitchFamily="2" charset="-122"/>
+              </a:rPr>
+              <a:t>connected </a:t>
+            </a:r>
+            <a:r>
+              <a:rPr lang="en-US" altLang="zh-CN" sz="4800" dirty="0" smtClean="0">
+                <a:ea typeface="宋体" pitchFamily="2" charset="-122"/>
+              </a:rPr>
+              <a:t>graph with </a:t>
+            </a:r>
+            <a:r>
+              <a:rPr lang="en-US" altLang="zh-CN" sz="4800" smtClean="0">
+                <a:solidFill>
+                  <a:srgbClr val="0033CC"/>
+                </a:solidFill>
+                <a:ea typeface="宋体" pitchFamily="2" charset="-122"/>
+              </a:rPr>
+              <a:t>n</a:t>
+            </a:r>
+            <a:r>
+              <a:rPr lang="en-US" altLang="zh-CN" sz="4800" smtClean="0">
+                <a:ea typeface="宋体" pitchFamily="2" charset="-122"/>
+              </a:rPr>
+              <a:t> </a:t>
+            </a:r>
+            <a:r>
+              <a:rPr lang="en-US" altLang="zh-CN" sz="4800" smtClean="0">
+                <a:ea typeface="宋体" pitchFamily="2" charset="-122"/>
+              </a:rPr>
+              <a:t>vertices </a:t>
+            </a:r>
+            <a:r>
+              <a:rPr lang="en-US" altLang="zh-CN" sz="4800" dirty="0" smtClean="0">
+                <a:ea typeface="宋体" pitchFamily="2" charset="-122"/>
+              </a:rPr>
+              <a:t>and </a:t>
+            </a:r>
+            <a:r>
+              <a:rPr lang="en-US" altLang="zh-CN" sz="4800" dirty="0" smtClean="0">
+                <a:solidFill>
+                  <a:srgbClr val="0033CC"/>
+                </a:solidFill>
+                <a:ea typeface="宋体" pitchFamily="2" charset="-122"/>
+              </a:rPr>
+              <a:t>n–1</a:t>
+            </a:r>
+            <a:r>
+              <a:rPr lang="en-US" altLang="zh-CN" sz="4800" dirty="0" smtClean="0">
+                <a:ea typeface="宋体" pitchFamily="2" charset="-122"/>
+              </a:rPr>
+              <a:t> edges</a:t>
+            </a:r>
+          </a:p>
+          <a:p>
+            <a:pPr eaLnBrk="1" hangingPunct="1">
+              <a:buFont typeface="Arial" pitchFamily="34" charset="0"/>
+              <a:buChar char="•"/>
+            </a:pPr>
+            <a:r>
+              <a:rPr lang="en-US" altLang="zh-CN" sz="4800" dirty="0" smtClean="0">
+                <a:solidFill>
+                  <a:schemeClr val="tx2"/>
+                </a:solidFill>
+                <a:ea typeface="宋体" pitchFamily="2" charset="-122"/>
+              </a:rPr>
+              <a:t>an </a:t>
+            </a:r>
+            <a:r>
+              <a:rPr lang="en-US" altLang="zh-CN" sz="4800" dirty="0" smtClean="0">
+                <a:solidFill>
+                  <a:srgbClr val="0033CC"/>
+                </a:solidFill>
+                <a:ea typeface="宋体" pitchFamily="2" charset="-122"/>
+              </a:rPr>
+              <a:t>edge-maximal </a:t>
+            </a:r>
+            <a:r>
+              <a:rPr lang="en-US" altLang="zh-CN" sz="4800" dirty="0" smtClean="0">
+                <a:solidFill>
+                  <a:schemeClr val="tx2"/>
+                </a:solidFill>
+                <a:ea typeface="宋体" pitchFamily="2" charset="-122"/>
+              </a:rPr>
+              <a:t>acyclic </a:t>
+            </a:r>
+            <a:r>
+              <a:rPr lang="en-US" altLang="zh-CN" sz="4800" dirty="0" smtClean="0">
+                <a:solidFill>
+                  <a:schemeClr val="tx2"/>
+                </a:solidFill>
+                <a:ea typeface="宋体" pitchFamily="2" charset="-122"/>
+              </a:rPr>
+              <a:t>graph</a:t>
+            </a:r>
+          </a:p>
+          <a:p>
+            <a:pPr eaLnBrk="1" hangingPunct="1">
+              <a:buFont typeface="Arial" pitchFamily="34" charset="0"/>
+              <a:buChar char="•"/>
+            </a:pPr>
+            <a:r>
+              <a:rPr lang="en-US" altLang="zh-CN" sz="4800" dirty="0">
+                <a:solidFill>
+                  <a:schemeClr val="tx2"/>
+                </a:solidFill>
+                <a:ea typeface="宋体" pitchFamily="2" charset="-122"/>
+              </a:rPr>
+              <a:t>graph with a </a:t>
+            </a:r>
+            <a:r>
+              <a:rPr lang="en-US" altLang="zh-CN" sz="4800" dirty="0">
+                <a:solidFill>
+                  <a:srgbClr val="0033CC"/>
+                </a:solidFill>
+                <a:ea typeface="宋体" pitchFamily="2" charset="-122"/>
+              </a:rPr>
+              <a:t>unique</a:t>
+            </a:r>
+            <a:r>
+              <a:rPr lang="en-US" altLang="zh-CN" sz="4800" dirty="0">
+                <a:solidFill>
+                  <a:schemeClr val="tx2"/>
+                </a:solidFill>
+                <a:ea typeface="宋体" pitchFamily="2" charset="-122"/>
+              </a:rPr>
+              <a:t> path between </a:t>
+            </a:r>
+            <a:r>
+              <a:rPr lang="en-US" altLang="zh-CN" sz="4800" dirty="0">
+                <a:solidFill>
+                  <a:schemeClr val="accent1">
+                    <a:lumMod val="50000"/>
+                  </a:schemeClr>
+                </a:solidFill>
+                <a:ea typeface="宋体" pitchFamily="2" charset="-122"/>
+              </a:rPr>
+              <a:t>any 2</a:t>
+            </a:r>
+            <a:r>
+              <a:rPr lang="en-US" altLang="zh-CN" sz="4800" dirty="0">
+                <a:solidFill>
+                  <a:schemeClr val="tx2"/>
+                </a:solidFill>
+                <a:ea typeface="宋体" pitchFamily="2" charset="-122"/>
+              </a:rPr>
+              <a:t> </a:t>
+            </a:r>
+            <a:r>
+              <a:rPr lang="en-US" altLang="zh-CN" sz="4800" dirty="0" smtClean="0">
+                <a:solidFill>
+                  <a:schemeClr val="tx2"/>
+                </a:solidFill>
+                <a:ea typeface="宋体" pitchFamily="2" charset="-122"/>
+              </a:rPr>
+              <a:t>vertices</a:t>
+            </a:r>
+            <a:endParaRPr lang="en-US" altLang="zh-CN" sz="4800" dirty="0">
+              <a:solidFill>
+                <a:schemeClr val="tx2"/>
+              </a:solidFill>
+              <a:ea typeface="宋体" pitchFamily="2" charset="-122"/>
+            </a:endParaRPr>
+          </a:p>
+        </p:txBody>
+      </p:sp>
+      <p:sp>
+        <p:nvSpPr>
+          <p:cNvPr id="61444" name="Rectangle 11"/>
+          <p:cNvSpPr>
+            <a:spLocks noGrp="1" noChangeArrowheads="1"/>
+          </p:cNvSpPr>
+          <p:nvPr>
+            <p:ph type="sldNum" sz="quarter" idx="10"/>
+          </p:nvPr>
+        </p:nvSpPr>
+        <p:spPr>
+          <a:noFill/>
+        </p:spPr>
+        <p:txBody>
+          <a:bodyPr/>
+          <a:lstStyle/>
+          <a:p>
+            <a:r>
+              <a:rPr lang="en-US" dirty="0" smtClean="0"/>
+              <a:t>tree-def.</a:t>
+            </a:r>
+            <a:fld id="{C7424A53-C80F-4B5F-8DC5-4503ED6667F4}" type="slidenum">
+              <a:rPr lang="en-US" smtClean="0"/>
+              <a:pPr/>
+              <a:t>22</a:t>
+            </a:fld>
+            <a:endParaRPr lang="en-US" dirty="0"/>
+          </a:p>
+        </p:txBody>
+      </p:sp>
+    </p:spTree>
+    <p:extLst>
+      <p:ext uri="{BB962C8B-B14F-4D97-AF65-F5344CB8AC3E}">
+        <p14:creationId xmlns:p14="http://schemas.microsoft.com/office/powerpoint/2010/main" val="615541765"/>
+      </p:ext>
+    </p:extLst>
+  </p:cSld>
+  <p:clrMapOvr>
+    <a:masterClrMapping/>
+  </p:clrMapOvr>
+  <mc:AlternateContent xmlns:mc="http://schemas.openxmlformats.org/markup-compatibility/2006">
+    <mc:Choice xmlns:p14="http://schemas.microsoft.com/office/powerpoint/2010/main" Requires="p14">
+      <p:transition spd="slow" p14:dur="800" advClick="0">
+        <p:fade/>
+      </p:transition>
+    </mc:Choice>
+    <mc:Fallback>
+      <p:transition xmlns:p14="http://schemas.microsoft.com/office/powerpoint/2010/main" spd="slow" advClick="0">
+        <p:fade/>
+      </p:transition>
+    </mc:Fallback>
+  </mc:AlternateContent>
+  <p:timing>
+    <p:tnLst>
+      <p:par>
+        <p:cTn xmlns:p14="http://schemas.microsoft.com/office/powerpoint/2010/main" id="1" dur="indefinite" restart="never" nodeType="tmRoot">
+          <p:childTnLst>
+            <p:seq concurrent="1" nextAc="seek">
+              <p:cTn id="2" dur="indefinite" nodeType="mainSeq">
+                <p:childTnLst>
+                  <p:par>
+                    <p:cTn id="3" fill="hold">
+                      <p:stCondLst>
+                        <p:cond delay="indefinite"/>
+                      </p:stCondLst>
+                      <p:childTnLst>
+                        <p:par>
+                          <p:cTn id="4" fill="hold">
+                            <p:stCondLst>
+                              <p:cond delay="0"/>
+                            </p:stCondLst>
+                            <p:childTnLst>
+                              <p:par>
+                                <p:cTn id="5" presetID="10" presetClass="entr" presetSubtype="0" fill="hold" nodeType="clickEffect">
+                                  <p:stCondLst>
+                                    <p:cond delay="0"/>
+                                  </p:stCondLst>
+                                  <p:childTnLst>
+                                    <p:set>
+                                      <p:cBhvr>
+                                        <p:cTn id="6" dur="1" fill="hold">
+                                          <p:stCondLst>
+                                            <p:cond delay="0"/>
+                                          </p:stCondLst>
+                                        </p:cTn>
+                                        <p:tgtEl>
+                                          <p:spTgt spid="744451">
+                                            <p:txEl>
+                                              <p:pRg st="0" end="0"/>
+                                            </p:txEl>
+                                          </p:spTgt>
+                                        </p:tgtEl>
+                                        <p:attrNameLst>
+                                          <p:attrName>style.visibility</p:attrName>
+                                        </p:attrNameLst>
+                                      </p:cBhvr>
+                                      <p:to>
+                                        <p:strVal val="visible"/>
+                                      </p:to>
+                                    </p:set>
+                                    <p:animEffect transition="in" filter="fade">
+                                      <p:cBhvr>
+                                        <p:cTn id="7" dur="500"/>
+                                        <p:tgtEl>
+                                          <p:spTgt spid="744451">
+                                            <p:txEl>
+                                              <p:pRg st="0" end="0"/>
+                                            </p:txEl>
+                                          </p:spTgt>
+                                        </p:tgtEl>
+                                      </p:cBhvr>
+                                    </p:animEffect>
+                                  </p:childTnLst>
+                                </p:cTn>
+                              </p:par>
+                            </p:childTnLst>
+                          </p:cTn>
+                        </p:par>
+                      </p:childTnLst>
+                    </p:cTn>
+                  </p:par>
+                  <p:par>
+                    <p:cTn id="8" fill="hold">
+                      <p:stCondLst>
+                        <p:cond delay="indefinite"/>
+                      </p:stCondLst>
+                      <p:childTnLst>
+                        <p:par>
+                          <p:cTn id="9" fill="hold">
+                            <p:stCondLst>
+                              <p:cond delay="0"/>
+                            </p:stCondLst>
+                            <p:childTnLst>
+                              <p:par>
+                                <p:cTn id="10" presetID="10" presetClass="entr" presetSubtype="0" fill="hold" nodeType="clickEffect">
+                                  <p:stCondLst>
+                                    <p:cond delay="0"/>
+                                  </p:stCondLst>
+                                  <p:childTnLst>
+                                    <p:set>
+                                      <p:cBhvr>
+                                        <p:cTn id="11" dur="1" fill="hold">
+                                          <p:stCondLst>
+                                            <p:cond delay="0"/>
+                                          </p:stCondLst>
+                                        </p:cTn>
+                                        <p:tgtEl>
+                                          <p:spTgt spid="744451">
+                                            <p:txEl>
+                                              <p:pRg st="1" end="1"/>
+                                            </p:txEl>
+                                          </p:spTgt>
+                                        </p:tgtEl>
+                                        <p:attrNameLst>
+                                          <p:attrName>style.visibility</p:attrName>
+                                        </p:attrNameLst>
+                                      </p:cBhvr>
+                                      <p:to>
+                                        <p:strVal val="visible"/>
+                                      </p:to>
+                                    </p:set>
+                                    <p:animEffect transition="in" filter="fade">
+                                      <p:cBhvr>
+                                        <p:cTn id="12" dur="500"/>
+                                        <p:tgtEl>
+                                          <p:spTgt spid="744451">
+                                            <p:txEl>
+                                              <p:pRg st="1" end="1"/>
+                                            </p:txEl>
+                                          </p:spTgt>
+                                        </p:tgtEl>
+                                      </p:cBhvr>
+                                    </p:animEffect>
+                                  </p:childTnLst>
+                                </p:cTn>
+                              </p:par>
+                            </p:childTnLst>
+                          </p:cTn>
+                        </p:par>
+                      </p:childTnLst>
+                    </p:cTn>
+                  </p:par>
+                  <p:par>
+                    <p:cTn id="13" fill="hold">
+                      <p:stCondLst>
+                        <p:cond delay="indefinite"/>
+                      </p:stCondLst>
+                      <p:childTnLst>
+                        <p:par>
+                          <p:cTn id="14" fill="hold">
+                            <p:stCondLst>
+                              <p:cond delay="0"/>
+                            </p:stCondLst>
+                            <p:childTnLst>
+                              <p:par>
+                                <p:cTn id="15" presetID="10" presetClass="entr" presetSubtype="0" fill="hold" nodeType="clickEffect">
+                                  <p:stCondLst>
+                                    <p:cond delay="0"/>
+                                  </p:stCondLst>
+                                  <p:childTnLst>
+                                    <p:set>
+                                      <p:cBhvr>
+                                        <p:cTn id="16" dur="1" fill="hold">
+                                          <p:stCondLst>
+                                            <p:cond delay="0"/>
+                                          </p:stCondLst>
+                                        </p:cTn>
+                                        <p:tgtEl>
+                                          <p:spTgt spid="744451">
+                                            <p:txEl>
+                                              <p:pRg st="2" end="2"/>
+                                            </p:txEl>
+                                          </p:spTgt>
+                                        </p:tgtEl>
+                                        <p:attrNameLst>
+                                          <p:attrName>style.visibility</p:attrName>
+                                        </p:attrNameLst>
+                                      </p:cBhvr>
+                                      <p:to>
+                                        <p:strVal val="visible"/>
+                                      </p:to>
+                                    </p:set>
+                                    <p:animEffect transition="in" filter="fade">
+                                      <p:cBhvr>
+                                        <p:cTn id="17" dur="500"/>
+                                        <p:tgtEl>
+                                          <p:spTgt spid="744451">
+                                            <p:txEl>
+                                              <p:pRg st="2" end="2"/>
+                                            </p:txEl>
+                                          </p:spTgt>
+                                        </p:tgtEl>
+                                      </p:cBhvr>
+                                    </p:animEffect>
+                                  </p:childTnLst>
+                                </p:cTn>
+                              </p:par>
+                            </p:childTnLst>
+                          </p:cTn>
+                        </p:par>
+                      </p:childTnLst>
+                    </p:cTn>
+                  </p:par>
+                </p:childTnLst>
+              </p:cTn>
+              <p:prevCondLst>
+                <p:cond evt="onPrev" delay="0">
+                  <p:tgtEl>
+                    <p:sldTgt/>
+                  </p:tgtEl>
+                </p:cond>
+              </p:prevCondLst>
+              <p:nextCondLst>
+                <p:cond evt="onNext" delay="0">
+                  <p:tgtEl>
+                    <p:sldTgt/>
+                  </p:tgtEl>
+                </p:cond>
+              </p:nextCondLst>
+            </p:seq>
+          </p:childTnLst>
+        </p:cTn>
+      </p:par>
+    </p:tnLst>
+  </p:timing>
+</p:sld>
+</file>
+
+<file path=ppt/slides/slide23.xml><?xml version="1.0" encoding="utf-8"?>
+<p:sld xmlns:a="http://schemas.openxmlformats.org/drawingml/2006/main" xmlns:r="http://schemas.openxmlformats.org/officeDocument/2006/relationships" xmlns:p="http://schemas.openxmlformats.org/presentationml/2006/main" show="0">
+  <p:cSld>
+    <p:spTree>
+      <p:nvGrpSpPr>
+        <p:cNvPr id="1" name=""/>
+        <p:cNvGrpSpPr/>
+        <p:nvPr/>
+      </p:nvGrpSpPr>
+      <p:grpSpPr>
+        <a:xfrm>
+          <a:off x="0" y="0"/>
+          <a:ext cx="0" cy="0"/>
+          <a:chOff x="0" y="0"/>
+          <a:chExt cx="0" cy="0"/>
+        </a:xfrm>
+      </p:grpSpPr>
+      <p:sp>
+        <p:nvSpPr>
+          <p:cNvPr id="61442" name="Rectangle 2"/>
+          <p:cNvSpPr>
+            <a:spLocks noGrp="1" noChangeArrowheads="1"/>
+          </p:cNvSpPr>
+          <p:nvPr>
+            <p:ph type="title"/>
+          </p:nvPr>
+        </p:nvSpPr>
+        <p:spPr/>
+        <p:txBody>
+          <a:bodyPr/>
+          <a:lstStyle/>
+          <a:p>
+            <a:pPr eaLnBrk="1" hangingPunct="1"/>
+            <a:r>
+              <a:rPr lang="en-US" altLang="zh-CN" dirty="0" smtClean="0">
+                <a:ea typeface="宋体" pitchFamily="2" charset="-122"/>
+              </a:rPr>
+              <a:t>more equivalent </a:t>
+            </a:r>
+            <a:r>
+              <a:rPr lang="en-US" altLang="zh-CN" dirty="0">
+                <a:ea typeface="宋体" pitchFamily="2" charset="-122"/>
+              </a:rPr>
+              <a:t>d</a:t>
+            </a:r>
+            <a:r>
+              <a:rPr lang="en-US" altLang="zh-CN" dirty="0" smtClean="0">
+                <a:ea typeface="宋体" pitchFamily="2" charset="-122"/>
+              </a:rPr>
+              <a:t>efinitions</a:t>
+            </a:r>
+          </a:p>
+        </p:txBody>
+      </p:sp>
+      <p:sp>
+        <p:nvSpPr>
+          <p:cNvPr id="744451" name="Rectangle 3"/>
+          <p:cNvSpPr>
+            <a:spLocks noGrp="1" noChangeArrowheads="1"/>
+          </p:cNvSpPr>
+          <p:nvPr>
+            <p:ph type="body" idx="1"/>
+          </p:nvPr>
+        </p:nvSpPr>
+        <p:spPr>
+          <a:xfrm>
+            <a:off x="310442" y="807754"/>
+            <a:ext cx="8676321" cy="5118919"/>
+          </a:xfrm>
+        </p:spPr>
+        <p:txBody>
+          <a:bodyPr/>
+          <a:lstStyle/>
+          <a:p>
+            <a:pPr eaLnBrk="1" hangingPunct="1">
+              <a:buFont typeface="Arial" pitchFamily="34" charset="0"/>
+              <a:buChar char="•"/>
+            </a:pPr>
+            <a:r>
+              <a:rPr lang="en-US" altLang="zh-CN" sz="4800" dirty="0" smtClean="0">
+                <a:solidFill>
+                  <a:schemeClr val="tx2"/>
+                </a:solidFill>
+                <a:ea typeface="宋体" pitchFamily="2" charset="-122"/>
+              </a:rPr>
+              <a:t>graph with a </a:t>
+            </a:r>
+            <a:r>
+              <a:rPr lang="en-US" altLang="zh-CN" sz="4800" dirty="0" smtClean="0">
+                <a:solidFill>
+                  <a:srgbClr val="0033CC"/>
+                </a:solidFill>
+                <a:ea typeface="宋体" pitchFamily="2" charset="-122"/>
+              </a:rPr>
+              <a:t>unique</a:t>
+            </a:r>
+            <a:r>
+              <a:rPr lang="en-US" altLang="zh-CN" sz="4800" dirty="0" smtClean="0">
+                <a:solidFill>
+                  <a:schemeClr val="tx2"/>
+                </a:solidFill>
+                <a:ea typeface="宋体" pitchFamily="2" charset="-122"/>
+              </a:rPr>
+              <a:t> path between </a:t>
+            </a:r>
+            <a:r>
+              <a:rPr lang="en-US" altLang="zh-CN" sz="4800" dirty="0" smtClean="0">
+                <a:solidFill>
+                  <a:schemeClr val="accent1">
+                    <a:lumMod val="50000"/>
+                  </a:schemeClr>
+                </a:solidFill>
+                <a:ea typeface="宋体" pitchFamily="2" charset="-122"/>
+              </a:rPr>
+              <a:t>any 2</a:t>
+            </a:r>
+            <a:r>
+              <a:rPr lang="en-US" altLang="zh-CN" sz="4800" dirty="0" smtClean="0">
+                <a:solidFill>
+                  <a:schemeClr val="tx2"/>
+                </a:solidFill>
+                <a:ea typeface="宋体" pitchFamily="2" charset="-122"/>
+              </a:rPr>
+              <a:t> vertices</a:t>
+            </a:r>
+          </a:p>
+          <a:p>
+            <a:pPr eaLnBrk="1" hangingPunct="1">
+              <a:buFont typeface="Arial" pitchFamily="34" charset="0"/>
+              <a:buChar char="•"/>
+            </a:pPr>
+            <a:r>
+              <a:rPr lang="en-US" altLang="zh-CN" sz="4800" dirty="0" smtClean="0">
+                <a:ea typeface="宋体" pitchFamily="2" charset="-122"/>
+              </a:rPr>
+              <a:t>connected graph with </a:t>
+            </a:r>
+            <a:r>
+              <a:rPr lang="en-US" altLang="zh-CN" sz="4800" dirty="0" smtClean="0">
+                <a:solidFill>
+                  <a:srgbClr val="0033CC"/>
+                </a:solidFill>
+                <a:ea typeface="宋体" pitchFamily="2" charset="-122"/>
+              </a:rPr>
+              <a:t>n</a:t>
+            </a:r>
+            <a:r>
+              <a:rPr lang="en-US" altLang="zh-CN" sz="4800" dirty="0" smtClean="0">
+                <a:ea typeface="宋体" pitchFamily="2" charset="-122"/>
+              </a:rPr>
+              <a:t> </a:t>
+            </a:r>
+          </a:p>
+          <a:p>
+            <a:pPr eaLnBrk="1" hangingPunct="1"/>
+            <a:r>
+              <a:rPr lang="en-US" altLang="zh-CN" sz="4800" dirty="0" smtClean="0">
+                <a:ea typeface="宋体" pitchFamily="2" charset="-122"/>
+              </a:rPr>
+              <a:t>  vertices and </a:t>
+            </a:r>
+            <a:r>
+              <a:rPr lang="en-US" altLang="zh-CN" sz="4800" dirty="0" smtClean="0">
+                <a:solidFill>
+                  <a:srgbClr val="0033CC"/>
+                </a:solidFill>
+                <a:ea typeface="宋体" pitchFamily="2" charset="-122"/>
+              </a:rPr>
+              <a:t>n–1</a:t>
+            </a:r>
+            <a:r>
+              <a:rPr lang="en-US" altLang="zh-CN" sz="4800" dirty="0" smtClean="0">
+                <a:ea typeface="宋体" pitchFamily="2" charset="-122"/>
+              </a:rPr>
+              <a:t> edges</a:t>
+            </a:r>
+          </a:p>
+          <a:p>
+            <a:pPr eaLnBrk="1" hangingPunct="1">
+              <a:buFont typeface="Arial" pitchFamily="34" charset="0"/>
+              <a:buChar char="•"/>
+            </a:pPr>
+            <a:r>
+              <a:rPr lang="en-US" altLang="zh-CN" sz="4800" dirty="0" smtClean="0">
+                <a:solidFill>
+                  <a:schemeClr val="tx2"/>
+                </a:solidFill>
+                <a:ea typeface="宋体" pitchFamily="2" charset="-122"/>
+              </a:rPr>
+              <a:t>an </a:t>
+            </a:r>
+            <a:r>
+              <a:rPr lang="en-US" altLang="zh-CN" sz="4800" dirty="0" smtClean="0">
+                <a:solidFill>
+                  <a:srgbClr val="0033CC"/>
+                </a:solidFill>
+                <a:ea typeface="宋体" pitchFamily="2" charset="-122"/>
+              </a:rPr>
+              <a:t>edge-maximal </a:t>
+            </a:r>
+            <a:r>
+              <a:rPr lang="en-US" altLang="zh-CN" sz="4800" dirty="0" smtClean="0">
+                <a:solidFill>
+                  <a:schemeClr val="tx2"/>
+                </a:solidFill>
+                <a:ea typeface="宋体" pitchFamily="2" charset="-122"/>
+              </a:rPr>
+              <a:t>acyclic graph</a:t>
+            </a:r>
+          </a:p>
+        </p:txBody>
+      </p:sp>
+      <p:sp>
+        <p:nvSpPr>
+          <p:cNvPr id="61444" name="Rectangle 11"/>
+          <p:cNvSpPr>
+            <a:spLocks noGrp="1" noChangeArrowheads="1"/>
+          </p:cNvSpPr>
+          <p:nvPr>
+            <p:ph type="sldNum" sz="quarter" idx="10"/>
+          </p:nvPr>
+        </p:nvSpPr>
+        <p:spPr>
+          <a:noFill/>
+        </p:spPr>
+        <p:txBody>
+          <a:bodyPr/>
+          <a:lstStyle/>
+          <a:p>
+            <a:r>
+              <a:rPr lang="en-US" dirty="0" smtClean="0"/>
+              <a:t>tree-def.</a:t>
+            </a:r>
+            <a:fld id="{C7424A53-C80F-4B5F-8DC5-4503ED6667F4}" type="slidenum">
+              <a:rPr lang="en-US" smtClean="0"/>
+              <a:pPr/>
+              <a:t>23</a:t>
+            </a:fld>
+            <a:endParaRPr lang="en-US" dirty="0"/>
+          </a:p>
+        </p:txBody>
+      </p:sp>
+    </p:spTree>
+    <p:extLst>
+      <p:ext uri="{BB962C8B-B14F-4D97-AF65-F5344CB8AC3E}">
+        <p14:creationId xmlns:p14="http://schemas.microsoft.com/office/powerpoint/2010/main" val="1383285544"/>
+      </p:ext>
+    </p:extLst>
+  </p:cSld>
+  <p:clrMapOvr>
+    <a:masterClrMapping/>
+  </p:clrMapOvr>
+  <p:transition xmlns:p14="http://schemas.microsoft.com/office/powerpoint/2010/main" spd="slow" advClick="0">
+    <p:fade thruBlk="1"/>
+  </p:transition>
+  <p:timing>
+    <p:tnLst>
+      <p:par>
+        <p:cTn xmlns:p14="http://schemas.microsoft.com/office/powerpoint/2010/main" id="1" dur="indefinite" restart="never" nodeType="tmRoot">
+          <p:childTnLst>
+            <p:seq concurrent="1" nextAc="seek">
+              <p:cTn id="2" dur="indefinite" nodeType="mainSeq">
+                <p:childTnLst>
+                  <p:par>
+                    <p:cTn id="3" fill="hold">
+                      <p:stCondLst>
+                        <p:cond delay="indefinite"/>
+                      </p:stCondLst>
+                      <p:childTnLst>
+                        <p:par>
+                          <p:cTn id="4" fill="hold">
+                            <p:stCondLst>
+                              <p:cond delay="0"/>
+                            </p:stCondLst>
+                            <p:childTnLst>
+                              <p:par>
+                                <p:cTn id="5" presetID="10" presetClass="entr" presetSubtype="0" fill="hold" nodeType="clickEffect">
+                                  <p:stCondLst>
+                                    <p:cond delay="0"/>
+                                  </p:stCondLst>
+                                  <p:childTnLst>
+                                    <p:set>
+                                      <p:cBhvr>
+                                        <p:cTn id="6" dur="1" fill="hold">
+                                          <p:stCondLst>
+                                            <p:cond delay="0"/>
+                                          </p:stCondLst>
+                                        </p:cTn>
+                                        <p:tgtEl>
+                                          <p:spTgt spid="744451">
+                                            <p:txEl>
+                                              <p:pRg st="0" end="0"/>
+                                            </p:txEl>
+                                          </p:spTgt>
+                                        </p:tgtEl>
+                                        <p:attrNameLst>
+                                          <p:attrName>style.visibility</p:attrName>
+                                        </p:attrNameLst>
+                                      </p:cBhvr>
+                                      <p:to>
+                                        <p:strVal val="visible"/>
+                                      </p:to>
+                                    </p:set>
+                                    <p:animEffect transition="in" filter="fade">
+                                      <p:cBhvr>
+                                        <p:cTn id="7" dur="500"/>
+                                        <p:tgtEl>
+                                          <p:spTgt spid="744451">
+                                            <p:txEl>
+                                              <p:pRg st="0" end="0"/>
+                                            </p:txEl>
+                                          </p:spTgt>
+                                        </p:tgtEl>
+                                      </p:cBhvr>
+                                    </p:animEffect>
+                                  </p:childTnLst>
+                                </p:cTn>
+                              </p:par>
+                            </p:childTnLst>
+                          </p:cTn>
+                        </p:par>
+                      </p:childTnLst>
+                    </p:cTn>
+                  </p:par>
+                  <p:par>
+                    <p:cTn id="8" fill="hold">
+                      <p:stCondLst>
+                        <p:cond delay="indefinite"/>
+                      </p:stCondLst>
+                      <p:childTnLst>
+                        <p:par>
+                          <p:cTn id="9" fill="hold">
+                            <p:stCondLst>
+                              <p:cond delay="0"/>
+                            </p:stCondLst>
+                            <p:childTnLst>
+                              <p:par>
+                                <p:cTn id="10" presetID="10" presetClass="entr" presetSubtype="0" fill="hold" nodeType="clickEffect">
+                                  <p:stCondLst>
+                                    <p:cond delay="0"/>
+                                  </p:stCondLst>
+                                  <p:childTnLst>
+                                    <p:set>
+                                      <p:cBhvr>
+                                        <p:cTn id="11" dur="1" fill="hold">
+                                          <p:stCondLst>
+                                            <p:cond delay="0"/>
+                                          </p:stCondLst>
+                                        </p:cTn>
+                                        <p:tgtEl>
+                                          <p:spTgt spid="744451">
+                                            <p:txEl>
+                                              <p:pRg st="1" end="1"/>
+                                            </p:txEl>
+                                          </p:spTgt>
+                                        </p:tgtEl>
+                                        <p:attrNameLst>
+                                          <p:attrName>style.visibility</p:attrName>
+                                        </p:attrNameLst>
+                                      </p:cBhvr>
+                                      <p:to>
+                                        <p:strVal val="visible"/>
+                                      </p:to>
+                                    </p:set>
+                                    <p:animEffect transition="in" filter="fade">
+                                      <p:cBhvr>
+                                        <p:cTn id="12" dur="500"/>
+                                        <p:tgtEl>
+                                          <p:spTgt spid="744451">
+                                            <p:txEl>
+                                              <p:pRg st="1" end="1"/>
+                                            </p:txEl>
+                                          </p:spTgt>
+                                        </p:tgtEl>
+                                      </p:cBhvr>
+                                    </p:animEffect>
+                                  </p:childTnLst>
+                                </p:cTn>
+                              </p:par>
+                              <p:par>
+                                <p:cTn id="13" presetID="10" presetClass="entr" presetSubtype="0" fill="hold" nodeType="withEffect">
+                                  <p:stCondLst>
+                                    <p:cond delay="0"/>
+                                  </p:stCondLst>
+                                  <p:childTnLst>
+                                    <p:set>
+                                      <p:cBhvr>
+                                        <p:cTn id="14" dur="1" fill="hold">
+                                          <p:stCondLst>
+                                            <p:cond delay="0"/>
+                                          </p:stCondLst>
+                                        </p:cTn>
+                                        <p:tgtEl>
+                                          <p:spTgt spid="744451">
+                                            <p:txEl>
+                                              <p:pRg st="2" end="2"/>
+                                            </p:txEl>
+                                          </p:spTgt>
+                                        </p:tgtEl>
+                                        <p:attrNameLst>
+                                          <p:attrName>style.visibility</p:attrName>
+                                        </p:attrNameLst>
+                                      </p:cBhvr>
+                                      <p:to>
+                                        <p:strVal val="visible"/>
+                                      </p:to>
+                                    </p:set>
+                                    <p:animEffect transition="in" filter="fade">
+                                      <p:cBhvr>
+                                        <p:cTn id="15" dur="500"/>
+                                        <p:tgtEl>
+                                          <p:spTgt spid="744451">
+                                            <p:txEl>
+                                              <p:pRg st="2" end="2"/>
+                                            </p:txEl>
+                                          </p:spTgt>
+                                        </p:tgtEl>
+                                      </p:cBhvr>
+                                    </p:animEffect>
+                                  </p:childTnLst>
+                                </p:cTn>
+                              </p:par>
+                            </p:childTnLst>
+                          </p:cTn>
+                        </p:par>
+                      </p:childTnLst>
+                    </p:cTn>
+                  </p:par>
+                  <p:par>
+                    <p:cTn id="16" fill="hold">
+                      <p:stCondLst>
+                        <p:cond delay="indefinite"/>
+                      </p:stCondLst>
+                      <p:childTnLst>
+                        <p:par>
+                          <p:cTn id="17" fill="hold">
+                            <p:stCondLst>
+                              <p:cond delay="0"/>
+                            </p:stCondLst>
+                            <p:childTnLst>
+                              <p:par>
+                                <p:cTn id="18" presetID="10" presetClass="entr" presetSubtype="0" fill="hold" nodeType="clickEffect">
+                                  <p:stCondLst>
+                                    <p:cond delay="0"/>
+                                  </p:stCondLst>
+                                  <p:childTnLst>
+                                    <p:set>
+                                      <p:cBhvr>
+                                        <p:cTn id="19" dur="1" fill="hold">
+                                          <p:stCondLst>
+                                            <p:cond delay="0"/>
+                                          </p:stCondLst>
+                                        </p:cTn>
+                                        <p:tgtEl>
+                                          <p:spTgt spid="744451">
+                                            <p:txEl>
+                                              <p:pRg st="3" end="3"/>
+                                            </p:txEl>
+                                          </p:spTgt>
+                                        </p:tgtEl>
+                                        <p:attrNameLst>
+                                          <p:attrName>style.visibility</p:attrName>
+                                        </p:attrNameLst>
+                                      </p:cBhvr>
+                                      <p:to>
+                                        <p:strVal val="visible"/>
+                                      </p:to>
+                                    </p:set>
+                                    <p:animEffect transition="in" filter="fade">
+                                      <p:cBhvr>
+                                        <p:cTn id="20" dur="500"/>
+                                        <p:tgtEl>
+                                          <p:spTgt spid="744451">
+                                            <p:txEl>
+                                              <p:pRg st="3" end="3"/>
+                                            </p:txEl>
+                                          </p:spTgt>
+                                        </p:tgtEl>
+                                      </p:cBhvr>
+                                    </p:animEffect>
+                                  </p:childTnLst>
+                                </p:cTn>
+                              </p:par>
+                            </p:childTnLst>
+                          </p:cTn>
+                        </p:par>
+                      </p:childTnLst>
+                    </p:cTn>
+                  </p:par>
+                </p:childTnLst>
+              </p:cTn>
+              <p:prevCondLst>
+                <p:cond evt="onPrev" delay="0">
+                  <p:tgtEl>
+                    <p:sldTgt/>
+                  </p:tgtEl>
+                </p:cond>
+              </p:prevCondLst>
+              <p:nextCondLst>
+                <p:cond evt="onNext" delay="0">
+                  <p:tgtEl>
+                    <p:sldTgt/>
+                  </p:tgtEl>
+                </p:cond>
+              </p:nextCondLst>
+            </p:seq>
+          </p:childTnLst>
+        </p:cTn>
+      </p:par>
+    </p:tnLst>
+  </p:timing>
+</p:sld>
+</file>
+
+<file path=ppt/slides/slide3.xml><?xml version="1.0" encoding="utf-8"?>
+<p:sld xmlns:a="http://schemas.openxmlformats.org/drawingml/2006/main" xmlns:r="http://schemas.openxmlformats.org/officeDocument/2006/relationships" xmlns:p="http://schemas.openxmlformats.org/presentationml/2006/main">
+  <p:cSld>
+    <p:spTree>
+      <p:nvGrpSpPr>
+        <p:cNvPr id="1" name=""/>
+        <p:cNvGrpSpPr/>
+        <p:nvPr/>
+      </p:nvGrpSpPr>
+      <p:grpSpPr>
+        <a:xfrm>
+          <a:off x="0" y="0"/>
+          <a:ext cx="0" cy="0"/>
+          <a:chOff x="0" y="0"/>
+          <a:chExt cx="0" cy="0"/>
+        </a:xfrm>
+      </p:grpSpPr>
+      <p:sp>
+        <p:nvSpPr>
+          <p:cNvPr id="58371" name="Text Box 3"/>
+          <p:cNvSpPr txBox="1">
+            <a:spLocks noChangeArrowheads="1"/>
+          </p:cNvSpPr>
+          <p:nvPr/>
+        </p:nvSpPr>
+        <p:spPr bwMode="auto">
+          <a:xfrm>
+            <a:off x="423334" y="1136952"/>
+            <a:ext cx="7958658" cy="2585323"/>
+          </a:xfrm>
+          <a:prstGeom prst="rect">
+            <a:avLst/>
+          </a:prstGeom>
+          <a:noFill/>
+          <a:ln w="31750">
+            <a:noFill/>
+            <a:miter lim="800000"/>
+            <a:headEnd/>
+            <a:tailEnd type="none" w="lg" len="lg"/>
+          </a:ln>
+        </p:spPr>
+        <p:txBody>
+          <a:bodyPr wrap="square">
+            <a:spAutoFit/>
+          </a:bodyPr>
+          <a:lstStyle/>
+          <a:p>
+            <a:r>
+              <a:rPr lang="en-US" altLang="zh-CN" sz="5400" dirty="0" smtClean="0">
+                <a:solidFill>
+                  <a:srgbClr val="7030A0"/>
+                </a:solidFill>
+                <a:latin typeface="Comic Sans MS" pitchFamily="8" charset="0"/>
+                <a:ea typeface="宋体" pitchFamily="2" charset="-122"/>
+              </a:rPr>
+              <a:t>length</a:t>
+            </a:r>
+            <a:r>
+              <a:rPr lang="en-US" altLang="zh-CN" sz="5400" b="1" dirty="0" smtClean="0">
+                <a:solidFill>
+                  <a:srgbClr val="7030A0"/>
+                </a:solidFill>
+                <a:latin typeface="Comic Sans MS" pitchFamily="8" charset="0"/>
+                <a:ea typeface="宋体" pitchFamily="2" charset="-122"/>
+              </a:rPr>
+              <a:t> </a:t>
+            </a:r>
+            <a:r>
+              <a:rPr lang="en-US" altLang="zh-CN" sz="5400" b="1" dirty="0" smtClean="0">
+                <a:solidFill>
+                  <a:srgbClr val="7030A0"/>
+                </a:solidFill>
+                <a:latin typeface="Euclid Symbol" charset="2"/>
+                <a:ea typeface="宋体" pitchFamily="2" charset="-122"/>
+                <a:cs typeface="Euclid Symbol" charset="2"/>
+                <a:sym typeface="Euclid Symbol"/>
+              </a:rPr>
+              <a:t>&gt;</a:t>
+            </a:r>
+            <a:r>
+              <a:rPr lang="en-US" altLang="zh-CN" sz="5400" dirty="0" smtClean="0">
+                <a:solidFill>
+                  <a:srgbClr val="7030A0"/>
+                </a:solidFill>
+                <a:latin typeface="Comic Sans MS" pitchFamily="8" charset="0"/>
+                <a:ea typeface="宋体" pitchFamily="2" charset="-122"/>
+                <a:sym typeface="Euclid Symbol"/>
+              </a:rPr>
+              <a:t> </a:t>
+            </a:r>
+            <a:r>
+              <a:rPr lang="en-US" altLang="zh-CN" sz="5400" dirty="0" smtClean="0">
+                <a:solidFill>
+                  <a:srgbClr val="7030A0"/>
+                </a:solidFill>
+                <a:latin typeface="Comic Sans MS" pitchFamily="8" charset="0"/>
+                <a:ea typeface="宋体" pitchFamily="2" charset="-122"/>
+              </a:rPr>
+              <a:t>2</a:t>
+            </a:r>
+            <a:r>
+              <a:rPr lang="en-US" altLang="zh-CN" sz="5400" dirty="0" smtClean="0">
+                <a:latin typeface="Comic Sans MS" pitchFamily="8" charset="0"/>
+                <a:ea typeface="宋体" pitchFamily="2" charset="-122"/>
+              </a:rPr>
+              <a:t> implies that</a:t>
+            </a:r>
+          </a:p>
+          <a:p>
+            <a:r>
+              <a:rPr lang="en-US" altLang="zh-CN" sz="5400" dirty="0" smtClean="0">
+                <a:latin typeface="Comic Sans MS" pitchFamily="8" charset="0"/>
+                <a:ea typeface="宋体" pitchFamily="2" charset="-122"/>
+              </a:rPr>
+              <a:t>going back &amp; forth over</a:t>
+            </a:r>
+          </a:p>
+          <a:p>
+            <a:r>
+              <a:rPr lang="en-US" altLang="zh-CN" sz="5400" dirty="0" smtClean="0">
+                <a:latin typeface="Comic Sans MS" pitchFamily="8" charset="0"/>
+                <a:ea typeface="宋体" pitchFamily="2" charset="-122"/>
+              </a:rPr>
+              <a:t>an edge is </a:t>
+            </a:r>
+            <a:r>
+              <a:rPr lang="en-US" altLang="zh-CN" sz="5400" dirty="0" smtClean="0">
+                <a:solidFill>
+                  <a:srgbClr val="C00000"/>
+                </a:solidFill>
+                <a:latin typeface="Comic Sans MS" pitchFamily="8" charset="0"/>
+                <a:ea typeface="宋体" pitchFamily="2" charset="-122"/>
+              </a:rPr>
+              <a:t>not</a:t>
+            </a:r>
+            <a:r>
+              <a:rPr lang="en-US" altLang="zh-CN" sz="5400" dirty="0" smtClean="0">
+                <a:latin typeface="Comic Sans MS" pitchFamily="8" charset="0"/>
+                <a:ea typeface="宋体" pitchFamily="2" charset="-122"/>
+              </a:rPr>
+              <a:t> a cycle</a:t>
+            </a:r>
+            <a:endParaRPr lang="en-US" altLang="zh-CN" sz="5400" dirty="0">
+              <a:latin typeface="Comic Sans MS" pitchFamily="8" charset="0"/>
+              <a:ea typeface="宋体" pitchFamily="2" charset="-122"/>
+            </a:endParaRPr>
+          </a:p>
+        </p:txBody>
+      </p:sp>
+      <p:sp>
+        <p:nvSpPr>
+          <p:cNvPr id="58379" name="Rectangle 11"/>
+          <p:cNvSpPr>
+            <a:spLocks noGrp="1" noChangeArrowheads="1"/>
+          </p:cNvSpPr>
+          <p:nvPr>
+            <p:ph type="sldNum" sz="quarter" idx="10"/>
+          </p:nvPr>
+        </p:nvSpPr>
+        <p:spPr>
+          <a:noFill/>
+        </p:spPr>
+        <p:txBody>
+          <a:bodyPr/>
+          <a:lstStyle/>
+          <a:p>
+            <a:r>
+              <a:rPr lang="en-US" dirty="0" smtClean="0"/>
+              <a:t>tree-def.</a:t>
+            </a:r>
+            <a:fld id="{B8D01330-1CCD-420A-86D1-6B5E88908576}" type="slidenum">
+              <a:rPr lang="en-US" smtClean="0"/>
+              <a:pPr/>
+              <a:t>3</a:t>
+            </a:fld>
+            <a:endParaRPr lang="en-US" dirty="0" smtClean="0"/>
+          </a:p>
+        </p:txBody>
+      </p:sp>
+      <p:sp>
+        <p:nvSpPr>
+          <p:cNvPr id="20" name="Freeform 19"/>
+          <p:cNvSpPr/>
+          <p:nvPr/>
+        </p:nvSpPr>
+        <p:spPr bwMode="auto">
+          <a:xfrm rot="21275250">
+            <a:off x="3378901" y="4099187"/>
+            <a:ext cx="2991048" cy="953300"/>
+          </a:xfrm>
+          <a:custGeom>
+            <a:avLst/>
+            <a:gdLst>
+              <a:gd name="connsiteX0" fmla="*/ 0 w 2956143"/>
+              <a:gd name="connsiteY0" fmla="*/ 12526 h 676405"/>
+              <a:gd name="connsiteX1" fmla="*/ 526093 w 2956143"/>
+              <a:gd name="connsiteY1" fmla="*/ 0 h 676405"/>
+              <a:gd name="connsiteX2" fmla="*/ 1352811 w 2956143"/>
+              <a:gd name="connsiteY2" fmla="*/ 75156 h 676405"/>
+              <a:gd name="connsiteX3" fmla="*/ 2192055 w 2956143"/>
+              <a:gd name="connsiteY3" fmla="*/ 100208 h 676405"/>
+              <a:gd name="connsiteX4" fmla="*/ 2956143 w 2956143"/>
+              <a:gd name="connsiteY4" fmla="*/ 200416 h 676405"/>
+              <a:gd name="connsiteX5" fmla="*/ 2880986 w 2956143"/>
+              <a:gd name="connsiteY5" fmla="*/ 676405 h 676405"/>
+            </a:gdLst>
+            <a:ahLst/>
+            <a:cxnLst>
+              <a:cxn ang="0">
+                <a:pos x="connsiteX0" y="connsiteY0"/>
+              </a:cxn>
+              <a:cxn ang="0">
+                <a:pos x="connsiteX1" y="connsiteY1"/>
+              </a:cxn>
+              <a:cxn ang="0">
+                <a:pos x="connsiteX2" y="connsiteY2"/>
+              </a:cxn>
+              <a:cxn ang="0">
+                <a:pos x="connsiteX3" y="connsiteY3"/>
+              </a:cxn>
+              <a:cxn ang="0">
+                <a:pos x="connsiteX4" y="connsiteY4"/>
+              </a:cxn>
+              <a:cxn ang="0">
+                <a:pos x="connsiteX5" y="connsiteY5"/>
+              </a:cxn>
+            </a:cxnLst>
+            <a:rect l="l" t="t" r="r" b="b"/>
+            <a:pathLst>
+              <a:path w="2956143" h="676405">
+                <a:moveTo>
+                  <a:pt x="0" y="12526"/>
+                </a:moveTo>
+                <a:cubicBezTo>
+                  <a:pt x="175362" y="8249"/>
+                  <a:pt x="350679" y="0"/>
+                  <a:pt x="526093" y="0"/>
+                </a:cubicBezTo>
+                <a:lnTo>
+                  <a:pt x="1352811" y="75156"/>
+                </a:lnTo>
+                <a:lnTo>
+                  <a:pt x="2192055" y="100208"/>
+                </a:lnTo>
+                <a:cubicBezTo>
+                  <a:pt x="2446679" y="134158"/>
+                  <a:pt x="2699266" y="200416"/>
+                  <a:pt x="2956143" y="200416"/>
+                </a:cubicBezTo>
+                <a:lnTo>
+                  <a:pt x="2880986" y="676405"/>
+                </a:lnTo>
+              </a:path>
+            </a:pathLst>
+          </a:custGeom>
+          <a:noFill/>
+          <a:ln w="44450" cap="flat" cmpd="sng" algn="ctr">
+            <a:solidFill>
+              <a:srgbClr val="C00000"/>
+            </a:solidFill>
+            <a:prstDash val="sysDash"/>
+            <a:round/>
+            <a:headEnd type="none" w="med" len="med"/>
+            <a:tailEnd type="none" w="lg" len="lg"/>
+          </a:ln>
+          <a:effectLst/>
+        </p:spPr>
+        <p:txBody>
+          <a:bodyPr rtlCol="0" anchor="ctr"/>
+          <a:lstStyle/>
+          <a:p>
+            <a:pPr algn="ctr"/>
+            <a:endParaRPr lang="en-US"/>
+          </a:p>
+        </p:txBody>
+      </p:sp>
+      <p:cxnSp>
+        <p:nvCxnSpPr>
+          <p:cNvPr id="22" name="Straight Connector 21"/>
+          <p:cNvCxnSpPr/>
+          <p:nvPr/>
+        </p:nvCxnSpPr>
+        <p:spPr bwMode="auto">
+          <a:xfrm flipH="1" flipV="1">
+            <a:off x="3438147" y="4926135"/>
+            <a:ext cx="2894390" cy="27912"/>
+          </a:xfrm>
+          <a:prstGeom prst="line">
+            <a:avLst/>
+          </a:prstGeom>
+          <a:noFill/>
+          <a:ln w="38100" cap="flat" cmpd="sng" algn="ctr">
+            <a:solidFill>
+              <a:srgbClr val="C00000"/>
+            </a:solidFill>
+            <a:prstDash val="sysDash"/>
+            <a:round/>
+            <a:headEnd type="none" w="med" len="med"/>
+            <a:tailEnd type="none" w="lg" len="lg"/>
+          </a:ln>
+          <a:effectLst/>
+        </p:spPr>
+      </p:cxnSp>
+      <p:grpSp>
+        <p:nvGrpSpPr>
+          <p:cNvPr id="2" name="Group 48"/>
+          <p:cNvGrpSpPr/>
+          <p:nvPr/>
+        </p:nvGrpSpPr>
+        <p:grpSpPr>
+          <a:xfrm>
+            <a:off x="2987833" y="4166037"/>
+            <a:ext cx="3244533" cy="731254"/>
+            <a:chOff x="3044698" y="3372993"/>
+            <a:chExt cx="3244533" cy="731254"/>
+          </a:xfrm>
+        </p:grpSpPr>
+        <p:sp>
+          <p:nvSpPr>
+            <p:cNvPr id="58376" name="Text Box 19"/>
+            <p:cNvSpPr txBox="1">
+              <a:spLocks noChangeArrowheads="1"/>
+            </p:cNvSpPr>
+            <p:nvPr/>
+          </p:nvSpPr>
+          <p:spPr bwMode="auto">
+            <a:xfrm>
+              <a:off x="5757418" y="3372993"/>
+              <a:ext cx="531813" cy="701675"/>
+            </a:xfrm>
+            <a:prstGeom prst="rect">
+              <a:avLst/>
+            </a:prstGeom>
+            <a:noFill/>
+            <a:ln w="31750">
+              <a:noFill/>
+              <a:miter lim="800000"/>
+              <a:headEnd/>
+              <a:tailEnd type="none" w="lg" len="lg"/>
+            </a:ln>
+          </p:spPr>
+          <p:txBody>
+            <a:bodyPr wrap="none">
+              <a:spAutoFit/>
+            </a:bodyPr>
+            <a:lstStyle/>
+            <a:p>
+              <a:r>
+                <a:rPr lang="en-US" altLang="zh-CN" dirty="0">
+                  <a:latin typeface="Comic Sans MS" pitchFamily="8" charset="0"/>
+                  <a:ea typeface="宋体" pitchFamily="2" charset="-122"/>
+                </a:rPr>
+                <a:t>w</a:t>
+              </a:r>
+            </a:p>
+          </p:txBody>
+        </p:sp>
+        <p:grpSp>
+          <p:nvGrpSpPr>
+            <p:cNvPr id="3" name="Group 43"/>
+            <p:cNvGrpSpPr/>
+            <p:nvPr/>
+          </p:nvGrpSpPr>
+          <p:grpSpPr>
+            <a:xfrm>
+              <a:off x="3558540" y="3779520"/>
+              <a:ext cx="2103120" cy="97536"/>
+              <a:chOff x="3602736" y="3342132"/>
+              <a:chExt cx="2103120" cy="97536"/>
+            </a:xfrm>
+          </p:grpSpPr>
+          <p:cxnSp>
+            <p:nvCxnSpPr>
+              <p:cNvPr id="16" name="Straight Connector 15"/>
+              <p:cNvCxnSpPr/>
+              <p:nvPr/>
+            </p:nvCxnSpPr>
+            <p:spPr bwMode="auto">
+              <a:xfrm rot="16200000" flipH="1">
+                <a:off x="4609738" y="2417238"/>
+                <a:ext cx="723" cy="1948047"/>
+              </a:xfrm>
+              <a:prstGeom prst="line">
+                <a:avLst/>
+              </a:prstGeom>
+              <a:noFill/>
+              <a:ln w="41275" cap="flat" cmpd="sng" algn="ctr">
+                <a:solidFill>
+                  <a:schemeClr val="tx1"/>
+                </a:solidFill>
+                <a:prstDash val="solid"/>
+                <a:round/>
+                <a:headEnd type="none" w="med" len="med"/>
+                <a:tailEnd type="none" w="lg" len="lg"/>
+              </a:ln>
+              <a:effectLst/>
+            </p:spPr>
+          </p:cxnSp>
+          <p:grpSp>
+            <p:nvGrpSpPr>
+              <p:cNvPr id="4" name="Group 42"/>
+              <p:cNvGrpSpPr/>
+              <p:nvPr/>
+            </p:nvGrpSpPr>
+            <p:grpSpPr>
+              <a:xfrm>
+                <a:off x="3602736" y="3342132"/>
+                <a:ext cx="2103120" cy="97536"/>
+                <a:chOff x="3602736" y="3342132"/>
+                <a:chExt cx="2103120" cy="97536"/>
+              </a:xfrm>
+            </p:grpSpPr>
+            <p:sp>
+              <p:nvSpPr>
+                <p:cNvPr id="41" name="Oval 40"/>
+                <p:cNvSpPr/>
+                <p:nvPr/>
+              </p:nvSpPr>
+              <p:spPr bwMode="auto">
+                <a:xfrm>
+                  <a:off x="5596128" y="3342132"/>
+                  <a:ext cx="109728" cy="97536"/>
+                </a:xfrm>
+                <a:prstGeom prst="ellipse">
+                  <a:avLst/>
+                </a:prstGeom>
+                <a:solidFill>
+                  <a:schemeClr val="tx1"/>
+                </a:solidFill>
+                <a:ln w="31750" cap="flat" cmpd="sng" algn="ctr">
+                  <a:solidFill>
+                    <a:schemeClr val="tx1"/>
+                  </a:solidFill>
+                  <a:prstDash val="solid"/>
+                  <a:round/>
+                  <a:headEnd type="none" w="med" len="med"/>
+                  <a:tailEnd type="stealth" w="lg" len="lg"/>
+                </a:ln>
+                <a:effectLst/>
+              </p:spPr>
+              <p:txBody>
+                <a:bodyPr vert="horz" wrap="square" lIns="91440" tIns="45720" rIns="91440" bIns="45720" numCol="1" rtlCol="0" anchor="t" anchorCtr="0" compatLnSpc="1">
+                  <a:prstTxWarp prst="textNoShape">
+                    <a:avLst/>
+                  </a:prstTxWarp>
+                </a:bodyPr>
+                <a:lstStyle/>
+                <a:p>
+                  <a:pPr marL="0" marR="0" indent="0" algn="l" defTabSz="914400" rtl="0" eaLnBrk="1" fontAlgn="base" latinLnBrk="0" hangingPunct="1">
+                    <a:lnSpc>
+                      <a:spcPct val="100000"/>
+                    </a:lnSpc>
+                    <a:spcBef>
+                      <a:spcPct val="0"/>
+                    </a:spcBef>
+                    <a:spcAft>
+                      <a:spcPct val="0"/>
+                    </a:spcAft>
+                    <a:buClrTx/>
+                    <a:buSzTx/>
+                    <a:buFontTx/>
+                    <a:buNone/>
+                    <a:tabLst/>
+                  </a:pPr>
+                  <a:endParaRPr kumimoji="0" lang="en-US" sz="4000" b="0" i="0" u="none" strike="noStrike" cap="none" normalizeH="0" baseline="0" smtClean="0">
+                    <a:ln>
+                      <a:noFill/>
+                    </a:ln>
+                    <a:solidFill>
+                      <a:schemeClr val="tx1"/>
+                    </a:solidFill>
+                    <a:effectLst/>
+                    <a:latin typeface="Arial" pitchFamily="34" charset="0"/>
+                  </a:endParaRPr>
+                </a:p>
+              </p:txBody>
+            </p:sp>
+            <p:sp>
+              <p:nvSpPr>
+                <p:cNvPr id="42" name="Oval 41"/>
+                <p:cNvSpPr/>
+                <p:nvPr/>
+              </p:nvSpPr>
+              <p:spPr bwMode="auto">
+                <a:xfrm>
+                  <a:off x="3602736" y="3342132"/>
+                  <a:ext cx="109728" cy="97536"/>
+                </a:xfrm>
+                <a:prstGeom prst="ellipse">
+                  <a:avLst/>
+                </a:prstGeom>
+                <a:solidFill>
+                  <a:schemeClr val="tx1"/>
+                </a:solidFill>
+                <a:ln w="31750" cap="flat" cmpd="sng" algn="ctr">
+                  <a:solidFill>
+                    <a:schemeClr val="tx1"/>
+                  </a:solidFill>
+                  <a:prstDash val="solid"/>
+                  <a:round/>
+                  <a:headEnd type="none" w="med" len="med"/>
+                  <a:tailEnd type="stealth" w="lg" len="lg"/>
+                </a:ln>
+                <a:effectLst/>
+              </p:spPr>
+              <p:txBody>
+                <a:bodyPr vert="horz" wrap="square" lIns="91440" tIns="45720" rIns="91440" bIns="45720" numCol="1" rtlCol="0" anchor="t" anchorCtr="0" compatLnSpc="1">
+                  <a:prstTxWarp prst="textNoShape">
+                    <a:avLst/>
+                  </a:prstTxWarp>
+                </a:bodyPr>
+                <a:lstStyle/>
+                <a:p>
+                  <a:pPr marL="0" marR="0" indent="0" algn="l" defTabSz="914400" rtl="0" eaLnBrk="1" fontAlgn="base" latinLnBrk="0" hangingPunct="1">
+                    <a:lnSpc>
+                      <a:spcPct val="100000"/>
+                    </a:lnSpc>
+                    <a:spcBef>
+                      <a:spcPct val="0"/>
+                    </a:spcBef>
+                    <a:spcAft>
+                      <a:spcPct val="0"/>
+                    </a:spcAft>
+                    <a:buClrTx/>
+                    <a:buSzTx/>
+                    <a:buFontTx/>
+                    <a:buNone/>
+                    <a:tabLst/>
+                  </a:pPr>
+                  <a:endParaRPr kumimoji="0" lang="en-US" sz="4000" b="0" i="0" u="none" strike="noStrike" cap="none" normalizeH="0" baseline="0" smtClean="0">
+                    <a:ln>
+                      <a:noFill/>
+                    </a:ln>
+                    <a:solidFill>
+                      <a:schemeClr val="tx1"/>
+                    </a:solidFill>
+                    <a:effectLst/>
+                    <a:latin typeface="Arial" pitchFamily="34" charset="0"/>
+                  </a:endParaRPr>
+                </a:p>
+              </p:txBody>
+            </p:sp>
+          </p:grpSp>
+        </p:grpSp>
+        <p:sp>
+          <p:nvSpPr>
+            <p:cNvPr id="45" name="Text Box 19"/>
+            <p:cNvSpPr txBox="1">
+              <a:spLocks noChangeArrowheads="1"/>
+            </p:cNvSpPr>
+            <p:nvPr/>
+          </p:nvSpPr>
+          <p:spPr bwMode="auto">
+            <a:xfrm>
+              <a:off x="3044698" y="3396361"/>
+              <a:ext cx="434734" cy="707886"/>
+            </a:xfrm>
+            <a:prstGeom prst="rect">
+              <a:avLst/>
+            </a:prstGeom>
+            <a:noFill/>
+            <a:ln w="31750">
+              <a:noFill/>
+              <a:miter lim="800000"/>
+              <a:headEnd/>
+              <a:tailEnd type="none" w="lg" len="lg"/>
+            </a:ln>
+          </p:spPr>
+          <p:txBody>
+            <a:bodyPr wrap="none">
+              <a:spAutoFit/>
+            </a:bodyPr>
+            <a:lstStyle/>
+            <a:p>
+              <a:r>
+                <a:rPr lang="en-US" altLang="zh-CN" dirty="0" smtClean="0">
+                  <a:latin typeface="Comic Sans MS" pitchFamily="8" charset="0"/>
+                  <a:ea typeface="宋体" pitchFamily="2" charset="-122"/>
+                </a:rPr>
+                <a:t>v</a:t>
+              </a:r>
+              <a:endParaRPr lang="en-US" altLang="zh-CN" dirty="0">
+                <a:latin typeface="Comic Sans MS" pitchFamily="8" charset="0"/>
+                <a:ea typeface="宋体" pitchFamily="2" charset="-122"/>
+              </a:endParaRPr>
+            </a:p>
+          </p:txBody>
+        </p:sp>
+      </p:grpSp>
+      <p:sp>
+        <p:nvSpPr>
+          <p:cNvPr id="17" name="Rectangle 2"/>
+          <p:cNvSpPr>
+            <a:spLocks noGrp="1" noChangeArrowheads="1"/>
+          </p:cNvSpPr>
+          <p:nvPr>
+            <p:ph type="title"/>
+          </p:nvPr>
+        </p:nvSpPr>
+        <p:spPr>
+          <a:xfrm>
+            <a:off x="1447800" y="0"/>
+            <a:ext cx="7543800" cy="1143000"/>
+          </a:xfrm>
+        </p:spPr>
+        <p:txBody>
+          <a:bodyPr/>
+          <a:lstStyle/>
+          <a:p>
+            <a:pPr eaLnBrk="1" hangingPunct="1"/>
+            <a:r>
+              <a:rPr lang="en-US" altLang="zh-CN" sz="4800" dirty="0" smtClean="0">
+                <a:ea typeface="宋体" pitchFamily="2" charset="-122"/>
+              </a:rPr>
+              <a:t>Cycles in simple graphs</a:t>
+            </a:r>
+          </a:p>
+        </p:txBody>
+      </p:sp>
+    </p:spTree>
+    <p:extLst>
+      <p:ext uri="{BB962C8B-B14F-4D97-AF65-F5344CB8AC3E}">
+        <p14:creationId xmlns:p14="http://schemas.microsoft.com/office/powerpoint/2010/main" val="76099705"/>
+      </p:ext>
+    </p:extLst>
+  </p:cSld>
+  <p:clrMapOvr>
+    <a:masterClrMapping/>
+  </p:clrMapOvr>
+  <mc:AlternateContent xmlns:mc="http://schemas.openxmlformats.org/markup-compatibility/2006" xmlns:p14="http://schemas.microsoft.com/office/powerpoint/2010/main">
+    <mc:Choice Requires="p14">
+      <p:transition spd="slow" p14:dur="900" advClick="0">
+        <p:fade/>
+      </p:transition>
+    </mc:Choice>
+    <mc:Fallback xmlns="">
+      <p:transition xmlns:p14="http://schemas.microsoft.com/office/powerpoint/2010/main" spd="slow" advClick="0">
+        <p:fade/>
+      </p:transition>
+    </mc:Fallback>
+  </mc:AlternateContent>
+  <p:timing>
+    <p:tnLst>
+      <p:par>
+        <p:cTn xmlns:p14="http://schemas.microsoft.com/office/powerpoint/2010/main" id="1" dur="indefinite" restart="never" nodeType="tmRoot">
+          <p:childTnLst>
+            <p:seq concurrent="1" nextAc="seek">
+              <p:cTn id="2" dur="indefinite" nodeType="mainSeq">
+                <p:childTnLst>
+                  <p:par>
+                    <p:cTn id="3" fill="hold">
+                      <p:stCondLst>
+                        <p:cond delay="indefinite"/>
+                      </p:stCondLst>
+                      <p:childTnLst>
+                        <p:par>
+                          <p:cTn id="4" fill="hold">
+                            <p:stCondLst>
+                              <p:cond delay="0"/>
+                            </p:stCondLst>
+                            <p:childTnLst>
+                              <p:par>
+                                <p:cTn id="5" presetID="1" presetClass="entr" presetSubtype="0" fill="hold" nodeType="clickEffect">
+                                  <p:stCondLst>
+                                    <p:cond delay="0"/>
+                                  </p:stCondLst>
+                                  <p:childTnLst>
+                                    <p:set>
+                                      <p:cBhvr>
+                                        <p:cTn id="6" dur="1" fill="hold">
+                                          <p:stCondLst>
+                                            <p:cond delay="0"/>
+                                          </p:stCondLst>
+                                        </p:cTn>
+                                        <p:tgtEl>
+                                          <p:spTgt spid="2"/>
+                                        </p:tgtEl>
+                                        <p:attrNameLst>
+                                          <p:attrName>style.visibility</p:attrName>
+                                        </p:attrNameLst>
+                                      </p:cBhvr>
+                                      <p:to>
+                                        <p:strVal val="visible"/>
+                                      </p:to>
+                                    </p:set>
+                                  </p:childTnLst>
+                                </p:cTn>
+                              </p:par>
+                            </p:childTnLst>
+                          </p:cTn>
+                        </p:par>
+                        <p:par>
+                          <p:cTn id="7" fill="hold">
+                            <p:stCondLst>
+                              <p:cond delay="0"/>
+                            </p:stCondLst>
+                            <p:childTnLst>
+                              <p:par>
+                                <p:cTn id="8" presetID="22" presetClass="entr" presetSubtype="8" fill="hold" grpId="0" nodeType="afterEffect">
+                                  <p:stCondLst>
+                                    <p:cond delay="500"/>
+                                  </p:stCondLst>
+                                  <p:childTnLst>
+                                    <p:set>
+                                      <p:cBhvr>
+                                        <p:cTn id="9" dur="1" fill="hold">
+                                          <p:stCondLst>
+                                            <p:cond delay="0"/>
+                                          </p:stCondLst>
+                                        </p:cTn>
+                                        <p:tgtEl>
+                                          <p:spTgt spid="20"/>
+                                        </p:tgtEl>
+                                        <p:attrNameLst>
+                                          <p:attrName>style.visibility</p:attrName>
+                                        </p:attrNameLst>
+                                      </p:cBhvr>
+                                      <p:to>
+                                        <p:strVal val="visible"/>
+                                      </p:to>
+                                    </p:set>
+                                    <p:animEffect transition="in" filter="wipe(left)">
+                                      <p:cBhvr>
+                                        <p:cTn id="10" dur="500"/>
+                                        <p:tgtEl>
+                                          <p:spTgt spid="20"/>
+                                        </p:tgtEl>
+                                      </p:cBhvr>
+                                    </p:animEffect>
+                                  </p:childTnLst>
+                                </p:cTn>
+                              </p:par>
+                            </p:childTnLst>
+                          </p:cTn>
+                        </p:par>
+                        <p:par>
+                          <p:cTn id="11" fill="hold">
+                            <p:stCondLst>
+                              <p:cond delay="1000"/>
+                            </p:stCondLst>
+                            <p:childTnLst>
+                              <p:par>
+                                <p:cTn id="12" presetID="22" presetClass="entr" presetSubtype="2" fill="hold" nodeType="afterEffect">
+                                  <p:stCondLst>
+                                    <p:cond delay="0"/>
+                                  </p:stCondLst>
+                                  <p:childTnLst>
+                                    <p:set>
+                                      <p:cBhvr>
+                                        <p:cTn id="13" dur="1" fill="hold">
+                                          <p:stCondLst>
+                                            <p:cond delay="0"/>
+                                          </p:stCondLst>
+                                        </p:cTn>
+                                        <p:tgtEl>
+                                          <p:spTgt spid="22"/>
+                                        </p:tgtEl>
+                                        <p:attrNameLst>
+                                          <p:attrName>style.visibility</p:attrName>
+                                        </p:attrNameLst>
+                                      </p:cBhvr>
+                                      <p:to>
+                                        <p:strVal val="visible"/>
+                                      </p:to>
+                                    </p:set>
+                                    <p:animEffect transition="in" filter="wipe(right)">
+                                      <p:cBhvr>
+                                        <p:cTn id="14" dur="500"/>
+                                        <p:tgtEl>
+                                          <p:spTgt spid="22"/>
+                                        </p:tgtEl>
+                                      </p:cBhvr>
+                                    </p:animEffect>
+                                  </p:childTnLst>
+                                </p:cTn>
+                              </p:par>
+                            </p:childTnLst>
+                          </p:cTn>
+                        </p:par>
+                      </p:childTnLst>
+                    </p:cTn>
+                  </p:par>
+                </p:childTnLst>
+              </p:cTn>
+              <p:prevCondLst>
+                <p:cond evt="onPrev" delay="0">
+                  <p:tgtEl>
+                    <p:sldTgt/>
+                  </p:tgtEl>
+                </p:cond>
+              </p:prevCondLst>
+              <p:nextCondLst>
+                <p:cond evt="onNext" delay="0">
+                  <p:tgtEl>
+                    <p:sldTgt/>
+                  </p:tgtEl>
+                </p:cond>
+              </p:nextCondLst>
+            </p:seq>
+          </p:childTnLst>
+        </p:cTn>
+      </p:par>
+    </p:tnLst>
+    <p:bldLst>
+      <p:bldP spid="20" grpId="0" animBg="1"/>
+    </p:bldLst>
+  </p:timing>
+</p:sld>
+</file>
+
+<file path=ppt/slides/slide4.xml><?xml version="1.0" encoding="utf-8"?>
+<p:sld xmlns:a="http://schemas.openxmlformats.org/drawingml/2006/main" xmlns:r="http://schemas.openxmlformats.org/officeDocument/2006/relationships" xmlns:p="http://schemas.openxmlformats.org/presentationml/2006/main">
+  <p:cSld>
+    <p:spTree>
+      <p:nvGrpSpPr>
+        <p:cNvPr id="1" name=""/>
+        <p:cNvGrpSpPr/>
+        <p:nvPr/>
+      </p:nvGrpSpPr>
+      <p:grpSpPr>
+        <a:xfrm>
+          <a:off x="0" y="0"/>
+          <a:ext cx="0" cy="0"/>
+          <a:chOff x="0" y="0"/>
+          <a:chExt cx="0" cy="0"/>
+        </a:xfrm>
+      </p:grpSpPr>
+      <p:sp>
+        <p:nvSpPr>
+          <p:cNvPr id="59394" name="Rectangle 2"/>
+          <p:cNvSpPr>
+            <a:spLocks noGrp="1" noChangeArrowheads="1"/>
+          </p:cNvSpPr>
+          <p:nvPr>
+            <p:ph type="title"/>
+          </p:nvPr>
+        </p:nvSpPr>
+        <p:spPr/>
+        <p:txBody>
+          <a:bodyPr/>
+          <a:lstStyle/>
+          <a:p>
+            <a:pPr eaLnBrk="1" hangingPunct="1"/>
+            <a:r>
+              <a:rPr lang="en-US" altLang="zh-CN" dirty="0" smtClean="0">
+                <a:ea typeface="宋体" pitchFamily="2" charset="-122"/>
+              </a:rPr>
+              <a:t>Trees</a:t>
+            </a:r>
+          </a:p>
+        </p:txBody>
+      </p:sp>
+      <p:sp>
+        <p:nvSpPr>
+          <p:cNvPr id="59395" name="Rectangle 3"/>
+          <p:cNvSpPr>
+            <a:spLocks noGrp="1" noChangeArrowheads="1"/>
+          </p:cNvSpPr>
+          <p:nvPr>
+            <p:ph type="body" idx="1"/>
+          </p:nvPr>
+        </p:nvSpPr>
+        <p:spPr>
+          <a:xfrm>
+            <a:off x="171743" y="1155237"/>
+            <a:ext cx="8876714" cy="1756782"/>
+          </a:xfrm>
+        </p:spPr>
+        <p:txBody>
+          <a:bodyPr/>
+          <a:lstStyle/>
+          <a:p>
+            <a:pPr eaLnBrk="1" hangingPunct="1">
+              <a:buFontTx/>
+              <a:buNone/>
+            </a:pPr>
+            <a:r>
+              <a:rPr lang="en-US" altLang="zh-CN" sz="4800" dirty="0" smtClean="0">
+                <a:ea typeface="宋体" pitchFamily="2" charset="-122"/>
+              </a:rPr>
+              <a:t>A </a:t>
+            </a:r>
+            <a:r>
+              <a:rPr lang="en-US" altLang="zh-CN" sz="4800" dirty="0" smtClean="0">
+                <a:solidFill>
+                  <a:srgbClr val="0033CC"/>
+                </a:solidFill>
+                <a:ea typeface="宋体" pitchFamily="2" charset="-122"/>
+              </a:rPr>
+              <a:t>tree</a:t>
+            </a:r>
+            <a:r>
+              <a:rPr lang="en-US" altLang="zh-CN" sz="4800" dirty="0" smtClean="0">
+                <a:ea typeface="宋体" pitchFamily="2" charset="-122"/>
+              </a:rPr>
+              <a:t> is a connected graph </a:t>
+            </a:r>
+          </a:p>
+          <a:p>
+            <a:pPr eaLnBrk="1" hangingPunct="1">
+              <a:buFontTx/>
+              <a:buNone/>
+            </a:pPr>
+            <a:r>
+              <a:rPr lang="en-US" altLang="zh-CN" sz="4800" dirty="0" smtClean="0">
+                <a:ea typeface="宋体" pitchFamily="2" charset="-122"/>
+              </a:rPr>
+              <a:t>with </a:t>
+            </a:r>
+            <a:r>
+              <a:rPr lang="en-US" altLang="zh-CN" sz="4800" dirty="0" smtClean="0">
+                <a:solidFill>
+                  <a:srgbClr val="008000"/>
+                </a:solidFill>
+                <a:ea typeface="宋体" pitchFamily="2" charset="-122"/>
+              </a:rPr>
+              <a:t>no cycles</a:t>
+            </a:r>
+            <a:r>
+              <a:rPr lang="en-US" altLang="zh-CN" sz="4800" dirty="0" smtClean="0">
+                <a:ea typeface="宋体" pitchFamily="2" charset="-122"/>
+              </a:rPr>
+              <a:t>.</a:t>
+            </a:r>
+          </a:p>
+        </p:txBody>
+      </p:sp>
+      <p:grpSp>
+        <p:nvGrpSpPr>
+          <p:cNvPr id="2" name="Group 4"/>
+          <p:cNvGrpSpPr>
+            <a:grpSpLocks/>
+          </p:cNvGrpSpPr>
+          <p:nvPr/>
+        </p:nvGrpSpPr>
+        <p:grpSpPr bwMode="auto">
+          <a:xfrm>
+            <a:off x="3024188" y="3359150"/>
+            <a:ext cx="2681287" cy="2332038"/>
+            <a:chOff x="1905" y="2116"/>
+            <a:chExt cx="1689" cy="1469"/>
+          </a:xfrm>
+        </p:grpSpPr>
+        <p:sp>
+          <p:nvSpPr>
+            <p:cNvPr id="59398" name="Oval 5"/>
+            <p:cNvSpPr>
+              <a:spLocks noChangeArrowheads="1"/>
+            </p:cNvSpPr>
+            <p:nvPr/>
+          </p:nvSpPr>
+          <p:spPr bwMode="auto">
+            <a:xfrm>
+              <a:off x="2722" y="2798"/>
+              <a:ext cx="144" cy="144"/>
+            </a:xfrm>
+            <a:prstGeom prst="ellipse">
+              <a:avLst/>
+            </a:prstGeom>
+            <a:solidFill>
+              <a:srgbClr val="0066FF"/>
+            </a:solidFill>
+            <a:ln w="25400">
+              <a:solidFill>
+                <a:schemeClr val="tx1"/>
+              </a:solidFill>
+              <a:round/>
+              <a:headEnd/>
+              <a:tailEnd type="none" w="lg" len="lg"/>
+            </a:ln>
+          </p:spPr>
+          <p:txBody>
+            <a:bodyPr wrap="none" anchor="ctr"/>
+            <a:lstStyle/>
+            <a:p>
+              <a:endParaRPr lang="zh-CN" altLang="en-US">
+                <a:ea typeface="宋体" pitchFamily="2" charset="-122"/>
+              </a:endParaRPr>
+            </a:p>
+          </p:txBody>
+        </p:sp>
+        <p:sp>
+          <p:nvSpPr>
+            <p:cNvPr id="59399" name="Oval 6"/>
+            <p:cNvSpPr>
+              <a:spLocks noChangeArrowheads="1"/>
+            </p:cNvSpPr>
+            <p:nvPr/>
+          </p:nvSpPr>
+          <p:spPr bwMode="auto">
+            <a:xfrm>
+              <a:off x="2721" y="2116"/>
+              <a:ext cx="144" cy="144"/>
+            </a:xfrm>
+            <a:prstGeom prst="ellipse">
+              <a:avLst/>
+            </a:prstGeom>
+            <a:solidFill>
+              <a:srgbClr val="0066FF"/>
+            </a:solidFill>
+            <a:ln w="25400">
+              <a:solidFill>
+                <a:schemeClr val="tx1"/>
+              </a:solidFill>
+              <a:round/>
+              <a:headEnd/>
+              <a:tailEnd type="none" w="lg" len="lg"/>
+            </a:ln>
+          </p:spPr>
+          <p:txBody>
+            <a:bodyPr wrap="none" anchor="ctr"/>
+            <a:lstStyle/>
+            <a:p>
+              <a:endParaRPr lang="zh-CN" altLang="en-US">
+                <a:ea typeface="宋体" pitchFamily="2" charset="-122"/>
+              </a:endParaRPr>
+            </a:p>
+          </p:txBody>
+        </p:sp>
+        <p:sp>
+          <p:nvSpPr>
+            <p:cNvPr id="59400" name="Oval 7"/>
+            <p:cNvSpPr>
+              <a:spLocks noChangeArrowheads="1"/>
+            </p:cNvSpPr>
+            <p:nvPr/>
+          </p:nvSpPr>
+          <p:spPr bwMode="auto">
+            <a:xfrm>
+              <a:off x="3145" y="2534"/>
+              <a:ext cx="144" cy="144"/>
+            </a:xfrm>
+            <a:prstGeom prst="ellipse">
+              <a:avLst/>
+            </a:prstGeom>
+            <a:solidFill>
+              <a:srgbClr val="0066FF"/>
+            </a:solidFill>
+            <a:ln w="25400">
+              <a:solidFill>
+                <a:schemeClr val="tx1"/>
+              </a:solidFill>
+              <a:round/>
+              <a:headEnd/>
+              <a:tailEnd type="none" w="lg" len="lg"/>
+            </a:ln>
+          </p:spPr>
+          <p:txBody>
+            <a:bodyPr wrap="none" anchor="ctr"/>
+            <a:lstStyle/>
+            <a:p>
+              <a:endParaRPr lang="zh-CN" altLang="en-US">
+                <a:ea typeface="宋体" pitchFamily="2" charset="-122"/>
+              </a:endParaRPr>
+            </a:p>
+          </p:txBody>
+        </p:sp>
+        <p:sp>
+          <p:nvSpPr>
+            <p:cNvPr id="59401" name="Oval 8"/>
+            <p:cNvSpPr>
+              <a:spLocks noChangeArrowheads="1"/>
+            </p:cNvSpPr>
+            <p:nvPr/>
+          </p:nvSpPr>
+          <p:spPr bwMode="auto">
+            <a:xfrm>
+              <a:off x="1905" y="2534"/>
+              <a:ext cx="144" cy="144"/>
+            </a:xfrm>
+            <a:prstGeom prst="ellipse">
+              <a:avLst/>
+            </a:prstGeom>
+            <a:solidFill>
+              <a:srgbClr val="0066FF"/>
+            </a:solidFill>
+            <a:ln w="25400">
+              <a:solidFill>
+                <a:schemeClr val="tx1"/>
+              </a:solidFill>
+              <a:round/>
+              <a:headEnd/>
+              <a:tailEnd type="none" w="lg" len="lg"/>
+            </a:ln>
+          </p:spPr>
+          <p:txBody>
+            <a:bodyPr wrap="none" anchor="ctr"/>
+            <a:lstStyle/>
+            <a:p>
+              <a:endParaRPr lang="zh-CN" altLang="en-US">
+                <a:ea typeface="宋体" pitchFamily="2" charset="-122"/>
+              </a:endParaRPr>
+            </a:p>
+          </p:txBody>
+        </p:sp>
+        <p:sp>
+          <p:nvSpPr>
+            <p:cNvPr id="59402" name="Oval 9"/>
+            <p:cNvSpPr>
+              <a:spLocks noChangeArrowheads="1"/>
+            </p:cNvSpPr>
+            <p:nvPr/>
+          </p:nvSpPr>
+          <p:spPr bwMode="auto">
+            <a:xfrm>
+              <a:off x="2722" y="3441"/>
+              <a:ext cx="144" cy="144"/>
+            </a:xfrm>
+            <a:prstGeom prst="ellipse">
+              <a:avLst/>
+            </a:prstGeom>
+            <a:solidFill>
+              <a:srgbClr val="0066FF"/>
+            </a:solidFill>
+            <a:ln w="25400">
+              <a:solidFill>
+                <a:schemeClr val="tx1"/>
+              </a:solidFill>
+              <a:round/>
+              <a:headEnd/>
+              <a:tailEnd type="none" w="lg" len="lg"/>
+            </a:ln>
+          </p:spPr>
+          <p:txBody>
+            <a:bodyPr wrap="none" anchor="ctr"/>
+            <a:lstStyle/>
+            <a:p>
+              <a:endParaRPr lang="zh-CN" altLang="en-US">
+                <a:ea typeface="宋体" pitchFamily="2" charset="-122"/>
+              </a:endParaRPr>
+            </a:p>
+          </p:txBody>
+        </p:sp>
+        <p:sp>
+          <p:nvSpPr>
+            <p:cNvPr id="59403" name="Oval 10"/>
+            <p:cNvSpPr>
+              <a:spLocks noChangeArrowheads="1"/>
+            </p:cNvSpPr>
+            <p:nvPr/>
+          </p:nvSpPr>
+          <p:spPr bwMode="auto">
+            <a:xfrm>
+              <a:off x="3450" y="3081"/>
+              <a:ext cx="144" cy="144"/>
+            </a:xfrm>
+            <a:prstGeom prst="ellipse">
+              <a:avLst/>
+            </a:prstGeom>
+            <a:solidFill>
+              <a:srgbClr val="0066FF"/>
+            </a:solidFill>
+            <a:ln w="25400">
+              <a:solidFill>
+                <a:schemeClr val="tx1"/>
+              </a:solidFill>
+              <a:round/>
+              <a:headEnd/>
+              <a:tailEnd type="none" w="lg" len="lg"/>
+            </a:ln>
+          </p:spPr>
+          <p:txBody>
+            <a:bodyPr wrap="none" anchor="ctr"/>
+            <a:lstStyle/>
+            <a:p>
+              <a:endParaRPr lang="zh-CN" altLang="en-US">
+                <a:ea typeface="宋体" pitchFamily="2" charset="-122"/>
+              </a:endParaRPr>
+            </a:p>
+          </p:txBody>
+        </p:sp>
+        <p:cxnSp>
+          <p:nvCxnSpPr>
+            <p:cNvPr id="59404" name="AutoShape 11"/>
+            <p:cNvCxnSpPr>
+              <a:cxnSpLocks noChangeShapeType="1"/>
+              <a:stCxn id="59399" idx="3"/>
+              <a:endCxn id="59401" idx="0"/>
+            </p:cNvCxnSpPr>
+            <p:nvPr/>
+          </p:nvCxnSpPr>
+          <p:spPr bwMode="auto">
+            <a:xfrm flipH="1">
+              <a:off x="1977" y="2239"/>
+              <a:ext cx="765" cy="295"/>
+            </a:xfrm>
+            <a:prstGeom prst="straightConnector1">
+              <a:avLst/>
+            </a:prstGeom>
+            <a:noFill/>
+            <a:ln w="25400">
+              <a:solidFill>
+                <a:schemeClr val="tx1"/>
+              </a:solidFill>
+              <a:round/>
+              <a:headEnd/>
+              <a:tailEnd type="none" w="lg" len="lg"/>
+            </a:ln>
+          </p:spPr>
+        </p:cxnSp>
+        <p:cxnSp>
+          <p:nvCxnSpPr>
+            <p:cNvPr id="59405" name="AutoShape 12"/>
+            <p:cNvCxnSpPr>
+              <a:cxnSpLocks noChangeShapeType="1"/>
+              <a:stCxn id="59399" idx="4"/>
+              <a:endCxn id="59398" idx="0"/>
+            </p:cNvCxnSpPr>
+            <p:nvPr/>
+          </p:nvCxnSpPr>
+          <p:spPr bwMode="auto">
+            <a:xfrm>
+              <a:off x="2793" y="2260"/>
+              <a:ext cx="1" cy="538"/>
+            </a:xfrm>
+            <a:prstGeom prst="straightConnector1">
+              <a:avLst/>
+            </a:prstGeom>
+            <a:noFill/>
+            <a:ln w="25400">
+              <a:solidFill>
+                <a:schemeClr val="tx1"/>
+              </a:solidFill>
+              <a:round/>
+              <a:headEnd/>
+              <a:tailEnd type="none" w="lg" len="lg"/>
+            </a:ln>
+          </p:spPr>
+        </p:cxnSp>
+        <p:cxnSp>
+          <p:nvCxnSpPr>
+            <p:cNvPr id="59406" name="AutoShape 13"/>
+            <p:cNvCxnSpPr>
+              <a:cxnSpLocks noChangeShapeType="1"/>
+              <a:stCxn id="59399" idx="5"/>
+              <a:endCxn id="59400" idx="1"/>
+            </p:cNvCxnSpPr>
+            <p:nvPr/>
+          </p:nvCxnSpPr>
+          <p:spPr bwMode="auto">
+            <a:xfrm>
+              <a:off x="2844" y="2239"/>
+              <a:ext cx="322" cy="316"/>
+            </a:xfrm>
+            <a:prstGeom prst="straightConnector1">
+              <a:avLst/>
+            </a:prstGeom>
+            <a:noFill/>
+            <a:ln w="25400">
+              <a:solidFill>
+                <a:schemeClr val="tx1"/>
+              </a:solidFill>
+              <a:round/>
+              <a:headEnd/>
+              <a:tailEnd type="none" w="lg" len="lg"/>
+            </a:ln>
+          </p:spPr>
+        </p:cxnSp>
+        <p:cxnSp>
+          <p:nvCxnSpPr>
+            <p:cNvPr id="59407" name="AutoShape 14"/>
+            <p:cNvCxnSpPr>
+              <a:cxnSpLocks noChangeShapeType="1"/>
+              <a:stCxn id="59398" idx="4"/>
+              <a:endCxn id="59402" idx="0"/>
+            </p:cNvCxnSpPr>
+            <p:nvPr/>
+          </p:nvCxnSpPr>
+          <p:spPr bwMode="auto">
+            <a:xfrm>
+              <a:off x="2794" y="2942"/>
+              <a:ext cx="0" cy="499"/>
+            </a:xfrm>
+            <a:prstGeom prst="straightConnector1">
+              <a:avLst/>
+            </a:prstGeom>
+            <a:noFill/>
+            <a:ln w="25400">
+              <a:solidFill>
+                <a:schemeClr val="tx1"/>
+              </a:solidFill>
+              <a:round/>
+              <a:headEnd/>
+              <a:tailEnd type="none" w="lg" len="lg"/>
+            </a:ln>
+          </p:spPr>
+        </p:cxnSp>
+        <p:cxnSp>
+          <p:nvCxnSpPr>
+            <p:cNvPr id="59408" name="AutoShape 15"/>
+            <p:cNvCxnSpPr>
+              <a:cxnSpLocks noChangeShapeType="1"/>
+              <a:stCxn id="59400" idx="5"/>
+              <a:endCxn id="59403" idx="0"/>
+            </p:cNvCxnSpPr>
+            <p:nvPr/>
+          </p:nvCxnSpPr>
+          <p:spPr bwMode="auto">
+            <a:xfrm>
+              <a:off x="3268" y="2657"/>
+              <a:ext cx="254" cy="424"/>
+            </a:xfrm>
+            <a:prstGeom prst="straightConnector1">
+              <a:avLst/>
+            </a:prstGeom>
+            <a:noFill/>
+            <a:ln w="25400">
+              <a:solidFill>
+                <a:schemeClr val="tx1"/>
+              </a:solidFill>
+              <a:round/>
+              <a:headEnd/>
+              <a:tailEnd type="none" w="lg" len="lg"/>
+            </a:ln>
+          </p:spPr>
+        </p:cxnSp>
+      </p:grpSp>
+      <p:sp>
+        <p:nvSpPr>
+          <p:cNvPr id="59397" name="Rectangle 11"/>
+          <p:cNvSpPr>
+            <a:spLocks noGrp="1" noChangeArrowheads="1"/>
+          </p:cNvSpPr>
+          <p:nvPr>
+            <p:ph type="sldNum" sz="quarter" idx="10"/>
+          </p:nvPr>
+        </p:nvSpPr>
+        <p:spPr>
+          <a:noFill/>
+        </p:spPr>
+        <p:txBody>
+          <a:bodyPr/>
+          <a:lstStyle/>
+          <a:p>
+            <a:r>
+              <a:rPr lang="en-US" dirty="0" smtClean="0"/>
+              <a:t>tree-def.</a:t>
+            </a:r>
+            <a:fld id="{94284E41-544E-443B-BF20-3F3016A53813}" type="slidenum">
+              <a:rPr lang="en-US" smtClean="0"/>
+              <a:pPr/>
+              <a:t>4</a:t>
             </a:fld>
             <a:endParaRPr lang="en-US" dirty="0"/>
           </a:p>
@@ -11027,7 +15228,7 @@
 </p:sld>
 </file>
 
-<file path=ppt/slides/slide3.xml><?xml version="1.0" encoding="utf-8"?>
+<file path=ppt/slides/slide5.xml><?xml version="1.0" encoding="utf-8"?>
 <p:sld xmlns:a="http://schemas.openxmlformats.org/drawingml/2006/main" xmlns:r="http://schemas.openxmlformats.org/officeDocument/2006/relationships" xmlns:p="http://schemas.openxmlformats.org/presentationml/2006/main">
   <p:cSld>
     <p:spTree>
@@ -12267,7 +16468,7 @@
             <a:fld id="{86EAE78E-AE76-4F1B-881B-AA2344559BF4}" type="slidenum">
               <a:rPr lang="en-US" smtClean="0"/>
               <a:pPr/>
-              <a:t>3</a:t>
+              <a:t>5</a:t>
             </a:fld>
             <a:endParaRPr lang="en-US" dirty="0"/>
           </a:p>
@@ -12296,1993 +16497,6 @@
         <p:cTn xmlns:p14="http://schemas.microsoft.com/office/powerpoint/2010/main" id="1" dur="indefinite" restart="never" nodeType="tmRoot"/>
       </p:par>
     </p:tnLst>
-  </p:timing>
-</p:sld>
-</file>
-
-<file path=ppt/slides/slide4.xml><?xml version="1.0" encoding="utf-8"?>
-<p:sld xmlns:a="http://schemas.openxmlformats.org/drawingml/2006/main" xmlns:r="http://schemas.openxmlformats.org/officeDocument/2006/relationships" xmlns:p="http://schemas.openxmlformats.org/presentationml/2006/main">
-  <p:cSld>
-    <p:spTree>
-      <p:nvGrpSpPr>
-        <p:cNvPr id="1" name=""/>
-        <p:cNvGrpSpPr/>
-        <p:nvPr/>
-      </p:nvGrpSpPr>
-      <p:grpSpPr>
-        <a:xfrm>
-          <a:off x="0" y="0"/>
-          <a:ext cx="0" cy="0"/>
-          <a:chOff x="0" y="0"/>
-          <a:chExt cx="0" cy="0"/>
-        </a:xfrm>
-      </p:grpSpPr>
-      <p:sp>
-        <p:nvSpPr>
-          <p:cNvPr id="58370" name="Rectangle 2"/>
-          <p:cNvSpPr>
-            <a:spLocks noGrp="1" noChangeArrowheads="1"/>
-          </p:cNvSpPr>
-          <p:nvPr>
-            <p:ph type="title"/>
-          </p:nvPr>
-        </p:nvSpPr>
-        <p:spPr/>
-        <p:txBody>
-          <a:bodyPr/>
-          <a:lstStyle/>
-          <a:p>
-            <a:pPr eaLnBrk="1" hangingPunct="1"/>
-            <a:r>
-              <a:rPr lang="en-US" altLang="zh-CN" sz="4800" dirty="0" smtClean="0">
-                <a:ea typeface="宋体" pitchFamily="2" charset="-122"/>
-              </a:rPr>
-              <a:t>Cycles in simple graphs</a:t>
-            </a:r>
-          </a:p>
-        </p:txBody>
-      </p:sp>
-      <p:sp>
-        <p:nvSpPr>
-          <p:cNvPr id="58371" name="Text Box 3"/>
-          <p:cNvSpPr txBox="1">
-            <a:spLocks noChangeArrowheads="1"/>
-          </p:cNvSpPr>
-          <p:nvPr/>
-        </p:nvSpPr>
-        <p:spPr bwMode="auto">
-          <a:xfrm>
-            <a:off x="1007190" y="932894"/>
-            <a:ext cx="7205819" cy="2123658"/>
-          </a:xfrm>
-          <a:prstGeom prst="rect">
-            <a:avLst/>
-          </a:prstGeom>
-          <a:noFill/>
-          <a:ln w="31750">
-            <a:noFill/>
-            <a:miter lim="800000"/>
-            <a:headEnd/>
-            <a:tailEnd type="none" w="lg" len="lg"/>
-          </a:ln>
-        </p:spPr>
-        <p:txBody>
-          <a:bodyPr wrap="none">
-            <a:spAutoFit/>
-          </a:bodyPr>
-          <a:lstStyle/>
-          <a:p>
-            <a:r>
-              <a:rPr lang="en-US" altLang="zh-CN" sz="4400" dirty="0">
-                <a:latin typeface="Comic Sans MS" pitchFamily="8" charset="0"/>
-                <a:ea typeface="宋体" pitchFamily="2" charset="-122"/>
-              </a:rPr>
-              <a:t>A</a:t>
-            </a:r>
-            <a:r>
-              <a:rPr lang="en-US" altLang="zh-CN" sz="4400" dirty="0" smtClean="0">
-                <a:latin typeface="Comic Sans MS" pitchFamily="8" charset="0"/>
-                <a:ea typeface="宋体" pitchFamily="2" charset="-122"/>
-              </a:rPr>
-              <a:t> </a:t>
-            </a:r>
-            <a:r>
-              <a:rPr lang="en-US" altLang="zh-CN" sz="4400" dirty="0" smtClean="0">
-                <a:solidFill>
-                  <a:srgbClr val="0033CC"/>
-                </a:solidFill>
-                <a:latin typeface="Comic Sans MS" pitchFamily="8" charset="0"/>
-                <a:ea typeface="宋体" pitchFamily="2" charset="-122"/>
-              </a:rPr>
-              <a:t>cycle</a:t>
-            </a:r>
-            <a:r>
-              <a:rPr lang="en-US" altLang="zh-CN" sz="4400" dirty="0" smtClean="0">
-                <a:latin typeface="Comic Sans MS" pitchFamily="8" charset="0"/>
-                <a:ea typeface="宋体" pitchFamily="2" charset="-122"/>
-              </a:rPr>
-              <a:t> </a:t>
-            </a:r>
-            <a:r>
-              <a:rPr lang="en-US" altLang="zh-CN" sz="4400" dirty="0">
-                <a:latin typeface="Comic Sans MS" pitchFamily="8" charset="0"/>
-                <a:ea typeface="宋体" pitchFamily="2" charset="-122"/>
-              </a:rPr>
-              <a:t>is a</a:t>
-            </a:r>
-            <a:r>
-              <a:rPr lang="en-US" altLang="zh-CN" sz="4400" dirty="0" smtClean="0">
-                <a:latin typeface="Comic Sans MS" pitchFamily="8" charset="0"/>
-                <a:ea typeface="宋体" pitchFamily="2" charset="-122"/>
-              </a:rPr>
-              <a:t> closed walk</a:t>
-            </a:r>
-          </a:p>
-          <a:p>
-            <a:r>
-              <a:rPr lang="en-US" altLang="zh-CN" sz="4400" dirty="0" smtClean="0">
-                <a:latin typeface="Comic Sans MS" pitchFamily="8" charset="0"/>
-                <a:ea typeface="宋体" pitchFamily="2" charset="-122"/>
-              </a:rPr>
-              <a:t>of </a:t>
-            </a:r>
-            <a:r>
-              <a:rPr lang="en-US" altLang="zh-CN" sz="4400" dirty="0" smtClean="0">
-                <a:solidFill>
-                  <a:srgbClr val="7030A0"/>
-                </a:solidFill>
-                <a:latin typeface="Comic Sans MS" pitchFamily="8" charset="0"/>
-                <a:ea typeface="宋体" pitchFamily="2" charset="-122"/>
-              </a:rPr>
-              <a:t>length</a:t>
-            </a:r>
-            <a:r>
-              <a:rPr lang="en-US" altLang="zh-CN" sz="4400" b="1" dirty="0" smtClean="0">
-                <a:solidFill>
-                  <a:srgbClr val="7030A0"/>
-                </a:solidFill>
-                <a:latin typeface="Comic Sans MS" pitchFamily="8" charset="0"/>
-                <a:ea typeface="宋体" pitchFamily="2" charset="-122"/>
-              </a:rPr>
-              <a:t> </a:t>
-            </a:r>
-            <a:r>
-              <a:rPr lang="en-US" altLang="zh-CN" sz="4400" b="1" dirty="0" smtClean="0">
-                <a:solidFill>
-                  <a:srgbClr val="7030A0"/>
-                </a:solidFill>
-                <a:latin typeface="Euclid Symbol" charset="2"/>
-                <a:ea typeface="宋体" pitchFamily="2" charset="-122"/>
-                <a:cs typeface="Euclid Symbol" charset="2"/>
-                <a:sym typeface="Euclid Symbol"/>
-              </a:rPr>
-              <a:t>&gt;</a:t>
-            </a:r>
-            <a:r>
-              <a:rPr lang="en-US" altLang="zh-CN" sz="4400" dirty="0" smtClean="0">
-                <a:solidFill>
-                  <a:srgbClr val="7030A0"/>
-                </a:solidFill>
-                <a:latin typeface="Comic Sans MS" pitchFamily="8" charset="0"/>
-                <a:ea typeface="宋体" pitchFamily="2" charset="-122"/>
-                <a:sym typeface="Euclid Symbol"/>
-              </a:rPr>
-              <a:t> </a:t>
-            </a:r>
-            <a:r>
-              <a:rPr lang="en-US" altLang="zh-CN" sz="4400" dirty="0" smtClean="0">
-                <a:solidFill>
-                  <a:srgbClr val="7030A0"/>
-                </a:solidFill>
-                <a:latin typeface="Comic Sans MS" pitchFamily="8" charset="0"/>
-                <a:ea typeface="宋体" pitchFamily="2" charset="-122"/>
-              </a:rPr>
-              <a:t>2 </a:t>
-            </a:r>
-            <a:r>
-              <a:rPr lang="en-US" altLang="zh-CN" sz="4400" dirty="0" smtClean="0">
-                <a:latin typeface="Comic Sans MS" pitchFamily="8" charset="0"/>
-                <a:ea typeface="宋体" pitchFamily="2" charset="-122"/>
-              </a:rPr>
-              <a:t>that doesn’t</a:t>
-            </a:r>
-          </a:p>
-          <a:p>
-            <a:r>
-              <a:rPr lang="en-US" altLang="zh-CN" sz="4400" dirty="0" smtClean="0">
-                <a:latin typeface="Comic Sans MS" pitchFamily="8" charset="0"/>
-                <a:ea typeface="宋体" pitchFamily="2" charset="-122"/>
-              </a:rPr>
-              <a:t>cross itself:</a:t>
-            </a:r>
-            <a:endParaRPr lang="en-US" altLang="zh-CN" sz="4400" dirty="0">
-              <a:latin typeface="Comic Sans MS" pitchFamily="8" charset="0"/>
-              <a:ea typeface="宋体" pitchFamily="2" charset="-122"/>
-            </a:endParaRPr>
-          </a:p>
-        </p:txBody>
-      </p:sp>
-      <p:sp>
-        <p:nvSpPr>
-          <p:cNvPr id="58378" name="Freeform 15"/>
-          <p:cNvSpPr>
-            <a:spLocks/>
-          </p:cNvSpPr>
-          <p:nvPr/>
-        </p:nvSpPr>
-        <p:spPr bwMode="auto">
-          <a:xfrm>
-            <a:off x="1753898" y="4422846"/>
-            <a:ext cx="3003550" cy="1430338"/>
-          </a:xfrm>
-          <a:custGeom>
-            <a:avLst/>
-            <a:gdLst>
-              <a:gd name="T0" fmla="*/ 207963 w 1892"/>
-              <a:gd name="T1" fmla="*/ 0 h 901"/>
-              <a:gd name="T2" fmla="*/ 233363 w 1892"/>
-              <a:gd name="T3" fmla="*/ 876300 h 901"/>
-              <a:gd name="T4" fmla="*/ 1604962 w 1892"/>
-              <a:gd name="T5" fmla="*/ 1409700 h 901"/>
-              <a:gd name="T6" fmla="*/ 2786063 w 1892"/>
-              <a:gd name="T7" fmla="*/ 1003300 h 901"/>
-              <a:gd name="T8" fmla="*/ 2913063 w 1892"/>
-              <a:gd name="T9" fmla="*/ 533400 h 901"/>
-              <a:gd name="T10" fmla="*/ 0 60000 65536"/>
-              <a:gd name="T11" fmla="*/ 0 60000 65536"/>
-              <a:gd name="T12" fmla="*/ 0 60000 65536"/>
-              <a:gd name="T13" fmla="*/ 0 60000 65536"/>
-              <a:gd name="T14" fmla="*/ 0 60000 65536"/>
-              <a:gd name="T15" fmla="*/ 0 w 1892"/>
-              <a:gd name="T16" fmla="*/ 0 h 901"/>
-              <a:gd name="T17" fmla="*/ 1892 w 1892"/>
-              <a:gd name="T18" fmla="*/ 901 h 901"/>
-            </a:gdLst>
-            <a:ahLst/>
-            <a:cxnLst>
-              <a:cxn ang="T10">
-                <a:pos x="T0" y="T1"/>
-              </a:cxn>
-              <a:cxn ang="T11">
-                <a:pos x="T2" y="T3"/>
-              </a:cxn>
-              <a:cxn ang="T12">
-                <a:pos x="T4" y="T5"/>
-              </a:cxn>
-              <a:cxn ang="T13">
-                <a:pos x="T6" y="T7"/>
-              </a:cxn>
-              <a:cxn ang="T14">
-                <a:pos x="T8" y="T9"/>
-              </a:cxn>
-            </a:cxnLst>
-            <a:rect l="T15" t="T16" r="T17" b="T18"/>
-            <a:pathLst>
-              <a:path w="1892" h="901">
-                <a:moveTo>
-                  <a:pt x="131" y="0"/>
-                </a:moveTo>
-                <a:cubicBezTo>
-                  <a:pt x="65" y="202"/>
-                  <a:pt x="0" y="404"/>
-                  <a:pt x="147" y="552"/>
-                </a:cubicBezTo>
-                <a:cubicBezTo>
-                  <a:pt x="294" y="700"/>
-                  <a:pt x="743" y="875"/>
-                  <a:pt x="1011" y="888"/>
-                </a:cubicBezTo>
-                <a:cubicBezTo>
-                  <a:pt x="1279" y="901"/>
-                  <a:pt x="1618" y="724"/>
-                  <a:pt x="1755" y="632"/>
-                </a:cubicBezTo>
-                <a:cubicBezTo>
-                  <a:pt x="1892" y="540"/>
-                  <a:pt x="1822" y="385"/>
-                  <a:pt x="1835" y="336"/>
-                </a:cubicBezTo>
-              </a:path>
-            </a:pathLst>
-          </a:custGeom>
-          <a:noFill/>
-          <a:ln w="38100" cap="rnd">
-            <a:solidFill>
-              <a:schemeClr val="accent1">
-                <a:lumMod val="50000"/>
-              </a:schemeClr>
-            </a:solidFill>
-            <a:prstDash val="dash"/>
-            <a:round/>
-            <a:headEnd/>
-            <a:tailEnd type="none" w="lg" len="lg"/>
-          </a:ln>
-        </p:spPr>
-        <p:txBody>
-          <a:bodyPr wrap="none" anchor="ctr"/>
-          <a:lstStyle/>
-          <a:p>
-            <a:endParaRPr lang="zh-CN" altLang="en-US">
-              <a:ea typeface="宋体" pitchFamily="2" charset="-122"/>
-            </a:endParaRPr>
-          </a:p>
-        </p:txBody>
-      </p:sp>
-      <p:sp>
-        <p:nvSpPr>
-          <p:cNvPr id="58379" name="Rectangle 11"/>
-          <p:cNvSpPr>
-            <a:spLocks noGrp="1" noChangeArrowheads="1"/>
-          </p:cNvSpPr>
-          <p:nvPr>
-            <p:ph type="sldNum" sz="quarter" idx="10"/>
-          </p:nvPr>
-        </p:nvSpPr>
-        <p:spPr>
-          <a:noFill/>
-        </p:spPr>
-        <p:txBody>
-          <a:bodyPr/>
-          <a:lstStyle/>
-          <a:p>
-            <a:r>
-              <a:rPr lang="en-US" dirty="0" smtClean="0"/>
-              <a:t>tree-def.</a:t>
-            </a:r>
-            <a:fld id="{B8D01330-1CCD-420A-86D1-6B5E88908576}" type="slidenum">
-              <a:rPr lang="en-US" smtClean="0"/>
-              <a:pPr/>
-              <a:t>4</a:t>
-            </a:fld>
-            <a:endParaRPr lang="en-US" dirty="0" smtClean="0"/>
-          </a:p>
-        </p:txBody>
-      </p:sp>
-      <p:sp>
-        <p:nvSpPr>
-          <p:cNvPr id="15" name="Freeform 14"/>
-          <p:cNvSpPr/>
-          <p:nvPr/>
-        </p:nvSpPr>
-        <p:spPr bwMode="auto">
-          <a:xfrm>
-            <a:off x="2289520" y="3202122"/>
-            <a:ext cx="2304288" cy="975360"/>
-          </a:xfrm>
-          <a:custGeom>
-            <a:avLst/>
-            <a:gdLst>
-              <a:gd name="connsiteX0" fmla="*/ 2304288 w 2304288"/>
-              <a:gd name="connsiteY0" fmla="*/ 975360 h 975360"/>
-              <a:gd name="connsiteX1" fmla="*/ 2218944 w 2304288"/>
-              <a:gd name="connsiteY1" fmla="*/ 768096 h 975360"/>
-              <a:gd name="connsiteX2" fmla="*/ 2084832 w 2304288"/>
-              <a:gd name="connsiteY2" fmla="*/ 536448 h 975360"/>
-              <a:gd name="connsiteX3" fmla="*/ 1901952 w 2304288"/>
-              <a:gd name="connsiteY3" fmla="*/ 329184 h 975360"/>
-              <a:gd name="connsiteX4" fmla="*/ 1731264 w 2304288"/>
-              <a:gd name="connsiteY4" fmla="*/ 182880 h 975360"/>
-              <a:gd name="connsiteX5" fmla="*/ 1548384 w 2304288"/>
-              <a:gd name="connsiteY5" fmla="*/ 73152 h 975360"/>
-              <a:gd name="connsiteX6" fmla="*/ 1267968 w 2304288"/>
-              <a:gd name="connsiteY6" fmla="*/ 36576 h 975360"/>
-              <a:gd name="connsiteX7" fmla="*/ 975360 w 2304288"/>
-              <a:gd name="connsiteY7" fmla="*/ 0 h 975360"/>
-              <a:gd name="connsiteX8" fmla="*/ 646176 w 2304288"/>
-              <a:gd name="connsiteY8" fmla="*/ 48768 h 975360"/>
-              <a:gd name="connsiteX9" fmla="*/ 524256 w 2304288"/>
-              <a:gd name="connsiteY9" fmla="*/ 109728 h 975360"/>
-              <a:gd name="connsiteX10" fmla="*/ 329184 w 2304288"/>
-              <a:gd name="connsiteY10" fmla="*/ 231648 h 975360"/>
-              <a:gd name="connsiteX11" fmla="*/ 219456 w 2304288"/>
-              <a:gd name="connsiteY11" fmla="*/ 365760 h 975360"/>
-              <a:gd name="connsiteX12" fmla="*/ 85344 w 2304288"/>
-              <a:gd name="connsiteY12" fmla="*/ 573024 h 975360"/>
-              <a:gd name="connsiteX13" fmla="*/ 0 w 2304288"/>
-              <a:gd name="connsiteY13" fmla="*/ 682752 h 975360"/>
-            </a:gdLst>
-            <a:ahLst/>
-            <a:cxnLst>
-              <a:cxn ang="0">
-                <a:pos x="connsiteX0" y="connsiteY0"/>
-              </a:cxn>
-              <a:cxn ang="0">
-                <a:pos x="connsiteX1" y="connsiteY1"/>
-              </a:cxn>
-              <a:cxn ang="0">
-                <a:pos x="connsiteX2" y="connsiteY2"/>
-              </a:cxn>
-              <a:cxn ang="0">
-                <a:pos x="connsiteX3" y="connsiteY3"/>
-              </a:cxn>
-              <a:cxn ang="0">
-                <a:pos x="connsiteX4" y="connsiteY4"/>
-              </a:cxn>
-              <a:cxn ang="0">
-                <a:pos x="connsiteX5" y="connsiteY5"/>
-              </a:cxn>
-              <a:cxn ang="0">
-                <a:pos x="connsiteX6" y="connsiteY6"/>
-              </a:cxn>
-              <a:cxn ang="0">
-                <a:pos x="connsiteX7" y="connsiteY7"/>
-              </a:cxn>
-              <a:cxn ang="0">
-                <a:pos x="connsiteX8" y="connsiteY8"/>
-              </a:cxn>
-              <a:cxn ang="0">
-                <a:pos x="connsiteX9" y="connsiteY9"/>
-              </a:cxn>
-              <a:cxn ang="0">
-                <a:pos x="connsiteX10" y="connsiteY10"/>
-              </a:cxn>
-              <a:cxn ang="0">
-                <a:pos x="connsiteX11" y="connsiteY11"/>
-              </a:cxn>
-              <a:cxn ang="0">
-                <a:pos x="connsiteX12" y="connsiteY12"/>
-              </a:cxn>
-              <a:cxn ang="0">
-                <a:pos x="connsiteX13" y="connsiteY13"/>
-              </a:cxn>
-            </a:cxnLst>
-            <a:rect l="l" t="t" r="r" b="b"/>
-            <a:pathLst>
-              <a:path w="2304288" h="975360">
-                <a:moveTo>
-                  <a:pt x="2304288" y="975360"/>
-                </a:moveTo>
-                <a:cubicBezTo>
-                  <a:pt x="2217315" y="776565"/>
-                  <a:pt x="2218944" y="851263"/>
-                  <a:pt x="2218944" y="768096"/>
-                </a:cubicBezTo>
-                <a:cubicBezTo>
-                  <a:pt x="2103838" y="550673"/>
-                  <a:pt x="2164492" y="616108"/>
-                  <a:pt x="2084832" y="536448"/>
-                </a:cubicBezTo>
-                <a:lnTo>
-                  <a:pt x="1901952" y="329184"/>
-                </a:lnTo>
-                <a:lnTo>
-                  <a:pt x="1731264" y="182880"/>
-                </a:lnTo>
-                <a:lnTo>
-                  <a:pt x="1548384" y="73152"/>
-                </a:lnTo>
-                <a:lnTo>
-                  <a:pt x="1267968" y="36576"/>
-                </a:lnTo>
-                <a:lnTo>
-                  <a:pt x="975360" y="0"/>
-                </a:lnTo>
-                <a:lnTo>
-                  <a:pt x="646176" y="48768"/>
-                </a:lnTo>
-                <a:cubicBezTo>
-                  <a:pt x="520771" y="124011"/>
-                  <a:pt x="524256" y="169314"/>
-                  <a:pt x="524256" y="109728"/>
-                </a:cubicBezTo>
-                <a:lnTo>
-                  <a:pt x="329184" y="231648"/>
-                </a:lnTo>
-                <a:lnTo>
-                  <a:pt x="219456" y="365760"/>
-                </a:lnTo>
-                <a:lnTo>
-                  <a:pt x="85344" y="573024"/>
-                </a:lnTo>
-                <a:lnTo>
-                  <a:pt x="0" y="682752"/>
-                </a:lnTo>
-              </a:path>
-            </a:pathLst>
-          </a:custGeom>
-          <a:noFill/>
-          <a:ln w="38100" cap="flat" cmpd="sng" algn="ctr">
-            <a:solidFill>
-              <a:schemeClr val="accent1">
-                <a:lumMod val="50000"/>
-              </a:schemeClr>
-            </a:solidFill>
-            <a:prstDash val="dash"/>
-            <a:round/>
-            <a:headEnd type="none" w="med" len="med"/>
-            <a:tailEnd type="none" w="lg" len="lg"/>
-          </a:ln>
-          <a:effectLst/>
-        </p:spPr>
-        <p:txBody>
-          <a:bodyPr rtlCol="0" anchor="ctr"/>
-          <a:lstStyle/>
-          <a:p>
-            <a:pPr algn="ctr"/>
-            <a:endParaRPr lang="en-US"/>
-          </a:p>
-        </p:txBody>
-      </p:sp>
-      <p:grpSp>
-        <p:nvGrpSpPr>
-          <p:cNvPr id="20" name="Group 19"/>
-          <p:cNvGrpSpPr/>
-          <p:nvPr/>
-        </p:nvGrpSpPr>
-        <p:grpSpPr>
-          <a:xfrm>
-            <a:off x="1974560" y="3397321"/>
-            <a:ext cx="3141663" cy="2623808"/>
-            <a:chOff x="2794000" y="3182239"/>
-            <a:chExt cx="3141663" cy="2623808"/>
-          </a:xfrm>
-        </p:grpSpPr>
-        <p:sp>
-          <p:nvSpPr>
-            <p:cNvPr id="58373" name="Freeform 6"/>
-            <p:cNvSpPr>
-              <a:spLocks/>
-            </p:cNvSpPr>
-            <p:nvPr/>
-          </p:nvSpPr>
-          <p:spPr bwMode="auto">
-            <a:xfrm rot="-812617">
-              <a:off x="3035300" y="3182239"/>
-              <a:ext cx="2306638" cy="2052638"/>
-            </a:xfrm>
-            <a:custGeom>
-              <a:avLst/>
-              <a:gdLst>
-                <a:gd name="T0" fmla="*/ 133569109 w 1453"/>
-                <a:gd name="T1" fmla="*/ 1612900181 h 1293"/>
-                <a:gd name="T2" fmla="*/ 1444050550 w 1453"/>
-                <a:gd name="T3" fmla="*/ 161290028 h 1293"/>
-                <a:gd name="T4" fmla="*/ 2147483647 w 1453"/>
-                <a:gd name="T5" fmla="*/ 652721373 h 1293"/>
-                <a:gd name="T6" fmla="*/ 2147483647 w 1453"/>
-                <a:gd name="T7" fmla="*/ 2147483647 h 1293"/>
-                <a:gd name="T8" fmla="*/ 2018646503 w 1453"/>
-                <a:gd name="T9" fmla="*/ 2147483647 h 1293"/>
-                <a:gd name="T10" fmla="*/ 637600447 w 1453"/>
-                <a:gd name="T11" fmla="*/ 2147483647 h 1293"/>
-                <a:gd name="T12" fmla="*/ 133569109 w 1453"/>
-                <a:gd name="T13" fmla="*/ 1612900181 h 1293"/>
-                <a:gd name="T14" fmla="*/ 0 60000 65536"/>
-                <a:gd name="T15" fmla="*/ 0 60000 65536"/>
-                <a:gd name="T16" fmla="*/ 0 60000 65536"/>
-                <a:gd name="T17" fmla="*/ 0 60000 65536"/>
-                <a:gd name="T18" fmla="*/ 0 60000 65536"/>
-                <a:gd name="T19" fmla="*/ 0 60000 65536"/>
-                <a:gd name="T20" fmla="*/ 0 60000 65536"/>
-                <a:gd name="T21" fmla="*/ 0 w 1453"/>
-                <a:gd name="T22" fmla="*/ 0 h 1293"/>
-                <a:gd name="T23" fmla="*/ 1453 w 1453"/>
-                <a:gd name="T24" fmla="*/ 1293 h 1293"/>
-              </a:gdLst>
-              <a:ahLst/>
-              <a:cxnLst>
-                <a:cxn ang="T14">
-                  <a:pos x="T0" y="T1"/>
-                </a:cxn>
-                <a:cxn ang="T15">
-                  <a:pos x="T2" y="T3"/>
-                </a:cxn>
-                <a:cxn ang="T16">
-                  <a:pos x="T4" y="T5"/>
-                </a:cxn>
-                <a:cxn ang="T17">
-                  <a:pos x="T6" y="T7"/>
-                </a:cxn>
-                <a:cxn ang="T18">
-                  <a:pos x="T8" y="T9"/>
-                </a:cxn>
-                <a:cxn ang="T19">
-                  <a:pos x="T10" y="T11"/>
-                </a:cxn>
-                <a:cxn ang="T20">
-                  <a:pos x="T12" y="T13"/>
-                </a:cxn>
-              </a:cxnLst>
-              <a:rect l="T21" t="T22" r="T23" b="T24"/>
-              <a:pathLst>
-                <a:path w="1453" h="1293">
-                  <a:moveTo>
-                    <a:pt x="53" y="640"/>
-                  </a:moveTo>
-                  <a:cubicBezTo>
-                    <a:pt x="106" y="453"/>
-                    <a:pt x="391" y="128"/>
-                    <a:pt x="573" y="64"/>
-                  </a:cubicBezTo>
-                  <a:cubicBezTo>
-                    <a:pt x="755" y="0"/>
-                    <a:pt x="1008" y="113"/>
-                    <a:pt x="1145" y="259"/>
-                  </a:cubicBezTo>
-                  <a:cubicBezTo>
-                    <a:pt x="1282" y="405"/>
-                    <a:pt x="1453" y="776"/>
-                    <a:pt x="1396" y="942"/>
-                  </a:cubicBezTo>
-                  <a:cubicBezTo>
-                    <a:pt x="1339" y="1108"/>
-                    <a:pt x="991" y="1213"/>
-                    <a:pt x="801" y="1253"/>
-                  </a:cubicBezTo>
-                  <a:cubicBezTo>
-                    <a:pt x="611" y="1293"/>
-                    <a:pt x="379" y="1286"/>
-                    <a:pt x="253" y="1183"/>
-                  </a:cubicBezTo>
-                  <a:cubicBezTo>
-                    <a:pt x="127" y="1080"/>
-                    <a:pt x="0" y="827"/>
-                    <a:pt x="53" y="640"/>
-                  </a:cubicBezTo>
-                  <a:close/>
-                </a:path>
-              </a:pathLst>
-            </a:custGeom>
-            <a:noFill/>
-            <a:ln w="31750">
-              <a:solidFill>
-                <a:schemeClr val="tx1"/>
-              </a:solidFill>
-              <a:round/>
-              <a:headEnd/>
-              <a:tailEnd type="none" w="lg" len="lg"/>
-            </a:ln>
-          </p:spPr>
-          <p:txBody>
-            <a:bodyPr/>
-            <a:lstStyle/>
-            <a:p>
-              <a:endParaRPr lang="zh-CN" altLang="en-US">
-                <a:ea typeface="宋体" pitchFamily="2" charset="-122"/>
-              </a:endParaRPr>
-            </a:p>
-          </p:txBody>
-        </p:sp>
-        <p:grpSp>
-          <p:nvGrpSpPr>
-            <p:cNvPr id="19" name="Group 18"/>
-            <p:cNvGrpSpPr/>
-            <p:nvPr/>
-          </p:nvGrpSpPr>
-          <p:grpSpPr>
-            <a:xfrm>
-              <a:off x="2794000" y="3315589"/>
-              <a:ext cx="3141663" cy="2490458"/>
-              <a:chOff x="2794000" y="3315589"/>
-              <a:chExt cx="3141663" cy="2490458"/>
-            </a:xfrm>
-          </p:grpSpPr>
-          <p:grpSp>
-            <p:nvGrpSpPr>
-              <p:cNvPr id="18" name="Group 17"/>
-              <p:cNvGrpSpPr/>
-              <p:nvPr/>
-            </p:nvGrpSpPr>
-            <p:grpSpPr>
-              <a:xfrm>
-                <a:off x="2794000" y="3315589"/>
-                <a:ext cx="3141663" cy="2490458"/>
-                <a:chOff x="2794000" y="3315589"/>
-                <a:chExt cx="3141663" cy="2490458"/>
-              </a:xfrm>
-            </p:grpSpPr>
-            <p:grpSp>
-              <p:nvGrpSpPr>
-                <p:cNvPr id="2" name="Group 9"/>
-                <p:cNvGrpSpPr>
-                  <a:grpSpLocks/>
-                </p:cNvGrpSpPr>
-                <p:nvPr/>
-              </p:nvGrpSpPr>
-              <p:grpSpPr bwMode="auto">
-                <a:xfrm rot="-812617">
-                  <a:off x="2794000" y="3315589"/>
-                  <a:ext cx="2527300" cy="1306513"/>
-                  <a:chOff x="1955" y="2338"/>
-                  <a:chExt cx="1592" cy="823"/>
-                </a:xfrm>
-              </p:grpSpPr>
-              <p:sp>
-                <p:nvSpPr>
-                  <p:cNvPr id="58380" name="Text Box 10"/>
-                  <p:cNvSpPr txBox="1">
-                    <a:spLocks noChangeArrowheads="1"/>
-                  </p:cNvSpPr>
-                  <p:nvPr/>
-                </p:nvSpPr>
-                <p:spPr bwMode="auto">
-                  <a:xfrm rot="812617">
-                    <a:off x="1955" y="2338"/>
-                    <a:ext cx="272" cy="442"/>
-                  </a:xfrm>
-                  <a:prstGeom prst="rect">
-                    <a:avLst/>
-                  </a:prstGeom>
-                  <a:noFill/>
-                  <a:ln w="31750">
-                    <a:noFill/>
-                    <a:miter lim="800000"/>
-                    <a:headEnd/>
-                    <a:tailEnd type="none" w="lg" len="lg"/>
-                  </a:ln>
-                </p:spPr>
-                <p:txBody>
-                  <a:bodyPr wrap="none">
-                    <a:spAutoFit/>
-                  </a:bodyPr>
-                  <a:lstStyle/>
-                  <a:p>
-                    <a:r>
-                      <a:rPr lang="en-US" altLang="zh-CN" dirty="0">
-                        <a:latin typeface="Comic Sans MS" pitchFamily="8" charset="0"/>
-                        <a:ea typeface="宋体" pitchFamily="2" charset="-122"/>
-                      </a:rPr>
-                      <a:t>v</a:t>
-                    </a:r>
-                  </a:p>
-                </p:txBody>
-              </p:sp>
-              <p:sp>
-                <p:nvSpPr>
-                  <p:cNvPr id="58381" name="Oval 11"/>
-                  <p:cNvSpPr>
-                    <a:spLocks noChangeArrowheads="1"/>
-                  </p:cNvSpPr>
-                  <p:nvPr/>
-                </p:nvSpPr>
-                <p:spPr bwMode="auto">
-                  <a:xfrm>
-                    <a:off x="3440" y="3049"/>
-                    <a:ext cx="107" cy="112"/>
-                  </a:xfrm>
-                  <a:prstGeom prst="ellipse">
-                    <a:avLst/>
-                  </a:prstGeom>
-                  <a:solidFill>
-                    <a:schemeClr val="tx1"/>
-                  </a:solidFill>
-                  <a:ln w="19050">
-                    <a:noFill/>
-                    <a:round/>
-                    <a:headEnd/>
-                    <a:tailEnd type="none" w="lg" len="lg"/>
-                  </a:ln>
-                </p:spPr>
-                <p:txBody>
-                  <a:bodyPr wrap="none" anchor="ctr"/>
-                  <a:lstStyle/>
-                  <a:p>
-                    <a:endParaRPr lang="zh-CN" altLang="en-US">
-                      <a:ea typeface="宋体" pitchFamily="2" charset="-122"/>
-                    </a:endParaRPr>
-                  </a:p>
-                </p:txBody>
-              </p:sp>
-              <p:sp>
-                <p:nvSpPr>
-                  <p:cNvPr id="58382" name="Oval 12"/>
-                  <p:cNvSpPr>
-                    <a:spLocks noChangeArrowheads="1"/>
-                  </p:cNvSpPr>
-                  <p:nvPr/>
-                </p:nvSpPr>
-                <p:spPr bwMode="auto">
-                  <a:xfrm>
-                    <a:off x="2170" y="2634"/>
-                    <a:ext cx="107" cy="112"/>
-                  </a:xfrm>
-                  <a:prstGeom prst="ellipse">
-                    <a:avLst/>
-                  </a:prstGeom>
-                  <a:solidFill>
-                    <a:schemeClr val="tx1"/>
-                  </a:solidFill>
-                  <a:ln w="19050">
-                    <a:noFill/>
-                    <a:round/>
-                    <a:headEnd/>
-                    <a:tailEnd type="none" w="lg" len="lg"/>
-                  </a:ln>
-                </p:spPr>
-                <p:txBody>
-                  <a:bodyPr wrap="none" anchor="ctr"/>
-                  <a:lstStyle/>
-                  <a:p>
-                    <a:endParaRPr lang="zh-CN" altLang="en-US">
-                      <a:ea typeface="宋体" pitchFamily="2" charset="-122"/>
-                    </a:endParaRPr>
-                  </a:p>
-                </p:txBody>
-              </p:sp>
-            </p:grpSp>
-            <p:sp>
-              <p:nvSpPr>
-                <p:cNvPr id="58376" name="Text Box 19"/>
-                <p:cNvSpPr txBox="1">
-                  <a:spLocks noChangeArrowheads="1"/>
-                </p:cNvSpPr>
-                <p:nvPr/>
-              </p:nvSpPr>
-              <p:spPr bwMode="auto">
-                <a:xfrm>
-                  <a:off x="5403850" y="3836289"/>
-                  <a:ext cx="531813" cy="701675"/>
-                </a:xfrm>
-                <a:prstGeom prst="rect">
-                  <a:avLst/>
-                </a:prstGeom>
-                <a:noFill/>
-                <a:ln w="31750">
-                  <a:noFill/>
-                  <a:miter lim="800000"/>
-                  <a:headEnd/>
-                  <a:tailEnd type="none" w="lg" len="lg"/>
-                </a:ln>
-              </p:spPr>
-              <p:txBody>
-                <a:bodyPr wrap="none">
-                  <a:spAutoFit/>
-                </a:bodyPr>
-                <a:lstStyle/>
-                <a:p>
-                  <a:r>
-                    <a:rPr lang="en-US" altLang="zh-CN" dirty="0">
-                      <a:latin typeface="Comic Sans MS" pitchFamily="8" charset="0"/>
-                      <a:ea typeface="宋体" pitchFamily="2" charset="-122"/>
-                    </a:rPr>
-                    <a:t>w</a:t>
-                  </a:r>
-                </a:p>
-              </p:txBody>
-            </p:sp>
-            <p:sp>
-              <p:nvSpPr>
-                <p:cNvPr id="17" name="Text Box 19"/>
-                <p:cNvSpPr txBox="1">
-                  <a:spLocks noChangeArrowheads="1"/>
-                </p:cNvSpPr>
-                <p:nvPr/>
-              </p:nvSpPr>
-              <p:spPr bwMode="auto">
-                <a:xfrm>
-                  <a:off x="3629914" y="5098161"/>
-                  <a:ext cx="447558" cy="707886"/>
-                </a:xfrm>
-                <a:prstGeom prst="rect">
-                  <a:avLst/>
-                </a:prstGeom>
-                <a:noFill/>
-                <a:ln w="31750">
-                  <a:noFill/>
-                  <a:miter lim="800000"/>
-                  <a:headEnd/>
-                  <a:tailEnd type="none" w="lg" len="lg"/>
-                </a:ln>
-              </p:spPr>
-              <p:txBody>
-                <a:bodyPr wrap="none">
-                  <a:spAutoFit/>
-                </a:bodyPr>
-                <a:lstStyle/>
-                <a:p>
-                  <a:r>
-                    <a:rPr lang="en-US" altLang="zh-CN" dirty="0" smtClean="0">
-                      <a:latin typeface="Comic Sans MS" pitchFamily="8" charset="0"/>
-                      <a:ea typeface="宋体" pitchFamily="2" charset="-122"/>
-                    </a:rPr>
-                    <a:t>a</a:t>
-                  </a:r>
-                  <a:endParaRPr lang="en-US" altLang="zh-CN" dirty="0">
-                    <a:latin typeface="Comic Sans MS" pitchFamily="8" charset="0"/>
-                    <a:ea typeface="宋体" pitchFamily="2" charset="-122"/>
-                  </a:endParaRPr>
-                </a:p>
-              </p:txBody>
-            </p:sp>
-          </p:grpSp>
-          <p:sp>
-            <p:nvSpPr>
-              <p:cNvPr id="16" name="Oval 12"/>
-              <p:cNvSpPr>
-                <a:spLocks noChangeArrowheads="1"/>
-              </p:cNvSpPr>
-              <p:nvPr/>
-            </p:nvSpPr>
-            <p:spPr bwMode="auto">
-              <a:xfrm>
-                <a:off x="3745611" y="5126800"/>
-                <a:ext cx="169863" cy="177800"/>
-              </a:xfrm>
-              <a:prstGeom prst="ellipse">
-                <a:avLst/>
-              </a:prstGeom>
-              <a:solidFill>
-                <a:schemeClr val="tx1"/>
-              </a:solidFill>
-              <a:ln w="19050">
-                <a:noFill/>
-                <a:round/>
-                <a:headEnd/>
-                <a:tailEnd type="none" w="lg" len="lg"/>
-              </a:ln>
-            </p:spPr>
-            <p:txBody>
-              <a:bodyPr wrap="none" anchor="ctr"/>
-              <a:lstStyle/>
-              <a:p>
-                <a:endParaRPr lang="zh-CN" altLang="en-US">
-                  <a:ea typeface="宋体" pitchFamily="2" charset="-122"/>
-                </a:endParaRPr>
-              </a:p>
-            </p:txBody>
-          </p:sp>
-        </p:grpSp>
-      </p:grpSp>
-    </p:spTree>
-    <p:extLst>
-      <p:ext uri="{BB962C8B-B14F-4D97-AF65-F5344CB8AC3E}">
-        <p14:creationId xmlns:p14="http://schemas.microsoft.com/office/powerpoint/2010/main" val="1141591820"/>
-      </p:ext>
-    </p:extLst>
-  </p:cSld>
-  <p:clrMapOvr>
-    <a:masterClrMapping/>
-  </p:clrMapOvr>
-  <p:transition xmlns:p14="http://schemas.microsoft.com/office/powerpoint/2010/main" spd="slow" advClick="0">
-    <p:fade thruBlk="1"/>
-  </p:transition>
-  <p:timing>
-    <p:tnLst>
-      <p:par>
-        <p:cTn xmlns:p14="http://schemas.microsoft.com/office/powerpoint/2010/main" id="1" dur="indefinite" restart="never" nodeType="tmRoot">
-          <p:childTnLst>
-            <p:seq concurrent="1" nextAc="seek">
-              <p:cTn id="2" dur="indefinite" nodeType="mainSeq">
-                <p:childTnLst>
-                  <p:par>
-                    <p:cTn id="3" fill="hold">
-                      <p:stCondLst>
-                        <p:cond delay="indefinite"/>
-                      </p:stCondLst>
-                      <p:childTnLst>
-                        <p:par>
-                          <p:cTn id="4" fill="hold">
-                            <p:stCondLst>
-                              <p:cond delay="0"/>
-                            </p:stCondLst>
-                            <p:childTnLst>
-                              <p:par>
-                                <p:cTn id="5" presetID="10" presetClass="entr" presetSubtype="0" fill="hold" grpId="0" nodeType="clickEffect">
-                                  <p:stCondLst>
-                                    <p:cond delay="0"/>
-                                  </p:stCondLst>
-                                  <p:childTnLst>
-                                    <p:set>
-                                      <p:cBhvr>
-                                        <p:cTn id="6" dur="1" fill="hold">
-                                          <p:stCondLst>
-                                            <p:cond delay="0"/>
-                                          </p:stCondLst>
-                                        </p:cTn>
-                                        <p:tgtEl>
-                                          <p:spTgt spid="58371"/>
-                                        </p:tgtEl>
-                                        <p:attrNameLst>
-                                          <p:attrName>style.visibility</p:attrName>
-                                        </p:attrNameLst>
-                                      </p:cBhvr>
-                                      <p:to>
-                                        <p:strVal val="visible"/>
-                                      </p:to>
-                                    </p:set>
-                                    <p:animEffect transition="in" filter="fade">
-                                      <p:cBhvr>
-                                        <p:cTn id="7" dur="500"/>
-                                        <p:tgtEl>
-                                          <p:spTgt spid="58371"/>
-                                        </p:tgtEl>
-                                      </p:cBhvr>
-                                    </p:animEffect>
-                                  </p:childTnLst>
-                                </p:cTn>
-                              </p:par>
-                            </p:childTnLst>
-                          </p:cTn>
-                        </p:par>
-                      </p:childTnLst>
-                    </p:cTn>
-                  </p:par>
-                  <p:par>
-                    <p:cTn id="8" fill="hold">
-                      <p:stCondLst>
-                        <p:cond delay="indefinite"/>
-                      </p:stCondLst>
-                      <p:childTnLst>
-                        <p:par>
-                          <p:cTn id="9" fill="hold">
-                            <p:stCondLst>
-                              <p:cond delay="0"/>
-                            </p:stCondLst>
-                            <p:childTnLst>
-                              <p:par>
-                                <p:cTn id="10" presetID="10" presetClass="entr" presetSubtype="0" fill="hold" nodeType="clickEffect">
-                                  <p:stCondLst>
-                                    <p:cond delay="0"/>
-                                  </p:stCondLst>
-                                  <p:childTnLst>
-                                    <p:set>
-                                      <p:cBhvr>
-                                        <p:cTn id="11" dur="1" fill="hold">
-                                          <p:stCondLst>
-                                            <p:cond delay="0"/>
-                                          </p:stCondLst>
-                                        </p:cTn>
-                                        <p:tgtEl>
-                                          <p:spTgt spid="20"/>
-                                        </p:tgtEl>
-                                        <p:attrNameLst>
-                                          <p:attrName>style.visibility</p:attrName>
-                                        </p:attrNameLst>
-                                      </p:cBhvr>
-                                      <p:to>
-                                        <p:strVal val="visible"/>
-                                      </p:to>
-                                    </p:set>
-                                    <p:animEffect transition="in" filter="fade">
-                                      <p:cBhvr>
-                                        <p:cTn id="12" dur="500"/>
-                                        <p:tgtEl>
-                                          <p:spTgt spid="20"/>
-                                        </p:tgtEl>
-                                      </p:cBhvr>
-                                    </p:animEffect>
-                                  </p:childTnLst>
-                                </p:cTn>
-                              </p:par>
-                            </p:childTnLst>
-                          </p:cTn>
-                        </p:par>
-                      </p:childTnLst>
-                    </p:cTn>
-                  </p:par>
-                  <p:par>
-                    <p:cTn id="13" fill="hold">
-                      <p:stCondLst>
-                        <p:cond delay="indefinite"/>
-                      </p:stCondLst>
-                      <p:childTnLst>
-                        <p:par>
-                          <p:cTn id="14" fill="hold">
-                            <p:stCondLst>
-                              <p:cond delay="0"/>
-                            </p:stCondLst>
-                            <p:childTnLst>
-                              <p:par>
-                                <p:cTn id="15" presetID="22" presetClass="entr" presetSubtype="8" fill="hold" grpId="0" nodeType="clickEffect">
-                                  <p:stCondLst>
-                                    <p:cond delay="0"/>
-                                  </p:stCondLst>
-                                  <p:childTnLst>
-                                    <p:set>
-                                      <p:cBhvr>
-                                        <p:cTn id="16" dur="1" fill="hold">
-                                          <p:stCondLst>
-                                            <p:cond delay="0"/>
-                                          </p:stCondLst>
-                                        </p:cTn>
-                                        <p:tgtEl>
-                                          <p:spTgt spid="58378"/>
-                                        </p:tgtEl>
-                                        <p:attrNameLst>
-                                          <p:attrName>style.visibility</p:attrName>
-                                        </p:attrNameLst>
-                                      </p:cBhvr>
-                                      <p:to>
-                                        <p:strVal val="visible"/>
-                                      </p:to>
-                                    </p:set>
-                                    <p:animEffect transition="in" filter="wipe(left)">
-                                      <p:cBhvr>
-                                        <p:cTn id="17" dur="500"/>
-                                        <p:tgtEl>
-                                          <p:spTgt spid="58378"/>
-                                        </p:tgtEl>
-                                      </p:cBhvr>
-                                    </p:animEffect>
-                                  </p:childTnLst>
-                                </p:cTn>
-                              </p:par>
-                            </p:childTnLst>
-                          </p:cTn>
-                        </p:par>
-                        <p:par>
-                          <p:cTn id="18" fill="hold">
-                            <p:stCondLst>
-                              <p:cond delay="500"/>
-                            </p:stCondLst>
-                            <p:childTnLst>
-                              <p:par>
-                                <p:cTn id="19" presetID="22" presetClass="entr" presetSubtype="2" fill="hold" grpId="0" nodeType="afterEffect">
-                                  <p:stCondLst>
-                                    <p:cond delay="0"/>
-                                  </p:stCondLst>
-                                  <p:childTnLst>
-                                    <p:set>
-                                      <p:cBhvr>
-                                        <p:cTn id="20" dur="1" fill="hold">
-                                          <p:stCondLst>
-                                            <p:cond delay="0"/>
-                                          </p:stCondLst>
-                                        </p:cTn>
-                                        <p:tgtEl>
-                                          <p:spTgt spid="15"/>
-                                        </p:tgtEl>
-                                        <p:attrNameLst>
-                                          <p:attrName>style.visibility</p:attrName>
-                                        </p:attrNameLst>
-                                      </p:cBhvr>
-                                      <p:to>
-                                        <p:strVal val="visible"/>
-                                      </p:to>
-                                    </p:set>
-                                    <p:animEffect transition="in" filter="wipe(right)">
-                                      <p:cBhvr>
-                                        <p:cTn id="21" dur="500"/>
-                                        <p:tgtEl>
-                                          <p:spTgt spid="15"/>
-                                        </p:tgtEl>
-                                      </p:cBhvr>
-                                    </p:animEffect>
-                                  </p:childTnLst>
-                                </p:cTn>
-                              </p:par>
-                            </p:childTnLst>
-                          </p:cTn>
-                        </p:par>
-                      </p:childTnLst>
-                    </p:cTn>
-                  </p:par>
-                </p:childTnLst>
-              </p:cTn>
-              <p:prevCondLst>
-                <p:cond evt="onPrev" delay="0">
-                  <p:tgtEl>
-                    <p:sldTgt/>
-                  </p:tgtEl>
-                </p:cond>
-              </p:prevCondLst>
-              <p:nextCondLst>
-                <p:cond evt="onNext" delay="0">
-                  <p:tgtEl>
-                    <p:sldTgt/>
-                  </p:tgtEl>
-                </p:cond>
-              </p:nextCondLst>
-            </p:seq>
-          </p:childTnLst>
-        </p:cTn>
-      </p:par>
-    </p:tnLst>
-    <p:bldLst>
-      <p:bldP spid="58371" grpId="0"/>
-      <p:bldP spid="58378" grpId="0" animBg="1"/>
-      <p:bldP spid="15" grpId="0" animBg="1"/>
-    </p:bldLst>
-  </p:timing>
-</p:sld>
-</file>
-
-<file path=ppt/slides/slide5.xml><?xml version="1.0" encoding="utf-8"?>
-<p:sld xmlns:a="http://schemas.openxmlformats.org/drawingml/2006/main" xmlns:r="http://schemas.openxmlformats.org/officeDocument/2006/relationships" xmlns:p="http://schemas.openxmlformats.org/presentationml/2006/main">
-  <p:cSld>
-    <p:spTree>
-      <p:nvGrpSpPr>
-        <p:cNvPr id="1" name=""/>
-        <p:cNvGrpSpPr/>
-        <p:nvPr/>
-      </p:nvGrpSpPr>
-      <p:grpSpPr>
-        <a:xfrm>
-          <a:off x="0" y="0"/>
-          <a:ext cx="0" cy="0"/>
-          <a:chOff x="0" y="0"/>
-          <a:chExt cx="0" cy="0"/>
-        </a:xfrm>
-      </p:grpSpPr>
-      <p:sp>
-        <p:nvSpPr>
-          <p:cNvPr id="58371" name="Text Box 3"/>
-          <p:cNvSpPr txBox="1">
-            <a:spLocks noChangeArrowheads="1"/>
-          </p:cNvSpPr>
-          <p:nvPr/>
-        </p:nvSpPr>
-        <p:spPr bwMode="auto">
-          <a:xfrm>
-            <a:off x="423334" y="1136952"/>
-            <a:ext cx="7958658" cy="2585323"/>
-          </a:xfrm>
-          <a:prstGeom prst="rect">
-            <a:avLst/>
-          </a:prstGeom>
-          <a:noFill/>
-          <a:ln w="31750">
-            <a:noFill/>
-            <a:miter lim="800000"/>
-            <a:headEnd/>
-            <a:tailEnd type="none" w="lg" len="lg"/>
-          </a:ln>
-        </p:spPr>
-        <p:txBody>
-          <a:bodyPr wrap="square">
-            <a:spAutoFit/>
-          </a:bodyPr>
-          <a:lstStyle/>
-          <a:p>
-            <a:r>
-              <a:rPr lang="en-US" altLang="zh-CN" sz="5400" dirty="0" smtClean="0">
-                <a:solidFill>
-                  <a:srgbClr val="7030A0"/>
-                </a:solidFill>
-                <a:latin typeface="Comic Sans MS" pitchFamily="8" charset="0"/>
-                <a:ea typeface="宋体" pitchFamily="2" charset="-122"/>
-              </a:rPr>
-              <a:t>length</a:t>
-            </a:r>
-            <a:r>
-              <a:rPr lang="en-US" altLang="zh-CN" sz="5400" b="1" dirty="0" smtClean="0">
-                <a:solidFill>
-                  <a:srgbClr val="7030A0"/>
-                </a:solidFill>
-                <a:latin typeface="Comic Sans MS" pitchFamily="8" charset="0"/>
-                <a:ea typeface="宋体" pitchFamily="2" charset="-122"/>
-              </a:rPr>
-              <a:t> </a:t>
-            </a:r>
-            <a:r>
-              <a:rPr lang="en-US" altLang="zh-CN" sz="5400" b="1" dirty="0" smtClean="0">
-                <a:solidFill>
-                  <a:srgbClr val="7030A0"/>
-                </a:solidFill>
-                <a:latin typeface="Euclid Symbol" charset="2"/>
-                <a:ea typeface="宋体" pitchFamily="2" charset="-122"/>
-                <a:cs typeface="Euclid Symbol" charset="2"/>
-                <a:sym typeface="Euclid Symbol"/>
-              </a:rPr>
-              <a:t>&gt;</a:t>
-            </a:r>
-            <a:r>
-              <a:rPr lang="en-US" altLang="zh-CN" sz="5400" dirty="0" smtClean="0">
-                <a:solidFill>
-                  <a:srgbClr val="7030A0"/>
-                </a:solidFill>
-                <a:latin typeface="Comic Sans MS" pitchFamily="8" charset="0"/>
-                <a:ea typeface="宋体" pitchFamily="2" charset="-122"/>
-                <a:sym typeface="Euclid Symbol"/>
-              </a:rPr>
-              <a:t> </a:t>
-            </a:r>
-            <a:r>
-              <a:rPr lang="en-US" altLang="zh-CN" sz="5400" dirty="0" smtClean="0">
-                <a:solidFill>
-                  <a:srgbClr val="7030A0"/>
-                </a:solidFill>
-                <a:latin typeface="Comic Sans MS" pitchFamily="8" charset="0"/>
-                <a:ea typeface="宋体" pitchFamily="2" charset="-122"/>
-              </a:rPr>
-              <a:t>2</a:t>
-            </a:r>
-            <a:r>
-              <a:rPr lang="en-US" altLang="zh-CN" sz="5400" dirty="0" smtClean="0">
-                <a:latin typeface="Comic Sans MS" pitchFamily="8" charset="0"/>
-                <a:ea typeface="宋体" pitchFamily="2" charset="-122"/>
-              </a:rPr>
-              <a:t> implies that</a:t>
-            </a:r>
-          </a:p>
-          <a:p>
-            <a:r>
-              <a:rPr lang="en-US" altLang="zh-CN" sz="5400" dirty="0" smtClean="0">
-                <a:latin typeface="Comic Sans MS" pitchFamily="8" charset="0"/>
-                <a:ea typeface="宋体" pitchFamily="2" charset="-122"/>
-              </a:rPr>
-              <a:t>going back &amp; forth over</a:t>
-            </a:r>
-          </a:p>
-          <a:p>
-            <a:r>
-              <a:rPr lang="en-US" altLang="zh-CN" sz="5400" dirty="0" smtClean="0">
-                <a:latin typeface="Comic Sans MS" pitchFamily="8" charset="0"/>
-                <a:ea typeface="宋体" pitchFamily="2" charset="-122"/>
-              </a:rPr>
-              <a:t>an edge is </a:t>
-            </a:r>
-            <a:r>
-              <a:rPr lang="en-US" altLang="zh-CN" sz="5400" dirty="0" smtClean="0">
-                <a:solidFill>
-                  <a:srgbClr val="C00000"/>
-                </a:solidFill>
-                <a:latin typeface="Comic Sans MS" pitchFamily="8" charset="0"/>
-                <a:ea typeface="宋体" pitchFamily="2" charset="-122"/>
-              </a:rPr>
-              <a:t>not</a:t>
-            </a:r>
-            <a:r>
-              <a:rPr lang="en-US" altLang="zh-CN" sz="5400" dirty="0" smtClean="0">
-                <a:latin typeface="Comic Sans MS" pitchFamily="8" charset="0"/>
-                <a:ea typeface="宋体" pitchFamily="2" charset="-122"/>
-              </a:rPr>
-              <a:t> a cycle</a:t>
-            </a:r>
-            <a:endParaRPr lang="en-US" altLang="zh-CN" sz="5400" dirty="0">
-              <a:latin typeface="Comic Sans MS" pitchFamily="8" charset="0"/>
-              <a:ea typeface="宋体" pitchFamily="2" charset="-122"/>
-            </a:endParaRPr>
-          </a:p>
-        </p:txBody>
-      </p:sp>
-      <p:sp>
-        <p:nvSpPr>
-          <p:cNvPr id="58379" name="Rectangle 11"/>
-          <p:cNvSpPr>
-            <a:spLocks noGrp="1" noChangeArrowheads="1"/>
-          </p:cNvSpPr>
-          <p:nvPr>
-            <p:ph type="sldNum" sz="quarter" idx="10"/>
-          </p:nvPr>
-        </p:nvSpPr>
-        <p:spPr>
-          <a:noFill/>
-        </p:spPr>
-        <p:txBody>
-          <a:bodyPr/>
-          <a:lstStyle/>
-          <a:p>
-            <a:r>
-              <a:rPr lang="en-US" dirty="0" smtClean="0"/>
-              <a:t>tree-def.</a:t>
-            </a:r>
-            <a:fld id="{B8D01330-1CCD-420A-86D1-6B5E88908576}" type="slidenum">
-              <a:rPr lang="en-US" smtClean="0"/>
-              <a:pPr/>
-              <a:t>5</a:t>
-            </a:fld>
-            <a:endParaRPr lang="en-US" dirty="0" smtClean="0"/>
-          </a:p>
-        </p:txBody>
-      </p:sp>
-      <p:sp>
-        <p:nvSpPr>
-          <p:cNvPr id="20" name="Freeform 19"/>
-          <p:cNvSpPr/>
-          <p:nvPr/>
-        </p:nvSpPr>
-        <p:spPr bwMode="auto">
-          <a:xfrm rot="21275250">
-            <a:off x="3378901" y="4099187"/>
-            <a:ext cx="2991048" cy="953300"/>
-          </a:xfrm>
-          <a:custGeom>
-            <a:avLst/>
-            <a:gdLst>
-              <a:gd name="connsiteX0" fmla="*/ 0 w 2956143"/>
-              <a:gd name="connsiteY0" fmla="*/ 12526 h 676405"/>
-              <a:gd name="connsiteX1" fmla="*/ 526093 w 2956143"/>
-              <a:gd name="connsiteY1" fmla="*/ 0 h 676405"/>
-              <a:gd name="connsiteX2" fmla="*/ 1352811 w 2956143"/>
-              <a:gd name="connsiteY2" fmla="*/ 75156 h 676405"/>
-              <a:gd name="connsiteX3" fmla="*/ 2192055 w 2956143"/>
-              <a:gd name="connsiteY3" fmla="*/ 100208 h 676405"/>
-              <a:gd name="connsiteX4" fmla="*/ 2956143 w 2956143"/>
-              <a:gd name="connsiteY4" fmla="*/ 200416 h 676405"/>
-              <a:gd name="connsiteX5" fmla="*/ 2880986 w 2956143"/>
-              <a:gd name="connsiteY5" fmla="*/ 676405 h 676405"/>
-            </a:gdLst>
-            <a:ahLst/>
-            <a:cxnLst>
-              <a:cxn ang="0">
-                <a:pos x="connsiteX0" y="connsiteY0"/>
-              </a:cxn>
-              <a:cxn ang="0">
-                <a:pos x="connsiteX1" y="connsiteY1"/>
-              </a:cxn>
-              <a:cxn ang="0">
-                <a:pos x="connsiteX2" y="connsiteY2"/>
-              </a:cxn>
-              <a:cxn ang="0">
-                <a:pos x="connsiteX3" y="connsiteY3"/>
-              </a:cxn>
-              <a:cxn ang="0">
-                <a:pos x="connsiteX4" y="connsiteY4"/>
-              </a:cxn>
-              <a:cxn ang="0">
-                <a:pos x="connsiteX5" y="connsiteY5"/>
-              </a:cxn>
-            </a:cxnLst>
-            <a:rect l="l" t="t" r="r" b="b"/>
-            <a:pathLst>
-              <a:path w="2956143" h="676405">
-                <a:moveTo>
-                  <a:pt x="0" y="12526"/>
-                </a:moveTo>
-                <a:cubicBezTo>
-                  <a:pt x="175362" y="8249"/>
-                  <a:pt x="350679" y="0"/>
-                  <a:pt x="526093" y="0"/>
-                </a:cubicBezTo>
-                <a:lnTo>
-                  <a:pt x="1352811" y="75156"/>
-                </a:lnTo>
-                <a:lnTo>
-                  <a:pt x="2192055" y="100208"/>
-                </a:lnTo>
-                <a:cubicBezTo>
-                  <a:pt x="2446679" y="134158"/>
-                  <a:pt x="2699266" y="200416"/>
-                  <a:pt x="2956143" y="200416"/>
-                </a:cubicBezTo>
-                <a:lnTo>
-                  <a:pt x="2880986" y="676405"/>
-                </a:lnTo>
-              </a:path>
-            </a:pathLst>
-          </a:custGeom>
-          <a:noFill/>
-          <a:ln w="44450" cap="flat" cmpd="sng" algn="ctr">
-            <a:solidFill>
-              <a:srgbClr val="C00000"/>
-            </a:solidFill>
-            <a:prstDash val="sysDash"/>
-            <a:round/>
-            <a:headEnd type="none" w="med" len="med"/>
-            <a:tailEnd type="none" w="lg" len="lg"/>
-          </a:ln>
-          <a:effectLst/>
-        </p:spPr>
-        <p:txBody>
-          <a:bodyPr rtlCol="0" anchor="ctr"/>
-          <a:lstStyle/>
-          <a:p>
-            <a:pPr algn="ctr"/>
-            <a:endParaRPr lang="en-US"/>
-          </a:p>
-        </p:txBody>
-      </p:sp>
-      <p:cxnSp>
-        <p:nvCxnSpPr>
-          <p:cNvPr id="22" name="Straight Connector 21"/>
-          <p:cNvCxnSpPr/>
-          <p:nvPr/>
-        </p:nvCxnSpPr>
-        <p:spPr bwMode="auto">
-          <a:xfrm flipH="1" flipV="1">
-            <a:off x="3438147" y="4926135"/>
-            <a:ext cx="2894390" cy="27912"/>
-          </a:xfrm>
-          <a:prstGeom prst="line">
-            <a:avLst/>
-          </a:prstGeom>
-          <a:noFill/>
-          <a:ln w="38100" cap="flat" cmpd="sng" algn="ctr">
-            <a:solidFill>
-              <a:srgbClr val="C00000"/>
-            </a:solidFill>
-            <a:prstDash val="sysDash"/>
-            <a:round/>
-            <a:headEnd type="none" w="med" len="med"/>
-            <a:tailEnd type="none" w="lg" len="lg"/>
-          </a:ln>
-          <a:effectLst/>
-        </p:spPr>
-      </p:cxnSp>
-      <p:grpSp>
-        <p:nvGrpSpPr>
-          <p:cNvPr id="2" name="Group 48"/>
-          <p:cNvGrpSpPr/>
-          <p:nvPr/>
-        </p:nvGrpSpPr>
-        <p:grpSpPr>
-          <a:xfrm>
-            <a:off x="2987833" y="4166037"/>
-            <a:ext cx="3244533" cy="731254"/>
-            <a:chOff x="3044698" y="3372993"/>
-            <a:chExt cx="3244533" cy="731254"/>
-          </a:xfrm>
-        </p:grpSpPr>
-        <p:sp>
-          <p:nvSpPr>
-            <p:cNvPr id="58376" name="Text Box 19"/>
-            <p:cNvSpPr txBox="1">
-              <a:spLocks noChangeArrowheads="1"/>
-            </p:cNvSpPr>
-            <p:nvPr/>
-          </p:nvSpPr>
-          <p:spPr bwMode="auto">
-            <a:xfrm>
-              <a:off x="5757418" y="3372993"/>
-              <a:ext cx="531813" cy="701675"/>
-            </a:xfrm>
-            <a:prstGeom prst="rect">
-              <a:avLst/>
-            </a:prstGeom>
-            <a:noFill/>
-            <a:ln w="31750">
-              <a:noFill/>
-              <a:miter lim="800000"/>
-              <a:headEnd/>
-              <a:tailEnd type="none" w="lg" len="lg"/>
-            </a:ln>
-          </p:spPr>
-          <p:txBody>
-            <a:bodyPr wrap="none">
-              <a:spAutoFit/>
-            </a:bodyPr>
-            <a:lstStyle/>
-            <a:p>
-              <a:r>
-                <a:rPr lang="en-US" altLang="zh-CN" dirty="0">
-                  <a:latin typeface="Comic Sans MS" pitchFamily="8" charset="0"/>
-                  <a:ea typeface="宋体" pitchFamily="2" charset="-122"/>
-                </a:rPr>
-                <a:t>w</a:t>
-              </a:r>
-            </a:p>
-          </p:txBody>
-        </p:sp>
-        <p:grpSp>
-          <p:nvGrpSpPr>
-            <p:cNvPr id="3" name="Group 43"/>
-            <p:cNvGrpSpPr/>
-            <p:nvPr/>
-          </p:nvGrpSpPr>
-          <p:grpSpPr>
-            <a:xfrm>
-              <a:off x="3558540" y="3779520"/>
-              <a:ext cx="2103120" cy="97536"/>
-              <a:chOff x="3602736" y="3342132"/>
-              <a:chExt cx="2103120" cy="97536"/>
-            </a:xfrm>
-          </p:grpSpPr>
-          <p:cxnSp>
-            <p:nvCxnSpPr>
-              <p:cNvPr id="16" name="Straight Connector 15"/>
-              <p:cNvCxnSpPr/>
-              <p:nvPr/>
-            </p:nvCxnSpPr>
-            <p:spPr bwMode="auto">
-              <a:xfrm rot="16200000" flipH="1">
-                <a:off x="4609738" y="2417238"/>
-                <a:ext cx="723" cy="1948047"/>
-              </a:xfrm>
-              <a:prstGeom prst="line">
-                <a:avLst/>
-              </a:prstGeom>
-              <a:noFill/>
-              <a:ln w="41275" cap="flat" cmpd="sng" algn="ctr">
-                <a:solidFill>
-                  <a:schemeClr val="tx1"/>
-                </a:solidFill>
-                <a:prstDash val="solid"/>
-                <a:round/>
-                <a:headEnd type="none" w="med" len="med"/>
-                <a:tailEnd type="none" w="lg" len="lg"/>
-              </a:ln>
-              <a:effectLst/>
-            </p:spPr>
-          </p:cxnSp>
-          <p:grpSp>
-            <p:nvGrpSpPr>
-              <p:cNvPr id="4" name="Group 42"/>
-              <p:cNvGrpSpPr/>
-              <p:nvPr/>
-            </p:nvGrpSpPr>
-            <p:grpSpPr>
-              <a:xfrm>
-                <a:off x="3602736" y="3342132"/>
-                <a:ext cx="2103120" cy="97536"/>
-                <a:chOff x="3602736" y="3342132"/>
-                <a:chExt cx="2103120" cy="97536"/>
-              </a:xfrm>
-            </p:grpSpPr>
-            <p:sp>
-              <p:nvSpPr>
-                <p:cNvPr id="41" name="Oval 40"/>
-                <p:cNvSpPr/>
-                <p:nvPr/>
-              </p:nvSpPr>
-              <p:spPr bwMode="auto">
-                <a:xfrm>
-                  <a:off x="5596128" y="3342132"/>
-                  <a:ext cx="109728" cy="97536"/>
-                </a:xfrm>
-                <a:prstGeom prst="ellipse">
-                  <a:avLst/>
-                </a:prstGeom>
-                <a:solidFill>
-                  <a:schemeClr val="tx1"/>
-                </a:solidFill>
-                <a:ln w="31750" cap="flat" cmpd="sng" algn="ctr">
-                  <a:solidFill>
-                    <a:schemeClr val="tx1"/>
-                  </a:solidFill>
-                  <a:prstDash val="solid"/>
-                  <a:round/>
-                  <a:headEnd type="none" w="med" len="med"/>
-                  <a:tailEnd type="stealth" w="lg" len="lg"/>
-                </a:ln>
-                <a:effectLst/>
-              </p:spPr>
-              <p:txBody>
-                <a:bodyPr vert="horz" wrap="square" lIns="91440" tIns="45720" rIns="91440" bIns="45720" numCol="1" rtlCol="0" anchor="t" anchorCtr="0" compatLnSpc="1">
-                  <a:prstTxWarp prst="textNoShape">
-                    <a:avLst/>
-                  </a:prstTxWarp>
-                </a:bodyPr>
-                <a:lstStyle/>
-                <a:p>
-                  <a:pPr marL="0" marR="0" indent="0" algn="l" defTabSz="914400" rtl="0" eaLnBrk="1" fontAlgn="base" latinLnBrk="0" hangingPunct="1">
-                    <a:lnSpc>
-                      <a:spcPct val="100000"/>
-                    </a:lnSpc>
-                    <a:spcBef>
-                      <a:spcPct val="0"/>
-                    </a:spcBef>
-                    <a:spcAft>
-                      <a:spcPct val="0"/>
-                    </a:spcAft>
-                    <a:buClrTx/>
-                    <a:buSzTx/>
-                    <a:buFontTx/>
-                    <a:buNone/>
-                    <a:tabLst/>
-                  </a:pPr>
-                  <a:endParaRPr kumimoji="0" lang="en-US" sz="4000" b="0" i="0" u="none" strike="noStrike" cap="none" normalizeH="0" baseline="0" smtClean="0">
-                    <a:ln>
-                      <a:noFill/>
-                    </a:ln>
-                    <a:solidFill>
-                      <a:schemeClr val="tx1"/>
-                    </a:solidFill>
-                    <a:effectLst/>
-                    <a:latin typeface="Arial" pitchFamily="34" charset="0"/>
-                  </a:endParaRPr>
-                </a:p>
-              </p:txBody>
-            </p:sp>
-            <p:sp>
-              <p:nvSpPr>
-                <p:cNvPr id="42" name="Oval 41"/>
-                <p:cNvSpPr/>
-                <p:nvPr/>
-              </p:nvSpPr>
-              <p:spPr bwMode="auto">
-                <a:xfrm>
-                  <a:off x="3602736" y="3342132"/>
-                  <a:ext cx="109728" cy="97536"/>
-                </a:xfrm>
-                <a:prstGeom prst="ellipse">
-                  <a:avLst/>
-                </a:prstGeom>
-                <a:solidFill>
-                  <a:schemeClr val="tx1"/>
-                </a:solidFill>
-                <a:ln w="31750" cap="flat" cmpd="sng" algn="ctr">
-                  <a:solidFill>
-                    <a:schemeClr val="tx1"/>
-                  </a:solidFill>
-                  <a:prstDash val="solid"/>
-                  <a:round/>
-                  <a:headEnd type="none" w="med" len="med"/>
-                  <a:tailEnd type="stealth" w="lg" len="lg"/>
-                </a:ln>
-                <a:effectLst/>
-              </p:spPr>
-              <p:txBody>
-                <a:bodyPr vert="horz" wrap="square" lIns="91440" tIns="45720" rIns="91440" bIns="45720" numCol="1" rtlCol="0" anchor="t" anchorCtr="0" compatLnSpc="1">
-                  <a:prstTxWarp prst="textNoShape">
-                    <a:avLst/>
-                  </a:prstTxWarp>
-                </a:bodyPr>
-                <a:lstStyle/>
-                <a:p>
-                  <a:pPr marL="0" marR="0" indent="0" algn="l" defTabSz="914400" rtl="0" eaLnBrk="1" fontAlgn="base" latinLnBrk="0" hangingPunct="1">
-                    <a:lnSpc>
-                      <a:spcPct val="100000"/>
-                    </a:lnSpc>
-                    <a:spcBef>
-                      <a:spcPct val="0"/>
-                    </a:spcBef>
-                    <a:spcAft>
-                      <a:spcPct val="0"/>
-                    </a:spcAft>
-                    <a:buClrTx/>
-                    <a:buSzTx/>
-                    <a:buFontTx/>
-                    <a:buNone/>
-                    <a:tabLst/>
-                  </a:pPr>
-                  <a:endParaRPr kumimoji="0" lang="en-US" sz="4000" b="0" i="0" u="none" strike="noStrike" cap="none" normalizeH="0" baseline="0" smtClean="0">
-                    <a:ln>
-                      <a:noFill/>
-                    </a:ln>
-                    <a:solidFill>
-                      <a:schemeClr val="tx1"/>
-                    </a:solidFill>
-                    <a:effectLst/>
-                    <a:latin typeface="Arial" pitchFamily="34" charset="0"/>
-                  </a:endParaRPr>
-                </a:p>
-              </p:txBody>
-            </p:sp>
-          </p:grpSp>
-        </p:grpSp>
-        <p:sp>
-          <p:nvSpPr>
-            <p:cNvPr id="45" name="Text Box 19"/>
-            <p:cNvSpPr txBox="1">
-              <a:spLocks noChangeArrowheads="1"/>
-            </p:cNvSpPr>
-            <p:nvPr/>
-          </p:nvSpPr>
-          <p:spPr bwMode="auto">
-            <a:xfrm>
-              <a:off x="3044698" y="3396361"/>
-              <a:ext cx="434734" cy="707886"/>
-            </a:xfrm>
-            <a:prstGeom prst="rect">
-              <a:avLst/>
-            </a:prstGeom>
-            <a:noFill/>
-            <a:ln w="31750">
-              <a:noFill/>
-              <a:miter lim="800000"/>
-              <a:headEnd/>
-              <a:tailEnd type="none" w="lg" len="lg"/>
-            </a:ln>
-          </p:spPr>
-          <p:txBody>
-            <a:bodyPr wrap="none">
-              <a:spAutoFit/>
-            </a:bodyPr>
-            <a:lstStyle/>
-            <a:p>
-              <a:r>
-                <a:rPr lang="en-US" altLang="zh-CN" dirty="0" smtClean="0">
-                  <a:latin typeface="Comic Sans MS" pitchFamily="8" charset="0"/>
-                  <a:ea typeface="宋体" pitchFamily="2" charset="-122"/>
-                </a:rPr>
-                <a:t>v</a:t>
-              </a:r>
-              <a:endParaRPr lang="en-US" altLang="zh-CN" dirty="0">
-                <a:latin typeface="Comic Sans MS" pitchFamily="8" charset="0"/>
-                <a:ea typeface="宋体" pitchFamily="2" charset="-122"/>
-              </a:endParaRPr>
-            </a:p>
-          </p:txBody>
-        </p:sp>
-      </p:grpSp>
-      <p:sp>
-        <p:nvSpPr>
-          <p:cNvPr id="17" name="Rectangle 2"/>
-          <p:cNvSpPr>
-            <a:spLocks noGrp="1" noChangeArrowheads="1"/>
-          </p:cNvSpPr>
-          <p:nvPr>
-            <p:ph type="title"/>
-          </p:nvPr>
-        </p:nvSpPr>
-        <p:spPr>
-          <a:xfrm>
-            <a:off x="1447800" y="0"/>
-            <a:ext cx="7543800" cy="1143000"/>
-          </a:xfrm>
-        </p:spPr>
-        <p:txBody>
-          <a:bodyPr/>
-          <a:lstStyle/>
-          <a:p>
-            <a:pPr eaLnBrk="1" hangingPunct="1"/>
-            <a:r>
-              <a:rPr lang="en-US" altLang="zh-CN" sz="4800" dirty="0" smtClean="0">
-                <a:ea typeface="宋体" pitchFamily="2" charset="-122"/>
-              </a:rPr>
-              <a:t>Cycles in simple graphs</a:t>
-            </a:r>
-          </a:p>
-        </p:txBody>
-      </p:sp>
-    </p:spTree>
-    <p:extLst>
-      <p:ext uri="{BB962C8B-B14F-4D97-AF65-F5344CB8AC3E}">
-        <p14:creationId xmlns:p14="http://schemas.microsoft.com/office/powerpoint/2010/main" val="76099705"/>
-      </p:ext>
-    </p:extLst>
-  </p:cSld>
-  <p:clrMapOvr>
-    <a:masterClrMapping/>
-  </p:clrMapOvr>
-  <mc:AlternateContent xmlns:mc="http://schemas.openxmlformats.org/markup-compatibility/2006" xmlns:p14="http://schemas.microsoft.com/office/powerpoint/2010/main">
-    <mc:Choice Requires="p14">
-      <p:transition spd="slow" p14:dur="900" advClick="0">
-        <p:fade/>
-      </p:transition>
-    </mc:Choice>
-    <mc:Fallback xmlns="">
-      <p:transition xmlns:p14="http://schemas.microsoft.com/office/powerpoint/2010/main" spd="slow" advClick="0">
-        <p:fade/>
-      </p:transition>
-    </mc:Fallback>
-  </mc:AlternateContent>
-  <p:timing>
-    <p:tnLst>
-      <p:par>
-        <p:cTn xmlns:p14="http://schemas.microsoft.com/office/powerpoint/2010/main" id="1" dur="indefinite" restart="never" nodeType="tmRoot">
-          <p:childTnLst>
-            <p:seq concurrent="1" nextAc="seek">
-              <p:cTn id="2" dur="indefinite" nodeType="mainSeq">
-                <p:childTnLst>
-                  <p:par>
-                    <p:cTn id="3" fill="hold">
-                      <p:stCondLst>
-                        <p:cond delay="indefinite"/>
-                      </p:stCondLst>
-                      <p:childTnLst>
-                        <p:par>
-                          <p:cTn id="4" fill="hold">
-                            <p:stCondLst>
-                              <p:cond delay="0"/>
-                            </p:stCondLst>
-                            <p:childTnLst>
-                              <p:par>
-                                <p:cTn id="5" presetID="1" presetClass="entr" presetSubtype="0" fill="hold" nodeType="clickEffect">
-                                  <p:stCondLst>
-                                    <p:cond delay="0"/>
-                                  </p:stCondLst>
-                                  <p:childTnLst>
-                                    <p:set>
-                                      <p:cBhvr>
-                                        <p:cTn id="6" dur="1" fill="hold">
-                                          <p:stCondLst>
-                                            <p:cond delay="0"/>
-                                          </p:stCondLst>
-                                        </p:cTn>
-                                        <p:tgtEl>
-                                          <p:spTgt spid="2"/>
-                                        </p:tgtEl>
-                                        <p:attrNameLst>
-                                          <p:attrName>style.visibility</p:attrName>
-                                        </p:attrNameLst>
-                                      </p:cBhvr>
-                                      <p:to>
-                                        <p:strVal val="visible"/>
-                                      </p:to>
-                                    </p:set>
-                                  </p:childTnLst>
-                                </p:cTn>
-                              </p:par>
-                            </p:childTnLst>
-                          </p:cTn>
-                        </p:par>
-                        <p:par>
-                          <p:cTn id="7" fill="hold">
-                            <p:stCondLst>
-                              <p:cond delay="0"/>
-                            </p:stCondLst>
-                            <p:childTnLst>
-                              <p:par>
-                                <p:cTn id="8" presetID="22" presetClass="entr" presetSubtype="8" fill="hold" grpId="0" nodeType="afterEffect">
-                                  <p:stCondLst>
-                                    <p:cond delay="500"/>
-                                  </p:stCondLst>
-                                  <p:childTnLst>
-                                    <p:set>
-                                      <p:cBhvr>
-                                        <p:cTn id="9" dur="1" fill="hold">
-                                          <p:stCondLst>
-                                            <p:cond delay="0"/>
-                                          </p:stCondLst>
-                                        </p:cTn>
-                                        <p:tgtEl>
-                                          <p:spTgt spid="20"/>
-                                        </p:tgtEl>
-                                        <p:attrNameLst>
-                                          <p:attrName>style.visibility</p:attrName>
-                                        </p:attrNameLst>
-                                      </p:cBhvr>
-                                      <p:to>
-                                        <p:strVal val="visible"/>
-                                      </p:to>
-                                    </p:set>
-                                    <p:animEffect transition="in" filter="wipe(left)">
-                                      <p:cBhvr>
-                                        <p:cTn id="10" dur="500"/>
-                                        <p:tgtEl>
-                                          <p:spTgt spid="20"/>
-                                        </p:tgtEl>
-                                      </p:cBhvr>
-                                    </p:animEffect>
-                                  </p:childTnLst>
-                                </p:cTn>
-                              </p:par>
-                            </p:childTnLst>
-                          </p:cTn>
-                        </p:par>
-                        <p:par>
-                          <p:cTn id="11" fill="hold">
-                            <p:stCondLst>
-                              <p:cond delay="1000"/>
-                            </p:stCondLst>
-                            <p:childTnLst>
-                              <p:par>
-                                <p:cTn id="12" presetID="22" presetClass="entr" presetSubtype="2" fill="hold" nodeType="afterEffect">
-                                  <p:stCondLst>
-                                    <p:cond delay="0"/>
-                                  </p:stCondLst>
-                                  <p:childTnLst>
-                                    <p:set>
-                                      <p:cBhvr>
-                                        <p:cTn id="13" dur="1" fill="hold">
-                                          <p:stCondLst>
-                                            <p:cond delay="0"/>
-                                          </p:stCondLst>
-                                        </p:cTn>
-                                        <p:tgtEl>
-                                          <p:spTgt spid="22"/>
-                                        </p:tgtEl>
-                                        <p:attrNameLst>
-                                          <p:attrName>style.visibility</p:attrName>
-                                        </p:attrNameLst>
-                                      </p:cBhvr>
-                                      <p:to>
-                                        <p:strVal val="visible"/>
-                                      </p:to>
-                                    </p:set>
-                                    <p:animEffect transition="in" filter="wipe(right)">
-                                      <p:cBhvr>
-                                        <p:cTn id="14" dur="500"/>
-                                        <p:tgtEl>
-                                          <p:spTgt spid="22"/>
-                                        </p:tgtEl>
-                                      </p:cBhvr>
-                                    </p:animEffect>
-                                  </p:childTnLst>
-                                </p:cTn>
-                              </p:par>
-                            </p:childTnLst>
-                          </p:cTn>
-                        </p:par>
-                      </p:childTnLst>
-                    </p:cTn>
-                  </p:par>
-                </p:childTnLst>
-              </p:cTn>
-              <p:prevCondLst>
-                <p:cond evt="onPrev" delay="0">
-                  <p:tgtEl>
-                    <p:sldTgt/>
-                  </p:tgtEl>
-                </p:cond>
-              </p:prevCondLst>
-              <p:nextCondLst>
-                <p:cond evt="onNext" delay="0">
-                  <p:tgtEl>
-                    <p:sldTgt/>
-                  </p:tgtEl>
-                </p:cond>
-              </p:nextCondLst>
-            </p:seq>
-          </p:childTnLst>
-        </p:cTn>
-      </p:par>
-    </p:tnLst>
-    <p:bldLst>
-      <p:bldP spid="20" grpId="0" animBg="1"/>
-    </p:bldLst>
   </p:timing>
 </p:sld>
 </file>

--- a/spring13/slides13/tree-defs.pptx
+++ b/spring13/slides13/tree-defs.pptx
@@ -12,9 +12,9 @@
   </p:handoutMasterIdLst>
   <p:sldIdLst>
     <p:sldId id="990" r:id="rId2"/>
-    <p:sldId id="1045" r:id="rId3"/>
-    <p:sldId id="1046" r:id="rId4"/>
-    <p:sldId id="776" r:id="rId5"/>
+    <p:sldId id="776" r:id="rId3"/>
+    <p:sldId id="1045" r:id="rId4"/>
+    <p:sldId id="1046" r:id="rId5"/>
     <p:sldId id="777" r:id="rId6"/>
     <p:sldId id="1041" r:id="rId7"/>
     <p:sldId id="1043" r:id="rId8"/>
@@ -1539,78 +1539,70 @@
       </p:grpSpPr>
       <p:sp>
         <p:nvSpPr>
-          <p:cNvPr id="32770" name="Rectangle 7"/>
+          <p:cNvPr id="2" name="Slide Image Placeholder 1"/>
           <p:cNvSpPr>
-            <a:spLocks noGrp="1" noChangeArrowheads="1"/>
+            <a:spLocks noGrp="1" noRot="1" noChangeAspect="1"/>
           </p:cNvSpPr>
           <p:nvPr>
-            <p:ph type="sldNum" sz="quarter" idx="5"/>
+            <p:ph type="sldImg"/>
           </p:nvPr>
         </p:nvSpPr>
-        <p:spPr>
-          <a:noFill/>
-        </p:spPr>
+        <p:spPr/>
+      </p:sp>
+      <p:sp>
+        <p:nvSpPr>
+          <p:cNvPr id="3" name="Notes Placeholder 2"/>
+          <p:cNvSpPr>
+            <a:spLocks noGrp="1"/>
+          </p:cNvSpPr>
+          <p:nvPr>
+            <p:ph type="body" idx="1"/>
+          </p:nvPr>
+        </p:nvSpPr>
+        <p:spPr/>
         <p:txBody>
           <a:bodyPr/>
           <a:lstStyle/>
           <a:p>
-            <a:fld id="{D831173D-3A31-4B06-B60A-FCCBE2C82AC9}" type="slidenum">
-              <a:rPr lang="en-US" smtClean="0">
-                <a:latin typeface="Times New Roman" pitchFamily="8" charset="0"/>
-              </a:rPr>
-              <a:pPr/>
-              <a:t>17</a:t>
-            </a:fld>
-            <a:endParaRPr lang="en-US" smtClean="0">
-              <a:latin typeface="Times New Roman" pitchFamily="8" charset="0"/>
-            </a:endParaRPr>
+            <a:endParaRPr lang="en-US"/>
           </a:p>
         </p:txBody>
       </p:sp>
       <p:sp>
         <p:nvSpPr>
-          <p:cNvPr id="32771" name="Rectangle 2"/>
+          <p:cNvPr id="4" name="Slide Number Placeholder 3"/>
           <p:cNvSpPr>
-            <a:spLocks noGrp="1" noRot="1" noChangeAspect="1" noChangeArrowheads="1" noTextEdit="1"/>
+            <a:spLocks noGrp="1"/>
           </p:cNvSpPr>
           <p:nvPr>
-            <p:ph type="sldImg"/>
+            <p:ph type="sldNum" sz="quarter" idx="10"/>
           </p:nvPr>
         </p:nvSpPr>
-        <p:spPr>
-          <a:xfrm>
-            <a:off x="2974975" y="549275"/>
-            <a:ext cx="3657600" cy="2743200"/>
-          </a:xfrm>
-          <a:ln/>
-        </p:spPr>
-      </p:sp>
-      <p:sp>
-        <p:nvSpPr>
-          <p:cNvPr id="32772" name="Rectangle 3"/>
-          <p:cNvSpPr>
-            <a:spLocks noGrp="1" noChangeArrowheads="1"/>
-          </p:cNvSpPr>
-          <p:nvPr>
-            <p:ph type="body" idx="1"/>
-          </p:nvPr>
-        </p:nvSpPr>
-        <p:spPr>
-          <a:noFill/>
-          <a:ln/>
-        </p:spPr>
+        <p:spPr/>
         <p:txBody>
           <a:bodyPr/>
           <a:lstStyle/>
           <a:p>
-            <a:pPr eaLnBrk="1" hangingPunct="1"/>
-            <a:endParaRPr lang="en-US" smtClean="0">
-              <a:latin typeface="Times New Roman" pitchFamily="8" charset="0"/>
-            </a:endParaRPr>
+            <a:pPr>
+              <a:defRPr/>
+            </a:pPr>
+            <a:fld id="{BE7B95FB-0FFD-45DC-A496-AD0CACD1DEE5}" type="slidenum">
+              <a:rPr lang="en-US" smtClean="0"/>
+              <a:pPr>
+                <a:defRPr/>
+              </a:pPr>
+              <a:t>16</a:t>
+            </a:fld>
+            <a:endParaRPr lang="en-US"/>
           </a:p>
         </p:txBody>
       </p:sp>
     </p:spTree>
+    <p:extLst>
+      <p:ext uri="{BB962C8B-B14F-4D97-AF65-F5344CB8AC3E}">
+        <p14:creationId xmlns:p14="http://schemas.microsoft.com/office/powerpoint/2010/main" val="147481918"/>
+      </p:ext>
+    </p:extLst>
   </p:cSld>
   <p:clrMapOvr>
     <a:masterClrMapping/>
@@ -1637,7 +1629,7 @@
       </p:grpSpPr>
       <p:sp>
         <p:nvSpPr>
-          <p:cNvPr id="117762" name="Rectangle 7"/>
+          <p:cNvPr id="32770" name="Rectangle 7"/>
           <p:cNvSpPr>
             <a:spLocks noGrp="1" noChangeArrowheads="1"/>
           </p:cNvSpPr>
@@ -1652,14 +1644,14 @@
           <a:bodyPr/>
           <a:lstStyle/>
           <a:p>
-            <a:fld id="{FD6D4B5C-EB4D-4066-86E8-454D9D26200A}" type="slidenum">
-              <a:rPr lang="zh-CN" altLang="en-US" smtClean="0">
+            <a:fld id="{D831173D-3A31-4B06-B60A-FCCBE2C82AC9}" type="slidenum">
+              <a:rPr lang="en-US" smtClean="0">
                 <a:latin typeface="Times New Roman" pitchFamily="8" charset="0"/>
               </a:rPr>
               <a:pPr/>
-              <a:t>18</a:t>
+              <a:t>17</a:t>
             </a:fld>
-            <a:endParaRPr lang="en-US" altLang="zh-CN" smtClean="0">
+            <a:endParaRPr lang="en-US" smtClean="0">
               <a:latin typeface="Times New Roman" pitchFamily="8" charset="0"/>
             </a:endParaRPr>
           </a:p>
@@ -1667,7 +1659,7 @@
       </p:sp>
       <p:sp>
         <p:nvSpPr>
-          <p:cNvPr id="117763" name="Rectangle 2"/>
+          <p:cNvPr id="32771" name="Rectangle 2"/>
           <p:cNvSpPr>
             <a:spLocks noGrp="1" noRot="1" noChangeAspect="1" noChangeArrowheads="1" noTextEdit="1"/>
           </p:cNvSpPr>
@@ -1685,7 +1677,7 @@
       </p:sp>
       <p:sp>
         <p:nvSpPr>
-          <p:cNvPr id="117764" name="Rectangle 3"/>
+          <p:cNvPr id="32772" name="Rectangle 3"/>
           <p:cNvSpPr>
             <a:spLocks noGrp="1" noChangeArrowheads="1"/>
           </p:cNvSpPr>
@@ -1702,7 +1694,7 @@
           <a:lstStyle/>
           <a:p>
             <a:pPr eaLnBrk="1" hangingPunct="1"/>
-            <a:endParaRPr lang="zh-CN" altLang="en-US" smtClean="0">
+            <a:endParaRPr lang="en-US" smtClean="0">
               <a:latin typeface="Times New Roman" pitchFamily="8" charset="0"/>
             </a:endParaRPr>
           </a:p>
@@ -1755,7 +1747,7 @@
                 <a:latin typeface="Times New Roman" pitchFamily="8" charset="0"/>
               </a:rPr>
               <a:pPr/>
-              <a:t>19</a:t>
+              <a:t>18</a:t>
             </a:fld>
             <a:endParaRPr lang="en-US" altLang="zh-CN" smtClean="0">
               <a:latin typeface="Times New Roman" pitchFamily="8" charset="0"/>
@@ -1833,7 +1825,7 @@
       </p:grpSpPr>
       <p:sp>
         <p:nvSpPr>
-          <p:cNvPr id="119810" name="Rectangle 7"/>
+          <p:cNvPr id="117762" name="Rectangle 7"/>
           <p:cNvSpPr>
             <a:spLocks noGrp="1" noChangeArrowheads="1"/>
           </p:cNvSpPr>
@@ -1848,12 +1840,12 @@
           <a:bodyPr/>
           <a:lstStyle/>
           <a:p>
-            <a:fld id="{B5F5B48D-612D-413F-95AF-D6651EB2E19B}" type="slidenum">
+            <a:fld id="{FD6D4B5C-EB4D-4066-86E8-454D9D26200A}" type="slidenum">
               <a:rPr lang="zh-CN" altLang="en-US" smtClean="0">
                 <a:latin typeface="Times New Roman" pitchFamily="8" charset="0"/>
               </a:rPr>
               <a:pPr/>
-              <a:t>20</a:t>
+              <a:t>19</a:t>
             </a:fld>
             <a:endParaRPr lang="en-US" altLang="zh-CN" smtClean="0">
               <a:latin typeface="Times New Roman" pitchFamily="8" charset="0"/>
@@ -1863,7 +1855,7 @@
       </p:sp>
       <p:sp>
         <p:nvSpPr>
-          <p:cNvPr id="119811" name="Rectangle 2"/>
+          <p:cNvPr id="117763" name="Rectangle 2"/>
           <p:cNvSpPr>
             <a:spLocks noGrp="1" noRot="1" noChangeAspect="1" noChangeArrowheads="1" noTextEdit="1"/>
           </p:cNvSpPr>
@@ -1881,7 +1873,7 @@
       </p:sp>
       <p:sp>
         <p:nvSpPr>
-          <p:cNvPr id="119812" name="Rectangle 3"/>
+          <p:cNvPr id="117764" name="Rectangle 3"/>
           <p:cNvSpPr>
             <a:spLocks noGrp="1" noChangeArrowheads="1"/>
           </p:cNvSpPr>
@@ -1931,7 +1923,7 @@
       </p:grpSpPr>
       <p:sp>
         <p:nvSpPr>
-          <p:cNvPr id="116738" name="Rectangle 7"/>
+          <p:cNvPr id="117762" name="Rectangle 7"/>
           <p:cNvSpPr>
             <a:spLocks noGrp="1" noChangeArrowheads="1"/>
           </p:cNvSpPr>
@@ -1946,7 +1938,7 @@
           <a:bodyPr/>
           <a:lstStyle/>
           <a:p>
-            <a:fld id="{BED71AAD-DA34-46EF-AAAF-B4C0B8BDC4E7}" type="slidenum">
+            <a:fld id="{FD6D4B5C-EB4D-4066-86E8-454D9D26200A}" type="slidenum">
               <a:rPr lang="zh-CN" altLang="en-US" smtClean="0">
                 <a:latin typeface="Times New Roman" pitchFamily="8" charset="0"/>
               </a:rPr>
@@ -1961,7 +1953,7 @@
       </p:sp>
       <p:sp>
         <p:nvSpPr>
-          <p:cNvPr id="116739" name="Rectangle 2"/>
+          <p:cNvPr id="117763" name="Rectangle 2"/>
           <p:cNvSpPr>
             <a:spLocks noGrp="1" noRot="1" noChangeAspect="1" noChangeArrowheads="1" noTextEdit="1"/>
           </p:cNvSpPr>
@@ -1979,7 +1971,7 @@
       </p:sp>
       <p:sp>
         <p:nvSpPr>
-          <p:cNvPr id="116740" name="Rectangle 3"/>
+          <p:cNvPr id="117764" name="Rectangle 3"/>
           <p:cNvSpPr>
             <a:spLocks noGrp="1" noChangeArrowheads="1"/>
           </p:cNvSpPr>
@@ -2049,7 +2041,7 @@
                 <a:latin typeface="Times New Roman" pitchFamily="8" charset="0"/>
               </a:rPr>
               <a:pPr/>
-              <a:t>21</a:t>
+              <a:t>20</a:t>
             </a:fld>
             <a:endParaRPr lang="en-US" altLang="zh-CN" smtClean="0">
               <a:latin typeface="Times New Roman" pitchFamily="8" charset="0"/>
@@ -2147,7 +2139,7 @@
                 <a:latin typeface="Times New Roman" pitchFamily="8" charset="0"/>
               </a:rPr>
               <a:pPr/>
-              <a:t>22</a:t>
+              <a:t>21</a:t>
             </a:fld>
             <a:endParaRPr lang="en-US" altLang="zh-CN" smtClean="0">
               <a:latin typeface="Times New Roman" pitchFamily="8" charset="0"/>
@@ -2245,6 +2237,104 @@
                 <a:latin typeface="Times New Roman" pitchFamily="8" charset="0"/>
               </a:rPr>
               <a:pPr/>
+              <a:t>22</a:t>
+            </a:fld>
+            <a:endParaRPr lang="en-US" altLang="zh-CN" smtClean="0">
+              <a:latin typeface="Times New Roman" pitchFamily="8" charset="0"/>
+            </a:endParaRPr>
+          </a:p>
+        </p:txBody>
+      </p:sp>
+      <p:sp>
+        <p:nvSpPr>
+          <p:cNvPr id="119811" name="Rectangle 2"/>
+          <p:cNvSpPr>
+            <a:spLocks noGrp="1" noRot="1" noChangeAspect="1" noChangeArrowheads="1" noTextEdit="1"/>
+          </p:cNvSpPr>
+          <p:nvPr>
+            <p:ph type="sldImg"/>
+          </p:nvPr>
+        </p:nvSpPr>
+        <p:spPr>
+          <a:xfrm>
+            <a:off x="2974975" y="549275"/>
+            <a:ext cx="3657600" cy="2743200"/>
+          </a:xfrm>
+          <a:ln/>
+        </p:spPr>
+      </p:sp>
+      <p:sp>
+        <p:nvSpPr>
+          <p:cNvPr id="119812" name="Rectangle 3"/>
+          <p:cNvSpPr>
+            <a:spLocks noGrp="1" noChangeArrowheads="1"/>
+          </p:cNvSpPr>
+          <p:nvPr>
+            <p:ph type="body" idx="1"/>
+          </p:nvPr>
+        </p:nvSpPr>
+        <p:spPr>
+          <a:noFill/>
+          <a:ln/>
+        </p:spPr>
+        <p:txBody>
+          <a:bodyPr/>
+          <a:lstStyle/>
+          <a:p>
+            <a:pPr eaLnBrk="1" hangingPunct="1"/>
+            <a:endParaRPr lang="zh-CN" altLang="en-US" smtClean="0">
+              <a:latin typeface="Times New Roman" pitchFamily="8" charset="0"/>
+            </a:endParaRPr>
+          </a:p>
+        </p:txBody>
+      </p:sp>
+    </p:spTree>
+  </p:cSld>
+  <p:clrMapOvr>
+    <a:masterClrMapping/>
+  </p:clrMapOvr>
+</p:notes>
+</file>
+
+<file path=ppt/notesSlides/notesSlide23.xml><?xml version="1.0" encoding="utf-8"?>
+<p:notes xmlns:a="http://schemas.openxmlformats.org/drawingml/2006/main" xmlns:r="http://schemas.openxmlformats.org/officeDocument/2006/relationships" xmlns:p="http://schemas.openxmlformats.org/presentationml/2006/main">
+  <p:cSld>
+    <p:spTree>
+      <p:nvGrpSpPr>
+        <p:cNvPr id="1" name=""/>
+        <p:cNvGrpSpPr/>
+        <p:nvPr/>
+      </p:nvGrpSpPr>
+      <p:grpSpPr>
+        <a:xfrm>
+          <a:off x="0" y="0"/>
+          <a:ext cx="0" cy="0"/>
+          <a:chOff x="0" y="0"/>
+          <a:chExt cx="0" cy="0"/>
+        </a:xfrm>
+      </p:grpSpPr>
+      <p:sp>
+        <p:nvSpPr>
+          <p:cNvPr id="119810" name="Rectangle 7"/>
+          <p:cNvSpPr>
+            <a:spLocks noGrp="1" noChangeArrowheads="1"/>
+          </p:cNvSpPr>
+          <p:nvPr>
+            <p:ph type="sldNum" sz="quarter" idx="5"/>
+          </p:nvPr>
+        </p:nvSpPr>
+        <p:spPr>
+          <a:noFill/>
+        </p:spPr>
+        <p:txBody>
+          <a:bodyPr/>
+          <a:lstStyle/>
+          <a:p>
+            <a:fld id="{B5F5B48D-612D-413F-95AF-D6651EB2E19B}" type="slidenum">
+              <a:rPr lang="zh-CN" altLang="en-US" smtClean="0">
+                <a:latin typeface="Times New Roman" pitchFamily="8" charset="0"/>
+              </a:rPr>
+              <a:pPr/>
               <a:t>23</a:t>
             </a:fld>
             <a:endParaRPr lang="en-US" altLang="zh-CN" smtClean="0">
@@ -2421,7 +2511,7 @@
       </p:grpSpPr>
       <p:sp>
         <p:nvSpPr>
-          <p:cNvPr id="117762" name="Rectangle 7"/>
+          <p:cNvPr id="116738" name="Rectangle 7"/>
           <p:cNvSpPr>
             <a:spLocks noGrp="1" noChangeArrowheads="1"/>
           </p:cNvSpPr>
@@ -2436,7 +2526,7 @@
           <a:bodyPr/>
           <a:lstStyle/>
           <a:p>
-            <a:fld id="{FD6D4B5C-EB4D-4066-86E8-454D9D26200A}" type="slidenum">
+            <a:fld id="{BED71AAD-DA34-46EF-AAAF-B4C0B8BDC4E7}" type="slidenum">
               <a:rPr lang="zh-CN" altLang="en-US" smtClean="0">
                 <a:latin typeface="Times New Roman" pitchFamily="8" charset="0"/>
               </a:rPr>
@@ -2451,7 +2541,7 @@
       </p:sp>
       <p:sp>
         <p:nvSpPr>
-          <p:cNvPr id="117763" name="Rectangle 2"/>
+          <p:cNvPr id="116739" name="Rectangle 2"/>
           <p:cNvSpPr>
             <a:spLocks noGrp="1" noRot="1" noChangeAspect="1" noChangeArrowheads="1" noTextEdit="1"/>
           </p:cNvSpPr>
@@ -2469,7 +2559,7 @@
       </p:sp>
       <p:sp>
         <p:nvSpPr>
-          <p:cNvPr id="117764" name="Rectangle 3"/>
+          <p:cNvPr id="116740" name="Rectangle 3"/>
           <p:cNvSpPr>
             <a:spLocks noGrp="1" noChangeArrowheads="1"/>
           </p:cNvSpPr>
@@ -9077,7 +9167,7 @@
 </file>
 
 <file path=ppt/slides/slide16.xml><?xml version="1.0" encoding="utf-8"?>
-<p:sld xmlns:a="http://schemas.openxmlformats.org/drawingml/2006/main" xmlns:r="http://schemas.openxmlformats.org/officeDocument/2006/relationships" xmlns:p="http://schemas.openxmlformats.org/presentationml/2006/main">
+<p:sld xmlns:a="http://schemas.openxmlformats.org/drawingml/2006/main" xmlns:r="http://schemas.openxmlformats.org/officeDocument/2006/relationships" xmlns:p="http://schemas.openxmlformats.org/presentationml/2006/main" show="0">
   <p:cSld>
     <p:spTree>
       <p:nvGrpSpPr>
@@ -9224,18 +9314,9 @@
   <p:clrMapOvr>
     <a:masterClrMapping/>
   </p:clrMapOvr>
-  <mc:AlternateContent xmlns:mc="http://schemas.openxmlformats.org/markup-compatibility/2006" xmlns:p14="http://schemas.microsoft.com/office/powerpoint/2010/main">
-    <mc:Choice Requires="p14">
-      <p:transition spd="slow" p14:dur="900" advClick="0">
-        <p:fade/>
-      </p:transition>
-    </mc:Choice>
-    <mc:Fallback xmlns="">
-      <p:transition xmlns:p14="http://schemas.microsoft.com/office/powerpoint/2010/main" spd="slow" advClick="0">
-        <p:fade/>
-      </p:transition>
-    </mc:Fallback>
-  </mc:AlternateContent>
+  <p:transition xmlns:p14="http://schemas.microsoft.com/office/powerpoint/2010/main" spd="slow" advClick="0">
+    <p:fade thruBlk="1"/>
+  </p:transition>
   <p:timing>
     <p:tnLst>
       <p:par>
@@ -9424,9 +9505,18 @@
   <p:clrMapOvr>
     <a:masterClrMapping/>
   </p:clrMapOvr>
-  <p:transition xmlns:p14="http://schemas.microsoft.com/office/powerpoint/2010/main" spd="slow" advClick="0">
-    <p:fade thruBlk="1"/>
-  </p:transition>
+  <mc:AlternateContent xmlns:mc="http://schemas.openxmlformats.org/markup-compatibility/2006">
+    <mc:Choice xmlns:p14="http://schemas.microsoft.com/office/powerpoint/2010/main" Requires="p14">
+      <p:transition spd="med" p14:dur="700" advClick="0">
+        <p:fade/>
+      </p:transition>
+    </mc:Choice>
+    <mc:Fallback>
+      <p:transition xmlns:p14="http://schemas.microsoft.com/office/powerpoint/2010/main" spd="med" advClick="0">
+        <p:fade/>
+      </p:transition>
+    </mc:Fallback>
+  </mc:AlternateContent>
   <p:timing>
     <p:tnLst>
       <p:par>
@@ -10907,10 +10997,6 @@
               </a:rPr>
               <a:t>.</a:t>
             </a:r>
-            <a:endParaRPr lang="en-US" altLang="zh-CN" sz="4800" dirty="0" smtClean="0">
-              <a:latin typeface="+mj-lt"/>
-              <a:ea typeface="宋体" pitchFamily="2" charset="-122"/>
-            </a:endParaRPr>
           </a:p>
           <a:p>
             <a:pPr marL="342900" marR="0" lvl="0" indent="-342900" algn="l" defTabSz="914400" rtl="0" eaLnBrk="1" fontAlgn="base" latinLnBrk="0" hangingPunct="1">
@@ -10957,13 +11043,13 @@
   <p:clrMapOvr>
     <a:masterClrMapping/>
   </p:clrMapOvr>
-  <mc:AlternateContent xmlns:mc="http://schemas.openxmlformats.org/markup-compatibility/2006">
-    <mc:Choice xmlns:p14="http://schemas.microsoft.com/office/powerpoint/2010/main" Requires="p14">
+  <mc:AlternateContent xmlns:mc="http://schemas.openxmlformats.org/markup-compatibility/2006" xmlns:p14="http://schemas.microsoft.com/office/powerpoint/2010/main">
+    <mc:Choice Requires="p14">
       <p:transition spd="med" p14:dur="700" advClick="0">
         <p:fade/>
       </p:transition>
     </mc:Choice>
-    <mc:Fallback>
+    <mc:Fallback xmlns="">
       <p:transition xmlns:p14="http://schemas.microsoft.com/office/powerpoint/2010/main" spd="med" advClick="0">
         <p:fade/>
       </p:transition>
@@ -10980,6 +11066,2235 @@
 </file>
 
 <file path=ppt/slides/slide2.xml><?xml version="1.0" encoding="utf-8"?>
+<p:sld xmlns:a="http://schemas.openxmlformats.org/drawingml/2006/main" xmlns:r="http://schemas.openxmlformats.org/officeDocument/2006/relationships" xmlns:p="http://schemas.openxmlformats.org/presentationml/2006/main">
+  <p:cSld>
+    <p:spTree>
+      <p:nvGrpSpPr>
+        <p:cNvPr id="1" name=""/>
+        <p:cNvGrpSpPr/>
+        <p:nvPr/>
+      </p:nvGrpSpPr>
+      <p:grpSpPr>
+        <a:xfrm>
+          <a:off x="0" y="0"/>
+          <a:ext cx="0" cy="0"/>
+          <a:chOff x="0" y="0"/>
+          <a:chExt cx="0" cy="0"/>
+        </a:xfrm>
+      </p:grpSpPr>
+      <p:sp>
+        <p:nvSpPr>
+          <p:cNvPr id="59394" name="Rectangle 2"/>
+          <p:cNvSpPr>
+            <a:spLocks noGrp="1" noChangeArrowheads="1"/>
+          </p:cNvSpPr>
+          <p:nvPr>
+            <p:ph type="title"/>
+          </p:nvPr>
+        </p:nvSpPr>
+        <p:spPr/>
+        <p:txBody>
+          <a:bodyPr/>
+          <a:lstStyle/>
+          <a:p>
+            <a:pPr eaLnBrk="1" hangingPunct="1"/>
+            <a:r>
+              <a:rPr lang="en-US" altLang="zh-CN" dirty="0" smtClean="0">
+                <a:ea typeface="宋体" pitchFamily="2" charset="-122"/>
+              </a:rPr>
+              <a:t>Trees</a:t>
+            </a:r>
+          </a:p>
+        </p:txBody>
+      </p:sp>
+      <p:sp>
+        <p:nvSpPr>
+          <p:cNvPr id="59395" name="Rectangle 3"/>
+          <p:cNvSpPr>
+            <a:spLocks noGrp="1" noChangeArrowheads="1"/>
+          </p:cNvSpPr>
+          <p:nvPr>
+            <p:ph type="body" idx="1"/>
+          </p:nvPr>
+        </p:nvSpPr>
+        <p:spPr>
+          <a:xfrm>
+            <a:off x="171743" y="1155237"/>
+            <a:ext cx="8876714" cy="1756782"/>
+          </a:xfrm>
+        </p:spPr>
+        <p:txBody>
+          <a:bodyPr/>
+          <a:lstStyle/>
+          <a:p>
+            <a:pPr eaLnBrk="1" hangingPunct="1">
+              <a:buFontTx/>
+              <a:buNone/>
+            </a:pPr>
+            <a:r>
+              <a:rPr lang="en-US" altLang="zh-CN" sz="4800" dirty="0" smtClean="0">
+                <a:ea typeface="宋体" pitchFamily="2" charset="-122"/>
+              </a:rPr>
+              <a:t>A </a:t>
+            </a:r>
+            <a:r>
+              <a:rPr lang="en-US" altLang="zh-CN" sz="4800" dirty="0" smtClean="0">
+                <a:solidFill>
+                  <a:srgbClr val="0033CC"/>
+                </a:solidFill>
+                <a:ea typeface="宋体" pitchFamily="2" charset="-122"/>
+              </a:rPr>
+              <a:t>tree</a:t>
+            </a:r>
+            <a:r>
+              <a:rPr lang="en-US" altLang="zh-CN" sz="4800" dirty="0" smtClean="0">
+                <a:ea typeface="宋体" pitchFamily="2" charset="-122"/>
+              </a:rPr>
+              <a:t> is a connected graph </a:t>
+            </a:r>
+          </a:p>
+          <a:p>
+            <a:pPr eaLnBrk="1" hangingPunct="1">
+              <a:buFontTx/>
+              <a:buNone/>
+            </a:pPr>
+            <a:r>
+              <a:rPr lang="en-US" altLang="zh-CN" sz="4800" dirty="0" smtClean="0">
+                <a:ea typeface="宋体" pitchFamily="2" charset="-122"/>
+              </a:rPr>
+              <a:t>with </a:t>
+            </a:r>
+            <a:r>
+              <a:rPr lang="en-US" altLang="zh-CN" sz="4800" dirty="0" smtClean="0">
+                <a:solidFill>
+                  <a:srgbClr val="008000"/>
+                </a:solidFill>
+                <a:ea typeface="宋体" pitchFamily="2" charset="-122"/>
+              </a:rPr>
+              <a:t>no cycles</a:t>
+            </a:r>
+            <a:r>
+              <a:rPr lang="en-US" altLang="zh-CN" sz="4800" dirty="0" smtClean="0">
+                <a:ea typeface="宋体" pitchFamily="2" charset="-122"/>
+              </a:rPr>
+              <a:t>.</a:t>
+            </a:r>
+          </a:p>
+        </p:txBody>
+      </p:sp>
+      <p:grpSp>
+        <p:nvGrpSpPr>
+          <p:cNvPr id="2" name="Group 4"/>
+          <p:cNvGrpSpPr>
+            <a:grpSpLocks/>
+          </p:cNvGrpSpPr>
+          <p:nvPr/>
+        </p:nvGrpSpPr>
+        <p:grpSpPr bwMode="auto">
+          <a:xfrm>
+            <a:off x="3024188" y="3359150"/>
+            <a:ext cx="2681287" cy="2332038"/>
+            <a:chOff x="1905" y="2116"/>
+            <a:chExt cx="1689" cy="1469"/>
+          </a:xfrm>
+        </p:grpSpPr>
+        <p:sp>
+          <p:nvSpPr>
+            <p:cNvPr id="59398" name="Oval 5"/>
+            <p:cNvSpPr>
+              <a:spLocks noChangeArrowheads="1"/>
+            </p:cNvSpPr>
+            <p:nvPr/>
+          </p:nvSpPr>
+          <p:spPr bwMode="auto">
+            <a:xfrm>
+              <a:off x="2722" y="2798"/>
+              <a:ext cx="144" cy="144"/>
+            </a:xfrm>
+            <a:prstGeom prst="ellipse">
+              <a:avLst/>
+            </a:prstGeom>
+            <a:solidFill>
+              <a:srgbClr val="0066FF"/>
+            </a:solidFill>
+            <a:ln w="25400">
+              <a:solidFill>
+                <a:schemeClr val="tx1"/>
+              </a:solidFill>
+              <a:round/>
+              <a:headEnd/>
+              <a:tailEnd type="none" w="lg" len="lg"/>
+            </a:ln>
+          </p:spPr>
+          <p:txBody>
+            <a:bodyPr wrap="none" anchor="ctr"/>
+            <a:lstStyle/>
+            <a:p>
+              <a:endParaRPr lang="zh-CN" altLang="en-US">
+                <a:ea typeface="宋体" pitchFamily="2" charset="-122"/>
+              </a:endParaRPr>
+            </a:p>
+          </p:txBody>
+        </p:sp>
+        <p:sp>
+          <p:nvSpPr>
+            <p:cNvPr id="59399" name="Oval 6"/>
+            <p:cNvSpPr>
+              <a:spLocks noChangeArrowheads="1"/>
+            </p:cNvSpPr>
+            <p:nvPr/>
+          </p:nvSpPr>
+          <p:spPr bwMode="auto">
+            <a:xfrm>
+              <a:off x="2721" y="2116"/>
+              <a:ext cx="144" cy="144"/>
+            </a:xfrm>
+            <a:prstGeom prst="ellipse">
+              <a:avLst/>
+            </a:prstGeom>
+            <a:solidFill>
+              <a:srgbClr val="0066FF"/>
+            </a:solidFill>
+            <a:ln w="25400">
+              <a:solidFill>
+                <a:schemeClr val="tx1"/>
+              </a:solidFill>
+              <a:round/>
+              <a:headEnd/>
+              <a:tailEnd type="none" w="lg" len="lg"/>
+            </a:ln>
+          </p:spPr>
+          <p:txBody>
+            <a:bodyPr wrap="none" anchor="ctr"/>
+            <a:lstStyle/>
+            <a:p>
+              <a:endParaRPr lang="zh-CN" altLang="en-US">
+                <a:ea typeface="宋体" pitchFamily="2" charset="-122"/>
+              </a:endParaRPr>
+            </a:p>
+          </p:txBody>
+        </p:sp>
+        <p:sp>
+          <p:nvSpPr>
+            <p:cNvPr id="59400" name="Oval 7"/>
+            <p:cNvSpPr>
+              <a:spLocks noChangeArrowheads="1"/>
+            </p:cNvSpPr>
+            <p:nvPr/>
+          </p:nvSpPr>
+          <p:spPr bwMode="auto">
+            <a:xfrm>
+              <a:off x="3145" y="2534"/>
+              <a:ext cx="144" cy="144"/>
+            </a:xfrm>
+            <a:prstGeom prst="ellipse">
+              <a:avLst/>
+            </a:prstGeom>
+            <a:solidFill>
+              <a:srgbClr val="0066FF"/>
+            </a:solidFill>
+            <a:ln w="25400">
+              <a:solidFill>
+                <a:schemeClr val="tx1"/>
+              </a:solidFill>
+              <a:round/>
+              <a:headEnd/>
+              <a:tailEnd type="none" w="lg" len="lg"/>
+            </a:ln>
+          </p:spPr>
+          <p:txBody>
+            <a:bodyPr wrap="none" anchor="ctr"/>
+            <a:lstStyle/>
+            <a:p>
+              <a:endParaRPr lang="zh-CN" altLang="en-US">
+                <a:ea typeface="宋体" pitchFamily="2" charset="-122"/>
+              </a:endParaRPr>
+            </a:p>
+          </p:txBody>
+        </p:sp>
+        <p:sp>
+          <p:nvSpPr>
+            <p:cNvPr id="59401" name="Oval 8"/>
+            <p:cNvSpPr>
+              <a:spLocks noChangeArrowheads="1"/>
+            </p:cNvSpPr>
+            <p:nvPr/>
+          </p:nvSpPr>
+          <p:spPr bwMode="auto">
+            <a:xfrm>
+              <a:off x="1905" y="2534"/>
+              <a:ext cx="144" cy="144"/>
+            </a:xfrm>
+            <a:prstGeom prst="ellipse">
+              <a:avLst/>
+            </a:prstGeom>
+            <a:solidFill>
+              <a:srgbClr val="0066FF"/>
+            </a:solidFill>
+            <a:ln w="25400">
+              <a:solidFill>
+                <a:schemeClr val="tx1"/>
+              </a:solidFill>
+              <a:round/>
+              <a:headEnd/>
+              <a:tailEnd type="none" w="lg" len="lg"/>
+            </a:ln>
+          </p:spPr>
+          <p:txBody>
+            <a:bodyPr wrap="none" anchor="ctr"/>
+            <a:lstStyle/>
+            <a:p>
+              <a:endParaRPr lang="zh-CN" altLang="en-US">
+                <a:ea typeface="宋体" pitchFamily="2" charset="-122"/>
+              </a:endParaRPr>
+            </a:p>
+          </p:txBody>
+        </p:sp>
+        <p:sp>
+          <p:nvSpPr>
+            <p:cNvPr id="59402" name="Oval 9"/>
+            <p:cNvSpPr>
+              <a:spLocks noChangeArrowheads="1"/>
+            </p:cNvSpPr>
+            <p:nvPr/>
+          </p:nvSpPr>
+          <p:spPr bwMode="auto">
+            <a:xfrm>
+              <a:off x="2722" y="3441"/>
+              <a:ext cx="144" cy="144"/>
+            </a:xfrm>
+            <a:prstGeom prst="ellipse">
+              <a:avLst/>
+            </a:prstGeom>
+            <a:solidFill>
+              <a:srgbClr val="0066FF"/>
+            </a:solidFill>
+            <a:ln w="25400">
+              <a:solidFill>
+                <a:schemeClr val="tx1"/>
+              </a:solidFill>
+              <a:round/>
+              <a:headEnd/>
+              <a:tailEnd type="none" w="lg" len="lg"/>
+            </a:ln>
+          </p:spPr>
+          <p:txBody>
+            <a:bodyPr wrap="none" anchor="ctr"/>
+            <a:lstStyle/>
+            <a:p>
+              <a:endParaRPr lang="zh-CN" altLang="en-US">
+                <a:ea typeface="宋体" pitchFamily="2" charset="-122"/>
+              </a:endParaRPr>
+            </a:p>
+          </p:txBody>
+        </p:sp>
+        <p:sp>
+          <p:nvSpPr>
+            <p:cNvPr id="59403" name="Oval 10"/>
+            <p:cNvSpPr>
+              <a:spLocks noChangeArrowheads="1"/>
+            </p:cNvSpPr>
+            <p:nvPr/>
+          </p:nvSpPr>
+          <p:spPr bwMode="auto">
+            <a:xfrm>
+              <a:off x="3450" y="3081"/>
+              <a:ext cx="144" cy="144"/>
+            </a:xfrm>
+            <a:prstGeom prst="ellipse">
+              <a:avLst/>
+            </a:prstGeom>
+            <a:solidFill>
+              <a:srgbClr val="0066FF"/>
+            </a:solidFill>
+            <a:ln w="25400">
+              <a:solidFill>
+                <a:schemeClr val="tx1"/>
+              </a:solidFill>
+              <a:round/>
+              <a:headEnd/>
+              <a:tailEnd type="none" w="lg" len="lg"/>
+            </a:ln>
+          </p:spPr>
+          <p:txBody>
+            <a:bodyPr wrap="none" anchor="ctr"/>
+            <a:lstStyle/>
+            <a:p>
+              <a:endParaRPr lang="zh-CN" altLang="en-US">
+                <a:ea typeface="宋体" pitchFamily="2" charset="-122"/>
+              </a:endParaRPr>
+            </a:p>
+          </p:txBody>
+        </p:sp>
+        <p:cxnSp>
+          <p:nvCxnSpPr>
+            <p:cNvPr id="59404" name="AutoShape 11"/>
+            <p:cNvCxnSpPr>
+              <a:cxnSpLocks noChangeShapeType="1"/>
+              <a:stCxn id="59399" idx="3"/>
+              <a:endCxn id="59401" idx="0"/>
+            </p:cNvCxnSpPr>
+            <p:nvPr/>
+          </p:nvCxnSpPr>
+          <p:spPr bwMode="auto">
+            <a:xfrm flipH="1">
+              <a:off x="1977" y="2239"/>
+              <a:ext cx="765" cy="295"/>
+            </a:xfrm>
+            <a:prstGeom prst="straightConnector1">
+              <a:avLst/>
+            </a:prstGeom>
+            <a:noFill/>
+            <a:ln w="25400">
+              <a:solidFill>
+                <a:schemeClr val="tx1"/>
+              </a:solidFill>
+              <a:round/>
+              <a:headEnd/>
+              <a:tailEnd type="none" w="lg" len="lg"/>
+            </a:ln>
+          </p:spPr>
+        </p:cxnSp>
+        <p:cxnSp>
+          <p:nvCxnSpPr>
+            <p:cNvPr id="59405" name="AutoShape 12"/>
+            <p:cNvCxnSpPr>
+              <a:cxnSpLocks noChangeShapeType="1"/>
+              <a:stCxn id="59399" idx="4"/>
+              <a:endCxn id="59398" idx="0"/>
+            </p:cNvCxnSpPr>
+            <p:nvPr/>
+          </p:nvCxnSpPr>
+          <p:spPr bwMode="auto">
+            <a:xfrm>
+              <a:off x="2793" y="2260"/>
+              <a:ext cx="1" cy="538"/>
+            </a:xfrm>
+            <a:prstGeom prst="straightConnector1">
+              <a:avLst/>
+            </a:prstGeom>
+            <a:noFill/>
+            <a:ln w="25400">
+              <a:solidFill>
+                <a:schemeClr val="tx1"/>
+              </a:solidFill>
+              <a:round/>
+              <a:headEnd/>
+              <a:tailEnd type="none" w="lg" len="lg"/>
+            </a:ln>
+          </p:spPr>
+        </p:cxnSp>
+        <p:cxnSp>
+          <p:nvCxnSpPr>
+            <p:cNvPr id="59406" name="AutoShape 13"/>
+            <p:cNvCxnSpPr>
+              <a:cxnSpLocks noChangeShapeType="1"/>
+              <a:stCxn id="59399" idx="5"/>
+              <a:endCxn id="59400" idx="1"/>
+            </p:cNvCxnSpPr>
+            <p:nvPr/>
+          </p:nvCxnSpPr>
+          <p:spPr bwMode="auto">
+            <a:xfrm>
+              <a:off x="2844" y="2239"/>
+              <a:ext cx="322" cy="316"/>
+            </a:xfrm>
+            <a:prstGeom prst="straightConnector1">
+              <a:avLst/>
+            </a:prstGeom>
+            <a:noFill/>
+            <a:ln w="25400">
+              <a:solidFill>
+                <a:schemeClr val="tx1"/>
+              </a:solidFill>
+              <a:round/>
+              <a:headEnd/>
+              <a:tailEnd type="none" w="lg" len="lg"/>
+            </a:ln>
+          </p:spPr>
+        </p:cxnSp>
+        <p:cxnSp>
+          <p:nvCxnSpPr>
+            <p:cNvPr id="59407" name="AutoShape 14"/>
+            <p:cNvCxnSpPr>
+              <a:cxnSpLocks noChangeShapeType="1"/>
+              <a:stCxn id="59398" idx="4"/>
+              <a:endCxn id="59402" idx="0"/>
+            </p:cNvCxnSpPr>
+            <p:nvPr/>
+          </p:nvCxnSpPr>
+          <p:spPr bwMode="auto">
+            <a:xfrm>
+              <a:off x="2794" y="2942"/>
+              <a:ext cx="0" cy="499"/>
+            </a:xfrm>
+            <a:prstGeom prst="straightConnector1">
+              <a:avLst/>
+            </a:prstGeom>
+            <a:noFill/>
+            <a:ln w="25400">
+              <a:solidFill>
+                <a:schemeClr val="tx1"/>
+              </a:solidFill>
+              <a:round/>
+              <a:headEnd/>
+              <a:tailEnd type="none" w="lg" len="lg"/>
+            </a:ln>
+          </p:spPr>
+        </p:cxnSp>
+        <p:cxnSp>
+          <p:nvCxnSpPr>
+            <p:cNvPr id="59408" name="AutoShape 15"/>
+            <p:cNvCxnSpPr>
+              <a:cxnSpLocks noChangeShapeType="1"/>
+              <a:stCxn id="59400" idx="5"/>
+              <a:endCxn id="59403" idx="0"/>
+            </p:cNvCxnSpPr>
+            <p:nvPr/>
+          </p:nvCxnSpPr>
+          <p:spPr bwMode="auto">
+            <a:xfrm>
+              <a:off x="3268" y="2657"/>
+              <a:ext cx="254" cy="424"/>
+            </a:xfrm>
+            <a:prstGeom prst="straightConnector1">
+              <a:avLst/>
+            </a:prstGeom>
+            <a:noFill/>
+            <a:ln w="25400">
+              <a:solidFill>
+                <a:schemeClr val="tx1"/>
+              </a:solidFill>
+              <a:round/>
+              <a:headEnd/>
+              <a:tailEnd type="none" w="lg" len="lg"/>
+            </a:ln>
+          </p:spPr>
+        </p:cxnSp>
+      </p:grpSp>
+      <p:sp>
+        <p:nvSpPr>
+          <p:cNvPr id="59397" name="Rectangle 11"/>
+          <p:cNvSpPr>
+            <a:spLocks noGrp="1" noChangeArrowheads="1"/>
+          </p:cNvSpPr>
+          <p:nvPr>
+            <p:ph type="sldNum" sz="quarter" idx="10"/>
+          </p:nvPr>
+        </p:nvSpPr>
+        <p:spPr>
+          <a:noFill/>
+        </p:spPr>
+        <p:txBody>
+          <a:bodyPr/>
+          <a:lstStyle/>
+          <a:p>
+            <a:r>
+              <a:rPr lang="en-US" dirty="0" smtClean="0"/>
+              <a:t>tree-def.</a:t>
+            </a:r>
+            <a:fld id="{94284E41-544E-443B-BF20-3F3016A53813}" type="slidenum">
+              <a:rPr lang="en-US" smtClean="0"/>
+              <a:pPr/>
+              <a:t>2</a:t>
+            </a:fld>
+            <a:endParaRPr lang="en-US" dirty="0"/>
+          </a:p>
+        </p:txBody>
+      </p:sp>
+    </p:spTree>
+  </p:cSld>
+  <p:clrMapOvr>
+    <a:masterClrMapping/>
+  </p:clrMapOvr>
+  <mc:AlternateContent xmlns:mc="http://schemas.openxmlformats.org/markup-compatibility/2006" xmlns:p14="http://schemas.microsoft.com/office/powerpoint/2010/main">
+    <mc:Choice Requires="p14">
+      <p:transition spd="slow" p14:dur="1100" advClick="0">
+        <p:fade thruBlk="1"/>
+      </p:transition>
+    </mc:Choice>
+    <mc:Fallback xmlns="">
+      <p:transition xmlns:p14="http://schemas.microsoft.com/office/powerpoint/2010/main" spd="slow" advClick="0">
+        <p:fade thruBlk="1"/>
+      </p:transition>
+    </mc:Fallback>
+  </mc:AlternateContent>
+  <p:timing>
+    <p:tnLst>
+      <p:par>
+        <p:cTn xmlns:p14="http://schemas.microsoft.com/office/powerpoint/2010/main" id="1" dur="indefinite" restart="never" nodeType="tmRoot">
+          <p:childTnLst>
+            <p:seq concurrent="1" nextAc="seek">
+              <p:cTn id="2" dur="indefinite" nodeType="mainSeq">
+                <p:childTnLst>
+                  <p:par>
+                    <p:cTn id="3" fill="hold">
+                      <p:stCondLst>
+                        <p:cond delay="indefinite"/>
+                      </p:stCondLst>
+                      <p:childTnLst>
+                        <p:par>
+                          <p:cTn id="4" fill="hold">
+                            <p:stCondLst>
+                              <p:cond delay="0"/>
+                            </p:stCondLst>
+                            <p:childTnLst>
+                              <p:par>
+                                <p:cTn id="5" presetID="22" presetClass="entr" presetSubtype="1" fill="hold" nodeType="clickEffect">
+                                  <p:stCondLst>
+                                    <p:cond delay="0"/>
+                                  </p:stCondLst>
+                                  <p:childTnLst>
+                                    <p:set>
+                                      <p:cBhvr>
+                                        <p:cTn id="6" dur="1" fill="hold">
+                                          <p:stCondLst>
+                                            <p:cond delay="0"/>
+                                          </p:stCondLst>
+                                        </p:cTn>
+                                        <p:tgtEl>
+                                          <p:spTgt spid="2"/>
+                                        </p:tgtEl>
+                                        <p:attrNameLst>
+                                          <p:attrName>style.visibility</p:attrName>
+                                        </p:attrNameLst>
+                                      </p:cBhvr>
+                                      <p:to>
+                                        <p:strVal val="visible"/>
+                                      </p:to>
+                                    </p:set>
+                                    <p:animEffect transition="in" filter="wipe(up)">
+                                      <p:cBhvr>
+                                        <p:cTn id="7" dur="500"/>
+                                        <p:tgtEl>
+                                          <p:spTgt spid="2"/>
+                                        </p:tgtEl>
+                                      </p:cBhvr>
+                                    </p:animEffect>
+                                  </p:childTnLst>
+                                </p:cTn>
+                              </p:par>
+                            </p:childTnLst>
+                          </p:cTn>
+                        </p:par>
+                      </p:childTnLst>
+                    </p:cTn>
+                  </p:par>
+                </p:childTnLst>
+              </p:cTn>
+              <p:prevCondLst>
+                <p:cond evt="onPrev" delay="0">
+                  <p:tgtEl>
+                    <p:sldTgt/>
+                  </p:tgtEl>
+                </p:cond>
+              </p:prevCondLst>
+              <p:nextCondLst>
+                <p:cond evt="onNext" delay="0">
+                  <p:tgtEl>
+                    <p:sldTgt/>
+                  </p:tgtEl>
+                </p:cond>
+              </p:nextCondLst>
+            </p:seq>
+          </p:childTnLst>
+        </p:cTn>
+      </p:par>
+    </p:tnLst>
+  </p:timing>
+</p:sld>
+</file>
+
+<file path=ppt/slides/slide20.xml><?xml version="1.0" encoding="utf-8"?>
+<p:sld xmlns:a="http://schemas.openxmlformats.org/drawingml/2006/main" xmlns:r="http://schemas.openxmlformats.org/officeDocument/2006/relationships" xmlns:p="http://schemas.openxmlformats.org/presentationml/2006/main" show="0">
+  <p:cSld>
+    <p:spTree>
+      <p:nvGrpSpPr>
+        <p:cNvPr id="1" name=""/>
+        <p:cNvGrpSpPr/>
+        <p:nvPr/>
+      </p:nvGrpSpPr>
+      <p:grpSpPr>
+        <a:xfrm>
+          <a:off x="0" y="0"/>
+          <a:ext cx="0" cy="0"/>
+          <a:chOff x="0" y="0"/>
+          <a:chExt cx="0" cy="0"/>
+        </a:xfrm>
+      </p:grpSpPr>
+      <p:sp>
+        <p:nvSpPr>
+          <p:cNvPr id="61442" name="Rectangle 2"/>
+          <p:cNvSpPr>
+            <a:spLocks noGrp="1" noChangeArrowheads="1"/>
+          </p:cNvSpPr>
+          <p:nvPr>
+            <p:ph type="title"/>
+          </p:nvPr>
+        </p:nvSpPr>
+        <p:spPr/>
+        <p:txBody>
+          <a:bodyPr/>
+          <a:lstStyle/>
+          <a:p>
+            <a:pPr eaLnBrk="1" hangingPunct="1"/>
+            <a:r>
+              <a:rPr lang="en-US" altLang="zh-CN" dirty="0" smtClean="0">
+                <a:ea typeface="宋体" pitchFamily="2" charset="-122"/>
+              </a:rPr>
+              <a:t>more equivalent </a:t>
+            </a:r>
+            <a:r>
+              <a:rPr lang="en-US" altLang="zh-CN" dirty="0">
+                <a:ea typeface="宋体" pitchFamily="2" charset="-122"/>
+              </a:rPr>
+              <a:t>d</a:t>
+            </a:r>
+            <a:r>
+              <a:rPr lang="en-US" altLang="zh-CN" dirty="0" smtClean="0">
+                <a:ea typeface="宋体" pitchFamily="2" charset="-122"/>
+              </a:rPr>
+              <a:t>efinitions</a:t>
+            </a:r>
+          </a:p>
+        </p:txBody>
+      </p:sp>
+      <p:sp>
+        <p:nvSpPr>
+          <p:cNvPr id="744451" name="Rectangle 3"/>
+          <p:cNvSpPr>
+            <a:spLocks noGrp="1" noChangeArrowheads="1"/>
+          </p:cNvSpPr>
+          <p:nvPr>
+            <p:ph type="body" idx="1"/>
+          </p:nvPr>
+        </p:nvSpPr>
+        <p:spPr>
+          <a:xfrm>
+            <a:off x="310442" y="807754"/>
+            <a:ext cx="8676321" cy="5118919"/>
+          </a:xfrm>
+        </p:spPr>
+        <p:txBody>
+          <a:bodyPr/>
+          <a:lstStyle/>
+          <a:p>
+            <a:pPr eaLnBrk="1" hangingPunct="1">
+              <a:buFont typeface="Arial" pitchFamily="34" charset="0"/>
+              <a:buChar char="•"/>
+            </a:pPr>
+            <a:r>
+              <a:rPr lang="en-US" altLang="zh-CN" sz="4800" dirty="0" smtClean="0">
+                <a:ea typeface="宋体" pitchFamily="2" charset="-122"/>
+              </a:rPr>
+              <a:t>an </a:t>
+            </a:r>
+            <a:r>
+              <a:rPr lang="en-US" altLang="zh-CN" sz="4800" dirty="0" smtClean="0">
+                <a:solidFill>
+                  <a:srgbClr val="0000FF"/>
+                </a:solidFill>
+                <a:ea typeface="宋体" pitchFamily="2" charset="-122"/>
+              </a:rPr>
+              <a:t>edge-minimal</a:t>
+            </a:r>
+            <a:r>
+              <a:rPr lang="en-US" altLang="zh-CN" sz="4800" dirty="0" smtClean="0">
+                <a:ea typeface="宋体" pitchFamily="2" charset="-122"/>
+              </a:rPr>
+              <a:t> connected graph</a:t>
+            </a:r>
+          </a:p>
+        </p:txBody>
+      </p:sp>
+      <p:sp>
+        <p:nvSpPr>
+          <p:cNvPr id="61444" name="Rectangle 11"/>
+          <p:cNvSpPr>
+            <a:spLocks noGrp="1" noChangeArrowheads="1"/>
+          </p:cNvSpPr>
+          <p:nvPr>
+            <p:ph type="sldNum" sz="quarter" idx="10"/>
+          </p:nvPr>
+        </p:nvSpPr>
+        <p:spPr>
+          <a:noFill/>
+        </p:spPr>
+        <p:txBody>
+          <a:bodyPr/>
+          <a:lstStyle/>
+          <a:p>
+            <a:r>
+              <a:rPr lang="en-US" dirty="0" smtClean="0"/>
+              <a:t>tree-def.</a:t>
+            </a:r>
+            <a:fld id="{C7424A53-C80F-4B5F-8DC5-4503ED6667F4}" type="slidenum">
+              <a:rPr lang="en-US" smtClean="0"/>
+              <a:pPr/>
+              <a:t>20</a:t>
+            </a:fld>
+            <a:endParaRPr lang="en-US" dirty="0"/>
+          </a:p>
+        </p:txBody>
+      </p:sp>
+    </p:spTree>
+  </p:cSld>
+  <p:clrMapOvr>
+    <a:masterClrMapping/>
+  </p:clrMapOvr>
+  <p:transition xmlns:p14="http://schemas.microsoft.com/office/powerpoint/2010/main" spd="slow" advClick="0">
+    <p:fade thruBlk="1"/>
+  </p:transition>
+  <p:timing>
+    <p:tnLst>
+      <p:par>
+        <p:cTn xmlns:p14="http://schemas.microsoft.com/office/powerpoint/2010/main" id="1" dur="indefinite" restart="never" nodeType="tmRoot">
+          <p:childTnLst>
+            <p:seq concurrent="1" nextAc="seek">
+              <p:cTn id="2" dur="indefinite" nodeType="mainSeq">
+                <p:childTnLst>
+                  <p:par>
+                    <p:cTn id="3" fill="hold">
+                      <p:stCondLst>
+                        <p:cond delay="indefinite"/>
+                      </p:stCondLst>
+                      <p:childTnLst>
+                        <p:par>
+                          <p:cTn id="4" fill="hold">
+                            <p:stCondLst>
+                              <p:cond delay="0"/>
+                            </p:stCondLst>
+                            <p:childTnLst>
+                              <p:par>
+                                <p:cTn id="5" presetID="10" presetClass="entr" presetSubtype="0" fill="hold" nodeType="clickEffect">
+                                  <p:stCondLst>
+                                    <p:cond delay="0"/>
+                                  </p:stCondLst>
+                                  <p:childTnLst>
+                                    <p:set>
+                                      <p:cBhvr>
+                                        <p:cTn id="6" dur="1" fill="hold">
+                                          <p:stCondLst>
+                                            <p:cond delay="0"/>
+                                          </p:stCondLst>
+                                        </p:cTn>
+                                        <p:tgtEl>
+                                          <p:spTgt spid="744451">
+                                            <p:txEl>
+                                              <p:pRg st="0" end="0"/>
+                                            </p:txEl>
+                                          </p:spTgt>
+                                        </p:tgtEl>
+                                        <p:attrNameLst>
+                                          <p:attrName>style.visibility</p:attrName>
+                                        </p:attrNameLst>
+                                      </p:cBhvr>
+                                      <p:to>
+                                        <p:strVal val="visible"/>
+                                      </p:to>
+                                    </p:set>
+                                    <p:animEffect transition="in" filter="fade">
+                                      <p:cBhvr>
+                                        <p:cTn id="7" dur="500"/>
+                                        <p:tgtEl>
+                                          <p:spTgt spid="744451">
+                                            <p:txEl>
+                                              <p:pRg st="0" end="0"/>
+                                            </p:txEl>
+                                          </p:spTgt>
+                                        </p:tgtEl>
+                                      </p:cBhvr>
+                                    </p:animEffect>
+                                  </p:childTnLst>
+                                </p:cTn>
+                              </p:par>
+                            </p:childTnLst>
+                          </p:cTn>
+                        </p:par>
+                      </p:childTnLst>
+                    </p:cTn>
+                  </p:par>
+                </p:childTnLst>
+              </p:cTn>
+              <p:prevCondLst>
+                <p:cond evt="onPrev" delay="0">
+                  <p:tgtEl>
+                    <p:sldTgt/>
+                  </p:tgtEl>
+                </p:cond>
+              </p:prevCondLst>
+              <p:nextCondLst>
+                <p:cond evt="onNext" delay="0">
+                  <p:tgtEl>
+                    <p:sldTgt/>
+                  </p:tgtEl>
+                </p:cond>
+              </p:nextCondLst>
+            </p:seq>
+          </p:childTnLst>
+        </p:cTn>
+      </p:par>
+    </p:tnLst>
+  </p:timing>
+</p:sld>
+</file>
+
+<file path=ppt/slides/slide21.xml><?xml version="1.0" encoding="utf-8"?>
+<p:sld xmlns:a="http://schemas.openxmlformats.org/drawingml/2006/main" xmlns:r="http://schemas.openxmlformats.org/officeDocument/2006/relationships" xmlns:p="http://schemas.openxmlformats.org/presentationml/2006/main" show="0">
+  <p:cSld>
+    <p:spTree>
+      <p:nvGrpSpPr>
+        <p:cNvPr id="1" name=""/>
+        <p:cNvGrpSpPr/>
+        <p:nvPr/>
+      </p:nvGrpSpPr>
+      <p:grpSpPr>
+        <a:xfrm>
+          <a:off x="0" y="0"/>
+          <a:ext cx="0" cy="0"/>
+          <a:chOff x="0" y="0"/>
+          <a:chExt cx="0" cy="0"/>
+        </a:xfrm>
+      </p:grpSpPr>
+      <p:sp>
+        <p:nvSpPr>
+          <p:cNvPr id="61442" name="Rectangle 2"/>
+          <p:cNvSpPr>
+            <a:spLocks noGrp="1" noChangeArrowheads="1"/>
+          </p:cNvSpPr>
+          <p:nvPr>
+            <p:ph type="title"/>
+          </p:nvPr>
+        </p:nvSpPr>
+        <p:spPr/>
+        <p:txBody>
+          <a:bodyPr/>
+          <a:lstStyle/>
+          <a:p>
+            <a:pPr eaLnBrk="1" hangingPunct="1"/>
+            <a:r>
+              <a:rPr lang="en-US" altLang="zh-CN" dirty="0" smtClean="0">
+                <a:ea typeface="宋体" pitchFamily="2" charset="-122"/>
+              </a:rPr>
+              <a:t>more equivalent </a:t>
+            </a:r>
+            <a:r>
+              <a:rPr lang="en-US" altLang="zh-CN" dirty="0">
+                <a:ea typeface="宋体" pitchFamily="2" charset="-122"/>
+              </a:rPr>
+              <a:t>d</a:t>
+            </a:r>
+            <a:r>
+              <a:rPr lang="en-US" altLang="zh-CN" dirty="0" smtClean="0">
+                <a:ea typeface="宋体" pitchFamily="2" charset="-122"/>
+              </a:rPr>
+              <a:t>efinitions</a:t>
+            </a:r>
+          </a:p>
+        </p:txBody>
+      </p:sp>
+      <p:sp>
+        <p:nvSpPr>
+          <p:cNvPr id="744451" name="Rectangle 3"/>
+          <p:cNvSpPr>
+            <a:spLocks noGrp="1" noChangeArrowheads="1"/>
+          </p:cNvSpPr>
+          <p:nvPr>
+            <p:ph type="body" idx="1"/>
+          </p:nvPr>
+        </p:nvSpPr>
+        <p:spPr>
+          <a:xfrm>
+            <a:off x="310442" y="807754"/>
+            <a:ext cx="8676321" cy="5118919"/>
+          </a:xfrm>
+        </p:spPr>
+        <p:txBody>
+          <a:bodyPr/>
+          <a:lstStyle/>
+          <a:p>
+            <a:pPr eaLnBrk="1" hangingPunct="1">
+              <a:buFont typeface="Arial" pitchFamily="34" charset="0"/>
+              <a:buChar char="•"/>
+            </a:pPr>
+            <a:r>
+              <a:rPr lang="en-US" altLang="zh-CN" sz="4800" dirty="0" smtClean="0">
+                <a:solidFill>
+                  <a:schemeClr val="tx2"/>
+                </a:solidFill>
+                <a:ea typeface="宋体" pitchFamily="2" charset="-122"/>
+              </a:rPr>
+              <a:t>graph with a </a:t>
+            </a:r>
+            <a:r>
+              <a:rPr lang="en-US" altLang="zh-CN" sz="4800" dirty="0" smtClean="0">
+                <a:solidFill>
+                  <a:srgbClr val="0033CC"/>
+                </a:solidFill>
+                <a:ea typeface="宋体" pitchFamily="2" charset="-122"/>
+              </a:rPr>
+              <a:t>unique</a:t>
+            </a:r>
+            <a:r>
+              <a:rPr lang="en-US" altLang="zh-CN" sz="4800" dirty="0" smtClean="0">
+                <a:solidFill>
+                  <a:schemeClr val="tx2"/>
+                </a:solidFill>
+                <a:ea typeface="宋体" pitchFamily="2" charset="-122"/>
+              </a:rPr>
+              <a:t> path between </a:t>
+            </a:r>
+            <a:r>
+              <a:rPr lang="en-US" altLang="zh-CN" sz="4800" dirty="0" smtClean="0">
+                <a:solidFill>
+                  <a:schemeClr val="accent1">
+                    <a:lumMod val="50000"/>
+                  </a:schemeClr>
+                </a:solidFill>
+                <a:ea typeface="宋体" pitchFamily="2" charset="-122"/>
+              </a:rPr>
+              <a:t>any 2</a:t>
+            </a:r>
+            <a:r>
+              <a:rPr lang="en-US" altLang="zh-CN" sz="4800" dirty="0" smtClean="0">
+                <a:solidFill>
+                  <a:schemeClr val="tx2"/>
+                </a:solidFill>
+                <a:ea typeface="宋体" pitchFamily="2" charset="-122"/>
+              </a:rPr>
+              <a:t> vertices</a:t>
+            </a:r>
+          </a:p>
+          <a:p>
+            <a:pPr eaLnBrk="1" hangingPunct="1">
+              <a:buFont typeface="Arial" pitchFamily="34" charset="0"/>
+              <a:buChar char="•"/>
+            </a:pPr>
+            <a:r>
+              <a:rPr lang="en-US" altLang="zh-CN" sz="4800" dirty="0" smtClean="0">
+                <a:ea typeface="宋体" pitchFamily="2" charset="-122"/>
+              </a:rPr>
+              <a:t>connected graph with </a:t>
+            </a:r>
+            <a:r>
+              <a:rPr lang="en-US" altLang="zh-CN" sz="4800" dirty="0" smtClean="0">
+                <a:solidFill>
+                  <a:srgbClr val="0033CC"/>
+                </a:solidFill>
+                <a:ea typeface="宋体" pitchFamily="2" charset="-122"/>
+              </a:rPr>
+              <a:t>n</a:t>
+            </a:r>
+            <a:r>
+              <a:rPr lang="en-US" altLang="zh-CN" sz="4800" dirty="0" smtClean="0">
+                <a:ea typeface="宋体" pitchFamily="2" charset="-122"/>
+              </a:rPr>
+              <a:t> </a:t>
+            </a:r>
+          </a:p>
+          <a:p>
+            <a:pPr eaLnBrk="1" hangingPunct="1"/>
+            <a:r>
+              <a:rPr lang="en-US" altLang="zh-CN" sz="4800" dirty="0" smtClean="0">
+                <a:ea typeface="宋体" pitchFamily="2" charset="-122"/>
+              </a:rPr>
+              <a:t>  vertices and </a:t>
+            </a:r>
+            <a:r>
+              <a:rPr lang="en-US" altLang="zh-CN" sz="4800" dirty="0" smtClean="0">
+                <a:solidFill>
+                  <a:srgbClr val="0033CC"/>
+                </a:solidFill>
+                <a:ea typeface="宋体" pitchFamily="2" charset="-122"/>
+              </a:rPr>
+              <a:t>n–1</a:t>
+            </a:r>
+            <a:r>
+              <a:rPr lang="en-US" altLang="zh-CN" sz="4800" dirty="0" smtClean="0">
+                <a:ea typeface="宋体" pitchFamily="2" charset="-122"/>
+              </a:rPr>
+              <a:t> edges</a:t>
+            </a:r>
+          </a:p>
+          <a:p>
+            <a:pPr eaLnBrk="1" hangingPunct="1">
+              <a:buFont typeface="Arial" pitchFamily="34" charset="0"/>
+              <a:buChar char="•"/>
+            </a:pPr>
+            <a:r>
+              <a:rPr lang="en-US" altLang="zh-CN" sz="4800" dirty="0" smtClean="0">
+                <a:solidFill>
+                  <a:schemeClr val="tx2"/>
+                </a:solidFill>
+                <a:ea typeface="宋体" pitchFamily="2" charset="-122"/>
+              </a:rPr>
+              <a:t>an </a:t>
+            </a:r>
+            <a:r>
+              <a:rPr lang="en-US" altLang="zh-CN" sz="4800" dirty="0" smtClean="0">
+                <a:solidFill>
+                  <a:srgbClr val="0033CC"/>
+                </a:solidFill>
+                <a:ea typeface="宋体" pitchFamily="2" charset="-122"/>
+              </a:rPr>
+              <a:t>edge-maximal </a:t>
+            </a:r>
+            <a:r>
+              <a:rPr lang="en-US" altLang="zh-CN" sz="4800" dirty="0" smtClean="0">
+                <a:solidFill>
+                  <a:schemeClr val="tx2"/>
+                </a:solidFill>
+                <a:ea typeface="宋体" pitchFamily="2" charset="-122"/>
+              </a:rPr>
+              <a:t>acyclic graph</a:t>
+            </a:r>
+          </a:p>
+        </p:txBody>
+      </p:sp>
+      <p:sp>
+        <p:nvSpPr>
+          <p:cNvPr id="61444" name="Rectangle 11"/>
+          <p:cNvSpPr>
+            <a:spLocks noGrp="1" noChangeArrowheads="1"/>
+          </p:cNvSpPr>
+          <p:nvPr>
+            <p:ph type="sldNum" sz="quarter" idx="10"/>
+          </p:nvPr>
+        </p:nvSpPr>
+        <p:spPr>
+          <a:noFill/>
+        </p:spPr>
+        <p:txBody>
+          <a:bodyPr/>
+          <a:lstStyle/>
+          <a:p>
+            <a:r>
+              <a:rPr lang="en-US" dirty="0" smtClean="0"/>
+              <a:t>tree-def.</a:t>
+            </a:r>
+            <a:fld id="{C7424A53-C80F-4B5F-8DC5-4503ED6667F4}" type="slidenum">
+              <a:rPr lang="en-US" smtClean="0"/>
+              <a:pPr/>
+              <a:t>21</a:t>
+            </a:fld>
+            <a:endParaRPr lang="en-US" dirty="0"/>
+          </a:p>
+        </p:txBody>
+      </p:sp>
+    </p:spTree>
+    <p:extLst>
+      <p:ext uri="{BB962C8B-B14F-4D97-AF65-F5344CB8AC3E}">
+        <p14:creationId xmlns:p14="http://schemas.microsoft.com/office/powerpoint/2010/main" val="2268370176"/>
+      </p:ext>
+    </p:extLst>
+  </p:cSld>
+  <p:clrMapOvr>
+    <a:masterClrMapping/>
+  </p:clrMapOvr>
+  <mc:AlternateContent xmlns:mc="http://schemas.openxmlformats.org/markup-compatibility/2006">
+    <mc:Choice xmlns:p14="http://schemas.microsoft.com/office/powerpoint/2010/main" Requires="p14">
+      <p:transition spd="slow" p14:dur="800" advClick="0">
+        <p:fade/>
+      </p:transition>
+    </mc:Choice>
+    <mc:Fallback>
+      <p:transition xmlns:p14="http://schemas.microsoft.com/office/powerpoint/2010/main" spd="slow" advClick="0">
+        <p:fade/>
+      </p:transition>
+    </mc:Fallback>
+  </mc:AlternateContent>
+  <p:timing>
+    <p:tnLst>
+      <p:par>
+        <p:cTn xmlns:p14="http://schemas.microsoft.com/office/powerpoint/2010/main" id="1" dur="indefinite" restart="never" nodeType="tmRoot">
+          <p:childTnLst>
+            <p:seq concurrent="1" nextAc="seek">
+              <p:cTn id="2" dur="indefinite" nodeType="mainSeq">
+                <p:childTnLst>
+                  <p:par>
+                    <p:cTn id="3" fill="hold">
+                      <p:stCondLst>
+                        <p:cond delay="indefinite"/>
+                      </p:stCondLst>
+                      <p:childTnLst>
+                        <p:par>
+                          <p:cTn id="4" fill="hold">
+                            <p:stCondLst>
+                              <p:cond delay="0"/>
+                            </p:stCondLst>
+                            <p:childTnLst>
+                              <p:par>
+                                <p:cTn id="5" presetID="10" presetClass="entr" presetSubtype="0" fill="hold" nodeType="clickEffect">
+                                  <p:stCondLst>
+                                    <p:cond delay="0"/>
+                                  </p:stCondLst>
+                                  <p:childTnLst>
+                                    <p:set>
+                                      <p:cBhvr>
+                                        <p:cTn id="6" dur="1" fill="hold">
+                                          <p:stCondLst>
+                                            <p:cond delay="0"/>
+                                          </p:stCondLst>
+                                        </p:cTn>
+                                        <p:tgtEl>
+                                          <p:spTgt spid="744451">
+                                            <p:txEl>
+                                              <p:pRg st="3" end="3"/>
+                                            </p:txEl>
+                                          </p:spTgt>
+                                        </p:tgtEl>
+                                        <p:attrNameLst>
+                                          <p:attrName>style.visibility</p:attrName>
+                                        </p:attrNameLst>
+                                      </p:cBhvr>
+                                      <p:to>
+                                        <p:strVal val="visible"/>
+                                      </p:to>
+                                    </p:set>
+                                    <p:animEffect transition="in" filter="fade">
+                                      <p:cBhvr>
+                                        <p:cTn id="7" dur="500"/>
+                                        <p:tgtEl>
+                                          <p:spTgt spid="744451">
+                                            <p:txEl>
+                                              <p:pRg st="3" end="3"/>
+                                            </p:txEl>
+                                          </p:spTgt>
+                                        </p:tgtEl>
+                                      </p:cBhvr>
+                                    </p:animEffect>
+                                  </p:childTnLst>
+                                </p:cTn>
+                              </p:par>
+                            </p:childTnLst>
+                          </p:cTn>
+                        </p:par>
+                      </p:childTnLst>
+                    </p:cTn>
+                  </p:par>
+                </p:childTnLst>
+              </p:cTn>
+              <p:prevCondLst>
+                <p:cond evt="onPrev" delay="0">
+                  <p:tgtEl>
+                    <p:sldTgt/>
+                  </p:tgtEl>
+                </p:cond>
+              </p:prevCondLst>
+              <p:nextCondLst>
+                <p:cond evt="onNext" delay="0">
+                  <p:tgtEl>
+                    <p:sldTgt/>
+                  </p:tgtEl>
+                </p:cond>
+              </p:nextCondLst>
+            </p:seq>
+          </p:childTnLst>
+        </p:cTn>
+      </p:par>
+    </p:tnLst>
+  </p:timing>
+</p:sld>
+</file>
+
+<file path=ppt/slides/slide22.xml><?xml version="1.0" encoding="utf-8"?>
+<p:sld xmlns:a="http://schemas.openxmlformats.org/drawingml/2006/main" xmlns:r="http://schemas.openxmlformats.org/officeDocument/2006/relationships" xmlns:p="http://schemas.openxmlformats.org/presentationml/2006/main">
+  <p:cSld>
+    <p:spTree>
+      <p:nvGrpSpPr>
+        <p:cNvPr id="1" name=""/>
+        <p:cNvGrpSpPr/>
+        <p:nvPr/>
+      </p:nvGrpSpPr>
+      <p:grpSpPr>
+        <a:xfrm>
+          <a:off x="0" y="0"/>
+          <a:ext cx="0" cy="0"/>
+          <a:chOff x="0" y="0"/>
+          <a:chExt cx="0" cy="0"/>
+        </a:xfrm>
+      </p:grpSpPr>
+      <p:sp>
+        <p:nvSpPr>
+          <p:cNvPr id="61442" name="Rectangle 2"/>
+          <p:cNvSpPr>
+            <a:spLocks noGrp="1" noChangeArrowheads="1"/>
+          </p:cNvSpPr>
+          <p:nvPr>
+            <p:ph type="title"/>
+          </p:nvPr>
+        </p:nvSpPr>
+        <p:spPr/>
+        <p:txBody>
+          <a:bodyPr/>
+          <a:lstStyle/>
+          <a:p>
+            <a:pPr eaLnBrk="1" hangingPunct="1"/>
+            <a:r>
+              <a:rPr lang="en-US" altLang="zh-CN" dirty="0" smtClean="0">
+                <a:ea typeface="宋体" pitchFamily="2" charset="-122"/>
+              </a:rPr>
+              <a:t>more equivalent </a:t>
+            </a:r>
+            <a:r>
+              <a:rPr lang="en-US" altLang="zh-CN" dirty="0">
+                <a:ea typeface="宋体" pitchFamily="2" charset="-122"/>
+              </a:rPr>
+              <a:t>d</a:t>
+            </a:r>
+            <a:r>
+              <a:rPr lang="en-US" altLang="zh-CN" dirty="0" smtClean="0">
+                <a:ea typeface="宋体" pitchFamily="2" charset="-122"/>
+              </a:rPr>
+              <a:t>efinitions</a:t>
+            </a:r>
+          </a:p>
+        </p:txBody>
+      </p:sp>
+      <p:sp>
+        <p:nvSpPr>
+          <p:cNvPr id="744451" name="Rectangle 3"/>
+          <p:cNvSpPr>
+            <a:spLocks noGrp="1" noChangeArrowheads="1"/>
+          </p:cNvSpPr>
+          <p:nvPr>
+            <p:ph type="body" idx="1"/>
+          </p:nvPr>
+        </p:nvSpPr>
+        <p:spPr>
+          <a:xfrm>
+            <a:off x="310442" y="807754"/>
+            <a:ext cx="8676321" cy="5118919"/>
+          </a:xfrm>
+        </p:spPr>
+        <p:txBody>
+          <a:bodyPr/>
+          <a:lstStyle/>
+          <a:p>
+            <a:pPr eaLnBrk="1" hangingPunct="1">
+              <a:buFont typeface="Arial" pitchFamily="34" charset="0"/>
+              <a:buChar char="•"/>
+            </a:pPr>
+            <a:r>
+              <a:rPr lang="en-US" altLang="zh-CN" sz="4800" dirty="0" smtClean="0">
+                <a:ea typeface="宋体" pitchFamily="2" charset="-122"/>
+              </a:rPr>
+              <a:t>connected graph with </a:t>
+            </a:r>
+            <a:r>
+              <a:rPr lang="en-US" altLang="zh-CN" sz="4800" smtClean="0">
+                <a:solidFill>
+                  <a:srgbClr val="0033CC"/>
+                </a:solidFill>
+                <a:ea typeface="宋体" pitchFamily="2" charset="-122"/>
+              </a:rPr>
+              <a:t>n</a:t>
+            </a:r>
+            <a:r>
+              <a:rPr lang="en-US" altLang="zh-CN" sz="4800" smtClean="0">
+                <a:ea typeface="宋体" pitchFamily="2" charset="-122"/>
+              </a:rPr>
+              <a:t> vertices </a:t>
+            </a:r>
+            <a:r>
+              <a:rPr lang="en-US" altLang="zh-CN" sz="4800" dirty="0" smtClean="0">
+                <a:ea typeface="宋体" pitchFamily="2" charset="-122"/>
+              </a:rPr>
+              <a:t>and </a:t>
+            </a:r>
+            <a:r>
+              <a:rPr lang="en-US" altLang="zh-CN" sz="4800" dirty="0" smtClean="0">
+                <a:solidFill>
+                  <a:srgbClr val="0033CC"/>
+                </a:solidFill>
+                <a:ea typeface="宋体" pitchFamily="2" charset="-122"/>
+              </a:rPr>
+              <a:t>n–1</a:t>
+            </a:r>
+            <a:r>
+              <a:rPr lang="en-US" altLang="zh-CN" sz="4800" dirty="0" smtClean="0">
+                <a:ea typeface="宋体" pitchFamily="2" charset="-122"/>
+              </a:rPr>
+              <a:t> edges</a:t>
+            </a:r>
+          </a:p>
+          <a:p>
+            <a:pPr eaLnBrk="1" hangingPunct="1">
+              <a:buFont typeface="Arial" pitchFamily="34" charset="0"/>
+              <a:buChar char="•"/>
+            </a:pPr>
+            <a:r>
+              <a:rPr lang="en-US" altLang="zh-CN" sz="4800" dirty="0" smtClean="0">
+                <a:solidFill>
+                  <a:schemeClr val="tx2"/>
+                </a:solidFill>
+                <a:ea typeface="宋体" pitchFamily="2" charset="-122"/>
+              </a:rPr>
+              <a:t>an </a:t>
+            </a:r>
+            <a:r>
+              <a:rPr lang="en-US" altLang="zh-CN" sz="4800" dirty="0" smtClean="0">
+                <a:solidFill>
+                  <a:srgbClr val="0033CC"/>
+                </a:solidFill>
+                <a:ea typeface="宋体" pitchFamily="2" charset="-122"/>
+              </a:rPr>
+              <a:t>edge-maximal </a:t>
+            </a:r>
+            <a:r>
+              <a:rPr lang="en-US" altLang="zh-CN" sz="4800" dirty="0" smtClean="0">
+                <a:solidFill>
+                  <a:schemeClr val="tx2"/>
+                </a:solidFill>
+                <a:ea typeface="宋体" pitchFamily="2" charset="-122"/>
+              </a:rPr>
+              <a:t>acyclic graph</a:t>
+            </a:r>
+          </a:p>
+          <a:p>
+            <a:pPr eaLnBrk="1" hangingPunct="1">
+              <a:buFont typeface="Arial" pitchFamily="34" charset="0"/>
+              <a:buChar char="•"/>
+            </a:pPr>
+            <a:r>
+              <a:rPr lang="en-US" altLang="zh-CN" sz="4800" dirty="0">
+                <a:solidFill>
+                  <a:schemeClr val="tx2"/>
+                </a:solidFill>
+                <a:ea typeface="宋体" pitchFamily="2" charset="-122"/>
+              </a:rPr>
+              <a:t>graph with a </a:t>
+            </a:r>
+            <a:r>
+              <a:rPr lang="en-US" altLang="zh-CN" sz="4800" dirty="0">
+                <a:solidFill>
+                  <a:srgbClr val="0033CC"/>
+                </a:solidFill>
+                <a:ea typeface="宋体" pitchFamily="2" charset="-122"/>
+              </a:rPr>
+              <a:t>unique</a:t>
+            </a:r>
+            <a:r>
+              <a:rPr lang="en-US" altLang="zh-CN" sz="4800" dirty="0">
+                <a:solidFill>
+                  <a:schemeClr val="tx2"/>
+                </a:solidFill>
+                <a:ea typeface="宋体" pitchFamily="2" charset="-122"/>
+              </a:rPr>
+              <a:t> path between </a:t>
+            </a:r>
+            <a:r>
+              <a:rPr lang="en-US" altLang="zh-CN" sz="4800" dirty="0">
+                <a:solidFill>
+                  <a:schemeClr val="accent1">
+                    <a:lumMod val="50000"/>
+                  </a:schemeClr>
+                </a:solidFill>
+                <a:ea typeface="宋体" pitchFamily="2" charset="-122"/>
+              </a:rPr>
+              <a:t>any 2</a:t>
+            </a:r>
+            <a:r>
+              <a:rPr lang="en-US" altLang="zh-CN" sz="4800" dirty="0">
+                <a:solidFill>
+                  <a:schemeClr val="tx2"/>
+                </a:solidFill>
+                <a:ea typeface="宋体" pitchFamily="2" charset="-122"/>
+              </a:rPr>
+              <a:t> </a:t>
+            </a:r>
+            <a:r>
+              <a:rPr lang="en-US" altLang="zh-CN" sz="4800" dirty="0" smtClean="0">
+                <a:solidFill>
+                  <a:schemeClr val="tx2"/>
+                </a:solidFill>
+                <a:ea typeface="宋体" pitchFamily="2" charset="-122"/>
+              </a:rPr>
+              <a:t>vertices</a:t>
+            </a:r>
+            <a:endParaRPr lang="en-US" altLang="zh-CN" sz="4800" dirty="0">
+              <a:solidFill>
+                <a:schemeClr val="tx2"/>
+              </a:solidFill>
+              <a:ea typeface="宋体" pitchFamily="2" charset="-122"/>
+            </a:endParaRPr>
+          </a:p>
+        </p:txBody>
+      </p:sp>
+      <p:sp>
+        <p:nvSpPr>
+          <p:cNvPr id="61444" name="Rectangle 11"/>
+          <p:cNvSpPr>
+            <a:spLocks noGrp="1" noChangeArrowheads="1"/>
+          </p:cNvSpPr>
+          <p:nvPr>
+            <p:ph type="sldNum" sz="quarter" idx="10"/>
+          </p:nvPr>
+        </p:nvSpPr>
+        <p:spPr>
+          <a:noFill/>
+        </p:spPr>
+        <p:txBody>
+          <a:bodyPr/>
+          <a:lstStyle/>
+          <a:p>
+            <a:r>
+              <a:rPr lang="en-US" dirty="0" smtClean="0"/>
+              <a:t>tree-def.</a:t>
+            </a:r>
+            <a:fld id="{C7424A53-C80F-4B5F-8DC5-4503ED6667F4}" type="slidenum">
+              <a:rPr lang="en-US" smtClean="0"/>
+              <a:pPr/>
+              <a:t>22</a:t>
+            </a:fld>
+            <a:endParaRPr lang="en-US" dirty="0"/>
+          </a:p>
+        </p:txBody>
+      </p:sp>
+    </p:spTree>
+    <p:extLst>
+      <p:ext uri="{BB962C8B-B14F-4D97-AF65-F5344CB8AC3E}">
+        <p14:creationId xmlns:p14="http://schemas.microsoft.com/office/powerpoint/2010/main" val="615541765"/>
+      </p:ext>
+    </p:extLst>
+  </p:cSld>
+  <p:clrMapOvr>
+    <a:masterClrMapping/>
+  </p:clrMapOvr>
+  <p:transition xmlns:p14="http://schemas.microsoft.com/office/powerpoint/2010/main" spd="slow" advClick="0">
+    <p:fade thruBlk="1"/>
+  </p:transition>
+  <p:timing>
+    <p:tnLst>
+      <p:par>
+        <p:cTn xmlns:p14="http://schemas.microsoft.com/office/powerpoint/2010/main" id="1" dur="indefinite" restart="never" nodeType="tmRoot">
+          <p:childTnLst>
+            <p:seq concurrent="1" nextAc="seek">
+              <p:cTn id="2" dur="indefinite" nodeType="mainSeq">
+                <p:childTnLst>
+                  <p:par>
+                    <p:cTn id="3" fill="hold">
+                      <p:stCondLst>
+                        <p:cond delay="indefinite"/>
+                      </p:stCondLst>
+                      <p:childTnLst>
+                        <p:par>
+                          <p:cTn id="4" fill="hold">
+                            <p:stCondLst>
+                              <p:cond delay="0"/>
+                            </p:stCondLst>
+                            <p:childTnLst>
+                              <p:par>
+                                <p:cTn id="5" presetID="10" presetClass="entr" presetSubtype="0" fill="hold" nodeType="clickEffect">
+                                  <p:stCondLst>
+                                    <p:cond delay="0"/>
+                                  </p:stCondLst>
+                                  <p:childTnLst>
+                                    <p:set>
+                                      <p:cBhvr>
+                                        <p:cTn id="6" dur="1" fill="hold">
+                                          <p:stCondLst>
+                                            <p:cond delay="0"/>
+                                          </p:stCondLst>
+                                        </p:cTn>
+                                        <p:tgtEl>
+                                          <p:spTgt spid="744451">
+                                            <p:txEl>
+                                              <p:pRg st="0" end="0"/>
+                                            </p:txEl>
+                                          </p:spTgt>
+                                        </p:tgtEl>
+                                        <p:attrNameLst>
+                                          <p:attrName>style.visibility</p:attrName>
+                                        </p:attrNameLst>
+                                      </p:cBhvr>
+                                      <p:to>
+                                        <p:strVal val="visible"/>
+                                      </p:to>
+                                    </p:set>
+                                    <p:animEffect transition="in" filter="fade">
+                                      <p:cBhvr>
+                                        <p:cTn id="7" dur="500"/>
+                                        <p:tgtEl>
+                                          <p:spTgt spid="744451">
+                                            <p:txEl>
+                                              <p:pRg st="0" end="0"/>
+                                            </p:txEl>
+                                          </p:spTgt>
+                                        </p:tgtEl>
+                                      </p:cBhvr>
+                                    </p:animEffect>
+                                  </p:childTnLst>
+                                </p:cTn>
+                              </p:par>
+                            </p:childTnLst>
+                          </p:cTn>
+                        </p:par>
+                      </p:childTnLst>
+                    </p:cTn>
+                  </p:par>
+                  <p:par>
+                    <p:cTn id="8" fill="hold">
+                      <p:stCondLst>
+                        <p:cond delay="indefinite"/>
+                      </p:stCondLst>
+                      <p:childTnLst>
+                        <p:par>
+                          <p:cTn id="9" fill="hold">
+                            <p:stCondLst>
+                              <p:cond delay="0"/>
+                            </p:stCondLst>
+                            <p:childTnLst>
+                              <p:par>
+                                <p:cTn id="10" presetID="10" presetClass="entr" presetSubtype="0" fill="hold" nodeType="clickEffect">
+                                  <p:stCondLst>
+                                    <p:cond delay="0"/>
+                                  </p:stCondLst>
+                                  <p:childTnLst>
+                                    <p:set>
+                                      <p:cBhvr>
+                                        <p:cTn id="11" dur="1" fill="hold">
+                                          <p:stCondLst>
+                                            <p:cond delay="0"/>
+                                          </p:stCondLst>
+                                        </p:cTn>
+                                        <p:tgtEl>
+                                          <p:spTgt spid="744451">
+                                            <p:txEl>
+                                              <p:pRg st="1" end="1"/>
+                                            </p:txEl>
+                                          </p:spTgt>
+                                        </p:tgtEl>
+                                        <p:attrNameLst>
+                                          <p:attrName>style.visibility</p:attrName>
+                                        </p:attrNameLst>
+                                      </p:cBhvr>
+                                      <p:to>
+                                        <p:strVal val="visible"/>
+                                      </p:to>
+                                    </p:set>
+                                    <p:animEffect transition="in" filter="fade">
+                                      <p:cBhvr>
+                                        <p:cTn id="12" dur="500"/>
+                                        <p:tgtEl>
+                                          <p:spTgt spid="744451">
+                                            <p:txEl>
+                                              <p:pRg st="1" end="1"/>
+                                            </p:txEl>
+                                          </p:spTgt>
+                                        </p:tgtEl>
+                                      </p:cBhvr>
+                                    </p:animEffect>
+                                  </p:childTnLst>
+                                </p:cTn>
+                              </p:par>
+                            </p:childTnLst>
+                          </p:cTn>
+                        </p:par>
+                      </p:childTnLst>
+                    </p:cTn>
+                  </p:par>
+                  <p:par>
+                    <p:cTn id="13" fill="hold">
+                      <p:stCondLst>
+                        <p:cond delay="indefinite"/>
+                      </p:stCondLst>
+                      <p:childTnLst>
+                        <p:par>
+                          <p:cTn id="14" fill="hold">
+                            <p:stCondLst>
+                              <p:cond delay="0"/>
+                            </p:stCondLst>
+                            <p:childTnLst>
+                              <p:par>
+                                <p:cTn id="15" presetID="10" presetClass="entr" presetSubtype="0" fill="hold" nodeType="clickEffect">
+                                  <p:stCondLst>
+                                    <p:cond delay="0"/>
+                                  </p:stCondLst>
+                                  <p:childTnLst>
+                                    <p:set>
+                                      <p:cBhvr>
+                                        <p:cTn id="16" dur="1" fill="hold">
+                                          <p:stCondLst>
+                                            <p:cond delay="0"/>
+                                          </p:stCondLst>
+                                        </p:cTn>
+                                        <p:tgtEl>
+                                          <p:spTgt spid="744451">
+                                            <p:txEl>
+                                              <p:pRg st="2" end="2"/>
+                                            </p:txEl>
+                                          </p:spTgt>
+                                        </p:tgtEl>
+                                        <p:attrNameLst>
+                                          <p:attrName>style.visibility</p:attrName>
+                                        </p:attrNameLst>
+                                      </p:cBhvr>
+                                      <p:to>
+                                        <p:strVal val="visible"/>
+                                      </p:to>
+                                    </p:set>
+                                    <p:animEffect transition="in" filter="fade">
+                                      <p:cBhvr>
+                                        <p:cTn id="17" dur="500"/>
+                                        <p:tgtEl>
+                                          <p:spTgt spid="744451">
+                                            <p:txEl>
+                                              <p:pRg st="2" end="2"/>
+                                            </p:txEl>
+                                          </p:spTgt>
+                                        </p:tgtEl>
+                                      </p:cBhvr>
+                                    </p:animEffect>
+                                  </p:childTnLst>
+                                </p:cTn>
+                              </p:par>
+                            </p:childTnLst>
+                          </p:cTn>
+                        </p:par>
+                      </p:childTnLst>
+                    </p:cTn>
+                  </p:par>
+                </p:childTnLst>
+              </p:cTn>
+              <p:prevCondLst>
+                <p:cond evt="onPrev" delay="0">
+                  <p:tgtEl>
+                    <p:sldTgt/>
+                  </p:tgtEl>
+                </p:cond>
+              </p:prevCondLst>
+              <p:nextCondLst>
+                <p:cond evt="onNext" delay="0">
+                  <p:tgtEl>
+                    <p:sldTgt/>
+                  </p:tgtEl>
+                </p:cond>
+              </p:nextCondLst>
+            </p:seq>
+          </p:childTnLst>
+        </p:cTn>
+      </p:par>
+    </p:tnLst>
+  </p:timing>
+</p:sld>
+</file>
+
+<file path=ppt/slides/slide23.xml><?xml version="1.0" encoding="utf-8"?>
+<p:sld xmlns:a="http://schemas.openxmlformats.org/drawingml/2006/main" xmlns:r="http://schemas.openxmlformats.org/officeDocument/2006/relationships" xmlns:p="http://schemas.openxmlformats.org/presentationml/2006/main" show="0">
+  <p:cSld>
+    <p:spTree>
+      <p:nvGrpSpPr>
+        <p:cNvPr id="1" name=""/>
+        <p:cNvGrpSpPr/>
+        <p:nvPr/>
+      </p:nvGrpSpPr>
+      <p:grpSpPr>
+        <a:xfrm>
+          <a:off x="0" y="0"/>
+          <a:ext cx="0" cy="0"/>
+          <a:chOff x="0" y="0"/>
+          <a:chExt cx="0" cy="0"/>
+        </a:xfrm>
+      </p:grpSpPr>
+      <p:sp>
+        <p:nvSpPr>
+          <p:cNvPr id="61442" name="Rectangle 2"/>
+          <p:cNvSpPr>
+            <a:spLocks noGrp="1" noChangeArrowheads="1"/>
+          </p:cNvSpPr>
+          <p:nvPr>
+            <p:ph type="title"/>
+          </p:nvPr>
+        </p:nvSpPr>
+        <p:spPr/>
+        <p:txBody>
+          <a:bodyPr/>
+          <a:lstStyle/>
+          <a:p>
+            <a:pPr eaLnBrk="1" hangingPunct="1"/>
+            <a:r>
+              <a:rPr lang="en-US" altLang="zh-CN" dirty="0" smtClean="0">
+                <a:ea typeface="宋体" pitchFamily="2" charset="-122"/>
+              </a:rPr>
+              <a:t>more equivalent </a:t>
+            </a:r>
+            <a:r>
+              <a:rPr lang="en-US" altLang="zh-CN" dirty="0">
+                <a:ea typeface="宋体" pitchFamily="2" charset="-122"/>
+              </a:rPr>
+              <a:t>d</a:t>
+            </a:r>
+            <a:r>
+              <a:rPr lang="en-US" altLang="zh-CN" dirty="0" smtClean="0">
+                <a:ea typeface="宋体" pitchFamily="2" charset="-122"/>
+              </a:rPr>
+              <a:t>efinitions</a:t>
+            </a:r>
+          </a:p>
+        </p:txBody>
+      </p:sp>
+      <p:sp>
+        <p:nvSpPr>
+          <p:cNvPr id="744451" name="Rectangle 3"/>
+          <p:cNvSpPr>
+            <a:spLocks noGrp="1" noChangeArrowheads="1"/>
+          </p:cNvSpPr>
+          <p:nvPr>
+            <p:ph type="body" idx="1"/>
+          </p:nvPr>
+        </p:nvSpPr>
+        <p:spPr>
+          <a:xfrm>
+            <a:off x="310442" y="807754"/>
+            <a:ext cx="8676321" cy="5118919"/>
+          </a:xfrm>
+        </p:spPr>
+        <p:txBody>
+          <a:bodyPr/>
+          <a:lstStyle/>
+          <a:p>
+            <a:pPr eaLnBrk="1" hangingPunct="1">
+              <a:buFont typeface="Arial" pitchFamily="34" charset="0"/>
+              <a:buChar char="•"/>
+            </a:pPr>
+            <a:r>
+              <a:rPr lang="en-US" altLang="zh-CN" sz="4800" dirty="0" smtClean="0">
+                <a:solidFill>
+                  <a:schemeClr val="tx2"/>
+                </a:solidFill>
+                <a:ea typeface="宋体" pitchFamily="2" charset="-122"/>
+              </a:rPr>
+              <a:t>graph with a </a:t>
+            </a:r>
+            <a:r>
+              <a:rPr lang="en-US" altLang="zh-CN" sz="4800" dirty="0" smtClean="0">
+                <a:solidFill>
+                  <a:srgbClr val="0033CC"/>
+                </a:solidFill>
+                <a:ea typeface="宋体" pitchFamily="2" charset="-122"/>
+              </a:rPr>
+              <a:t>unique</a:t>
+            </a:r>
+            <a:r>
+              <a:rPr lang="en-US" altLang="zh-CN" sz="4800" dirty="0" smtClean="0">
+                <a:solidFill>
+                  <a:schemeClr val="tx2"/>
+                </a:solidFill>
+                <a:ea typeface="宋体" pitchFamily="2" charset="-122"/>
+              </a:rPr>
+              <a:t> path between </a:t>
+            </a:r>
+            <a:r>
+              <a:rPr lang="en-US" altLang="zh-CN" sz="4800" dirty="0" smtClean="0">
+                <a:solidFill>
+                  <a:schemeClr val="accent1">
+                    <a:lumMod val="50000"/>
+                  </a:schemeClr>
+                </a:solidFill>
+                <a:ea typeface="宋体" pitchFamily="2" charset="-122"/>
+              </a:rPr>
+              <a:t>any 2</a:t>
+            </a:r>
+            <a:r>
+              <a:rPr lang="en-US" altLang="zh-CN" sz="4800" dirty="0" smtClean="0">
+                <a:solidFill>
+                  <a:schemeClr val="tx2"/>
+                </a:solidFill>
+                <a:ea typeface="宋体" pitchFamily="2" charset="-122"/>
+              </a:rPr>
+              <a:t> vertices</a:t>
+            </a:r>
+          </a:p>
+          <a:p>
+            <a:pPr eaLnBrk="1" hangingPunct="1">
+              <a:buFont typeface="Arial" pitchFamily="34" charset="0"/>
+              <a:buChar char="•"/>
+            </a:pPr>
+            <a:r>
+              <a:rPr lang="en-US" altLang="zh-CN" sz="4800" dirty="0" smtClean="0">
+                <a:ea typeface="宋体" pitchFamily="2" charset="-122"/>
+              </a:rPr>
+              <a:t>connected graph with </a:t>
+            </a:r>
+            <a:r>
+              <a:rPr lang="en-US" altLang="zh-CN" sz="4800" dirty="0" smtClean="0">
+                <a:solidFill>
+                  <a:srgbClr val="0033CC"/>
+                </a:solidFill>
+                <a:ea typeface="宋体" pitchFamily="2" charset="-122"/>
+              </a:rPr>
+              <a:t>n</a:t>
+            </a:r>
+            <a:r>
+              <a:rPr lang="en-US" altLang="zh-CN" sz="4800" dirty="0" smtClean="0">
+                <a:ea typeface="宋体" pitchFamily="2" charset="-122"/>
+              </a:rPr>
+              <a:t> </a:t>
+            </a:r>
+          </a:p>
+          <a:p>
+            <a:pPr eaLnBrk="1" hangingPunct="1"/>
+            <a:r>
+              <a:rPr lang="en-US" altLang="zh-CN" sz="4800" dirty="0" smtClean="0">
+                <a:ea typeface="宋体" pitchFamily="2" charset="-122"/>
+              </a:rPr>
+              <a:t>  vertices and </a:t>
+            </a:r>
+            <a:r>
+              <a:rPr lang="en-US" altLang="zh-CN" sz="4800" dirty="0" smtClean="0">
+                <a:solidFill>
+                  <a:srgbClr val="0033CC"/>
+                </a:solidFill>
+                <a:ea typeface="宋体" pitchFamily="2" charset="-122"/>
+              </a:rPr>
+              <a:t>n–1</a:t>
+            </a:r>
+            <a:r>
+              <a:rPr lang="en-US" altLang="zh-CN" sz="4800" dirty="0" smtClean="0">
+                <a:ea typeface="宋体" pitchFamily="2" charset="-122"/>
+              </a:rPr>
+              <a:t> edges</a:t>
+            </a:r>
+          </a:p>
+          <a:p>
+            <a:pPr eaLnBrk="1" hangingPunct="1">
+              <a:buFont typeface="Arial" pitchFamily="34" charset="0"/>
+              <a:buChar char="•"/>
+            </a:pPr>
+            <a:r>
+              <a:rPr lang="en-US" altLang="zh-CN" sz="4800" dirty="0" smtClean="0">
+                <a:solidFill>
+                  <a:schemeClr val="tx2"/>
+                </a:solidFill>
+                <a:ea typeface="宋体" pitchFamily="2" charset="-122"/>
+              </a:rPr>
+              <a:t>an </a:t>
+            </a:r>
+            <a:r>
+              <a:rPr lang="en-US" altLang="zh-CN" sz="4800" dirty="0" smtClean="0">
+                <a:solidFill>
+                  <a:srgbClr val="0033CC"/>
+                </a:solidFill>
+                <a:ea typeface="宋体" pitchFamily="2" charset="-122"/>
+              </a:rPr>
+              <a:t>edge-maximal </a:t>
+            </a:r>
+            <a:r>
+              <a:rPr lang="en-US" altLang="zh-CN" sz="4800" dirty="0" smtClean="0">
+                <a:solidFill>
+                  <a:schemeClr val="tx2"/>
+                </a:solidFill>
+                <a:ea typeface="宋体" pitchFamily="2" charset="-122"/>
+              </a:rPr>
+              <a:t>acyclic graph</a:t>
+            </a:r>
+          </a:p>
+        </p:txBody>
+      </p:sp>
+      <p:sp>
+        <p:nvSpPr>
+          <p:cNvPr id="61444" name="Rectangle 11"/>
+          <p:cNvSpPr>
+            <a:spLocks noGrp="1" noChangeArrowheads="1"/>
+          </p:cNvSpPr>
+          <p:nvPr>
+            <p:ph type="sldNum" sz="quarter" idx="10"/>
+          </p:nvPr>
+        </p:nvSpPr>
+        <p:spPr>
+          <a:noFill/>
+        </p:spPr>
+        <p:txBody>
+          <a:bodyPr/>
+          <a:lstStyle/>
+          <a:p>
+            <a:r>
+              <a:rPr lang="en-US" dirty="0" smtClean="0"/>
+              <a:t>tree-def.</a:t>
+            </a:r>
+            <a:fld id="{C7424A53-C80F-4B5F-8DC5-4503ED6667F4}" type="slidenum">
+              <a:rPr lang="en-US" smtClean="0"/>
+              <a:pPr/>
+              <a:t>23</a:t>
+            </a:fld>
+            <a:endParaRPr lang="en-US" dirty="0"/>
+          </a:p>
+        </p:txBody>
+      </p:sp>
+    </p:spTree>
+    <p:extLst>
+      <p:ext uri="{BB962C8B-B14F-4D97-AF65-F5344CB8AC3E}">
+        <p14:creationId xmlns:p14="http://schemas.microsoft.com/office/powerpoint/2010/main" val="1383285544"/>
+      </p:ext>
+    </p:extLst>
+  </p:cSld>
+  <p:clrMapOvr>
+    <a:masterClrMapping/>
+  </p:clrMapOvr>
+  <p:transition xmlns:p14="http://schemas.microsoft.com/office/powerpoint/2010/main" spd="slow" advClick="0">
+    <p:fade thruBlk="1"/>
+  </p:transition>
+  <p:timing>
+    <p:tnLst>
+      <p:par>
+        <p:cTn xmlns:p14="http://schemas.microsoft.com/office/powerpoint/2010/main" id="1" dur="indefinite" restart="never" nodeType="tmRoot">
+          <p:childTnLst>
+            <p:seq concurrent="1" nextAc="seek">
+              <p:cTn id="2" dur="indefinite" nodeType="mainSeq">
+                <p:childTnLst>
+                  <p:par>
+                    <p:cTn id="3" fill="hold">
+                      <p:stCondLst>
+                        <p:cond delay="indefinite"/>
+                      </p:stCondLst>
+                      <p:childTnLst>
+                        <p:par>
+                          <p:cTn id="4" fill="hold">
+                            <p:stCondLst>
+                              <p:cond delay="0"/>
+                            </p:stCondLst>
+                            <p:childTnLst>
+                              <p:par>
+                                <p:cTn id="5" presetID="10" presetClass="entr" presetSubtype="0" fill="hold" nodeType="clickEffect">
+                                  <p:stCondLst>
+                                    <p:cond delay="0"/>
+                                  </p:stCondLst>
+                                  <p:childTnLst>
+                                    <p:set>
+                                      <p:cBhvr>
+                                        <p:cTn id="6" dur="1" fill="hold">
+                                          <p:stCondLst>
+                                            <p:cond delay="0"/>
+                                          </p:stCondLst>
+                                        </p:cTn>
+                                        <p:tgtEl>
+                                          <p:spTgt spid="744451">
+                                            <p:txEl>
+                                              <p:pRg st="0" end="0"/>
+                                            </p:txEl>
+                                          </p:spTgt>
+                                        </p:tgtEl>
+                                        <p:attrNameLst>
+                                          <p:attrName>style.visibility</p:attrName>
+                                        </p:attrNameLst>
+                                      </p:cBhvr>
+                                      <p:to>
+                                        <p:strVal val="visible"/>
+                                      </p:to>
+                                    </p:set>
+                                    <p:animEffect transition="in" filter="fade">
+                                      <p:cBhvr>
+                                        <p:cTn id="7" dur="500"/>
+                                        <p:tgtEl>
+                                          <p:spTgt spid="744451">
+                                            <p:txEl>
+                                              <p:pRg st="0" end="0"/>
+                                            </p:txEl>
+                                          </p:spTgt>
+                                        </p:tgtEl>
+                                      </p:cBhvr>
+                                    </p:animEffect>
+                                  </p:childTnLst>
+                                </p:cTn>
+                              </p:par>
+                            </p:childTnLst>
+                          </p:cTn>
+                        </p:par>
+                      </p:childTnLst>
+                    </p:cTn>
+                  </p:par>
+                  <p:par>
+                    <p:cTn id="8" fill="hold">
+                      <p:stCondLst>
+                        <p:cond delay="indefinite"/>
+                      </p:stCondLst>
+                      <p:childTnLst>
+                        <p:par>
+                          <p:cTn id="9" fill="hold">
+                            <p:stCondLst>
+                              <p:cond delay="0"/>
+                            </p:stCondLst>
+                            <p:childTnLst>
+                              <p:par>
+                                <p:cTn id="10" presetID="10" presetClass="entr" presetSubtype="0" fill="hold" nodeType="clickEffect">
+                                  <p:stCondLst>
+                                    <p:cond delay="0"/>
+                                  </p:stCondLst>
+                                  <p:childTnLst>
+                                    <p:set>
+                                      <p:cBhvr>
+                                        <p:cTn id="11" dur="1" fill="hold">
+                                          <p:stCondLst>
+                                            <p:cond delay="0"/>
+                                          </p:stCondLst>
+                                        </p:cTn>
+                                        <p:tgtEl>
+                                          <p:spTgt spid="744451">
+                                            <p:txEl>
+                                              <p:pRg st="1" end="1"/>
+                                            </p:txEl>
+                                          </p:spTgt>
+                                        </p:tgtEl>
+                                        <p:attrNameLst>
+                                          <p:attrName>style.visibility</p:attrName>
+                                        </p:attrNameLst>
+                                      </p:cBhvr>
+                                      <p:to>
+                                        <p:strVal val="visible"/>
+                                      </p:to>
+                                    </p:set>
+                                    <p:animEffect transition="in" filter="fade">
+                                      <p:cBhvr>
+                                        <p:cTn id="12" dur="500"/>
+                                        <p:tgtEl>
+                                          <p:spTgt spid="744451">
+                                            <p:txEl>
+                                              <p:pRg st="1" end="1"/>
+                                            </p:txEl>
+                                          </p:spTgt>
+                                        </p:tgtEl>
+                                      </p:cBhvr>
+                                    </p:animEffect>
+                                  </p:childTnLst>
+                                </p:cTn>
+                              </p:par>
+                              <p:par>
+                                <p:cTn id="13" presetID="10" presetClass="entr" presetSubtype="0" fill="hold" nodeType="withEffect">
+                                  <p:stCondLst>
+                                    <p:cond delay="0"/>
+                                  </p:stCondLst>
+                                  <p:childTnLst>
+                                    <p:set>
+                                      <p:cBhvr>
+                                        <p:cTn id="14" dur="1" fill="hold">
+                                          <p:stCondLst>
+                                            <p:cond delay="0"/>
+                                          </p:stCondLst>
+                                        </p:cTn>
+                                        <p:tgtEl>
+                                          <p:spTgt spid="744451">
+                                            <p:txEl>
+                                              <p:pRg st="2" end="2"/>
+                                            </p:txEl>
+                                          </p:spTgt>
+                                        </p:tgtEl>
+                                        <p:attrNameLst>
+                                          <p:attrName>style.visibility</p:attrName>
+                                        </p:attrNameLst>
+                                      </p:cBhvr>
+                                      <p:to>
+                                        <p:strVal val="visible"/>
+                                      </p:to>
+                                    </p:set>
+                                    <p:animEffect transition="in" filter="fade">
+                                      <p:cBhvr>
+                                        <p:cTn id="15" dur="500"/>
+                                        <p:tgtEl>
+                                          <p:spTgt spid="744451">
+                                            <p:txEl>
+                                              <p:pRg st="2" end="2"/>
+                                            </p:txEl>
+                                          </p:spTgt>
+                                        </p:tgtEl>
+                                      </p:cBhvr>
+                                    </p:animEffect>
+                                  </p:childTnLst>
+                                </p:cTn>
+                              </p:par>
+                            </p:childTnLst>
+                          </p:cTn>
+                        </p:par>
+                      </p:childTnLst>
+                    </p:cTn>
+                  </p:par>
+                  <p:par>
+                    <p:cTn id="16" fill="hold">
+                      <p:stCondLst>
+                        <p:cond delay="indefinite"/>
+                      </p:stCondLst>
+                      <p:childTnLst>
+                        <p:par>
+                          <p:cTn id="17" fill="hold">
+                            <p:stCondLst>
+                              <p:cond delay="0"/>
+                            </p:stCondLst>
+                            <p:childTnLst>
+                              <p:par>
+                                <p:cTn id="18" presetID="10" presetClass="entr" presetSubtype="0" fill="hold" nodeType="clickEffect">
+                                  <p:stCondLst>
+                                    <p:cond delay="0"/>
+                                  </p:stCondLst>
+                                  <p:childTnLst>
+                                    <p:set>
+                                      <p:cBhvr>
+                                        <p:cTn id="19" dur="1" fill="hold">
+                                          <p:stCondLst>
+                                            <p:cond delay="0"/>
+                                          </p:stCondLst>
+                                        </p:cTn>
+                                        <p:tgtEl>
+                                          <p:spTgt spid="744451">
+                                            <p:txEl>
+                                              <p:pRg st="3" end="3"/>
+                                            </p:txEl>
+                                          </p:spTgt>
+                                        </p:tgtEl>
+                                        <p:attrNameLst>
+                                          <p:attrName>style.visibility</p:attrName>
+                                        </p:attrNameLst>
+                                      </p:cBhvr>
+                                      <p:to>
+                                        <p:strVal val="visible"/>
+                                      </p:to>
+                                    </p:set>
+                                    <p:animEffect transition="in" filter="fade">
+                                      <p:cBhvr>
+                                        <p:cTn id="20" dur="500"/>
+                                        <p:tgtEl>
+                                          <p:spTgt spid="744451">
+                                            <p:txEl>
+                                              <p:pRg st="3" end="3"/>
+                                            </p:txEl>
+                                          </p:spTgt>
+                                        </p:tgtEl>
+                                      </p:cBhvr>
+                                    </p:animEffect>
+                                  </p:childTnLst>
+                                </p:cTn>
+                              </p:par>
+                            </p:childTnLst>
+                          </p:cTn>
+                        </p:par>
+                      </p:childTnLst>
+                    </p:cTn>
+                  </p:par>
+                </p:childTnLst>
+              </p:cTn>
+              <p:prevCondLst>
+                <p:cond evt="onPrev" delay="0">
+                  <p:tgtEl>
+                    <p:sldTgt/>
+                  </p:tgtEl>
+                </p:cond>
+              </p:prevCondLst>
+              <p:nextCondLst>
+                <p:cond evt="onNext" delay="0">
+                  <p:tgtEl>
+                    <p:sldTgt/>
+                  </p:tgtEl>
+                </p:cond>
+              </p:nextCondLst>
+            </p:seq>
+          </p:childTnLst>
+        </p:cTn>
+      </p:par>
+    </p:tnLst>
+  </p:timing>
+</p:sld>
+</file>
+
+<file path=ppt/slides/slide3.xml><?xml version="1.0" encoding="utf-8"?>
 <p:sld xmlns:a="http://schemas.openxmlformats.org/drawingml/2006/main" xmlns:r="http://schemas.openxmlformats.org/officeDocument/2006/relationships" xmlns:p="http://schemas.openxmlformats.org/presentationml/2006/main">
   <p:cSld>
     <p:spTree>
@@ -11311,7 +13626,7 @@
             <a:fld id="{B8D01330-1CCD-420A-86D1-6B5E88908576}" type="slidenum">
               <a:rPr lang="en-US" smtClean="0"/>
               <a:pPr/>
-              <a:t>2</a:t>
+              <a:t>3</a:t>
             </a:fld>
             <a:endParaRPr lang="en-US" dirty="0" smtClean="0"/>
           </a:p>
@@ -12156,602 +14471,7 @@
 </p:sld>
 </file>
 
-<file path=ppt/slides/slide20.xml><?xml version="1.0" encoding="utf-8"?>
-<p:sld xmlns:a="http://schemas.openxmlformats.org/drawingml/2006/main" xmlns:r="http://schemas.openxmlformats.org/officeDocument/2006/relationships" xmlns:p="http://schemas.openxmlformats.org/presentationml/2006/main" show="0">
-  <p:cSld>
-    <p:spTree>
-      <p:nvGrpSpPr>
-        <p:cNvPr id="1" name=""/>
-        <p:cNvGrpSpPr/>
-        <p:nvPr/>
-      </p:nvGrpSpPr>
-      <p:grpSpPr>
-        <a:xfrm>
-          <a:off x="0" y="0"/>
-          <a:ext cx="0" cy="0"/>
-          <a:chOff x="0" y="0"/>
-          <a:chExt cx="0" cy="0"/>
-        </a:xfrm>
-      </p:grpSpPr>
-      <p:sp>
-        <p:nvSpPr>
-          <p:cNvPr id="61442" name="Rectangle 2"/>
-          <p:cNvSpPr>
-            <a:spLocks noGrp="1" noChangeArrowheads="1"/>
-          </p:cNvSpPr>
-          <p:nvPr>
-            <p:ph type="title"/>
-          </p:nvPr>
-        </p:nvSpPr>
-        <p:spPr/>
-        <p:txBody>
-          <a:bodyPr/>
-          <a:lstStyle/>
-          <a:p>
-            <a:pPr eaLnBrk="1" hangingPunct="1"/>
-            <a:r>
-              <a:rPr lang="en-US" altLang="zh-CN" dirty="0" smtClean="0">
-                <a:ea typeface="宋体" pitchFamily="2" charset="-122"/>
-              </a:rPr>
-              <a:t>more equivalent </a:t>
-            </a:r>
-            <a:r>
-              <a:rPr lang="en-US" altLang="zh-CN" dirty="0">
-                <a:ea typeface="宋体" pitchFamily="2" charset="-122"/>
-              </a:rPr>
-              <a:t>d</a:t>
-            </a:r>
-            <a:r>
-              <a:rPr lang="en-US" altLang="zh-CN" dirty="0" smtClean="0">
-                <a:ea typeface="宋体" pitchFamily="2" charset="-122"/>
-              </a:rPr>
-              <a:t>efinitions</a:t>
-            </a:r>
-          </a:p>
-        </p:txBody>
-      </p:sp>
-      <p:sp>
-        <p:nvSpPr>
-          <p:cNvPr id="744451" name="Rectangle 3"/>
-          <p:cNvSpPr>
-            <a:spLocks noGrp="1" noChangeArrowheads="1"/>
-          </p:cNvSpPr>
-          <p:nvPr>
-            <p:ph type="body" idx="1"/>
-          </p:nvPr>
-        </p:nvSpPr>
-        <p:spPr>
-          <a:xfrm>
-            <a:off x="310442" y="807754"/>
-            <a:ext cx="8676321" cy="5118919"/>
-          </a:xfrm>
-        </p:spPr>
-        <p:txBody>
-          <a:bodyPr/>
-          <a:lstStyle/>
-          <a:p>
-            <a:pPr eaLnBrk="1" hangingPunct="1">
-              <a:buFont typeface="Arial" pitchFamily="34" charset="0"/>
-              <a:buChar char="•"/>
-            </a:pPr>
-            <a:r>
-              <a:rPr lang="en-US" altLang="zh-CN" sz="4800" dirty="0" smtClean="0">
-                <a:ea typeface="宋体" pitchFamily="2" charset="-122"/>
-              </a:rPr>
-              <a:t>an </a:t>
-            </a:r>
-            <a:r>
-              <a:rPr lang="en-US" altLang="zh-CN" sz="4800" dirty="0" smtClean="0">
-                <a:solidFill>
-                  <a:srgbClr val="0000FF"/>
-                </a:solidFill>
-                <a:ea typeface="宋体" pitchFamily="2" charset="-122"/>
-              </a:rPr>
-              <a:t>edge-minimal</a:t>
-            </a:r>
-            <a:r>
-              <a:rPr lang="en-US" altLang="zh-CN" sz="4800" dirty="0" smtClean="0">
-                <a:ea typeface="宋体" pitchFamily="2" charset="-122"/>
-              </a:rPr>
-              <a:t> connected graph</a:t>
-            </a:r>
-            <a:endParaRPr lang="en-US" altLang="zh-CN" sz="4800" dirty="0" smtClean="0">
-              <a:ea typeface="宋体" pitchFamily="2" charset="-122"/>
-            </a:endParaRPr>
-          </a:p>
-        </p:txBody>
-      </p:sp>
-      <p:sp>
-        <p:nvSpPr>
-          <p:cNvPr id="61444" name="Rectangle 11"/>
-          <p:cNvSpPr>
-            <a:spLocks noGrp="1" noChangeArrowheads="1"/>
-          </p:cNvSpPr>
-          <p:nvPr>
-            <p:ph type="sldNum" sz="quarter" idx="10"/>
-          </p:nvPr>
-        </p:nvSpPr>
-        <p:spPr>
-          <a:noFill/>
-        </p:spPr>
-        <p:txBody>
-          <a:bodyPr/>
-          <a:lstStyle/>
-          <a:p>
-            <a:r>
-              <a:rPr lang="en-US" dirty="0" smtClean="0"/>
-              <a:t>tree-def.</a:t>
-            </a:r>
-            <a:fld id="{C7424A53-C80F-4B5F-8DC5-4503ED6667F4}" type="slidenum">
-              <a:rPr lang="en-US" smtClean="0"/>
-              <a:pPr/>
-              <a:t>20</a:t>
-            </a:fld>
-            <a:endParaRPr lang="en-US" dirty="0"/>
-          </a:p>
-        </p:txBody>
-      </p:sp>
-    </p:spTree>
-  </p:cSld>
-  <p:clrMapOvr>
-    <a:masterClrMapping/>
-  </p:clrMapOvr>
-  <p:transition xmlns:p14="http://schemas.microsoft.com/office/powerpoint/2010/main" spd="slow" advClick="0">
-    <p:fade thruBlk="1"/>
-  </p:transition>
-  <p:timing>
-    <p:tnLst>
-      <p:par>
-        <p:cTn xmlns:p14="http://schemas.microsoft.com/office/powerpoint/2010/main" id="1" dur="indefinite" restart="never" nodeType="tmRoot">
-          <p:childTnLst>
-            <p:seq concurrent="1" nextAc="seek">
-              <p:cTn id="2" dur="indefinite" nodeType="mainSeq">
-                <p:childTnLst>
-                  <p:par>
-                    <p:cTn id="3" fill="hold">
-                      <p:stCondLst>
-                        <p:cond delay="indefinite"/>
-                      </p:stCondLst>
-                      <p:childTnLst>
-                        <p:par>
-                          <p:cTn id="4" fill="hold">
-                            <p:stCondLst>
-                              <p:cond delay="0"/>
-                            </p:stCondLst>
-                            <p:childTnLst>
-                              <p:par>
-                                <p:cTn id="5" presetID="10" presetClass="entr" presetSubtype="0" fill="hold" nodeType="clickEffect">
-                                  <p:stCondLst>
-                                    <p:cond delay="0"/>
-                                  </p:stCondLst>
-                                  <p:childTnLst>
-                                    <p:set>
-                                      <p:cBhvr>
-                                        <p:cTn id="6" dur="1" fill="hold">
-                                          <p:stCondLst>
-                                            <p:cond delay="0"/>
-                                          </p:stCondLst>
-                                        </p:cTn>
-                                        <p:tgtEl>
-                                          <p:spTgt spid="744451">
-                                            <p:txEl>
-                                              <p:pRg st="0" end="0"/>
-                                            </p:txEl>
-                                          </p:spTgt>
-                                        </p:tgtEl>
-                                        <p:attrNameLst>
-                                          <p:attrName>style.visibility</p:attrName>
-                                        </p:attrNameLst>
-                                      </p:cBhvr>
-                                      <p:to>
-                                        <p:strVal val="visible"/>
-                                      </p:to>
-                                    </p:set>
-                                    <p:animEffect transition="in" filter="fade">
-                                      <p:cBhvr>
-                                        <p:cTn id="7" dur="500"/>
-                                        <p:tgtEl>
-                                          <p:spTgt spid="744451">
-                                            <p:txEl>
-                                              <p:pRg st="0" end="0"/>
-                                            </p:txEl>
-                                          </p:spTgt>
-                                        </p:tgtEl>
-                                      </p:cBhvr>
-                                    </p:animEffect>
-                                  </p:childTnLst>
-                                </p:cTn>
-                              </p:par>
-                            </p:childTnLst>
-                          </p:cTn>
-                        </p:par>
-                      </p:childTnLst>
-                    </p:cTn>
-                  </p:par>
-                </p:childTnLst>
-              </p:cTn>
-              <p:prevCondLst>
-                <p:cond evt="onPrev" delay="0">
-                  <p:tgtEl>
-                    <p:sldTgt/>
-                  </p:tgtEl>
-                </p:cond>
-              </p:prevCondLst>
-              <p:nextCondLst>
-                <p:cond evt="onNext" delay="0">
-                  <p:tgtEl>
-                    <p:sldTgt/>
-                  </p:tgtEl>
-                </p:cond>
-              </p:nextCondLst>
-            </p:seq>
-          </p:childTnLst>
-        </p:cTn>
-      </p:par>
-    </p:tnLst>
-  </p:timing>
-</p:sld>
-</file>
-
-<file path=ppt/slides/slide21.xml><?xml version="1.0" encoding="utf-8"?>
-<p:sld xmlns:a="http://schemas.openxmlformats.org/drawingml/2006/main" xmlns:r="http://schemas.openxmlformats.org/officeDocument/2006/relationships" xmlns:p="http://schemas.openxmlformats.org/presentationml/2006/main" show="0">
-  <p:cSld>
-    <p:spTree>
-      <p:nvGrpSpPr>
-        <p:cNvPr id="1" name=""/>
-        <p:cNvGrpSpPr/>
-        <p:nvPr/>
-      </p:nvGrpSpPr>
-      <p:grpSpPr>
-        <a:xfrm>
-          <a:off x="0" y="0"/>
-          <a:ext cx="0" cy="0"/>
-          <a:chOff x="0" y="0"/>
-          <a:chExt cx="0" cy="0"/>
-        </a:xfrm>
-      </p:grpSpPr>
-      <p:sp>
-        <p:nvSpPr>
-          <p:cNvPr id="61442" name="Rectangle 2"/>
-          <p:cNvSpPr>
-            <a:spLocks noGrp="1" noChangeArrowheads="1"/>
-          </p:cNvSpPr>
-          <p:nvPr>
-            <p:ph type="title"/>
-          </p:nvPr>
-        </p:nvSpPr>
-        <p:spPr/>
-        <p:txBody>
-          <a:bodyPr/>
-          <a:lstStyle/>
-          <a:p>
-            <a:pPr eaLnBrk="1" hangingPunct="1"/>
-            <a:r>
-              <a:rPr lang="en-US" altLang="zh-CN" dirty="0" smtClean="0">
-                <a:ea typeface="宋体" pitchFamily="2" charset="-122"/>
-              </a:rPr>
-              <a:t>more equivalent </a:t>
-            </a:r>
-            <a:r>
-              <a:rPr lang="en-US" altLang="zh-CN" dirty="0">
-                <a:ea typeface="宋体" pitchFamily="2" charset="-122"/>
-              </a:rPr>
-              <a:t>d</a:t>
-            </a:r>
-            <a:r>
-              <a:rPr lang="en-US" altLang="zh-CN" dirty="0" smtClean="0">
-                <a:ea typeface="宋体" pitchFamily="2" charset="-122"/>
-              </a:rPr>
-              <a:t>efinitions</a:t>
-            </a:r>
-          </a:p>
-        </p:txBody>
-      </p:sp>
-      <p:sp>
-        <p:nvSpPr>
-          <p:cNvPr id="744451" name="Rectangle 3"/>
-          <p:cNvSpPr>
-            <a:spLocks noGrp="1" noChangeArrowheads="1"/>
-          </p:cNvSpPr>
-          <p:nvPr>
-            <p:ph type="body" idx="1"/>
-          </p:nvPr>
-        </p:nvSpPr>
-        <p:spPr>
-          <a:xfrm>
-            <a:off x="310442" y="807754"/>
-            <a:ext cx="8676321" cy="5118919"/>
-          </a:xfrm>
-        </p:spPr>
-        <p:txBody>
-          <a:bodyPr/>
-          <a:lstStyle/>
-          <a:p>
-            <a:pPr eaLnBrk="1" hangingPunct="1">
-              <a:buFont typeface="Arial" pitchFamily="34" charset="0"/>
-              <a:buChar char="•"/>
-            </a:pPr>
-            <a:r>
-              <a:rPr lang="en-US" altLang="zh-CN" sz="4800" dirty="0" smtClean="0">
-                <a:solidFill>
-                  <a:schemeClr val="tx2"/>
-                </a:solidFill>
-                <a:ea typeface="宋体" pitchFamily="2" charset="-122"/>
-              </a:rPr>
-              <a:t>graph with a </a:t>
-            </a:r>
-            <a:r>
-              <a:rPr lang="en-US" altLang="zh-CN" sz="4800" dirty="0" smtClean="0">
-                <a:solidFill>
-                  <a:srgbClr val="0033CC"/>
-                </a:solidFill>
-                <a:ea typeface="宋体" pitchFamily="2" charset="-122"/>
-              </a:rPr>
-              <a:t>unique</a:t>
-            </a:r>
-            <a:r>
-              <a:rPr lang="en-US" altLang="zh-CN" sz="4800" dirty="0" smtClean="0">
-                <a:solidFill>
-                  <a:schemeClr val="tx2"/>
-                </a:solidFill>
-                <a:ea typeface="宋体" pitchFamily="2" charset="-122"/>
-              </a:rPr>
-              <a:t> path between </a:t>
-            </a:r>
-            <a:r>
-              <a:rPr lang="en-US" altLang="zh-CN" sz="4800" dirty="0" smtClean="0">
-                <a:solidFill>
-                  <a:schemeClr val="accent1">
-                    <a:lumMod val="50000"/>
-                  </a:schemeClr>
-                </a:solidFill>
-                <a:ea typeface="宋体" pitchFamily="2" charset="-122"/>
-              </a:rPr>
-              <a:t>any 2</a:t>
-            </a:r>
-            <a:r>
-              <a:rPr lang="en-US" altLang="zh-CN" sz="4800" dirty="0" smtClean="0">
-                <a:solidFill>
-                  <a:schemeClr val="tx2"/>
-                </a:solidFill>
-                <a:ea typeface="宋体" pitchFamily="2" charset="-122"/>
-              </a:rPr>
-              <a:t> vertices</a:t>
-            </a:r>
-          </a:p>
-          <a:p>
-            <a:pPr eaLnBrk="1" hangingPunct="1">
-              <a:buFont typeface="Arial" pitchFamily="34" charset="0"/>
-              <a:buChar char="•"/>
-            </a:pPr>
-            <a:r>
-              <a:rPr lang="en-US" altLang="zh-CN" sz="4800" dirty="0" smtClean="0">
-                <a:ea typeface="宋体" pitchFamily="2" charset="-122"/>
-              </a:rPr>
-              <a:t>connected graph with </a:t>
-            </a:r>
-            <a:r>
-              <a:rPr lang="en-US" altLang="zh-CN" sz="4800" dirty="0" smtClean="0">
-                <a:solidFill>
-                  <a:srgbClr val="0033CC"/>
-                </a:solidFill>
-                <a:ea typeface="宋体" pitchFamily="2" charset="-122"/>
-              </a:rPr>
-              <a:t>n</a:t>
-            </a:r>
-            <a:r>
-              <a:rPr lang="en-US" altLang="zh-CN" sz="4800" dirty="0" smtClean="0">
-                <a:ea typeface="宋体" pitchFamily="2" charset="-122"/>
-              </a:rPr>
-              <a:t> </a:t>
-            </a:r>
-          </a:p>
-          <a:p>
-            <a:pPr eaLnBrk="1" hangingPunct="1"/>
-            <a:r>
-              <a:rPr lang="en-US" altLang="zh-CN" sz="4800" dirty="0" smtClean="0">
-                <a:ea typeface="宋体" pitchFamily="2" charset="-122"/>
-              </a:rPr>
-              <a:t>  vertices and </a:t>
-            </a:r>
-            <a:r>
-              <a:rPr lang="en-US" altLang="zh-CN" sz="4800" dirty="0" smtClean="0">
-                <a:solidFill>
-                  <a:srgbClr val="0033CC"/>
-                </a:solidFill>
-                <a:ea typeface="宋体" pitchFamily="2" charset="-122"/>
-              </a:rPr>
-              <a:t>n–1</a:t>
-            </a:r>
-            <a:r>
-              <a:rPr lang="en-US" altLang="zh-CN" sz="4800" dirty="0" smtClean="0">
-                <a:ea typeface="宋体" pitchFamily="2" charset="-122"/>
-              </a:rPr>
-              <a:t> edges</a:t>
-            </a:r>
-          </a:p>
-          <a:p>
-            <a:pPr eaLnBrk="1" hangingPunct="1">
-              <a:buFont typeface="Arial" pitchFamily="34" charset="0"/>
-              <a:buChar char="•"/>
-            </a:pPr>
-            <a:r>
-              <a:rPr lang="en-US" altLang="zh-CN" sz="4800" dirty="0" smtClean="0">
-                <a:solidFill>
-                  <a:schemeClr val="tx2"/>
-                </a:solidFill>
-                <a:ea typeface="宋体" pitchFamily="2" charset="-122"/>
-              </a:rPr>
-              <a:t>an </a:t>
-            </a:r>
-            <a:r>
-              <a:rPr lang="en-US" altLang="zh-CN" sz="4800" dirty="0" smtClean="0">
-                <a:solidFill>
-                  <a:srgbClr val="0033CC"/>
-                </a:solidFill>
-                <a:ea typeface="宋体" pitchFamily="2" charset="-122"/>
-              </a:rPr>
-              <a:t>edge-maximal </a:t>
-            </a:r>
-            <a:r>
-              <a:rPr lang="en-US" altLang="zh-CN" sz="4800" dirty="0" smtClean="0">
-                <a:solidFill>
-                  <a:schemeClr val="tx2"/>
-                </a:solidFill>
-                <a:ea typeface="宋体" pitchFamily="2" charset="-122"/>
-              </a:rPr>
-              <a:t>acyclic graph</a:t>
-            </a:r>
-          </a:p>
-        </p:txBody>
-      </p:sp>
-      <p:sp>
-        <p:nvSpPr>
-          <p:cNvPr id="61444" name="Rectangle 11"/>
-          <p:cNvSpPr>
-            <a:spLocks noGrp="1" noChangeArrowheads="1"/>
-          </p:cNvSpPr>
-          <p:nvPr>
-            <p:ph type="sldNum" sz="quarter" idx="10"/>
-          </p:nvPr>
-        </p:nvSpPr>
-        <p:spPr>
-          <a:noFill/>
-        </p:spPr>
-        <p:txBody>
-          <a:bodyPr/>
-          <a:lstStyle/>
-          <a:p>
-            <a:r>
-              <a:rPr lang="en-US" dirty="0" smtClean="0"/>
-              <a:t>tree-def.</a:t>
-            </a:r>
-            <a:fld id="{C7424A53-C80F-4B5F-8DC5-4503ED6667F4}" type="slidenum">
-              <a:rPr lang="en-US" smtClean="0"/>
-              <a:pPr/>
-              <a:t>21</a:t>
-            </a:fld>
-            <a:endParaRPr lang="en-US" dirty="0"/>
-          </a:p>
-        </p:txBody>
-      </p:sp>
-    </p:spTree>
-    <p:extLst>
-      <p:ext uri="{BB962C8B-B14F-4D97-AF65-F5344CB8AC3E}">
-        <p14:creationId xmlns:p14="http://schemas.microsoft.com/office/powerpoint/2010/main" val="2268370176"/>
-      </p:ext>
-    </p:extLst>
-  </p:cSld>
-  <p:clrMapOvr>
-    <a:masterClrMapping/>
-  </p:clrMapOvr>
-  <mc:AlternateContent xmlns:mc="http://schemas.openxmlformats.org/markup-compatibility/2006">
-    <mc:Choice xmlns:p14="http://schemas.microsoft.com/office/powerpoint/2010/main" Requires="p14">
-      <p:transition spd="slow" p14:dur="800" advClick="0">
-        <p:fade/>
-      </p:transition>
-    </mc:Choice>
-    <mc:Fallback>
-      <p:transition xmlns:p14="http://schemas.microsoft.com/office/powerpoint/2010/main" spd="slow" advClick="0">
-        <p:fade/>
-      </p:transition>
-    </mc:Fallback>
-  </mc:AlternateContent>
-  <p:timing>
-    <p:tnLst>
-      <p:par>
-        <p:cTn xmlns:p14="http://schemas.microsoft.com/office/powerpoint/2010/main" id="1" dur="indefinite" restart="never" nodeType="tmRoot">
-          <p:childTnLst>
-            <p:seq concurrent="1" nextAc="seek">
-              <p:cTn id="2" dur="indefinite" nodeType="mainSeq">
-                <p:childTnLst>
-                  <p:par>
-                    <p:cTn id="3" fill="hold">
-                      <p:stCondLst>
-                        <p:cond delay="indefinite"/>
-                      </p:stCondLst>
-                      <p:childTnLst>
-                        <p:par>
-                          <p:cTn id="4" fill="hold">
-                            <p:stCondLst>
-                              <p:cond delay="0"/>
-                            </p:stCondLst>
-                            <p:childTnLst>
-                              <p:par>
-                                <p:cTn id="5" presetID="10" presetClass="entr" presetSubtype="0" fill="hold" nodeType="clickEffect">
-                                  <p:stCondLst>
-                                    <p:cond delay="0"/>
-                                  </p:stCondLst>
-                                  <p:childTnLst>
-                                    <p:set>
-                                      <p:cBhvr>
-                                        <p:cTn id="6" dur="1" fill="hold">
-                                          <p:stCondLst>
-                                            <p:cond delay="0"/>
-                                          </p:stCondLst>
-                                        </p:cTn>
-                                        <p:tgtEl>
-                                          <p:spTgt spid="744451">
-                                            <p:txEl>
-                                              <p:pRg st="3" end="3"/>
-                                            </p:txEl>
-                                          </p:spTgt>
-                                        </p:tgtEl>
-                                        <p:attrNameLst>
-                                          <p:attrName>style.visibility</p:attrName>
-                                        </p:attrNameLst>
-                                      </p:cBhvr>
-                                      <p:to>
-                                        <p:strVal val="visible"/>
-                                      </p:to>
-                                    </p:set>
-                                    <p:animEffect transition="in" filter="fade">
-                                      <p:cBhvr>
-                                        <p:cTn id="7" dur="500"/>
-                                        <p:tgtEl>
-                                          <p:spTgt spid="744451">
-                                            <p:txEl>
-                                              <p:pRg st="3" end="3"/>
-                                            </p:txEl>
-                                          </p:spTgt>
-                                        </p:tgtEl>
-                                      </p:cBhvr>
-                                    </p:animEffect>
-                                  </p:childTnLst>
-                                </p:cTn>
-                              </p:par>
-                            </p:childTnLst>
-                          </p:cTn>
-                        </p:par>
-                      </p:childTnLst>
-                    </p:cTn>
-                  </p:par>
-                </p:childTnLst>
-              </p:cTn>
-              <p:prevCondLst>
-                <p:cond evt="onPrev" delay="0">
-                  <p:tgtEl>
-                    <p:sldTgt/>
-                  </p:tgtEl>
-                </p:cond>
-              </p:prevCondLst>
-              <p:nextCondLst>
-                <p:cond evt="onNext" delay="0">
-                  <p:tgtEl>
-                    <p:sldTgt/>
-                  </p:tgtEl>
-                </p:cond>
-              </p:nextCondLst>
-            </p:seq>
-          </p:childTnLst>
-        </p:cTn>
-      </p:par>
-    </p:tnLst>
-  </p:timing>
-</p:sld>
-</file>
-
-<file path=ppt/slides/slide22.xml><?xml version="1.0" encoding="utf-8"?>
+<file path=ppt/slides/slide4.xml><?xml version="1.0" encoding="utf-8"?>
 <p:sld xmlns:a="http://schemas.openxmlformats.org/drawingml/2006/main" xmlns:r="http://schemas.openxmlformats.org/officeDocument/2006/relationships" xmlns:p="http://schemas.openxmlformats.org/presentationml/2006/main">
   <p:cSld>
     <p:spTree>
@@ -12770,1033 +14490,6 @@
       </p:grpSpPr>
       <p:sp>
         <p:nvSpPr>
-          <p:cNvPr id="61442" name="Rectangle 2"/>
-          <p:cNvSpPr>
-            <a:spLocks noGrp="1" noChangeArrowheads="1"/>
-          </p:cNvSpPr>
-          <p:nvPr>
-            <p:ph type="title"/>
-          </p:nvPr>
-        </p:nvSpPr>
-        <p:spPr/>
-        <p:txBody>
-          <a:bodyPr/>
-          <a:lstStyle/>
-          <a:p>
-            <a:pPr eaLnBrk="1" hangingPunct="1"/>
-            <a:r>
-              <a:rPr lang="en-US" altLang="zh-CN" dirty="0" smtClean="0">
-                <a:ea typeface="宋体" pitchFamily="2" charset="-122"/>
-              </a:rPr>
-              <a:t>more equivalent </a:t>
-            </a:r>
-            <a:r>
-              <a:rPr lang="en-US" altLang="zh-CN" dirty="0">
-                <a:ea typeface="宋体" pitchFamily="2" charset="-122"/>
-              </a:rPr>
-              <a:t>d</a:t>
-            </a:r>
-            <a:r>
-              <a:rPr lang="en-US" altLang="zh-CN" dirty="0" smtClean="0">
-                <a:ea typeface="宋体" pitchFamily="2" charset="-122"/>
-              </a:rPr>
-              <a:t>efinitions</a:t>
-            </a:r>
-          </a:p>
-        </p:txBody>
-      </p:sp>
-      <p:sp>
-        <p:nvSpPr>
-          <p:cNvPr id="744451" name="Rectangle 3"/>
-          <p:cNvSpPr>
-            <a:spLocks noGrp="1" noChangeArrowheads="1"/>
-          </p:cNvSpPr>
-          <p:nvPr>
-            <p:ph type="body" idx="1"/>
-          </p:nvPr>
-        </p:nvSpPr>
-        <p:spPr>
-          <a:xfrm>
-            <a:off x="310442" y="807754"/>
-            <a:ext cx="8676321" cy="5118919"/>
-          </a:xfrm>
-        </p:spPr>
-        <p:txBody>
-          <a:bodyPr/>
-          <a:lstStyle/>
-          <a:p>
-            <a:pPr eaLnBrk="1" hangingPunct="1">
-              <a:buFont typeface="Arial" pitchFamily="34" charset="0"/>
-              <a:buChar char="•"/>
-            </a:pPr>
-            <a:r>
-              <a:rPr lang="en-US" altLang="zh-CN" sz="4800" dirty="0" smtClean="0">
-                <a:ea typeface="宋体" pitchFamily="2" charset="-122"/>
-              </a:rPr>
-              <a:t>connected </a:t>
-            </a:r>
-            <a:r>
-              <a:rPr lang="en-US" altLang="zh-CN" sz="4800" dirty="0" smtClean="0">
-                <a:ea typeface="宋体" pitchFamily="2" charset="-122"/>
-              </a:rPr>
-              <a:t>graph with </a:t>
-            </a:r>
-            <a:r>
-              <a:rPr lang="en-US" altLang="zh-CN" sz="4800" smtClean="0">
-                <a:solidFill>
-                  <a:srgbClr val="0033CC"/>
-                </a:solidFill>
-                <a:ea typeface="宋体" pitchFamily="2" charset="-122"/>
-              </a:rPr>
-              <a:t>n</a:t>
-            </a:r>
-            <a:r>
-              <a:rPr lang="en-US" altLang="zh-CN" sz="4800" smtClean="0">
-                <a:ea typeface="宋体" pitchFamily="2" charset="-122"/>
-              </a:rPr>
-              <a:t> </a:t>
-            </a:r>
-            <a:r>
-              <a:rPr lang="en-US" altLang="zh-CN" sz="4800" smtClean="0">
-                <a:ea typeface="宋体" pitchFamily="2" charset="-122"/>
-              </a:rPr>
-              <a:t>vertices </a:t>
-            </a:r>
-            <a:r>
-              <a:rPr lang="en-US" altLang="zh-CN" sz="4800" dirty="0" smtClean="0">
-                <a:ea typeface="宋体" pitchFamily="2" charset="-122"/>
-              </a:rPr>
-              <a:t>and </a:t>
-            </a:r>
-            <a:r>
-              <a:rPr lang="en-US" altLang="zh-CN" sz="4800" dirty="0" smtClean="0">
-                <a:solidFill>
-                  <a:srgbClr val="0033CC"/>
-                </a:solidFill>
-                <a:ea typeface="宋体" pitchFamily="2" charset="-122"/>
-              </a:rPr>
-              <a:t>n–1</a:t>
-            </a:r>
-            <a:r>
-              <a:rPr lang="en-US" altLang="zh-CN" sz="4800" dirty="0" smtClean="0">
-                <a:ea typeface="宋体" pitchFamily="2" charset="-122"/>
-              </a:rPr>
-              <a:t> edges</a:t>
-            </a:r>
-          </a:p>
-          <a:p>
-            <a:pPr eaLnBrk="1" hangingPunct="1">
-              <a:buFont typeface="Arial" pitchFamily="34" charset="0"/>
-              <a:buChar char="•"/>
-            </a:pPr>
-            <a:r>
-              <a:rPr lang="en-US" altLang="zh-CN" sz="4800" dirty="0" smtClean="0">
-                <a:solidFill>
-                  <a:schemeClr val="tx2"/>
-                </a:solidFill>
-                <a:ea typeface="宋体" pitchFamily="2" charset="-122"/>
-              </a:rPr>
-              <a:t>an </a:t>
-            </a:r>
-            <a:r>
-              <a:rPr lang="en-US" altLang="zh-CN" sz="4800" dirty="0" smtClean="0">
-                <a:solidFill>
-                  <a:srgbClr val="0033CC"/>
-                </a:solidFill>
-                <a:ea typeface="宋体" pitchFamily="2" charset="-122"/>
-              </a:rPr>
-              <a:t>edge-maximal </a:t>
-            </a:r>
-            <a:r>
-              <a:rPr lang="en-US" altLang="zh-CN" sz="4800" dirty="0" smtClean="0">
-                <a:solidFill>
-                  <a:schemeClr val="tx2"/>
-                </a:solidFill>
-                <a:ea typeface="宋体" pitchFamily="2" charset="-122"/>
-              </a:rPr>
-              <a:t>acyclic </a:t>
-            </a:r>
-            <a:r>
-              <a:rPr lang="en-US" altLang="zh-CN" sz="4800" dirty="0" smtClean="0">
-                <a:solidFill>
-                  <a:schemeClr val="tx2"/>
-                </a:solidFill>
-                <a:ea typeface="宋体" pitchFamily="2" charset="-122"/>
-              </a:rPr>
-              <a:t>graph</a:t>
-            </a:r>
-          </a:p>
-          <a:p>
-            <a:pPr eaLnBrk="1" hangingPunct="1">
-              <a:buFont typeface="Arial" pitchFamily="34" charset="0"/>
-              <a:buChar char="•"/>
-            </a:pPr>
-            <a:r>
-              <a:rPr lang="en-US" altLang="zh-CN" sz="4800" dirty="0">
-                <a:solidFill>
-                  <a:schemeClr val="tx2"/>
-                </a:solidFill>
-                <a:ea typeface="宋体" pitchFamily="2" charset="-122"/>
-              </a:rPr>
-              <a:t>graph with a </a:t>
-            </a:r>
-            <a:r>
-              <a:rPr lang="en-US" altLang="zh-CN" sz="4800" dirty="0">
-                <a:solidFill>
-                  <a:srgbClr val="0033CC"/>
-                </a:solidFill>
-                <a:ea typeface="宋体" pitchFamily="2" charset="-122"/>
-              </a:rPr>
-              <a:t>unique</a:t>
-            </a:r>
-            <a:r>
-              <a:rPr lang="en-US" altLang="zh-CN" sz="4800" dirty="0">
-                <a:solidFill>
-                  <a:schemeClr val="tx2"/>
-                </a:solidFill>
-                <a:ea typeface="宋体" pitchFamily="2" charset="-122"/>
-              </a:rPr>
-              <a:t> path between </a:t>
-            </a:r>
-            <a:r>
-              <a:rPr lang="en-US" altLang="zh-CN" sz="4800" dirty="0">
-                <a:solidFill>
-                  <a:schemeClr val="accent1">
-                    <a:lumMod val="50000"/>
-                  </a:schemeClr>
-                </a:solidFill>
-                <a:ea typeface="宋体" pitchFamily="2" charset="-122"/>
-              </a:rPr>
-              <a:t>any 2</a:t>
-            </a:r>
-            <a:r>
-              <a:rPr lang="en-US" altLang="zh-CN" sz="4800" dirty="0">
-                <a:solidFill>
-                  <a:schemeClr val="tx2"/>
-                </a:solidFill>
-                <a:ea typeface="宋体" pitchFamily="2" charset="-122"/>
-              </a:rPr>
-              <a:t> </a:t>
-            </a:r>
-            <a:r>
-              <a:rPr lang="en-US" altLang="zh-CN" sz="4800" dirty="0" smtClean="0">
-                <a:solidFill>
-                  <a:schemeClr val="tx2"/>
-                </a:solidFill>
-                <a:ea typeface="宋体" pitchFamily="2" charset="-122"/>
-              </a:rPr>
-              <a:t>vertices</a:t>
-            </a:r>
-            <a:endParaRPr lang="en-US" altLang="zh-CN" sz="4800" dirty="0">
-              <a:solidFill>
-                <a:schemeClr val="tx2"/>
-              </a:solidFill>
-              <a:ea typeface="宋体" pitchFamily="2" charset="-122"/>
-            </a:endParaRPr>
-          </a:p>
-        </p:txBody>
-      </p:sp>
-      <p:sp>
-        <p:nvSpPr>
-          <p:cNvPr id="61444" name="Rectangle 11"/>
-          <p:cNvSpPr>
-            <a:spLocks noGrp="1" noChangeArrowheads="1"/>
-          </p:cNvSpPr>
-          <p:nvPr>
-            <p:ph type="sldNum" sz="quarter" idx="10"/>
-          </p:nvPr>
-        </p:nvSpPr>
-        <p:spPr>
-          <a:noFill/>
-        </p:spPr>
-        <p:txBody>
-          <a:bodyPr/>
-          <a:lstStyle/>
-          <a:p>
-            <a:r>
-              <a:rPr lang="en-US" dirty="0" smtClean="0"/>
-              <a:t>tree-def.</a:t>
-            </a:r>
-            <a:fld id="{C7424A53-C80F-4B5F-8DC5-4503ED6667F4}" type="slidenum">
-              <a:rPr lang="en-US" smtClean="0"/>
-              <a:pPr/>
-              <a:t>22</a:t>
-            </a:fld>
-            <a:endParaRPr lang="en-US" dirty="0"/>
-          </a:p>
-        </p:txBody>
-      </p:sp>
-    </p:spTree>
-    <p:extLst>
-      <p:ext uri="{BB962C8B-B14F-4D97-AF65-F5344CB8AC3E}">
-        <p14:creationId xmlns:p14="http://schemas.microsoft.com/office/powerpoint/2010/main" val="615541765"/>
-      </p:ext>
-    </p:extLst>
-  </p:cSld>
-  <p:clrMapOvr>
-    <a:masterClrMapping/>
-  </p:clrMapOvr>
-  <mc:AlternateContent xmlns:mc="http://schemas.openxmlformats.org/markup-compatibility/2006">
-    <mc:Choice xmlns:p14="http://schemas.microsoft.com/office/powerpoint/2010/main" Requires="p14">
-      <p:transition spd="slow" p14:dur="800" advClick="0">
-        <p:fade/>
-      </p:transition>
-    </mc:Choice>
-    <mc:Fallback>
-      <p:transition xmlns:p14="http://schemas.microsoft.com/office/powerpoint/2010/main" spd="slow" advClick="0">
-        <p:fade/>
-      </p:transition>
-    </mc:Fallback>
-  </mc:AlternateContent>
-  <p:timing>
-    <p:tnLst>
-      <p:par>
-        <p:cTn xmlns:p14="http://schemas.microsoft.com/office/powerpoint/2010/main" id="1" dur="indefinite" restart="never" nodeType="tmRoot">
-          <p:childTnLst>
-            <p:seq concurrent="1" nextAc="seek">
-              <p:cTn id="2" dur="indefinite" nodeType="mainSeq">
-                <p:childTnLst>
-                  <p:par>
-                    <p:cTn id="3" fill="hold">
-                      <p:stCondLst>
-                        <p:cond delay="indefinite"/>
-                      </p:stCondLst>
-                      <p:childTnLst>
-                        <p:par>
-                          <p:cTn id="4" fill="hold">
-                            <p:stCondLst>
-                              <p:cond delay="0"/>
-                            </p:stCondLst>
-                            <p:childTnLst>
-                              <p:par>
-                                <p:cTn id="5" presetID="10" presetClass="entr" presetSubtype="0" fill="hold" nodeType="clickEffect">
-                                  <p:stCondLst>
-                                    <p:cond delay="0"/>
-                                  </p:stCondLst>
-                                  <p:childTnLst>
-                                    <p:set>
-                                      <p:cBhvr>
-                                        <p:cTn id="6" dur="1" fill="hold">
-                                          <p:stCondLst>
-                                            <p:cond delay="0"/>
-                                          </p:stCondLst>
-                                        </p:cTn>
-                                        <p:tgtEl>
-                                          <p:spTgt spid="744451">
-                                            <p:txEl>
-                                              <p:pRg st="0" end="0"/>
-                                            </p:txEl>
-                                          </p:spTgt>
-                                        </p:tgtEl>
-                                        <p:attrNameLst>
-                                          <p:attrName>style.visibility</p:attrName>
-                                        </p:attrNameLst>
-                                      </p:cBhvr>
-                                      <p:to>
-                                        <p:strVal val="visible"/>
-                                      </p:to>
-                                    </p:set>
-                                    <p:animEffect transition="in" filter="fade">
-                                      <p:cBhvr>
-                                        <p:cTn id="7" dur="500"/>
-                                        <p:tgtEl>
-                                          <p:spTgt spid="744451">
-                                            <p:txEl>
-                                              <p:pRg st="0" end="0"/>
-                                            </p:txEl>
-                                          </p:spTgt>
-                                        </p:tgtEl>
-                                      </p:cBhvr>
-                                    </p:animEffect>
-                                  </p:childTnLst>
-                                </p:cTn>
-                              </p:par>
-                            </p:childTnLst>
-                          </p:cTn>
-                        </p:par>
-                      </p:childTnLst>
-                    </p:cTn>
-                  </p:par>
-                  <p:par>
-                    <p:cTn id="8" fill="hold">
-                      <p:stCondLst>
-                        <p:cond delay="indefinite"/>
-                      </p:stCondLst>
-                      <p:childTnLst>
-                        <p:par>
-                          <p:cTn id="9" fill="hold">
-                            <p:stCondLst>
-                              <p:cond delay="0"/>
-                            </p:stCondLst>
-                            <p:childTnLst>
-                              <p:par>
-                                <p:cTn id="10" presetID="10" presetClass="entr" presetSubtype="0" fill="hold" nodeType="clickEffect">
-                                  <p:stCondLst>
-                                    <p:cond delay="0"/>
-                                  </p:stCondLst>
-                                  <p:childTnLst>
-                                    <p:set>
-                                      <p:cBhvr>
-                                        <p:cTn id="11" dur="1" fill="hold">
-                                          <p:stCondLst>
-                                            <p:cond delay="0"/>
-                                          </p:stCondLst>
-                                        </p:cTn>
-                                        <p:tgtEl>
-                                          <p:spTgt spid="744451">
-                                            <p:txEl>
-                                              <p:pRg st="1" end="1"/>
-                                            </p:txEl>
-                                          </p:spTgt>
-                                        </p:tgtEl>
-                                        <p:attrNameLst>
-                                          <p:attrName>style.visibility</p:attrName>
-                                        </p:attrNameLst>
-                                      </p:cBhvr>
-                                      <p:to>
-                                        <p:strVal val="visible"/>
-                                      </p:to>
-                                    </p:set>
-                                    <p:animEffect transition="in" filter="fade">
-                                      <p:cBhvr>
-                                        <p:cTn id="12" dur="500"/>
-                                        <p:tgtEl>
-                                          <p:spTgt spid="744451">
-                                            <p:txEl>
-                                              <p:pRg st="1" end="1"/>
-                                            </p:txEl>
-                                          </p:spTgt>
-                                        </p:tgtEl>
-                                      </p:cBhvr>
-                                    </p:animEffect>
-                                  </p:childTnLst>
-                                </p:cTn>
-                              </p:par>
-                            </p:childTnLst>
-                          </p:cTn>
-                        </p:par>
-                      </p:childTnLst>
-                    </p:cTn>
-                  </p:par>
-                  <p:par>
-                    <p:cTn id="13" fill="hold">
-                      <p:stCondLst>
-                        <p:cond delay="indefinite"/>
-                      </p:stCondLst>
-                      <p:childTnLst>
-                        <p:par>
-                          <p:cTn id="14" fill="hold">
-                            <p:stCondLst>
-                              <p:cond delay="0"/>
-                            </p:stCondLst>
-                            <p:childTnLst>
-                              <p:par>
-                                <p:cTn id="15" presetID="10" presetClass="entr" presetSubtype="0" fill="hold" nodeType="clickEffect">
-                                  <p:stCondLst>
-                                    <p:cond delay="0"/>
-                                  </p:stCondLst>
-                                  <p:childTnLst>
-                                    <p:set>
-                                      <p:cBhvr>
-                                        <p:cTn id="16" dur="1" fill="hold">
-                                          <p:stCondLst>
-                                            <p:cond delay="0"/>
-                                          </p:stCondLst>
-                                        </p:cTn>
-                                        <p:tgtEl>
-                                          <p:spTgt spid="744451">
-                                            <p:txEl>
-                                              <p:pRg st="2" end="2"/>
-                                            </p:txEl>
-                                          </p:spTgt>
-                                        </p:tgtEl>
-                                        <p:attrNameLst>
-                                          <p:attrName>style.visibility</p:attrName>
-                                        </p:attrNameLst>
-                                      </p:cBhvr>
-                                      <p:to>
-                                        <p:strVal val="visible"/>
-                                      </p:to>
-                                    </p:set>
-                                    <p:animEffect transition="in" filter="fade">
-                                      <p:cBhvr>
-                                        <p:cTn id="17" dur="500"/>
-                                        <p:tgtEl>
-                                          <p:spTgt spid="744451">
-                                            <p:txEl>
-                                              <p:pRg st="2" end="2"/>
-                                            </p:txEl>
-                                          </p:spTgt>
-                                        </p:tgtEl>
-                                      </p:cBhvr>
-                                    </p:animEffect>
-                                  </p:childTnLst>
-                                </p:cTn>
-                              </p:par>
-                            </p:childTnLst>
-                          </p:cTn>
-                        </p:par>
-                      </p:childTnLst>
-                    </p:cTn>
-                  </p:par>
-                </p:childTnLst>
-              </p:cTn>
-              <p:prevCondLst>
-                <p:cond evt="onPrev" delay="0">
-                  <p:tgtEl>
-                    <p:sldTgt/>
-                  </p:tgtEl>
-                </p:cond>
-              </p:prevCondLst>
-              <p:nextCondLst>
-                <p:cond evt="onNext" delay="0">
-                  <p:tgtEl>
-                    <p:sldTgt/>
-                  </p:tgtEl>
-                </p:cond>
-              </p:nextCondLst>
-            </p:seq>
-          </p:childTnLst>
-        </p:cTn>
-      </p:par>
-    </p:tnLst>
-  </p:timing>
-</p:sld>
-</file>
-
-<file path=ppt/slides/slide23.xml><?xml version="1.0" encoding="utf-8"?>
-<p:sld xmlns:a="http://schemas.openxmlformats.org/drawingml/2006/main" xmlns:r="http://schemas.openxmlformats.org/officeDocument/2006/relationships" xmlns:p="http://schemas.openxmlformats.org/presentationml/2006/main" show="0">
-  <p:cSld>
-    <p:spTree>
-      <p:nvGrpSpPr>
-        <p:cNvPr id="1" name=""/>
-        <p:cNvGrpSpPr/>
-        <p:nvPr/>
-      </p:nvGrpSpPr>
-      <p:grpSpPr>
-        <a:xfrm>
-          <a:off x="0" y="0"/>
-          <a:ext cx="0" cy="0"/>
-          <a:chOff x="0" y="0"/>
-          <a:chExt cx="0" cy="0"/>
-        </a:xfrm>
-      </p:grpSpPr>
-      <p:sp>
-        <p:nvSpPr>
-          <p:cNvPr id="61442" name="Rectangle 2"/>
-          <p:cNvSpPr>
-            <a:spLocks noGrp="1" noChangeArrowheads="1"/>
-          </p:cNvSpPr>
-          <p:nvPr>
-            <p:ph type="title"/>
-          </p:nvPr>
-        </p:nvSpPr>
-        <p:spPr/>
-        <p:txBody>
-          <a:bodyPr/>
-          <a:lstStyle/>
-          <a:p>
-            <a:pPr eaLnBrk="1" hangingPunct="1"/>
-            <a:r>
-              <a:rPr lang="en-US" altLang="zh-CN" dirty="0" smtClean="0">
-                <a:ea typeface="宋体" pitchFamily="2" charset="-122"/>
-              </a:rPr>
-              <a:t>more equivalent </a:t>
-            </a:r>
-            <a:r>
-              <a:rPr lang="en-US" altLang="zh-CN" dirty="0">
-                <a:ea typeface="宋体" pitchFamily="2" charset="-122"/>
-              </a:rPr>
-              <a:t>d</a:t>
-            </a:r>
-            <a:r>
-              <a:rPr lang="en-US" altLang="zh-CN" dirty="0" smtClean="0">
-                <a:ea typeface="宋体" pitchFamily="2" charset="-122"/>
-              </a:rPr>
-              <a:t>efinitions</a:t>
-            </a:r>
-          </a:p>
-        </p:txBody>
-      </p:sp>
-      <p:sp>
-        <p:nvSpPr>
-          <p:cNvPr id="744451" name="Rectangle 3"/>
-          <p:cNvSpPr>
-            <a:spLocks noGrp="1" noChangeArrowheads="1"/>
-          </p:cNvSpPr>
-          <p:nvPr>
-            <p:ph type="body" idx="1"/>
-          </p:nvPr>
-        </p:nvSpPr>
-        <p:spPr>
-          <a:xfrm>
-            <a:off x="310442" y="807754"/>
-            <a:ext cx="8676321" cy="5118919"/>
-          </a:xfrm>
-        </p:spPr>
-        <p:txBody>
-          <a:bodyPr/>
-          <a:lstStyle/>
-          <a:p>
-            <a:pPr eaLnBrk="1" hangingPunct="1">
-              <a:buFont typeface="Arial" pitchFamily="34" charset="0"/>
-              <a:buChar char="•"/>
-            </a:pPr>
-            <a:r>
-              <a:rPr lang="en-US" altLang="zh-CN" sz="4800" dirty="0" smtClean="0">
-                <a:solidFill>
-                  <a:schemeClr val="tx2"/>
-                </a:solidFill>
-                <a:ea typeface="宋体" pitchFamily="2" charset="-122"/>
-              </a:rPr>
-              <a:t>graph with a </a:t>
-            </a:r>
-            <a:r>
-              <a:rPr lang="en-US" altLang="zh-CN" sz="4800" dirty="0" smtClean="0">
-                <a:solidFill>
-                  <a:srgbClr val="0033CC"/>
-                </a:solidFill>
-                <a:ea typeface="宋体" pitchFamily="2" charset="-122"/>
-              </a:rPr>
-              <a:t>unique</a:t>
-            </a:r>
-            <a:r>
-              <a:rPr lang="en-US" altLang="zh-CN" sz="4800" dirty="0" smtClean="0">
-                <a:solidFill>
-                  <a:schemeClr val="tx2"/>
-                </a:solidFill>
-                <a:ea typeface="宋体" pitchFamily="2" charset="-122"/>
-              </a:rPr>
-              <a:t> path between </a:t>
-            </a:r>
-            <a:r>
-              <a:rPr lang="en-US" altLang="zh-CN" sz="4800" dirty="0" smtClean="0">
-                <a:solidFill>
-                  <a:schemeClr val="accent1">
-                    <a:lumMod val="50000"/>
-                  </a:schemeClr>
-                </a:solidFill>
-                <a:ea typeface="宋体" pitchFamily="2" charset="-122"/>
-              </a:rPr>
-              <a:t>any 2</a:t>
-            </a:r>
-            <a:r>
-              <a:rPr lang="en-US" altLang="zh-CN" sz="4800" dirty="0" smtClean="0">
-                <a:solidFill>
-                  <a:schemeClr val="tx2"/>
-                </a:solidFill>
-                <a:ea typeface="宋体" pitchFamily="2" charset="-122"/>
-              </a:rPr>
-              <a:t> vertices</a:t>
-            </a:r>
-          </a:p>
-          <a:p>
-            <a:pPr eaLnBrk="1" hangingPunct="1">
-              <a:buFont typeface="Arial" pitchFamily="34" charset="0"/>
-              <a:buChar char="•"/>
-            </a:pPr>
-            <a:r>
-              <a:rPr lang="en-US" altLang="zh-CN" sz="4800" dirty="0" smtClean="0">
-                <a:ea typeface="宋体" pitchFamily="2" charset="-122"/>
-              </a:rPr>
-              <a:t>connected graph with </a:t>
-            </a:r>
-            <a:r>
-              <a:rPr lang="en-US" altLang="zh-CN" sz="4800" dirty="0" smtClean="0">
-                <a:solidFill>
-                  <a:srgbClr val="0033CC"/>
-                </a:solidFill>
-                <a:ea typeface="宋体" pitchFamily="2" charset="-122"/>
-              </a:rPr>
-              <a:t>n</a:t>
-            </a:r>
-            <a:r>
-              <a:rPr lang="en-US" altLang="zh-CN" sz="4800" dirty="0" smtClean="0">
-                <a:ea typeface="宋体" pitchFamily="2" charset="-122"/>
-              </a:rPr>
-              <a:t> </a:t>
-            </a:r>
-          </a:p>
-          <a:p>
-            <a:pPr eaLnBrk="1" hangingPunct="1"/>
-            <a:r>
-              <a:rPr lang="en-US" altLang="zh-CN" sz="4800" dirty="0" smtClean="0">
-                <a:ea typeface="宋体" pitchFamily="2" charset="-122"/>
-              </a:rPr>
-              <a:t>  vertices and </a:t>
-            </a:r>
-            <a:r>
-              <a:rPr lang="en-US" altLang="zh-CN" sz="4800" dirty="0" smtClean="0">
-                <a:solidFill>
-                  <a:srgbClr val="0033CC"/>
-                </a:solidFill>
-                <a:ea typeface="宋体" pitchFamily="2" charset="-122"/>
-              </a:rPr>
-              <a:t>n–1</a:t>
-            </a:r>
-            <a:r>
-              <a:rPr lang="en-US" altLang="zh-CN" sz="4800" dirty="0" smtClean="0">
-                <a:ea typeface="宋体" pitchFamily="2" charset="-122"/>
-              </a:rPr>
-              <a:t> edges</a:t>
-            </a:r>
-          </a:p>
-          <a:p>
-            <a:pPr eaLnBrk="1" hangingPunct="1">
-              <a:buFont typeface="Arial" pitchFamily="34" charset="0"/>
-              <a:buChar char="•"/>
-            </a:pPr>
-            <a:r>
-              <a:rPr lang="en-US" altLang="zh-CN" sz="4800" dirty="0" smtClean="0">
-                <a:solidFill>
-                  <a:schemeClr val="tx2"/>
-                </a:solidFill>
-                <a:ea typeface="宋体" pitchFamily="2" charset="-122"/>
-              </a:rPr>
-              <a:t>an </a:t>
-            </a:r>
-            <a:r>
-              <a:rPr lang="en-US" altLang="zh-CN" sz="4800" dirty="0" smtClean="0">
-                <a:solidFill>
-                  <a:srgbClr val="0033CC"/>
-                </a:solidFill>
-                <a:ea typeface="宋体" pitchFamily="2" charset="-122"/>
-              </a:rPr>
-              <a:t>edge-maximal </a:t>
-            </a:r>
-            <a:r>
-              <a:rPr lang="en-US" altLang="zh-CN" sz="4800" dirty="0" smtClean="0">
-                <a:solidFill>
-                  <a:schemeClr val="tx2"/>
-                </a:solidFill>
-                <a:ea typeface="宋体" pitchFamily="2" charset="-122"/>
-              </a:rPr>
-              <a:t>acyclic graph</a:t>
-            </a:r>
-          </a:p>
-        </p:txBody>
-      </p:sp>
-      <p:sp>
-        <p:nvSpPr>
-          <p:cNvPr id="61444" name="Rectangle 11"/>
-          <p:cNvSpPr>
-            <a:spLocks noGrp="1" noChangeArrowheads="1"/>
-          </p:cNvSpPr>
-          <p:nvPr>
-            <p:ph type="sldNum" sz="quarter" idx="10"/>
-          </p:nvPr>
-        </p:nvSpPr>
-        <p:spPr>
-          <a:noFill/>
-        </p:spPr>
-        <p:txBody>
-          <a:bodyPr/>
-          <a:lstStyle/>
-          <a:p>
-            <a:r>
-              <a:rPr lang="en-US" dirty="0" smtClean="0"/>
-              <a:t>tree-def.</a:t>
-            </a:r>
-            <a:fld id="{C7424A53-C80F-4B5F-8DC5-4503ED6667F4}" type="slidenum">
-              <a:rPr lang="en-US" smtClean="0"/>
-              <a:pPr/>
-              <a:t>23</a:t>
-            </a:fld>
-            <a:endParaRPr lang="en-US" dirty="0"/>
-          </a:p>
-        </p:txBody>
-      </p:sp>
-    </p:spTree>
-    <p:extLst>
-      <p:ext uri="{BB962C8B-B14F-4D97-AF65-F5344CB8AC3E}">
-        <p14:creationId xmlns:p14="http://schemas.microsoft.com/office/powerpoint/2010/main" val="1383285544"/>
-      </p:ext>
-    </p:extLst>
-  </p:cSld>
-  <p:clrMapOvr>
-    <a:masterClrMapping/>
-  </p:clrMapOvr>
-  <p:transition xmlns:p14="http://schemas.microsoft.com/office/powerpoint/2010/main" spd="slow" advClick="0">
-    <p:fade thruBlk="1"/>
-  </p:transition>
-  <p:timing>
-    <p:tnLst>
-      <p:par>
-        <p:cTn xmlns:p14="http://schemas.microsoft.com/office/powerpoint/2010/main" id="1" dur="indefinite" restart="never" nodeType="tmRoot">
-          <p:childTnLst>
-            <p:seq concurrent="1" nextAc="seek">
-              <p:cTn id="2" dur="indefinite" nodeType="mainSeq">
-                <p:childTnLst>
-                  <p:par>
-                    <p:cTn id="3" fill="hold">
-                      <p:stCondLst>
-                        <p:cond delay="indefinite"/>
-                      </p:stCondLst>
-                      <p:childTnLst>
-                        <p:par>
-                          <p:cTn id="4" fill="hold">
-                            <p:stCondLst>
-                              <p:cond delay="0"/>
-                            </p:stCondLst>
-                            <p:childTnLst>
-                              <p:par>
-                                <p:cTn id="5" presetID="10" presetClass="entr" presetSubtype="0" fill="hold" nodeType="clickEffect">
-                                  <p:stCondLst>
-                                    <p:cond delay="0"/>
-                                  </p:stCondLst>
-                                  <p:childTnLst>
-                                    <p:set>
-                                      <p:cBhvr>
-                                        <p:cTn id="6" dur="1" fill="hold">
-                                          <p:stCondLst>
-                                            <p:cond delay="0"/>
-                                          </p:stCondLst>
-                                        </p:cTn>
-                                        <p:tgtEl>
-                                          <p:spTgt spid="744451">
-                                            <p:txEl>
-                                              <p:pRg st="0" end="0"/>
-                                            </p:txEl>
-                                          </p:spTgt>
-                                        </p:tgtEl>
-                                        <p:attrNameLst>
-                                          <p:attrName>style.visibility</p:attrName>
-                                        </p:attrNameLst>
-                                      </p:cBhvr>
-                                      <p:to>
-                                        <p:strVal val="visible"/>
-                                      </p:to>
-                                    </p:set>
-                                    <p:animEffect transition="in" filter="fade">
-                                      <p:cBhvr>
-                                        <p:cTn id="7" dur="500"/>
-                                        <p:tgtEl>
-                                          <p:spTgt spid="744451">
-                                            <p:txEl>
-                                              <p:pRg st="0" end="0"/>
-                                            </p:txEl>
-                                          </p:spTgt>
-                                        </p:tgtEl>
-                                      </p:cBhvr>
-                                    </p:animEffect>
-                                  </p:childTnLst>
-                                </p:cTn>
-                              </p:par>
-                            </p:childTnLst>
-                          </p:cTn>
-                        </p:par>
-                      </p:childTnLst>
-                    </p:cTn>
-                  </p:par>
-                  <p:par>
-                    <p:cTn id="8" fill="hold">
-                      <p:stCondLst>
-                        <p:cond delay="indefinite"/>
-                      </p:stCondLst>
-                      <p:childTnLst>
-                        <p:par>
-                          <p:cTn id="9" fill="hold">
-                            <p:stCondLst>
-                              <p:cond delay="0"/>
-                            </p:stCondLst>
-                            <p:childTnLst>
-                              <p:par>
-                                <p:cTn id="10" presetID="10" presetClass="entr" presetSubtype="0" fill="hold" nodeType="clickEffect">
-                                  <p:stCondLst>
-                                    <p:cond delay="0"/>
-                                  </p:stCondLst>
-                                  <p:childTnLst>
-                                    <p:set>
-                                      <p:cBhvr>
-                                        <p:cTn id="11" dur="1" fill="hold">
-                                          <p:stCondLst>
-                                            <p:cond delay="0"/>
-                                          </p:stCondLst>
-                                        </p:cTn>
-                                        <p:tgtEl>
-                                          <p:spTgt spid="744451">
-                                            <p:txEl>
-                                              <p:pRg st="1" end="1"/>
-                                            </p:txEl>
-                                          </p:spTgt>
-                                        </p:tgtEl>
-                                        <p:attrNameLst>
-                                          <p:attrName>style.visibility</p:attrName>
-                                        </p:attrNameLst>
-                                      </p:cBhvr>
-                                      <p:to>
-                                        <p:strVal val="visible"/>
-                                      </p:to>
-                                    </p:set>
-                                    <p:animEffect transition="in" filter="fade">
-                                      <p:cBhvr>
-                                        <p:cTn id="12" dur="500"/>
-                                        <p:tgtEl>
-                                          <p:spTgt spid="744451">
-                                            <p:txEl>
-                                              <p:pRg st="1" end="1"/>
-                                            </p:txEl>
-                                          </p:spTgt>
-                                        </p:tgtEl>
-                                      </p:cBhvr>
-                                    </p:animEffect>
-                                  </p:childTnLst>
-                                </p:cTn>
-                              </p:par>
-                              <p:par>
-                                <p:cTn id="13" presetID="10" presetClass="entr" presetSubtype="0" fill="hold" nodeType="withEffect">
-                                  <p:stCondLst>
-                                    <p:cond delay="0"/>
-                                  </p:stCondLst>
-                                  <p:childTnLst>
-                                    <p:set>
-                                      <p:cBhvr>
-                                        <p:cTn id="14" dur="1" fill="hold">
-                                          <p:stCondLst>
-                                            <p:cond delay="0"/>
-                                          </p:stCondLst>
-                                        </p:cTn>
-                                        <p:tgtEl>
-                                          <p:spTgt spid="744451">
-                                            <p:txEl>
-                                              <p:pRg st="2" end="2"/>
-                                            </p:txEl>
-                                          </p:spTgt>
-                                        </p:tgtEl>
-                                        <p:attrNameLst>
-                                          <p:attrName>style.visibility</p:attrName>
-                                        </p:attrNameLst>
-                                      </p:cBhvr>
-                                      <p:to>
-                                        <p:strVal val="visible"/>
-                                      </p:to>
-                                    </p:set>
-                                    <p:animEffect transition="in" filter="fade">
-                                      <p:cBhvr>
-                                        <p:cTn id="15" dur="500"/>
-                                        <p:tgtEl>
-                                          <p:spTgt spid="744451">
-                                            <p:txEl>
-                                              <p:pRg st="2" end="2"/>
-                                            </p:txEl>
-                                          </p:spTgt>
-                                        </p:tgtEl>
-                                      </p:cBhvr>
-                                    </p:animEffect>
-                                  </p:childTnLst>
-                                </p:cTn>
-                              </p:par>
-                            </p:childTnLst>
-                          </p:cTn>
-                        </p:par>
-                      </p:childTnLst>
-                    </p:cTn>
-                  </p:par>
-                  <p:par>
-                    <p:cTn id="16" fill="hold">
-                      <p:stCondLst>
-                        <p:cond delay="indefinite"/>
-                      </p:stCondLst>
-                      <p:childTnLst>
-                        <p:par>
-                          <p:cTn id="17" fill="hold">
-                            <p:stCondLst>
-                              <p:cond delay="0"/>
-                            </p:stCondLst>
-                            <p:childTnLst>
-                              <p:par>
-                                <p:cTn id="18" presetID="10" presetClass="entr" presetSubtype="0" fill="hold" nodeType="clickEffect">
-                                  <p:stCondLst>
-                                    <p:cond delay="0"/>
-                                  </p:stCondLst>
-                                  <p:childTnLst>
-                                    <p:set>
-                                      <p:cBhvr>
-                                        <p:cTn id="19" dur="1" fill="hold">
-                                          <p:stCondLst>
-                                            <p:cond delay="0"/>
-                                          </p:stCondLst>
-                                        </p:cTn>
-                                        <p:tgtEl>
-                                          <p:spTgt spid="744451">
-                                            <p:txEl>
-                                              <p:pRg st="3" end="3"/>
-                                            </p:txEl>
-                                          </p:spTgt>
-                                        </p:tgtEl>
-                                        <p:attrNameLst>
-                                          <p:attrName>style.visibility</p:attrName>
-                                        </p:attrNameLst>
-                                      </p:cBhvr>
-                                      <p:to>
-                                        <p:strVal val="visible"/>
-                                      </p:to>
-                                    </p:set>
-                                    <p:animEffect transition="in" filter="fade">
-                                      <p:cBhvr>
-                                        <p:cTn id="20" dur="500"/>
-                                        <p:tgtEl>
-                                          <p:spTgt spid="744451">
-                                            <p:txEl>
-                                              <p:pRg st="3" end="3"/>
-                                            </p:txEl>
-                                          </p:spTgt>
-                                        </p:tgtEl>
-                                      </p:cBhvr>
-                                    </p:animEffect>
-                                  </p:childTnLst>
-                                </p:cTn>
-                              </p:par>
-                            </p:childTnLst>
-                          </p:cTn>
-                        </p:par>
-                      </p:childTnLst>
-                    </p:cTn>
-                  </p:par>
-                </p:childTnLst>
-              </p:cTn>
-              <p:prevCondLst>
-                <p:cond evt="onPrev" delay="0">
-                  <p:tgtEl>
-                    <p:sldTgt/>
-                  </p:tgtEl>
-                </p:cond>
-              </p:prevCondLst>
-              <p:nextCondLst>
-                <p:cond evt="onNext" delay="0">
-                  <p:tgtEl>
-                    <p:sldTgt/>
-                  </p:tgtEl>
-                </p:cond>
-              </p:nextCondLst>
-            </p:seq>
-          </p:childTnLst>
-        </p:cTn>
-      </p:par>
-    </p:tnLst>
-  </p:timing>
-</p:sld>
-</file>
-
-<file path=ppt/slides/slide3.xml><?xml version="1.0" encoding="utf-8"?>
-<p:sld xmlns:a="http://schemas.openxmlformats.org/drawingml/2006/main" xmlns:r="http://schemas.openxmlformats.org/officeDocument/2006/relationships" xmlns:p="http://schemas.openxmlformats.org/presentationml/2006/main">
-  <p:cSld>
-    <p:spTree>
-      <p:nvGrpSpPr>
-        <p:cNvPr id="1" name=""/>
-        <p:cNvGrpSpPr/>
-        <p:nvPr/>
-      </p:nvGrpSpPr>
-      <p:grpSpPr>
-        <a:xfrm>
-          <a:off x="0" y="0"/>
-          <a:ext cx="0" cy="0"/>
-          <a:chOff x="0" y="0"/>
-          <a:chExt cx="0" cy="0"/>
-        </a:xfrm>
-      </p:grpSpPr>
-      <p:sp>
-        <p:nvSpPr>
           <p:cNvPr id="58371" name="Text Box 3"/>
           <p:cNvSpPr txBox="1">
             <a:spLocks noChangeArrowheads="1"/>
@@ -13951,7 +14644,7 @@
             <a:fld id="{B8D01330-1CCD-420A-86D1-6B5E88908576}" type="slidenum">
               <a:rPr lang="en-US" smtClean="0"/>
               <a:pPr/>
-              <a:t>3</a:t>
+              <a:t>4</a:t>
             </a:fld>
             <a:endParaRPr lang="en-US" dirty="0" smtClean="0"/>
           </a:p>
@@ -14584,646 +15277,6 @@
     <p:bldLst>
       <p:bldP spid="20" grpId="0" animBg="1"/>
     </p:bldLst>
-  </p:timing>
-</p:sld>
-</file>
-
-<file path=ppt/slides/slide4.xml><?xml version="1.0" encoding="utf-8"?>
-<p:sld xmlns:a="http://schemas.openxmlformats.org/drawingml/2006/main" xmlns:r="http://schemas.openxmlformats.org/officeDocument/2006/relationships" xmlns:p="http://schemas.openxmlformats.org/presentationml/2006/main">
-  <p:cSld>
-    <p:spTree>
-      <p:nvGrpSpPr>
-        <p:cNvPr id="1" name=""/>
-        <p:cNvGrpSpPr/>
-        <p:nvPr/>
-      </p:nvGrpSpPr>
-      <p:grpSpPr>
-        <a:xfrm>
-          <a:off x="0" y="0"/>
-          <a:ext cx="0" cy="0"/>
-          <a:chOff x="0" y="0"/>
-          <a:chExt cx="0" cy="0"/>
-        </a:xfrm>
-      </p:grpSpPr>
-      <p:sp>
-        <p:nvSpPr>
-          <p:cNvPr id="59394" name="Rectangle 2"/>
-          <p:cNvSpPr>
-            <a:spLocks noGrp="1" noChangeArrowheads="1"/>
-          </p:cNvSpPr>
-          <p:nvPr>
-            <p:ph type="title"/>
-          </p:nvPr>
-        </p:nvSpPr>
-        <p:spPr/>
-        <p:txBody>
-          <a:bodyPr/>
-          <a:lstStyle/>
-          <a:p>
-            <a:pPr eaLnBrk="1" hangingPunct="1"/>
-            <a:r>
-              <a:rPr lang="en-US" altLang="zh-CN" dirty="0" smtClean="0">
-                <a:ea typeface="宋体" pitchFamily="2" charset="-122"/>
-              </a:rPr>
-              <a:t>Trees</a:t>
-            </a:r>
-          </a:p>
-        </p:txBody>
-      </p:sp>
-      <p:sp>
-        <p:nvSpPr>
-          <p:cNvPr id="59395" name="Rectangle 3"/>
-          <p:cNvSpPr>
-            <a:spLocks noGrp="1" noChangeArrowheads="1"/>
-          </p:cNvSpPr>
-          <p:nvPr>
-            <p:ph type="body" idx="1"/>
-          </p:nvPr>
-        </p:nvSpPr>
-        <p:spPr>
-          <a:xfrm>
-            <a:off x="171743" y="1155237"/>
-            <a:ext cx="8876714" cy="1756782"/>
-          </a:xfrm>
-        </p:spPr>
-        <p:txBody>
-          <a:bodyPr/>
-          <a:lstStyle/>
-          <a:p>
-            <a:pPr eaLnBrk="1" hangingPunct="1">
-              <a:buFontTx/>
-              <a:buNone/>
-            </a:pPr>
-            <a:r>
-              <a:rPr lang="en-US" altLang="zh-CN" sz="4800" dirty="0" smtClean="0">
-                <a:ea typeface="宋体" pitchFamily="2" charset="-122"/>
-              </a:rPr>
-              <a:t>A </a:t>
-            </a:r>
-            <a:r>
-              <a:rPr lang="en-US" altLang="zh-CN" sz="4800" dirty="0" smtClean="0">
-                <a:solidFill>
-                  <a:srgbClr val="0033CC"/>
-                </a:solidFill>
-                <a:ea typeface="宋体" pitchFamily="2" charset="-122"/>
-              </a:rPr>
-              <a:t>tree</a:t>
-            </a:r>
-            <a:r>
-              <a:rPr lang="en-US" altLang="zh-CN" sz="4800" dirty="0" smtClean="0">
-                <a:ea typeface="宋体" pitchFamily="2" charset="-122"/>
-              </a:rPr>
-              <a:t> is a connected graph </a:t>
-            </a:r>
-          </a:p>
-          <a:p>
-            <a:pPr eaLnBrk="1" hangingPunct="1">
-              <a:buFontTx/>
-              <a:buNone/>
-            </a:pPr>
-            <a:r>
-              <a:rPr lang="en-US" altLang="zh-CN" sz="4800" dirty="0" smtClean="0">
-                <a:ea typeface="宋体" pitchFamily="2" charset="-122"/>
-              </a:rPr>
-              <a:t>with </a:t>
-            </a:r>
-            <a:r>
-              <a:rPr lang="en-US" altLang="zh-CN" sz="4800" dirty="0" smtClean="0">
-                <a:solidFill>
-                  <a:srgbClr val="008000"/>
-                </a:solidFill>
-                <a:ea typeface="宋体" pitchFamily="2" charset="-122"/>
-              </a:rPr>
-              <a:t>no cycles</a:t>
-            </a:r>
-            <a:r>
-              <a:rPr lang="en-US" altLang="zh-CN" sz="4800" dirty="0" smtClean="0">
-                <a:ea typeface="宋体" pitchFamily="2" charset="-122"/>
-              </a:rPr>
-              <a:t>.</a:t>
-            </a:r>
-          </a:p>
-        </p:txBody>
-      </p:sp>
-      <p:grpSp>
-        <p:nvGrpSpPr>
-          <p:cNvPr id="2" name="Group 4"/>
-          <p:cNvGrpSpPr>
-            <a:grpSpLocks/>
-          </p:cNvGrpSpPr>
-          <p:nvPr/>
-        </p:nvGrpSpPr>
-        <p:grpSpPr bwMode="auto">
-          <a:xfrm>
-            <a:off x="3024188" y="3359150"/>
-            <a:ext cx="2681287" cy="2332038"/>
-            <a:chOff x="1905" y="2116"/>
-            <a:chExt cx="1689" cy="1469"/>
-          </a:xfrm>
-        </p:grpSpPr>
-        <p:sp>
-          <p:nvSpPr>
-            <p:cNvPr id="59398" name="Oval 5"/>
-            <p:cNvSpPr>
-              <a:spLocks noChangeArrowheads="1"/>
-            </p:cNvSpPr>
-            <p:nvPr/>
-          </p:nvSpPr>
-          <p:spPr bwMode="auto">
-            <a:xfrm>
-              <a:off x="2722" y="2798"/>
-              <a:ext cx="144" cy="144"/>
-            </a:xfrm>
-            <a:prstGeom prst="ellipse">
-              <a:avLst/>
-            </a:prstGeom>
-            <a:solidFill>
-              <a:srgbClr val="0066FF"/>
-            </a:solidFill>
-            <a:ln w="25400">
-              <a:solidFill>
-                <a:schemeClr val="tx1"/>
-              </a:solidFill>
-              <a:round/>
-              <a:headEnd/>
-              <a:tailEnd type="none" w="lg" len="lg"/>
-            </a:ln>
-          </p:spPr>
-          <p:txBody>
-            <a:bodyPr wrap="none" anchor="ctr"/>
-            <a:lstStyle/>
-            <a:p>
-              <a:endParaRPr lang="zh-CN" altLang="en-US">
-                <a:ea typeface="宋体" pitchFamily="2" charset="-122"/>
-              </a:endParaRPr>
-            </a:p>
-          </p:txBody>
-        </p:sp>
-        <p:sp>
-          <p:nvSpPr>
-            <p:cNvPr id="59399" name="Oval 6"/>
-            <p:cNvSpPr>
-              <a:spLocks noChangeArrowheads="1"/>
-            </p:cNvSpPr>
-            <p:nvPr/>
-          </p:nvSpPr>
-          <p:spPr bwMode="auto">
-            <a:xfrm>
-              <a:off x="2721" y="2116"/>
-              <a:ext cx="144" cy="144"/>
-            </a:xfrm>
-            <a:prstGeom prst="ellipse">
-              <a:avLst/>
-            </a:prstGeom>
-            <a:solidFill>
-              <a:srgbClr val="0066FF"/>
-            </a:solidFill>
-            <a:ln w="25400">
-              <a:solidFill>
-                <a:schemeClr val="tx1"/>
-              </a:solidFill>
-              <a:round/>
-              <a:headEnd/>
-              <a:tailEnd type="none" w="lg" len="lg"/>
-            </a:ln>
-          </p:spPr>
-          <p:txBody>
-            <a:bodyPr wrap="none" anchor="ctr"/>
-            <a:lstStyle/>
-            <a:p>
-              <a:endParaRPr lang="zh-CN" altLang="en-US">
-                <a:ea typeface="宋体" pitchFamily="2" charset="-122"/>
-              </a:endParaRPr>
-            </a:p>
-          </p:txBody>
-        </p:sp>
-        <p:sp>
-          <p:nvSpPr>
-            <p:cNvPr id="59400" name="Oval 7"/>
-            <p:cNvSpPr>
-              <a:spLocks noChangeArrowheads="1"/>
-            </p:cNvSpPr>
-            <p:nvPr/>
-          </p:nvSpPr>
-          <p:spPr bwMode="auto">
-            <a:xfrm>
-              <a:off x="3145" y="2534"/>
-              <a:ext cx="144" cy="144"/>
-            </a:xfrm>
-            <a:prstGeom prst="ellipse">
-              <a:avLst/>
-            </a:prstGeom>
-            <a:solidFill>
-              <a:srgbClr val="0066FF"/>
-            </a:solidFill>
-            <a:ln w="25400">
-              <a:solidFill>
-                <a:schemeClr val="tx1"/>
-              </a:solidFill>
-              <a:round/>
-              <a:headEnd/>
-              <a:tailEnd type="none" w="lg" len="lg"/>
-            </a:ln>
-          </p:spPr>
-          <p:txBody>
-            <a:bodyPr wrap="none" anchor="ctr"/>
-            <a:lstStyle/>
-            <a:p>
-              <a:endParaRPr lang="zh-CN" altLang="en-US">
-                <a:ea typeface="宋体" pitchFamily="2" charset="-122"/>
-              </a:endParaRPr>
-            </a:p>
-          </p:txBody>
-        </p:sp>
-        <p:sp>
-          <p:nvSpPr>
-            <p:cNvPr id="59401" name="Oval 8"/>
-            <p:cNvSpPr>
-              <a:spLocks noChangeArrowheads="1"/>
-            </p:cNvSpPr>
-            <p:nvPr/>
-          </p:nvSpPr>
-          <p:spPr bwMode="auto">
-            <a:xfrm>
-              <a:off x="1905" y="2534"/>
-              <a:ext cx="144" cy="144"/>
-            </a:xfrm>
-            <a:prstGeom prst="ellipse">
-              <a:avLst/>
-            </a:prstGeom>
-            <a:solidFill>
-              <a:srgbClr val="0066FF"/>
-            </a:solidFill>
-            <a:ln w="25400">
-              <a:solidFill>
-                <a:schemeClr val="tx1"/>
-              </a:solidFill>
-              <a:round/>
-              <a:headEnd/>
-              <a:tailEnd type="none" w="lg" len="lg"/>
-            </a:ln>
-          </p:spPr>
-          <p:txBody>
-            <a:bodyPr wrap="none" anchor="ctr"/>
-            <a:lstStyle/>
-            <a:p>
-              <a:endParaRPr lang="zh-CN" altLang="en-US">
-                <a:ea typeface="宋体" pitchFamily="2" charset="-122"/>
-              </a:endParaRPr>
-            </a:p>
-          </p:txBody>
-        </p:sp>
-        <p:sp>
-          <p:nvSpPr>
-            <p:cNvPr id="59402" name="Oval 9"/>
-            <p:cNvSpPr>
-              <a:spLocks noChangeArrowheads="1"/>
-            </p:cNvSpPr>
-            <p:nvPr/>
-          </p:nvSpPr>
-          <p:spPr bwMode="auto">
-            <a:xfrm>
-              <a:off x="2722" y="3441"/>
-              <a:ext cx="144" cy="144"/>
-            </a:xfrm>
-            <a:prstGeom prst="ellipse">
-              <a:avLst/>
-            </a:prstGeom>
-            <a:solidFill>
-              <a:srgbClr val="0066FF"/>
-            </a:solidFill>
-            <a:ln w="25400">
-              <a:solidFill>
-                <a:schemeClr val="tx1"/>
-              </a:solidFill>
-              <a:round/>
-              <a:headEnd/>
-              <a:tailEnd type="none" w="lg" len="lg"/>
-            </a:ln>
-          </p:spPr>
-          <p:txBody>
-            <a:bodyPr wrap="none" anchor="ctr"/>
-            <a:lstStyle/>
-            <a:p>
-              <a:endParaRPr lang="zh-CN" altLang="en-US">
-                <a:ea typeface="宋体" pitchFamily="2" charset="-122"/>
-              </a:endParaRPr>
-            </a:p>
-          </p:txBody>
-        </p:sp>
-        <p:sp>
-          <p:nvSpPr>
-            <p:cNvPr id="59403" name="Oval 10"/>
-            <p:cNvSpPr>
-              <a:spLocks noChangeArrowheads="1"/>
-            </p:cNvSpPr>
-            <p:nvPr/>
-          </p:nvSpPr>
-          <p:spPr bwMode="auto">
-            <a:xfrm>
-              <a:off x="3450" y="3081"/>
-              <a:ext cx="144" cy="144"/>
-            </a:xfrm>
-            <a:prstGeom prst="ellipse">
-              <a:avLst/>
-            </a:prstGeom>
-            <a:solidFill>
-              <a:srgbClr val="0066FF"/>
-            </a:solidFill>
-            <a:ln w="25400">
-              <a:solidFill>
-                <a:schemeClr val="tx1"/>
-              </a:solidFill>
-              <a:round/>
-              <a:headEnd/>
-              <a:tailEnd type="none" w="lg" len="lg"/>
-            </a:ln>
-          </p:spPr>
-          <p:txBody>
-            <a:bodyPr wrap="none" anchor="ctr"/>
-            <a:lstStyle/>
-            <a:p>
-              <a:endParaRPr lang="zh-CN" altLang="en-US">
-                <a:ea typeface="宋体" pitchFamily="2" charset="-122"/>
-              </a:endParaRPr>
-            </a:p>
-          </p:txBody>
-        </p:sp>
-        <p:cxnSp>
-          <p:nvCxnSpPr>
-            <p:cNvPr id="59404" name="AutoShape 11"/>
-            <p:cNvCxnSpPr>
-              <a:cxnSpLocks noChangeShapeType="1"/>
-              <a:stCxn id="59399" idx="3"/>
-              <a:endCxn id="59401" idx="0"/>
-            </p:cNvCxnSpPr>
-            <p:nvPr/>
-          </p:nvCxnSpPr>
-          <p:spPr bwMode="auto">
-            <a:xfrm flipH="1">
-              <a:off x="1977" y="2239"/>
-              <a:ext cx="765" cy="295"/>
-            </a:xfrm>
-            <a:prstGeom prst="straightConnector1">
-              <a:avLst/>
-            </a:prstGeom>
-            <a:noFill/>
-            <a:ln w="25400">
-              <a:solidFill>
-                <a:schemeClr val="tx1"/>
-              </a:solidFill>
-              <a:round/>
-              <a:headEnd/>
-              <a:tailEnd type="none" w="lg" len="lg"/>
-            </a:ln>
-          </p:spPr>
-        </p:cxnSp>
-        <p:cxnSp>
-          <p:nvCxnSpPr>
-            <p:cNvPr id="59405" name="AutoShape 12"/>
-            <p:cNvCxnSpPr>
-              <a:cxnSpLocks noChangeShapeType="1"/>
-              <a:stCxn id="59399" idx="4"/>
-              <a:endCxn id="59398" idx="0"/>
-            </p:cNvCxnSpPr>
-            <p:nvPr/>
-          </p:nvCxnSpPr>
-          <p:spPr bwMode="auto">
-            <a:xfrm>
-              <a:off x="2793" y="2260"/>
-              <a:ext cx="1" cy="538"/>
-            </a:xfrm>
-            <a:prstGeom prst="straightConnector1">
-              <a:avLst/>
-            </a:prstGeom>
-            <a:noFill/>
-            <a:ln w="25400">
-              <a:solidFill>
-                <a:schemeClr val="tx1"/>
-              </a:solidFill>
-              <a:round/>
-              <a:headEnd/>
-              <a:tailEnd type="none" w="lg" len="lg"/>
-            </a:ln>
-          </p:spPr>
-        </p:cxnSp>
-        <p:cxnSp>
-          <p:nvCxnSpPr>
-            <p:cNvPr id="59406" name="AutoShape 13"/>
-            <p:cNvCxnSpPr>
-              <a:cxnSpLocks noChangeShapeType="1"/>
-              <a:stCxn id="59399" idx="5"/>
-              <a:endCxn id="59400" idx="1"/>
-            </p:cNvCxnSpPr>
-            <p:nvPr/>
-          </p:nvCxnSpPr>
-          <p:spPr bwMode="auto">
-            <a:xfrm>
-              <a:off x="2844" y="2239"/>
-              <a:ext cx="322" cy="316"/>
-            </a:xfrm>
-            <a:prstGeom prst="straightConnector1">
-              <a:avLst/>
-            </a:prstGeom>
-            <a:noFill/>
-            <a:ln w="25400">
-              <a:solidFill>
-                <a:schemeClr val="tx1"/>
-              </a:solidFill>
-              <a:round/>
-              <a:headEnd/>
-              <a:tailEnd type="none" w="lg" len="lg"/>
-            </a:ln>
-          </p:spPr>
-        </p:cxnSp>
-        <p:cxnSp>
-          <p:nvCxnSpPr>
-            <p:cNvPr id="59407" name="AutoShape 14"/>
-            <p:cNvCxnSpPr>
-              <a:cxnSpLocks noChangeShapeType="1"/>
-              <a:stCxn id="59398" idx="4"/>
-              <a:endCxn id="59402" idx="0"/>
-            </p:cNvCxnSpPr>
-            <p:nvPr/>
-          </p:nvCxnSpPr>
-          <p:spPr bwMode="auto">
-            <a:xfrm>
-              <a:off x="2794" y="2942"/>
-              <a:ext cx="0" cy="499"/>
-            </a:xfrm>
-            <a:prstGeom prst="straightConnector1">
-              <a:avLst/>
-            </a:prstGeom>
-            <a:noFill/>
-            <a:ln w="25400">
-              <a:solidFill>
-                <a:schemeClr val="tx1"/>
-              </a:solidFill>
-              <a:round/>
-              <a:headEnd/>
-              <a:tailEnd type="none" w="lg" len="lg"/>
-            </a:ln>
-          </p:spPr>
-        </p:cxnSp>
-        <p:cxnSp>
-          <p:nvCxnSpPr>
-            <p:cNvPr id="59408" name="AutoShape 15"/>
-            <p:cNvCxnSpPr>
-              <a:cxnSpLocks noChangeShapeType="1"/>
-              <a:stCxn id="59400" idx="5"/>
-              <a:endCxn id="59403" idx="0"/>
-            </p:cNvCxnSpPr>
-            <p:nvPr/>
-          </p:nvCxnSpPr>
-          <p:spPr bwMode="auto">
-            <a:xfrm>
-              <a:off x="3268" y="2657"/>
-              <a:ext cx="254" cy="424"/>
-            </a:xfrm>
-            <a:prstGeom prst="straightConnector1">
-              <a:avLst/>
-            </a:prstGeom>
-            <a:noFill/>
-            <a:ln w="25400">
-              <a:solidFill>
-                <a:schemeClr val="tx1"/>
-              </a:solidFill>
-              <a:round/>
-              <a:headEnd/>
-              <a:tailEnd type="none" w="lg" len="lg"/>
-            </a:ln>
-          </p:spPr>
-        </p:cxnSp>
-      </p:grpSp>
-      <p:sp>
-        <p:nvSpPr>
-          <p:cNvPr id="59397" name="Rectangle 11"/>
-          <p:cNvSpPr>
-            <a:spLocks noGrp="1" noChangeArrowheads="1"/>
-          </p:cNvSpPr>
-          <p:nvPr>
-            <p:ph type="sldNum" sz="quarter" idx="10"/>
-          </p:nvPr>
-        </p:nvSpPr>
-        <p:spPr>
-          <a:noFill/>
-        </p:spPr>
-        <p:txBody>
-          <a:bodyPr/>
-          <a:lstStyle/>
-          <a:p>
-            <a:r>
-              <a:rPr lang="en-US" dirty="0" smtClean="0"/>
-              <a:t>tree-def.</a:t>
-            </a:r>
-            <a:fld id="{94284E41-544E-443B-BF20-3F3016A53813}" type="slidenum">
-              <a:rPr lang="en-US" smtClean="0"/>
-              <a:pPr/>
-              <a:t>4</a:t>
-            </a:fld>
-            <a:endParaRPr lang="en-US" dirty="0"/>
-          </a:p>
-        </p:txBody>
-      </p:sp>
-    </p:spTree>
-  </p:cSld>
-  <p:clrMapOvr>
-    <a:masterClrMapping/>
-  </p:clrMapOvr>
-  <mc:AlternateContent xmlns:mc="http://schemas.openxmlformats.org/markup-compatibility/2006" xmlns:p14="http://schemas.microsoft.com/office/powerpoint/2010/main">
-    <mc:Choice Requires="p14">
-      <p:transition spd="slow" p14:dur="1100" advClick="0">
-        <p:fade thruBlk="1"/>
-      </p:transition>
-    </mc:Choice>
-    <mc:Fallback xmlns="">
-      <p:transition xmlns:p14="http://schemas.microsoft.com/office/powerpoint/2010/main" spd="slow" advClick="0">
-        <p:fade thruBlk="1"/>
-      </p:transition>
-    </mc:Fallback>
-  </mc:AlternateContent>
-  <p:timing>
-    <p:tnLst>
-      <p:par>
-        <p:cTn xmlns:p14="http://schemas.microsoft.com/office/powerpoint/2010/main" id="1" dur="indefinite" restart="never" nodeType="tmRoot">
-          <p:childTnLst>
-            <p:seq concurrent="1" nextAc="seek">
-              <p:cTn id="2" dur="indefinite" nodeType="mainSeq">
-                <p:childTnLst>
-                  <p:par>
-                    <p:cTn id="3" fill="hold">
-                      <p:stCondLst>
-                        <p:cond delay="indefinite"/>
-                      </p:stCondLst>
-                      <p:childTnLst>
-                        <p:par>
-                          <p:cTn id="4" fill="hold">
-                            <p:stCondLst>
-                              <p:cond delay="0"/>
-                            </p:stCondLst>
-                            <p:childTnLst>
-                              <p:par>
-                                <p:cTn id="5" presetID="22" presetClass="entr" presetSubtype="1" fill="hold" nodeType="clickEffect">
-                                  <p:stCondLst>
-                                    <p:cond delay="0"/>
-                                  </p:stCondLst>
-                                  <p:childTnLst>
-                                    <p:set>
-                                      <p:cBhvr>
-                                        <p:cTn id="6" dur="1" fill="hold">
-                                          <p:stCondLst>
-                                            <p:cond delay="0"/>
-                                          </p:stCondLst>
-                                        </p:cTn>
-                                        <p:tgtEl>
-                                          <p:spTgt spid="2"/>
-                                        </p:tgtEl>
-                                        <p:attrNameLst>
-                                          <p:attrName>style.visibility</p:attrName>
-                                        </p:attrNameLst>
-                                      </p:cBhvr>
-                                      <p:to>
-                                        <p:strVal val="visible"/>
-                                      </p:to>
-                                    </p:set>
-                                    <p:animEffect transition="in" filter="wipe(up)">
-                                      <p:cBhvr>
-                                        <p:cTn id="7" dur="500"/>
-                                        <p:tgtEl>
-                                          <p:spTgt spid="2"/>
-                                        </p:tgtEl>
-                                      </p:cBhvr>
-                                    </p:animEffect>
-                                  </p:childTnLst>
-                                </p:cTn>
-                              </p:par>
-                            </p:childTnLst>
-                          </p:cTn>
-                        </p:par>
-                      </p:childTnLst>
-                    </p:cTn>
-                  </p:par>
-                </p:childTnLst>
-              </p:cTn>
-              <p:prevCondLst>
-                <p:cond evt="onPrev" delay="0">
-                  <p:tgtEl>
-                    <p:sldTgt/>
-                  </p:tgtEl>
-                </p:cond>
-              </p:prevCondLst>
-              <p:nextCondLst>
-                <p:cond evt="onNext" delay="0">
-                  <p:tgtEl>
-                    <p:sldTgt/>
-                  </p:tgtEl>
-                </p:cond>
-              </p:nextCondLst>
-            </p:seq>
-          </p:childTnLst>
-        </p:cTn>
-      </p:par>
-    </p:tnLst>
   </p:timing>
 </p:sld>
 </file>
